--- a/Presentation.pptx
+++ b/Presentation.pptx
@@ -4,8 +4,18 @@
   <p:sldMasterIdLst>
     <p:sldMasterId id="2147483648" r:id="rId1"/>
   </p:sldMasterIdLst>
+  <p:notesMasterIdLst>
+    <p:notesMasterId r:id="rId10"/>
+  </p:notesMasterIdLst>
   <p:sldIdLst>
     <p:sldId id="256" r:id="rId2"/>
+    <p:sldId id="257" r:id="rId3"/>
+    <p:sldId id="258" r:id="rId4"/>
+    <p:sldId id="259" r:id="rId5"/>
+    <p:sldId id="261" r:id="rId6"/>
+    <p:sldId id="260" r:id="rId7"/>
+    <p:sldId id="262" r:id="rId8"/>
+    <p:sldId id="263" r:id="rId9"/>
   </p:sldIdLst>
   <p:sldSz cx="9144000" cy="6858000" type="screen4x3"/>
   <p:notesSz cx="6858000" cy="9144000"/>
@@ -107,6 +117,434 @@
 </p:presentation>
 </file>
 
+<file path=ppt/notesMasters/notesMaster1.xml><?xml version="1.0" encoding="utf-8"?>
+<p:notesMaster xmlns:a="http://schemas.openxmlformats.org/drawingml/2006/main" xmlns:r="http://schemas.openxmlformats.org/officeDocument/2006/relationships" xmlns:p="http://schemas.openxmlformats.org/presentationml/2006/main">
+  <p:cSld>
+    <p:bg>
+      <p:bgRef idx="1001">
+        <a:schemeClr val="bg1"/>
+      </p:bgRef>
+    </p:bg>
+    <p:spTree>
+      <p:nvGrpSpPr>
+        <p:cNvPr id="1" name=""/>
+        <p:cNvGrpSpPr/>
+        <p:nvPr/>
+      </p:nvGrpSpPr>
+      <p:grpSpPr>
+        <a:xfrm>
+          <a:off x="0" y="0"/>
+          <a:ext cx="0" cy="0"/>
+          <a:chOff x="0" y="0"/>
+          <a:chExt cx="0" cy="0"/>
+        </a:xfrm>
+      </p:grpSpPr>
+      <p:sp>
+        <p:nvSpPr>
+          <p:cNvPr id="2" name="Header Placeholder 1"/>
+          <p:cNvSpPr>
+            <a:spLocks noGrp="1"/>
+          </p:cNvSpPr>
+          <p:nvPr>
+            <p:ph type="hdr" sz="quarter"/>
+          </p:nvPr>
+        </p:nvSpPr>
+        <p:spPr>
+          <a:xfrm>
+            <a:off x="0" y="0"/>
+            <a:ext cx="2971800" cy="457200"/>
+          </a:xfrm>
+          <a:prstGeom prst="rect">
+            <a:avLst/>
+          </a:prstGeom>
+        </p:spPr>
+        <p:txBody>
+          <a:bodyPr vert="horz" lIns="91440" tIns="45720" rIns="91440" bIns="45720" rtlCol="0"/>
+          <a:lstStyle>
+            <a:lvl1pPr algn="l">
+              <a:defRPr sz="1200"/>
+            </a:lvl1pPr>
+          </a:lstStyle>
+          <a:p>
+            <a:endParaRPr lang="en-US"/>
+          </a:p>
+        </p:txBody>
+      </p:sp>
+      <p:sp>
+        <p:nvSpPr>
+          <p:cNvPr id="3" name="Date Placeholder 2"/>
+          <p:cNvSpPr>
+            <a:spLocks noGrp="1"/>
+          </p:cNvSpPr>
+          <p:nvPr>
+            <p:ph type="dt" idx="1"/>
+          </p:nvPr>
+        </p:nvSpPr>
+        <p:spPr>
+          <a:xfrm>
+            <a:off x="3884613" y="0"/>
+            <a:ext cx="2971800" cy="457200"/>
+          </a:xfrm>
+          <a:prstGeom prst="rect">
+            <a:avLst/>
+          </a:prstGeom>
+        </p:spPr>
+        <p:txBody>
+          <a:bodyPr vert="horz" lIns="91440" tIns="45720" rIns="91440" bIns="45720" rtlCol="0"/>
+          <a:lstStyle>
+            <a:lvl1pPr algn="r">
+              <a:defRPr sz="1200"/>
+            </a:lvl1pPr>
+          </a:lstStyle>
+          <a:p>
+            <a:fld id="{2296040D-0F06-4EA9-8286-50A0C738388B}" type="datetimeFigureOut">
+              <a:rPr lang="en-US" smtClean="0"/>
+              <a:t>11/2/2010</a:t>
+            </a:fld>
+            <a:endParaRPr lang="en-US"/>
+          </a:p>
+        </p:txBody>
+      </p:sp>
+      <p:sp>
+        <p:nvSpPr>
+          <p:cNvPr id="4" name="Slide Image Placeholder 3"/>
+          <p:cNvSpPr>
+            <a:spLocks noGrp="1" noRot="1" noChangeAspect="1"/>
+          </p:cNvSpPr>
+          <p:nvPr>
+            <p:ph type="sldImg" idx="2"/>
+          </p:nvPr>
+        </p:nvSpPr>
+        <p:spPr>
+          <a:xfrm>
+            <a:off x="1143000" y="685800"/>
+            <a:ext cx="4572000" cy="3429000"/>
+          </a:xfrm>
+          <a:prstGeom prst="rect">
+            <a:avLst/>
+          </a:prstGeom>
+          <a:noFill/>
+          <a:ln w="12700">
+            <a:solidFill>
+              <a:prstClr val="black"/>
+            </a:solidFill>
+          </a:ln>
+        </p:spPr>
+        <p:txBody>
+          <a:bodyPr vert="horz" lIns="91440" tIns="45720" rIns="91440" bIns="45720" rtlCol="0" anchor="ctr"/>
+          <a:lstStyle/>
+          <a:p>
+            <a:endParaRPr lang="en-US"/>
+          </a:p>
+        </p:txBody>
+      </p:sp>
+      <p:sp>
+        <p:nvSpPr>
+          <p:cNvPr id="5" name="Notes Placeholder 4"/>
+          <p:cNvSpPr>
+            <a:spLocks noGrp="1"/>
+          </p:cNvSpPr>
+          <p:nvPr>
+            <p:ph type="body" sz="quarter" idx="3"/>
+          </p:nvPr>
+        </p:nvSpPr>
+        <p:spPr>
+          <a:xfrm>
+            <a:off x="685800" y="4343400"/>
+            <a:ext cx="5486400" cy="4114800"/>
+          </a:xfrm>
+          <a:prstGeom prst="rect">
+            <a:avLst/>
+          </a:prstGeom>
+        </p:spPr>
+        <p:txBody>
+          <a:bodyPr vert="horz" lIns="91440" tIns="45720" rIns="91440" bIns="45720" rtlCol="0">
+            <a:normAutofit/>
+          </a:bodyPr>
+          <a:lstStyle/>
+          <a:p>
+            <a:pPr lvl="0"/>
+            <a:r>
+              <a:rPr lang="en-US" smtClean="0"/>
+              <a:t>Click to edit Master text styles</a:t>
+            </a:r>
+          </a:p>
+          <a:p>
+            <a:pPr lvl="1"/>
+            <a:r>
+              <a:rPr lang="en-US" smtClean="0"/>
+              <a:t>Second level</a:t>
+            </a:r>
+          </a:p>
+          <a:p>
+            <a:pPr lvl="2"/>
+            <a:r>
+              <a:rPr lang="en-US" smtClean="0"/>
+              <a:t>Third level</a:t>
+            </a:r>
+          </a:p>
+          <a:p>
+            <a:pPr lvl="3"/>
+            <a:r>
+              <a:rPr lang="en-US" smtClean="0"/>
+              <a:t>Fourth level</a:t>
+            </a:r>
+          </a:p>
+          <a:p>
+            <a:pPr lvl="4"/>
+            <a:r>
+              <a:rPr lang="en-US" smtClean="0"/>
+              <a:t>Fifth level</a:t>
+            </a:r>
+            <a:endParaRPr lang="en-US"/>
+          </a:p>
+        </p:txBody>
+      </p:sp>
+      <p:sp>
+        <p:nvSpPr>
+          <p:cNvPr id="6" name="Footer Placeholder 5"/>
+          <p:cNvSpPr>
+            <a:spLocks noGrp="1"/>
+          </p:cNvSpPr>
+          <p:nvPr>
+            <p:ph type="ftr" sz="quarter" idx="4"/>
+          </p:nvPr>
+        </p:nvSpPr>
+        <p:spPr>
+          <a:xfrm>
+            <a:off x="0" y="8685213"/>
+            <a:ext cx="2971800" cy="457200"/>
+          </a:xfrm>
+          <a:prstGeom prst="rect">
+            <a:avLst/>
+          </a:prstGeom>
+        </p:spPr>
+        <p:txBody>
+          <a:bodyPr vert="horz" lIns="91440" tIns="45720" rIns="91440" bIns="45720" rtlCol="0" anchor="b"/>
+          <a:lstStyle>
+            <a:lvl1pPr algn="l">
+              <a:defRPr sz="1200"/>
+            </a:lvl1pPr>
+          </a:lstStyle>
+          <a:p>
+            <a:endParaRPr lang="en-US"/>
+          </a:p>
+        </p:txBody>
+      </p:sp>
+      <p:sp>
+        <p:nvSpPr>
+          <p:cNvPr id="7" name="Slide Number Placeholder 6"/>
+          <p:cNvSpPr>
+            <a:spLocks noGrp="1"/>
+          </p:cNvSpPr>
+          <p:nvPr>
+            <p:ph type="sldNum" sz="quarter" idx="5"/>
+          </p:nvPr>
+        </p:nvSpPr>
+        <p:spPr>
+          <a:xfrm>
+            <a:off x="3884613" y="8685213"/>
+            <a:ext cx="2971800" cy="457200"/>
+          </a:xfrm>
+          <a:prstGeom prst="rect">
+            <a:avLst/>
+          </a:prstGeom>
+        </p:spPr>
+        <p:txBody>
+          <a:bodyPr vert="horz" lIns="91440" tIns="45720" rIns="91440" bIns="45720" rtlCol="0" anchor="b"/>
+          <a:lstStyle>
+            <a:lvl1pPr algn="r">
+              <a:defRPr sz="1200"/>
+            </a:lvl1pPr>
+          </a:lstStyle>
+          <a:p>
+            <a:fld id="{B26A75E8-9EC7-42DF-8FCD-4AF46A032700}" type="slidenum">
+              <a:rPr lang="en-US" smtClean="0"/>
+              <a:t>‹#›</a:t>
+            </a:fld>
+            <a:endParaRPr lang="en-US"/>
+          </a:p>
+        </p:txBody>
+      </p:sp>
+    </p:spTree>
+  </p:cSld>
+  <p:clrMap bg1="lt1" tx1="dk1" bg2="lt2" tx2="dk2" accent1="accent1" accent2="accent2" accent3="accent3" accent4="accent4" accent5="accent5" accent6="accent6" hlink="hlink" folHlink="folHlink"/>
+  <p:notesStyle>
+    <a:lvl1pPr marL="0" algn="l" defTabSz="914400" rtl="0" eaLnBrk="1" latinLnBrk="0" hangingPunct="1">
+      <a:defRPr sz="1200" kern="1200">
+        <a:solidFill>
+          <a:schemeClr val="tx1"/>
+        </a:solidFill>
+        <a:latin typeface="+mn-lt"/>
+        <a:ea typeface="+mn-ea"/>
+        <a:cs typeface="+mn-cs"/>
+      </a:defRPr>
+    </a:lvl1pPr>
+    <a:lvl2pPr marL="457200" algn="l" defTabSz="914400" rtl="0" eaLnBrk="1" latinLnBrk="0" hangingPunct="1">
+      <a:defRPr sz="1200" kern="1200">
+        <a:solidFill>
+          <a:schemeClr val="tx1"/>
+        </a:solidFill>
+        <a:latin typeface="+mn-lt"/>
+        <a:ea typeface="+mn-ea"/>
+        <a:cs typeface="+mn-cs"/>
+      </a:defRPr>
+    </a:lvl2pPr>
+    <a:lvl3pPr marL="914400" algn="l" defTabSz="914400" rtl="0" eaLnBrk="1" latinLnBrk="0" hangingPunct="1">
+      <a:defRPr sz="1200" kern="1200">
+        <a:solidFill>
+          <a:schemeClr val="tx1"/>
+        </a:solidFill>
+        <a:latin typeface="+mn-lt"/>
+        <a:ea typeface="+mn-ea"/>
+        <a:cs typeface="+mn-cs"/>
+      </a:defRPr>
+    </a:lvl3pPr>
+    <a:lvl4pPr marL="1371600" algn="l" defTabSz="914400" rtl="0" eaLnBrk="1" latinLnBrk="0" hangingPunct="1">
+      <a:defRPr sz="1200" kern="1200">
+        <a:solidFill>
+          <a:schemeClr val="tx1"/>
+        </a:solidFill>
+        <a:latin typeface="+mn-lt"/>
+        <a:ea typeface="+mn-ea"/>
+        <a:cs typeface="+mn-cs"/>
+      </a:defRPr>
+    </a:lvl4pPr>
+    <a:lvl5pPr marL="1828800" algn="l" defTabSz="914400" rtl="0" eaLnBrk="1" latinLnBrk="0" hangingPunct="1">
+      <a:defRPr sz="1200" kern="1200">
+        <a:solidFill>
+          <a:schemeClr val="tx1"/>
+        </a:solidFill>
+        <a:latin typeface="+mn-lt"/>
+        <a:ea typeface="+mn-ea"/>
+        <a:cs typeface="+mn-cs"/>
+      </a:defRPr>
+    </a:lvl5pPr>
+    <a:lvl6pPr marL="2286000" algn="l" defTabSz="914400" rtl="0" eaLnBrk="1" latinLnBrk="0" hangingPunct="1">
+      <a:defRPr sz="1200" kern="1200">
+        <a:solidFill>
+          <a:schemeClr val="tx1"/>
+        </a:solidFill>
+        <a:latin typeface="+mn-lt"/>
+        <a:ea typeface="+mn-ea"/>
+        <a:cs typeface="+mn-cs"/>
+      </a:defRPr>
+    </a:lvl6pPr>
+    <a:lvl7pPr marL="2743200" algn="l" defTabSz="914400" rtl="0" eaLnBrk="1" latinLnBrk="0" hangingPunct="1">
+      <a:defRPr sz="1200" kern="1200">
+        <a:solidFill>
+          <a:schemeClr val="tx1"/>
+        </a:solidFill>
+        <a:latin typeface="+mn-lt"/>
+        <a:ea typeface="+mn-ea"/>
+        <a:cs typeface="+mn-cs"/>
+      </a:defRPr>
+    </a:lvl7pPr>
+    <a:lvl8pPr marL="3200400" algn="l" defTabSz="914400" rtl="0" eaLnBrk="1" latinLnBrk="0" hangingPunct="1">
+      <a:defRPr sz="1200" kern="1200">
+        <a:solidFill>
+          <a:schemeClr val="tx1"/>
+        </a:solidFill>
+        <a:latin typeface="+mn-lt"/>
+        <a:ea typeface="+mn-ea"/>
+        <a:cs typeface="+mn-cs"/>
+      </a:defRPr>
+    </a:lvl8pPr>
+    <a:lvl9pPr marL="3657600" algn="l" defTabSz="914400" rtl="0" eaLnBrk="1" latinLnBrk="0" hangingPunct="1">
+      <a:defRPr sz="1200" kern="1200">
+        <a:solidFill>
+          <a:schemeClr val="tx1"/>
+        </a:solidFill>
+        <a:latin typeface="+mn-lt"/>
+        <a:ea typeface="+mn-ea"/>
+        <a:cs typeface="+mn-cs"/>
+      </a:defRPr>
+    </a:lvl9pPr>
+  </p:notesStyle>
+</p:notesMaster>
+</file>
+
+<file path=ppt/notesSlides/notesSlide1.xml><?xml version="1.0" encoding="utf-8"?>
+<p:notes xmlns:a="http://schemas.openxmlformats.org/drawingml/2006/main" xmlns:r="http://schemas.openxmlformats.org/officeDocument/2006/relationships" xmlns:p="http://schemas.openxmlformats.org/presentationml/2006/main">
+  <p:cSld>
+    <p:spTree>
+      <p:nvGrpSpPr>
+        <p:cNvPr id="1" name=""/>
+        <p:cNvGrpSpPr/>
+        <p:nvPr/>
+      </p:nvGrpSpPr>
+      <p:grpSpPr>
+        <a:xfrm>
+          <a:off x="0" y="0"/>
+          <a:ext cx="0" cy="0"/>
+          <a:chOff x="0" y="0"/>
+          <a:chExt cx="0" cy="0"/>
+        </a:xfrm>
+      </p:grpSpPr>
+      <p:sp>
+        <p:nvSpPr>
+          <p:cNvPr id="2" name="Slide Image Placeholder 1"/>
+          <p:cNvSpPr>
+            <a:spLocks noGrp="1" noRot="1" noChangeAspect="1"/>
+          </p:cNvSpPr>
+          <p:nvPr>
+            <p:ph type="sldImg"/>
+          </p:nvPr>
+        </p:nvSpPr>
+        <p:spPr/>
+      </p:sp>
+      <p:sp>
+        <p:nvSpPr>
+          <p:cNvPr id="3" name="Notes Placeholder 2"/>
+          <p:cNvSpPr>
+            <a:spLocks noGrp="1"/>
+          </p:cNvSpPr>
+          <p:nvPr>
+            <p:ph type="body" idx="1"/>
+          </p:nvPr>
+        </p:nvSpPr>
+        <p:spPr/>
+        <p:txBody>
+          <a:bodyPr>
+            <a:normAutofit/>
+          </a:bodyPr>
+          <a:lstStyle/>
+          <a:p>
+            <a:endParaRPr lang="en-US" dirty="0"/>
+          </a:p>
+        </p:txBody>
+      </p:sp>
+      <p:sp>
+        <p:nvSpPr>
+          <p:cNvPr id="4" name="Slide Number Placeholder 3"/>
+          <p:cNvSpPr>
+            <a:spLocks noGrp="1"/>
+          </p:cNvSpPr>
+          <p:nvPr>
+            <p:ph type="sldNum" sz="quarter" idx="10"/>
+          </p:nvPr>
+        </p:nvSpPr>
+        <p:spPr/>
+        <p:txBody>
+          <a:bodyPr/>
+          <a:lstStyle/>
+          <a:p>
+            <a:fld id="{B26A75E8-9EC7-42DF-8FCD-4AF46A032700}" type="slidenum">
+              <a:rPr lang="en-US" smtClean="0"/>
+              <a:t>8</a:t>
+            </a:fld>
+            <a:endParaRPr lang="en-US"/>
+          </a:p>
+        </p:txBody>
+      </p:sp>
+    </p:spTree>
+  </p:cSld>
+  <p:clrMapOvr>
+    <a:masterClrMapping/>
+  </p:clrMapOvr>
+</p:notes>
+</file>
+
 <file path=ppt/slideLayouts/slideLayout1.xml><?xml version="1.0" encoding="utf-8"?>
 <p:sldLayout xmlns:a="http://schemas.openxmlformats.org/drawingml/2006/main" xmlns:r="http://schemas.openxmlformats.org/officeDocument/2006/relationships" xmlns:p="http://schemas.openxmlformats.org/presentationml/2006/main" type="title" preserve="1">
   <p:cSld name="Title Slide">
@@ -288,7 +726,8 @@
           <a:p>
             <a:fld id="{F57067B2-5D5B-4B98-9300-AE70A344D18E}" type="datetimeFigureOut">
               <a:rPr lang="en-US" smtClean="0"/>
-              <a:t>10/27/2010</a:t>
+              <a:pPr/>
+              <a:t>11/2/2010</a:t>
             </a:fld>
             <a:endParaRPr lang="en-US"/>
           </a:p>
@@ -330,6 +769,7 @@
           <a:p>
             <a:fld id="{EE598B4C-704A-4858-9FCB-F2AA47480231}" type="slidenum">
               <a:rPr lang="en-US" smtClean="0"/>
+              <a:pPr/>
               <a:t>‹#›</a:t>
             </a:fld>
             <a:endParaRPr lang="en-US"/>
@@ -453,7 +893,8 @@
           <a:p>
             <a:fld id="{F57067B2-5D5B-4B98-9300-AE70A344D18E}" type="datetimeFigureOut">
               <a:rPr lang="en-US" smtClean="0"/>
-              <a:t>10/27/2010</a:t>
+              <a:pPr/>
+              <a:t>11/2/2010</a:t>
             </a:fld>
             <a:endParaRPr lang="en-US"/>
           </a:p>
@@ -495,6 +936,7 @@
           <a:p>
             <a:fld id="{EE598B4C-704A-4858-9FCB-F2AA47480231}" type="slidenum">
               <a:rPr lang="en-US" smtClean="0"/>
+              <a:pPr/>
               <a:t>‹#›</a:t>
             </a:fld>
             <a:endParaRPr lang="en-US"/>
@@ -628,7 +1070,8 @@
           <a:p>
             <a:fld id="{F57067B2-5D5B-4B98-9300-AE70A344D18E}" type="datetimeFigureOut">
               <a:rPr lang="en-US" smtClean="0"/>
-              <a:t>10/27/2010</a:t>
+              <a:pPr/>
+              <a:t>11/2/2010</a:t>
             </a:fld>
             <a:endParaRPr lang="en-US"/>
           </a:p>
@@ -670,6 +1113,7 @@
           <a:p>
             <a:fld id="{EE598B4C-704A-4858-9FCB-F2AA47480231}" type="slidenum">
               <a:rPr lang="en-US" smtClean="0"/>
+              <a:pPr/>
               <a:t>‹#›</a:t>
             </a:fld>
             <a:endParaRPr lang="en-US"/>
@@ -793,7 +1237,8 @@
           <a:p>
             <a:fld id="{F57067B2-5D5B-4B98-9300-AE70A344D18E}" type="datetimeFigureOut">
               <a:rPr lang="en-US" smtClean="0"/>
-              <a:t>10/27/2010</a:t>
+              <a:pPr/>
+              <a:t>11/2/2010</a:t>
             </a:fld>
             <a:endParaRPr lang="en-US"/>
           </a:p>
@@ -835,6 +1280,7 @@
           <a:p>
             <a:fld id="{EE598B4C-704A-4858-9FCB-F2AA47480231}" type="slidenum">
               <a:rPr lang="en-US" smtClean="0"/>
+              <a:pPr/>
               <a:t>‹#›</a:t>
             </a:fld>
             <a:endParaRPr lang="en-US"/>
@@ -1034,7 +1480,8 @@
           <a:p>
             <a:fld id="{F57067B2-5D5B-4B98-9300-AE70A344D18E}" type="datetimeFigureOut">
               <a:rPr lang="en-US" smtClean="0"/>
-              <a:t>10/27/2010</a:t>
+              <a:pPr/>
+              <a:t>11/2/2010</a:t>
             </a:fld>
             <a:endParaRPr lang="en-US"/>
           </a:p>
@@ -1076,6 +1523,7 @@
           <a:p>
             <a:fld id="{EE598B4C-704A-4858-9FCB-F2AA47480231}" type="slidenum">
               <a:rPr lang="en-US" smtClean="0"/>
+              <a:pPr/>
               <a:t>‹#›</a:t>
             </a:fld>
             <a:endParaRPr lang="en-US"/>
@@ -1317,7 +1765,8 @@
           <a:p>
             <a:fld id="{F57067B2-5D5B-4B98-9300-AE70A344D18E}" type="datetimeFigureOut">
               <a:rPr lang="en-US" smtClean="0"/>
-              <a:t>10/27/2010</a:t>
+              <a:pPr/>
+              <a:t>11/2/2010</a:t>
             </a:fld>
             <a:endParaRPr lang="en-US"/>
           </a:p>
@@ -1359,6 +1808,7 @@
           <a:p>
             <a:fld id="{EE598B4C-704A-4858-9FCB-F2AA47480231}" type="slidenum">
               <a:rPr lang="en-US" smtClean="0"/>
+              <a:pPr/>
               <a:t>‹#›</a:t>
             </a:fld>
             <a:endParaRPr lang="en-US"/>
@@ -1734,7 +2184,8 @@
           <a:p>
             <a:fld id="{F57067B2-5D5B-4B98-9300-AE70A344D18E}" type="datetimeFigureOut">
               <a:rPr lang="en-US" smtClean="0"/>
-              <a:t>10/27/2010</a:t>
+              <a:pPr/>
+              <a:t>11/2/2010</a:t>
             </a:fld>
             <a:endParaRPr lang="en-US"/>
           </a:p>
@@ -1776,6 +2227,7 @@
           <a:p>
             <a:fld id="{EE598B4C-704A-4858-9FCB-F2AA47480231}" type="slidenum">
               <a:rPr lang="en-US" smtClean="0"/>
+              <a:pPr/>
               <a:t>‹#›</a:t>
             </a:fld>
             <a:endParaRPr lang="en-US"/>
@@ -1847,7 +2299,8 @@
           <a:p>
             <a:fld id="{F57067B2-5D5B-4B98-9300-AE70A344D18E}" type="datetimeFigureOut">
               <a:rPr lang="en-US" smtClean="0"/>
-              <a:t>10/27/2010</a:t>
+              <a:pPr/>
+              <a:t>11/2/2010</a:t>
             </a:fld>
             <a:endParaRPr lang="en-US"/>
           </a:p>
@@ -1889,6 +2342,7 @@
           <a:p>
             <a:fld id="{EE598B4C-704A-4858-9FCB-F2AA47480231}" type="slidenum">
               <a:rPr lang="en-US" smtClean="0"/>
+              <a:pPr/>
               <a:t>‹#›</a:t>
             </a:fld>
             <a:endParaRPr lang="en-US"/>
@@ -1937,7 +2391,8 @@
           <a:p>
             <a:fld id="{F57067B2-5D5B-4B98-9300-AE70A344D18E}" type="datetimeFigureOut">
               <a:rPr lang="en-US" smtClean="0"/>
-              <a:t>10/27/2010</a:t>
+              <a:pPr/>
+              <a:t>11/2/2010</a:t>
             </a:fld>
             <a:endParaRPr lang="en-US"/>
           </a:p>
@@ -1979,6 +2434,7 @@
           <a:p>
             <a:fld id="{EE598B4C-704A-4858-9FCB-F2AA47480231}" type="slidenum">
               <a:rPr lang="en-US" smtClean="0"/>
+              <a:pPr/>
               <a:t>‹#›</a:t>
             </a:fld>
             <a:endParaRPr lang="en-US"/>
@@ -2209,7 +2665,8 @@
           <a:p>
             <a:fld id="{F57067B2-5D5B-4B98-9300-AE70A344D18E}" type="datetimeFigureOut">
               <a:rPr lang="en-US" smtClean="0"/>
-              <a:t>10/27/2010</a:t>
+              <a:pPr/>
+              <a:t>11/2/2010</a:t>
             </a:fld>
             <a:endParaRPr lang="en-US"/>
           </a:p>
@@ -2251,6 +2708,7 @@
           <a:p>
             <a:fld id="{EE598B4C-704A-4858-9FCB-F2AA47480231}" type="slidenum">
               <a:rPr lang="en-US" smtClean="0"/>
+              <a:pPr/>
               <a:t>‹#›</a:t>
             </a:fld>
             <a:endParaRPr lang="en-US"/>
@@ -2457,7 +2915,8 @@
           <a:p>
             <a:fld id="{F57067B2-5D5B-4B98-9300-AE70A344D18E}" type="datetimeFigureOut">
               <a:rPr lang="en-US" smtClean="0"/>
-              <a:t>10/27/2010</a:t>
+              <a:pPr/>
+              <a:t>11/2/2010</a:t>
             </a:fld>
             <a:endParaRPr lang="en-US"/>
           </a:p>
@@ -2499,6 +2958,7 @@
           <a:p>
             <a:fld id="{EE598B4C-704A-4858-9FCB-F2AA47480231}" type="slidenum">
               <a:rPr lang="en-US" smtClean="0"/>
+              <a:pPr/>
               <a:t>‹#›</a:t>
             </a:fld>
             <a:endParaRPr lang="en-US"/>
@@ -2665,7 +3125,8 @@
           <a:p>
             <a:fld id="{F57067B2-5D5B-4B98-9300-AE70A344D18E}" type="datetimeFigureOut">
               <a:rPr lang="en-US" smtClean="0"/>
-              <a:t>10/27/2010</a:t>
+              <a:pPr/>
+              <a:t>11/2/2010</a:t>
             </a:fld>
             <a:endParaRPr lang="en-US"/>
           </a:p>
@@ -2743,6 +3204,7 @@
           <a:p>
             <a:fld id="{EE598B4C-704A-4858-9FCB-F2AA47480231}" type="slidenum">
               <a:rPr lang="en-US" smtClean="0"/>
+              <a:pPr/>
               <a:t>‹#›</a:t>
             </a:fld>
             <a:endParaRPr lang="en-US"/>
@@ -3035,16 +3497,54 @@
           <a:chExt cx="0" cy="0"/>
         </a:xfrm>
       </p:grpSpPr>
-      <p:sp>
-        <p:nvSpPr>
-          <p:cNvPr id="4" name="TextBox 3"/>
+      <p:pic>
+        <p:nvPicPr>
+          <p:cNvPr id="3" name="Picture 2" descr="4.jpg"/>
+          <p:cNvPicPr>
+            <a:picLocks noChangeAspect="1"/>
+          </p:cNvPicPr>
+          <p:nvPr/>
+        </p:nvPicPr>
+        <p:blipFill>
+          <a:blip r:embed="rId2" cstate="print"/>
+          <a:stretch>
+            <a:fillRect/>
+          </a:stretch>
+        </p:blipFill>
+        <p:spPr>
+          <a:xfrm>
+            <a:off x="0" y="533400"/>
+            <a:ext cx="9144000" cy="5715001"/>
+          </a:xfrm>
+          <a:prstGeom prst="rect">
+            <a:avLst/>
+          </a:prstGeom>
+          <a:ln w="38100" cap="sq">
+            <a:solidFill>
+              <a:srgbClr val="000000"/>
+            </a:solidFill>
+            <a:prstDash val="solid"/>
+            <a:miter lim="800000"/>
+          </a:ln>
+          <a:effectLst>
+            <a:outerShdw blurRad="50800" dist="38100" dir="2700000" algn="tl" rotWithShape="0">
+              <a:srgbClr val="000000">
+                <a:alpha val="43000"/>
+              </a:srgbClr>
+            </a:outerShdw>
+          </a:effectLst>
+        </p:spPr>
+      </p:pic>
+      <p:sp>
+        <p:nvSpPr>
+          <p:cNvPr id="5" name="TextBox 4"/>
           <p:cNvSpPr txBox="1"/>
           <p:nvPr/>
         </p:nvSpPr>
         <p:spPr>
           <a:xfrm>
-            <a:off x="5410200" y="6248400"/>
-            <a:ext cx="3438057" cy="369332"/>
+            <a:off x="152400" y="5562600"/>
+            <a:ext cx="6858000" cy="523220"/>
           </a:xfrm>
           <a:prstGeom prst="rect">
             <a:avLst/>
@@ -3052,18 +3552,1211 @@
           <a:noFill/>
         </p:spPr>
         <p:txBody>
+          <a:bodyPr wrap="square" rtlCol="0">
+            <a:spAutoFit/>
+          </a:bodyPr>
+          <a:lstStyle/>
+          <a:p>
+            <a:r>
+              <a:rPr lang="pt-BR" sz="2800" dirty="0" smtClean="0"/>
+              <a:t>Integração Contínua – Muito Além do Build</a:t>
+            </a:r>
+            <a:endParaRPr lang="en-US" sz="2800" dirty="0"/>
+          </a:p>
+        </p:txBody>
+      </p:sp>
+      <p:sp>
+        <p:nvSpPr>
+          <p:cNvPr id="6" name="TextBox 5"/>
+          <p:cNvSpPr txBox="1"/>
+          <p:nvPr/>
+        </p:nvSpPr>
+        <p:spPr>
+          <a:xfrm>
+            <a:off x="4572000" y="609600"/>
+            <a:ext cx="4495800" cy="253916"/>
+          </a:xfrm>
+          <a:prstGeom prst="rect">
+            <a:avLst/>
+          </a:prstGeom>
+          <a:noFill/>
+        </p:spPr>
+        <p:txBody>
+          <a:bodyPr wrap="square" rtlCol="0">
+            <a:spAutoFit/>
+          </a:bodyPr>
+          <a:lstStyle/>
+          <a:p>
+            <a:pPr algn="r"/>
+            <a:r>
+              <a:rPr lang="en-US" sz="1050" dirty="0" smtClean="0"/>
+              <a:t>http</a:t>
+            </a:r>
+            <a:r>
+              <a:rPr lang="en-US" sz="1050" dirty="0" smtClean="0"/>
+              <a:t>://www.lean6sigma.co.nz/integrating-continuous-improvement/</a:t>
+            </a:r>
+            <a:endParaRPr lang="en-US" sz="1050" dirty="0"/>
+          </a:p>
+        </p:txBody>
+      </p:sp>
+    </p:spTree>
+  </p:cSld>
+  <p:clrMapOvr>
+    <a:masterClrMapping/>
+  </p:clrMapOvr>
+  <p:timing>
+    <p:tnLst>
+      <p:par>
+        <p:cTn id="1" dur="indefinite" restart="never" nodeType="tmRoot"/>
+      </p:par>
+    </p:tnLst>
+  </p:timing>
+</p:sld>
+</file>
+
+<file path=ppt/slides/slide2.xml><?xml version="1.0" encoding="utf-8"?>
+<p:sld xmlns:a="http://schemas.openxmlformats.org/drawingml/2006/main" xmlns:r="http://schemas.openxmlformats.org/officeDocument/2006/relationships" xmlns:p="http://schemas.openxmlformats.org/presentationml/2006/main">
+  <p:cSld>
+    <p:spTree>
+      <p:nvGrpSpPr>
+        <p:cNvPr id="1" name=""/>
+        <p:cNvGrpSpPr/>
+        <p:nvPr/>
+      </p:nvGrpSpPr>
+      <p:grpSpPr>
+        <a:xfrm>
+          <a:off x="0" y="0"/>
+          <a:ext cx="0" cy="0"/>
+          <a:chOff x="0" y="0"/>
+          <a:chExt cx="0" cy="0"/>
+        </a:xfrm>
+      </p:grpSpPr>
+      <p:pic>
+        <p:nvPicPr>
+          <p:cNvPr id="4" name="Picture 3" descr="6.gif"/>
+          <p:cNvPicPr>
+            <a:picLocks noChangeAspect="1"/>
+          </p:cNvPicPr>
+          <p:nvPr/>
+        </p:nvPicPr>
+        <p:blipFill>
+          <a:blip r:embed="rId2" cstate="print"/>
+          <a:stretch>
+            <a:fillRect/>
+          </a:stretch>
+        </p:blipFill>
+        <p:spPr>
+          <a:xfrm>
+            <a:off x="2667000" y="838200"/>
+            <a:ext cx="3810000" cy="3810000"/>
+          </a:xfrm>
+          <a:prstGeom prst="rect">
+            <a:avLst/>
+          </a:prstGeom>
+          <a:ln w="88900" cap="sq" cmpd="thickThin">
+            <a:solidFill>
+              <a:srgbClr val="000000"/>
+            </a:solidFill>
+            <a:prstDash val="solid"/>
+            <a:miter lim="800000"/>
+          </a:ln>
+          <a:effectLst>
+            <a:innerShdw blurRad="76200">
+              <a:srgbClr val="000000"/>
+            </a:innerShdw>
+          </a:effectLst>
+        </p:spPr>
+      </p:pic>
+      <p:sp>
+        <p:nvSpPr>
+          <p:cNvPr id="5" name="TextBox 4"/>
+          <p:cNvSpPr txBox="1"/>
+          <p:nvPr/>
+        </p:nvSpPr>
+        <p:spPr>
+          <a:xfrm>
+            <a:off x="2438400" y="4724400"/>
+            <a:ext cx="4267200" cy="1015663"/>
+          </a:xfrm>
+          <a:prstGeom prst="rect">
+            <a:avLst/>
+          </a:prstGeom>
+          <a:noFill/>
+        </p:spPr>
+        <p:txBody>
+          <a:bodyPr wrap="square" rtlCol="0">
+            <a:spAutoFit/>
+          </a:bodyPr>
+          <a:lstStyle/>
+          <a:p>
+            <a:pPr algn="ctr"/>
+            <a:r>
+              <a:rPr lang="pt-BR" sz="6000" dirty="0" smtClean="0"/>
+              <a:t>Manuel</a:t>
+            </a:r>
+          </a:p>
+        </p:txBody>
+      </p:sp>
+    </p:spTree>
+  </p:cSld>
+  <p:clrMapOvr>
+    <a:masterClrMapping/>
+  </p:clrMapOvr>
+  <p:timing>
+    <p:tnLst>
+      <p:par>
+        <p:cTn id="1" dur="indefinite" restart="never" nodeType="tmRoot"/>
+      </p:par>
+    </p:tnLst>
+  </p:timing>
+</p:sld>
+</file>
+
+<file path=ppt/slides/slide3.xml><?xml version="1.0" encoding="utf-8"?>
+<p:sld xmlns:a="http://schemas.openxmlformats.org/drawingml/2006/main" xmlns:r="http://schemas.openxmlformats.org/officeDocument/2006/relationships" xmlns:p="http://schemas.openxmlformats.org/presentationml/2006/main">
+  <p:cSld>
+    <p:bg>
+      <p:bgPr>
+        <a:solidFill>
+          <a:srgbClr val="C00000"/>
+        </a:solidFill>
+        <a:effectLst/>
+      </p:bgPr>
+    </p:bg>
+    <p:spTree>
+      <p:nvGrpSpPr>
+        <p:cNvPr id="1" name=""/>
+        <p:cNvGrpSpPr/>
+        <p:nvPr/>
+      </p:nvGrpSpPr>
+      <p:grpSpPr>
+        <a:xfrm>
+          <a:off x="0" y="0"/>
+          <a:ext cx="0" cy="0"/>
+          <a:chOff x="0" y="0"/>
+          <a:chExt cx="0" cy="0"/>
+        </a:xfrm>
+      </p:grpSpPr>
+      <p:pic>
+        <p:nvPicPr>
+          <p:cNvPr id="4" name="Picture 3" descr="6.gif"/>
+          <p:cNvPicPr>
+            <a:picLocks noChangeAspect="1"/>
+          </p:cNvPicPr>
+          <p:nvPr/>
+        </p:nvPicPr>
+        <p:blipFill>
+          <a:blip r:embed="rId2" cstate="print"/>
+          <a:stretch>
+            <a:fillRect/>
+          </a:stretch>
+        </p:blipFill>
+        <p:spPr>
+          <a:xfrm>
+            <a:off x="2667000" y="838200"/>
+            <a:ext cx="3810000" cy="3810000"/>
+          </a:xfrm>
+          <a:prstGeom prst="rect">
+            <a:avLst/>
+          </a:prstGeom>
+          <a:ln w="88900" cap="sq" cmpd="thickThin">
+            <a:solidFill>
+              <a:srgbClr val="000000"/>
+            </a:solidFill>
+            <a:prstDash val="solid"/>
+            <a:miter lim="800000"/>
+          </a:ln>
+          <a:effectLst>
+            <a:innerShdw blurRad="76200">
+              <a:srgbClr val="000000"/>
+            </a:innerShdw>
+          </a:effectLst>
+        </p:spPr>
+      </p:pic>
+      <p:sp>
+        <p:nvSpPr>
+          <p:cNvPr id="5" name="TextBox 4"/>
+          <p:cNvSpPr txBox="1"/>
+          <p:nvPr/>
+        </p:nvSpPr>
+        <p:spPr>
+          <a:xfrm>
+            <a:off x="2438400" y="4724400"/>
+            <a:ext cx="4267200" cy="1938992"/>
+          </a:xfrm>
+          <a:prstGeom prst="rect">
+            <a:avLst/>
+          </a:prstGeom>
+          <a:noFill/>
+        </p:spPr>
+        <p:txBody>
+          <a:bodyPr wrap="square" rtlCol="0">
+            <a:spAutoFit/>
+          </a:bodyPr>
+          <a:lstStyle/>
+          <a:p>
+            <a:pPr algn="ctr"/>
+            <a:r>
+              <a:rPr lang="pt-BR" sz="6000" dirty="0" smtClean="0">
+                <a:solidFill>
+                  <a:schemeClr val="bg1"/>
+                </a:solidFill>
+              </a:rPr>
+              <a:t>Manuel</a:t>
+            </a:r>
+          </a:p>
+          <a:p>
+            <a:pPr algn="ctr"/>
+            <a:r>
+              <a:rPr lang="en-US" sz="6000" dirty="0" err="1" smtClean="0">
+                <a:solidFill>
+                  <a:schemeClr val="bg1"/>
+                </a:solidFill>
+              </a:rPr>
+              <a:t>Jakobsen</a:t>
+            </a:r>
+            <a:endParaRPr lang="en-US" sz="6000" dirty="0">
+              <a:solidFill>
+                <a:schemeClr val="bg1"/>
+              </a:solidFill>
+            </a:endParaRPr>
+          </a:p>
+        </p:txBody>
+      </p:sp>
+    </p:spTree>
+  </p:cSld>
+  <p:clrMapOvr>
+    <a:masterClrMapping/>
+  </p:clrMapOvr>
+  <p:timing>
+    <p:tnLst>
+      <p:par>
+        <p:cTn id="1" dur="indefinite" restart="never" nodeType="tmRoot"/>
+      </p:par>
+    </p:tnLst>
+  </p:timing>
+</p:sld>
+</file>
+
+<file path=ppt/slides/slide4.xml><?xml version="1.0" encoding="utf-8"?>
+<p:sld xmlns:a="http://schemas.openxmlformats.org/drawingml/2006/main" xmlns:r="http://schemas.openxmlformats.org/officeDocument/2006/relationships" xmlns:p="http://schemas.openxmlformats.org/presentationml/2006/main">
+  <p:cSld>
+    <p:spTree>
+      <p:nvGrpSpPr>
+        <p:cNvPr id="1" name=""/>
+        <p:cNvGrpSpPr/>
+        <p:nvPr/>
+      </p:nvGrpSpPr>
+      <p:grpSpPr>
+        <a:xfrm>
+          <a:off x="0" y="0"/>
+          <a:ext cx="0" cy="0"/>
+          <a:chOff x="0" y="0"/>
+          <a:chExt cx="0" cy="0"/>
+        </a:xfrm>
+      </p:grpSpPr>
+      <p:pic>
+        <p:nvPicPr>
+          <p:cNvPr id="4" name="Picture 3" descr="7.gif"/>
+          <p:cNvPicPr>
+            <a:picLocks noChangeAspect="1"/>
+          </p:cNvPicPr>
+          <p:nvPr/>
+        </p:nvPicPr>
+        <p:blipFill>
+          <a:blip r:embed="rId2" cstate="print"/>
+          <a:stretch>
+            <a:fillRect/>
+          </a:stretch>
+        </p:blipFill>
+        <p:spPr>
+          <a:xfrm>
+            <a:off x="0" y="0"/>
+            <a:ext cx="9144000" cy="6858000"/>
+          </a:xfrm>
+          <a:prstGeom prst="rect">
+            <a:avLst/>
+          </a:prstGeom>
+        </p:spPr>
+      </p:pic>
+      <p:sp>
+        <p:nvSpPr>
+          <p:cNvPr id="5" name="TextBox 4"/>
+          <p:cNvSpPr txBox="1"/>
+          <p:nvPr/>
+        </p:nvSpPr>
+        <p:spPr>
+          <a:xfrm>
+            <a:off x="5943600" y="0"/>
+            <a:ext cx="3200400" cy="246221"/>
+          </a:xfrm>
+          <a:prstGeom prst="rect">
+            <a:avLst/>
+          </a:prstGeom>
+          <a:noFill/>
+        </p:spPr>
+        <p:txBody>
+          <a:bodyPr wrap="square" rtlCol="0">
+            <a:spAutoFit/>
+          </a:bodyPr>
+          <a:lstStyle/>
+          <a:p>
+            <a:pPr algn="r"/>
+            <a:r>
+              <a:rPr lang="en-US" sz="1000" dirty="0" smtClean="0">
+                <a:solidFill>
+                  <a:schemeClr val="bg1"/>
+                </a:solidFill>
+              </a:rPr>
+              <a:t>http</a:t>
+            </a:r>
+            <a:r>
+              <a:rPr lang="en-US" sz="1000" dirty="0" smtClean="0">
+                <a:solidFill>
+                  <a:schemeClr val="bg1"/>
+                </a:solidFill>
+              </a:rPr>
+              <a:t>://www.embl.org/elmi/images/denmark.gif</a:t>
+            </a:r>
+            <a:endParaRPr lang="en-US" sz="1000" dirty="0">
+              <a:solidFill>
+                <a:schemeClr val="bg1"/>
+              </a:solidFill>
+            </a:endParaRPr>
+          </a:p>
+        </p:txBody>
+      </p:sp>
+    </p:spTree>
+  </p:cSld>
+  <p:clrMapOvr>
+    <a:masterClrMapping/>
+  </p:clrMapOvr>
+  <p:timing>
+    <p:tnLst>
+      <p:par>
+        <p:cTn id="1" dur="indefinite" restart="never" nodeType="tmRoot"/>
+      </p:par>
+    </p:tnLst>
+  </p:timing>
+</p:sld>
+</file>
+
+<file path=ppt/slides/slide5.xml><?xml version="1.0" encoding="utf-8"?>
+<p:sld xmlns:a="http://schemas.openxmlformats.org/drawingml/2006/main" xmlns:r="http://schemas.openxmlformats.org/officeDocument/2006/relationships" xmlns:p="http://schemas.openxmlformats.org/presentationml/2006/main">
+  <p:cSld>
+    <p:spTree>
+      <p:nvGrpSpPr>
+        <p:cNvPr id="1" name=""/>
+        <p:cNvGrpSpPr/>
+        <p:nvPr/>
+      </p:nvGrpSpPr>
+      <p:grpSpPr>
+        <a:xfrm>
+          <a:off x="0" y="0"/>
+          <a:ext cx="0" cy="0"/>
+          <a:chOff x="0" y="0"/>
+          <a:chExt cx="0" cy="0"/>
+        </a:xfrm>
+      </p:grpSpPr>
+      <p:pic>
+        <p:nvPicPr>
+          <p:cNvPr id="4" name="Picture 3" descr="8.jpg"/>
+          <p:cNvPicPr>
+            <a:picLocks noChangeAspect="1"/>
+          </p:cNvPicPr>
+          <p:nvPr/>
+        </p:nvPicPr>
+        <p:blipFill>
+          <a:blip r:embed="rId2" cstate="print"/>
+          <a:stretch>
+            <a:fillRect/>
+          </a:stretch>
+        </p:blipFill>
+        <p:spPr>
+          <a:xfrm>
+            <a:off x="0" y="0"/>
+            <a:ext cx="9144000" cy="6858000"/>
+          </a:xfrm>
+          <a:prstGeom prst="rect">
+            <a:avLst/>
+          </a:prstGeom>
+        </p:spPr>
+      </p:pic>
+      <p:sp>
+        <p:nvSpPr>
+          <p:cNvPr id="5" name="Rectangle 4"/>
+          <p:cNvSpPr/>
+          <p:nvPr/>
+        </p:nvSpPr>
+        <p:spPr>
+          <a:xfrm>
+            <a:off x="5334000" y="6611779"/>
+            <a:ext cx="4572000" cy="246221"/>
+          </a:xfrm>
+          <a:prstGeom prst="rect">
+            <a:avLst/>
+          </a:prstGeom>
+        </p:spPr>
+        <p:txBody>
+          <a:bodyPr>
+            <a:spAutoFit/>
+          </a:bodyPr>
+          <a:lstStyle/>
+          <a:p>
+            <a:r>
+              <a:rPr lang="en-US" sz="1000" dirty="0" smtClean="0"/>
+              <a:t>http://nutribrazil.com/wp-content/uploads/2010/03/bacalhau011.jpg</a:t>
+            </a:r>
+            <a:endParaRPr lang="en-US" sz="1000" dirty="0"/>
+          </a:p>
+        </p:txBody>
+      </p:sp>
+    </p:spTree>
+  </p:cSld>
+  <p:clrMapOvr>
+    <a:masterClrMapping/>
+  </p:clrMapOvr>
+  <p:timing>
+    <p:tnLst>
+      <p:par>
+        <p:cTn id="1" dur="indefinite" restart="never" nodeType="tmRoot"/>
+      </p:par>
+    </p:tnLst>
+  </p:timing>
+</p:sld>
+</file>
+
+<file path=ppt/slides/slide6.xml><?xml version="1.0" encoding="utf-8"?>
+<p:sld xmlns:a="http://schemas.openxmlformats.org/drawingml/2006/main" xmlns:r="http://schemas.openxmlformats.org/officeDocument/2006/relationships" xmlns:p="http://schemas.openxmlformats.org/presentationml/2006/main">
+  <p:cSld>
+    <p:spTree>
+      <p:nvGrpSpPr>
+        <p:cNvPr id="1" name=""/>
+        <p:cNvGrpSpPr/>
+        <p:nvPr/>
+      </p:nvGrpSpPr>
+      <p:grpSpPr>
+        <a:xfrm>
+          <a:off x="0" y="0"/>
+          <a:ext cx="0" cy="0"/>
+          <a:chOff x="0" y="0"/>
+          <a:chExt cx="0" cy="0"/>
+        </a:xfrm>
+      </p:grpSpPr>
+      <p:pic>
+        <p:nvPicPr>
+          <p:cNvPr id="4" name="Picture 3" descr="5.jpg"/>
+          <p:cNvPicPr>
+            <a:picLocks noChangeAspect="1"/>
+          </p:cNvPicPr>
+          <p:nvPr/>
+        </p:nvPicPr>
+        <p:blipFill>
+          <a:blip r:embed="rId2" cstate="print"/>
+          <a:stretch>
+            <a:fillRect/>
+          </a:stretch>
+        </p:blipFill>
+        <p:spPr>
+          <a:xfrm>
+            <a:off x="0" y="0"/>
+            <a:ext cx="9144000" cy="6882938"/>
+          </a:xfrm>
+          <a:prstGeom prst="rect">
+            <a:avLst/>
+          </a:prstGeom>
+        </p:spPr>
+      </p:pic>
+      <p:sp>
+        <p:nvSpPr>
+          <p:cNvPr id="5" name="TextBox 4"/>
+          <p:cNvSpPr txBox="1"/>
+          <p:nvPr/>
+        </p:nvSpPr>
+        <p:spPr>
+          <a:xfrm>
+            <a:off x="0" y="0"/>
+            <a:ext cx="4161717" cy="246221"/>
+          </a:xfrm>
+          <a:prstGeom prst="rect">
+            <a:avLst/>
+          </a:prstGeom>
+          <a:noFill/>
+        </p:spPr>
+        <p:txBody>
           <a:bodyPr wrap="none" rtlCol="0">
             <a:spAutoFit/>
           </a:bodyPr>
           <a:lstStyle/>
           <a:p>
             <a:r>
+              <a:rPr lang="en-US" sz="1000" dirty="0" smtClean="0"/>
+              <a:t>http://www.rebelado.com/wp-content/uploads/2008/03/foto_bacalhau.jpg</a:t>
+            </a:r>
+            <a:endParaRPr lang="en-US" sz="1000" dirty="0"/>
+          </a:p>
+        </p:txBody>
+      </p:sp>
+      <p:sp>
+        <p:nvSpPr>
+          <p:cNvPr id="12" name="Oval Callout 11"/>
+          <p:cNvSpPr/>
+          <p:nvPr/>
+        </p:nvSpPr>
+        <p:spPr>
+          <a:xfrm>
+            <a:off x="6934200" y="914400"/>
+            <a:ext cx="1828800" cy="1371600"/>
+          </a:xfrm>
+          <a:prstGeom prst="wedgeEllipseCallout">
+            <a:avLst/>
+          </a:prstGeom>
+        </p:spPr>
+        <p:style>
+          <a:lnRef idx="2">
+            <a:schemeClr val="accent1"/>
+          </a:lnRef>
+          <a:fillRef idx="1">
+            <a:schemeClr val="lt1"/>
+          </a:fillRef>
+          <a:effectRef idx="0">
+            <a:schemeClr val="accent1"/>
+          </a:effectRef>
+          <a:fontRef idx="minor">
+            <a:schemeClr val="dk1"/>
+          </a:fontRef>
+        </p:style>
+        <p:txBody>
+          <a:bodyPr rtlCol="0" anchor="ctr"/>
+          <a:lstStyle/>
+          <a:p>
+            <a:pPr algn="ctr"/>
+            <a:r>
+              <a:rPr lang="pt-BR" dirty="0" smtClean="0">
+                <a:latin typeface="Comic Sans MS" pitchFamily="66" charset="0"/>
+              </a:rPr>
+              <a:t>Cabeça de bacalhau</a:t>
+            </a:r>
+            <a:endParaRPr lang="en-US" dirty="0">
+              <a:latin typeface="Comic Sans MS" pitchFamily="66" charset="0"/>
+            </a:endParaRPr>
+          </a:p>
+        </p:txBody>
+      </p:sp>
+    </p:spTree>
+  </p:cSld>
+  <p:clrMapOvr>
+    <a:masterClrMapping/>
+  </p:clrMapOvr>
+  <p:timing>
+    <p:tnLst>
+      <p:par>
+        <p:cTn id="1" dur="indefinite" restart="never" nodeType="tmRoot"/>
+      </p:par>
+    </p:tnLst>
+  </p:timing>
+</p:sld>
+</file>
+
+<file path=ppt/slides/slide7.xml><?xml version="1.0" encoding="utf-8"?>
+<p:sld xmlns:a="http://schemas.openxmlformats.org/drawingml/2006/main" xmlns:r="http://schemas.openxmlformats.org/officeDocument/2006/relationships" xmlns:p="http://schemas.openxmlformats.org/presentationml/2006/main">
+  <p:cSld>
+    <p:bg>
+      <p:bgPr>
+        <a:solidFill>
+          <a:schemeClr val="tx2"/>
+        </a:solidFill>
+        <a:effectLst/>
+      </p:bgPr>
+    </p:bg>
+    <p:spTree>
+      <p:nvGrpSpPr>
+        <p:cNvPr id="1" name=""/>
+        <p:cNvGrpSpPr/>
+        <p:nvPr/>
+      </p:nvGrpSpPr>
+      <p:grpSpPr>
+        <a:xfrm>
+          <a:off x="0" y="0"/>
+          <a:ext cx="0" cy="0"/>
+          <a:chOff x="0" y="0"/>
+          <a:chExt cx="0" cy="0"/>
+        </a:xfrm>
+      </p:grpSpPr>
+      <p:sp>
+        <p:nvSpPr>
+          <p:cNvPr id="4" name="TextBox 3"/>
+          <p:cNvSpPr txBox="1"/>
+          <p:nvPr/>
+        </p:nvSpPr>
+        <p:spPr>
+          <a:xfrm>
+            <a:off x="685800" y="1752600"/>
+            <a:ext cx="7924800" cy="2585323"/>
+          </a:xfrm>
+          <a:prstGeom prst="rect">
+            <a:avLst/>
+          </a:prstGeom>
+          <a:noFill/>
+        </p:spPr>
+        <p:txBody>
+          <a:bodyPr wrap="square" rtlCol="0">
+            <a:spAutoFit/>
+          </a:bodyPr>
+          <a:lstStyle/>
+          <a:p>
+            <a:r>
+              <a:rPr lang="en-US" b="1" dirty="0" smtClean="0">
+                <a:solidFill>
+                  <a:schemeClr val="bg1"/>
+                </a:solidFill>
+                <a:latin typeface="Consolas" pitchFamily="49" charset="0"/>
+                <a:cs typeface="Consolas" pitchFamily="49" charset="0"/>
+              </a:rPr>
+              <a:t>public</a:t>
+            </a:r>
+            <a:r>
               <a:rPr lang="en-US" dirty="0" smtClean="0">
-                <a:hlinkClick r:id="rId2"/>
+                <a:solidFill>
+                  <a:schemeClr val="bg1"/>
+                </a:solidFill>
+                <a:latin typeface="Consolas" pitchFamily="49" charset="0"/>
+                <a:cs typeface="Consolas" pitchFamily="49" charset="0"/>
               </a:rPr>
-              <a:t>http://geekandpoke.typepad.com/</a:t>
-            </a:r>
-            <a:endParaRPr lang="en-US" dirty="0"/>
+              <a:t> </a:t>
+            </a:r>
+            <a:r>
+              <a:rPr lang="en-US" b="1" dirty="0" smtClean="0">
+                <a:solidFill>
+                  <a:schemeClr val="bg1"/>
+                </a:solidFill>
+                <a:latin typeface="Consolas" pitchFamily="49" charset="0"/>
+                <a:cs typeface="Consolas" pitchFamily="49" charset="0"/>
+              </a:rPr>
+              <a:t>static</a:t>
+            </a:r>
+            <a:r>
+              <a:rPr lang="en-US" dirty="0" smtClean="0">
+                <a:solidFill>
+                  <a:schemeClr val="bg1"/>
+                </a:solidFill>
+                <a:latin typeface="Consolas" pitchFamily="49" charset="0"/>
+                <a:cs typeface="Consolas" pitchFamily="49" charset="0"/>
+              </a:rPr>
+              <a:t> </a:t>
+            </a:r>
+            <a:r>
+              <a:rPr lang="en-US" b="1" dirty="0" smtClean="0">
+                <a:solidFill>
+                  <a:schemeClr val="bg1"/>
+                </a:solidFill>
+                <a:latin typeface="Consolas" pitchFamily="49" charset="0"/>
+                <a:cs typeface="Consolas" pitchFamily="49" charset="0"/>
+              </a:rPr>
+              <a:t>string</a:t>
+            </a:r>
+            <a:r>
+              <a:rPr lang="en-US" dirty="0" smtClean="0">
+                <a:solidFill>
+                  <a:schemeClr val="bg1"/>
+                </a:solidFill>
+                <a:latin typeface="Consolas" pitchFamily="49" charset="0"/>
+                <a:cs typeface="Consolas" pitchFamily="49" charset="0"/>
+              </a:rPr>
+              <a:t> Bool2Str(</a:t>
+            </a:r>
+            <a:r>
+              <a:rPr lang="en-US" b="1" dirty="0" err="1" smtClean="0">
+                <a:solidFill>
+                  <a:schemeClr val="bg1"/>
+                </a:solidFill>
+                <a:latin typeface="Consolas" pitchFamily="49" charset="0"/>
+                <a:cs typeface="Consolas" pitchFamily="49" charset="0"/>
+              </a:rPr>
+              <a:t>bool</a:t>
+            </a:r>
+            <a:r>
+              <a:rPr lang="en-US" dirty="0" smtClean="0">
+                <a:solidFill>
+                  <a:schemeClr val="bg1"/>
+                </a:solidFill>
+                <a:latin typeface="Consolas" pitchFamily="49" charset="0"/>
+                <a:cs typeface="Consolas" pitchFamily="49" charset="0"/>
+              </a:rPr>
+              <a:t> b) </a:t>
+            </a:r>
+            <a:endParaRPr lang="en-US" dirty="0" smtClean="0">
+              <a:solidFill>
+                <a:schemeClr val="bg1"/>
+              </a:solidFill>
+              <a:latin typeface="Consolas" pitchFamily="49" charset="0"/>
+              <a:cs typeface="Consolas" pitchFamily="49" charset="0"/>
+            </a:endParaRPr>
+          </a:p>
+          <a:p>
+            <a:r>
+              <a:rPr lang="en-US" dirty="0" smtClean="0">
+                <a:solidFill>
+                  <a:schemeClr val="bg1"/>
+                </a:solidFill>
+                <a:latin typeface="Consolas" pitchFamily="49" charset="0"/>
+                <a:cs typeface="Consolas" pitchFamily="49" charset="0"/>
+              </a:rPr>
+              <a:t>{ </a:t>
+            </a:r>
+          </a:p>
+          <a:p>
+            <a:r>
+              <a:rPr lang="en-US" dirty="0" smtClean="0">
+                <a:solidFill>
+                  <a:schemeClr val="bg1"/>
+                </a:solidFill>
+                <a:latin typeface="Consolas" pitchFamily="49" charset="0"/>
+                <a:cs typeface="Consolas" pitchFamily="49" charset="0"/>
+              </a:rPr>
+              <a:t>	</a:t>
+            </a:r>
+            <a:r>
+              <a:rPr lang="en-US" b="1" dirty="0" smtClean="0">
+                <a:solidFill>
+                  <a:schemeClr val="bg1"/>
+                </a:solidFill>
+                <a:latin typeface="Consolas" pitchFamily="49" charset="0"/>
+                <a:cs typeface="Consolas" pitchFamily="49" charset="0"/>
+              </a:rPr>
+              <a:t>switch</a:t>
+            </a:r>
+            <a:r>
+              <a:rPr lang="en-US" dirty="0" smtClean="0">
+                <a:solidFill>
+                  <a:schemeClr val="bg1"/>
+                </a:solidFill>
+                <a:latin typeface="Consolas" pitchFamily="49" charset="0"/>
+                <a:cs typeface="Consolas" pitchFamily="49" charset="0"/>
+              </a:rPr>
+              <a:t>(b</a:t>
+            </a:r>
+            <a:r>
+              <a:rPr lang="en-US" dirty="0" smtClean="0">
+                <a:solidFill>
+                  <a:schemeClr val="bg1"/>
+                </a:solidFill>
+                <a:latin typeface="Consolas" pitchFamily="49" charset="0"/>
+                <a:cs typeface="Consolas" pitchFamily="49" charset="0"/>
+              </a:rPr>
+              <a:t>) </a:t>
+            </a:r>
+            <a:endParaRPr lang="en-US" dirty="0" smtClean="0">
+              <a:solidFill>
+                <a:schemeClr val="bg1"/>
+              </a:solidFill>
+              <a:latin typeface="Consolas" pitchFamily="49" charset="0"/>
+              <a:cs typeface="Consolas" pitchFamily="49" charset="0"/>
+            </a:endParaRPr>
+          </a:p>
+          <a:p>
+            <a:r>
+              <a:rPr lang="en-US" dirty="0" smtClean="0">
+                <a:solidFill>
+                  <a:schemeClr val="bg1"/>
+                </a:solidFill>
+                <a:latin typeface="Consolas" pitchFamily="49" charset="0"/>
+                <a:cs typeface="Consolas" pitchFamily="49" charset="0"/>
+              </a:rPr>
+              <a:t>	</a:t>
+            </a:r>
+            <a:r>
+              <a:rPr lang="en-US" dirty="0" smtClean="0">
+                <a:solidFill>
+                  <a:schemeClr val="bg1"/>
+                </a:solidFill>
+                <a:latin typeface="Consolas" pitchFamily="49" charset="0"/>
+                <a:cs typeface="Consolas" pitchFamily="49" charset="0"/>
+              </a:rPr>
+              <a:t>{ </a:t>
+            </a:r>
+          </a:p>
+          <a:p>
+            <a:r>
+              <a:rPr lang="en-US" dirty="0" smtClean="0">
+                <a:solidFill>
+                  <a:schemeClr val="bg1"/>
+                </a:solidFill>
+                <a:latin typeface="Consolas" pitchFamily="49" charset="0"/>
+                <a:cs typeface="Consolas" pitchFamily="49" charset="0"/>
+              </a:rPr>
+              <a:t>	</a:t>
+            </a:r>
+            <a:r>
+              <a:rPr lang="en-US" dirty="0" smtClean="0">
+                <a:solidFill>
+                  <a:schemeClr val="bg1"/>
+                </a:solidFill>
+                <a:latin typeface="Consolas" pitchFamily="49" charset="0"/>
+                <a:cs typeface="Consolas" pitchFamily="49" charset="0"/>
+              </a:rPr>
+              <a:t>	</a:t>
+            </a:r>
+            <a:r>
+              <a:rPr lang="en-US" b="1" dirty="0" smtClean="0">
+                <a:solidFill>
+                  <a:schemeClr val="bg1"/>
+                </a:solidFill>
+                <a:latin typeface="Consolas" pitchFamily="49" charset="0"/>
+                <a:cs typeface="Consolas" pitchFamily="49" charset="0"/>
+              </a:rPr>
+              <a:t>case</a:t>
+            </a:r>
+            <a:r>
+              <a:rPr lang="en-US" dirty="0" smtClean="0">
+                <a:solidFill>
+                  <a:schemeClr val="bg1"/>
+                </a:solidFill>
+                <a:latin typeface="Consolas" pitchFamily="49" charset="0"/>
+                <a:cs typeface="Consolas" pitchFamily="49" charset="0"/>
+              </a:rPr>
+              <a:t> </a:t>
+            </a:r>
+            <a:r>
+              <a:rPr lang="en-US" dirty="0" smtClean="0">
+                <a:solidFill>
+                  <a:schemeClr val="bg1"/>
+                </a:solidFill>
+                <a:latin typeface="Consolas" pitchFamily="49" charset="0"/>
+                <a:cs typeface="Consolas" pitchFamily="49" charset="0"/>
+              </a:rPr>
+              <a:t>true: </a:t>
+            </a:r>
+            <a:r>
+              <a:rPr lang="en-US" b="1" dirty="0" smtClean="0">
+                <a:solidFill>
+                  <a:schemeClr val="bg1"/>
+                </a:solidFill>
+                <a:latin typeface="Consolas" pitchFamily="49" charset="0"/>
+                <a:cs typeface="Consolas" pitchFamily="49" charset="0"/>
+              </a:rPr>
+              <a:t>return</a:t>
+            </a:r>
+            <a:r>
+              <a:rPr lang="en-US" dirty="0" smtClean="0">
+                <a:solidFill>
+                  <a:schemeClr val="bg1"/>
+                </a:solidFill>
+                <a:latin typeface="Consolas" pitchFamily="49" charset="0"/>
+                <a:cs typeface="Consolas" pitchFamily="49" charset="0"/>
+              </a:rPr>
+              <a:t> </a:t>
+            </a:r>
+            <a:r>
+              <a:rPr lang="en-US" dirty="0" err="1" smtClean="0">
+                <a:solidFill>
+                  <a:schemeClr val="bg1"/>
+                </a:solidFill>
+                <a:latin typeface="Consolas" pitchFamily="49" charset="0"/>
+                <a:cs typeface="Consolas" pitchFamily="49" charset="0"/>
+              </a:rPr>
+              <a:t>System.Boolean.TrueString</a:t>
+            </a:r>
+            <a:r>
+              <a:rPr lang="en-US" dirty="0" smtClean="0">
+                <a:solidFill>
+                  <a:schemeClr val="bg1"/>
+                </a:solidFill>
+                <a:latin typeface="Consolas" pitchFamily="49" charset="0"/>
+                <a:cs typeface="Consolas" pitchFamily="49" charset="0"/>
+              </a:rPr>
+              <a:t>;</a:t>
+            </a:r>
+          </a:p>
+          <a:p>
+            <a:r>
+              <a:rPr lang="en-US" dirty="0" smtClean="0">
+                <a:solidFill>
+                  <a:schemeClr val="bg1"/>
+                </a:solidFill>
+                <a:latin typeface="Consolas" pitchFamily="49" charset="0"/>
+                <a:cs typeface="Consolas" pitchFamily="49" charset="0"/>
+              </a:rPr>
+              <a:t>	</a:t>
+            </a:r>
+            <a:r>
+              <a:rPr lang="en-US" dirty="0" smtClean="0">
+                <a:solidFill>
+                  <a:schemeClr val="bg1"/>
+                </a:solidFill>
+                <a:latin typeface="Consolas" pitchFamily="49" charset="0"/>
+                <a:cs typeface="Consolas" pitchFamily="49" charset="0"/>
+              </a:rPr>
+              <a:t>	</a:t>
+            </a:r>
+            <a:r>
+              <a:rPr lang="en-US" b="1" dirty="0" smtClean="0">
+                <a:solidFill>
+                  <a:schemeClr val="bg1"/>
+                </a:solidFill>
+                <a:latin typeface="Consolas" pitchFamily="49" charset="0"/>
+                <a:cs typeface="Consolas" pitchFamily="49" charset="0"/>
+              </a:rPr>
+              <a:t>case</a:t>
+            </a:r>
+            <a:r>
+              <a:rPr lang="en-US" dirty="0" smtClean="0">
+                <a:solidFill>
+                  <a:schemeClr val="bg1"/>
+                </a:solidFill>
+                <a:latin typeface="Consolas" pitchFamily="49" charset="0"/>
+                <a:cs typeface="Consolas" pitchFamily="49" charset="0"/>
+              </a:rPr>
+              <a:t> false</a:t>
+            </a:r>
+            <a:r>
+              <a:rPr lang="en-US" dirty="0" smtClean="0">
+                <a:solidFill>
+                  <a:schemeClr val="bg1"/>
+                </a:solidFill>
+                <a:latin typeface="Consolas" pitchFamily="49" charset="0"/>
+                <a:cs typeface="Consolas" pitchFamily="49" charset="0"/>
+              </a:rPr>
+              <a:t>: </a:t>
+            </a:r>
+            <a:r>
+              <a:rPr lang="en-US" b="1" dirty="0" smtClean="0">
+                <a:solidFill>
+                  <a:schemeClr val="bg1"/>
+                </a:solidFill>
+                <a:latin typeface="Consolas" pitchFamily="49" charset="0"/>
+                <a:cs typeface="Consolas" pitchFamily="49" charset="0"/>
+              </a:rPr>
+              <a:t>return</a:t>
+            </a:r>
+            <a:r>
+              <a:rPr lang="en-US" dirty="0" smtClean="0">
+                <a:solidFill>
+                  <a:schemeClr val="bg1"/>
+                </a:solidFill>
+                <a:latin typeface="Consolas" pitchFamily="49" charset="0"/>
+                <a:cs typeface="Consolas" pitchFamily="49" charset="0"/>
+              </a:rPr>
+              <a:t> </a:t>
+            </a:r>
+            <a:r>
+              <a:rPr lang="en-US" dirty="0" err="1" smtClean="0">
+                <a:solidFill>
+                  <a:schemeClr val="bg1"/>
+                </a:solidFill>
+                <a:latin typeface="Consolas" pitchFamily="49" charset="0"/>
+                <a:cs typeface="Consolas" pitchFamily="49" charset="0"/>
+              </a:rPr>
+              <a:t>System.Boolean.FalseString</a:t>
+            </a:r>
+            <a:r>
+              <a:rPr lang="en-US" dirty="0" smtClean="0">
+                <a:solidFill>
+                  <a:schemeClr val="bg1"/>
+                </a:solidFill>
+                <a:latin typeface="Consolas" pitchFamily="49" charset="0"/>
+                <a:cs typeface="Consolas" pitchFamily="49" charset="0"/>
+              </a:rPr>
+              <a:t>;</a:t>
+            </a:r>
+          </a:p>
+          <a:p>
+            <a:r>
+              <a:rPr lang="en-US" dirty="0" smtClean="0">
+                <a:solidFill>
+                  <a:schemeClr val="bg1"/>
+                </a:solidFill>
+                <a:latin typeface="Consolas" pitchFamily="49" charset="0"/>
+                <a:cs typeface="Consolas" pitchFamily="49" charset="0"/>
+              </a:rPr>
+              <a:t>	</a:t>
+            </a:r>
+            <a:r>
+              <a:rPr lang="en-US" dirty="0" smtClean="0">
+                <a:solidFill>
+                  <a:schemeClr val="bg1"/>
+                </a:solidFill>
+                <a:latin typeface="Consolas" pitchFamily="49" charset="0"/>
+                <a:cs typeface="Consolas" pitchFamily="49" charset="0"/>
+              </a:rPr>
+              <a:t>	</a:t>
+            </a:r>
+            <a:r>
+              <a:rPr lang="en-US" b="1" dirty="0" smtClean="0">
+                <a:solidFill>
+                  <a:schemeClr val="bg1"/>
+                </a:solidFill>
+                <a:latin typeface="Consolas" pitchFamily="49" charset="0"/>
+                <a:cs typeface="Consolas" pitchFamily="49" charset="0"/>
+              </a:rPr>
+              <a:t>default</a:t>
+            </a:r>
+            <a:r>
+              <a:rPr lang="en-US" dirty="0" smtClean="0">
+                <a:solidFill>
+                  <a:schemeClr val="bg1"/>
+                </a:solidFill>
+                <a:latin typeface="Consolas" pitchFamily="49" charset="0"/>
+                <a:cs typeface="Consolas" pitchFamily="49" charset="0"/>
+              </a:rPr>
+              <a:t>: </a:t>
+            </a:r>
+            <a:r>
+              <a:rPr lang="en-US" b="1" dirty="0" smtClean="0">
+                <a:solidFill>
+                  <a:schemeClr val="bg1"/>
+                </a:solidFill>
+                <a:latin typeface="Consolas" pitchFamily="49" charset="0"/>
+                <a:cs typeface="Consolas" pitchFamily="49" charset="0"/>
+              </a:rPr>
+              <a:t>return</a:t>
+            </a:r>
+            <a:r>
+              <a:rPr lang="en-US" dirty="0" smtClean="0">
+                <a:solidFill>
+                  <a:schemeClr val="bg1"/>
+                </a:solidFill>
+                <a:latin typeface="Consolas" pitchFamily="49" charset="0"/>
+                <a:cs typeface="Consolas" pitchFamily="49" charset="0"/>
+              </a:rPr>
+              <a:t> "error"; </a:t>
+            </a:r>
+            <a:endParaRPr lang="en-US" dirty="0" smtClean="0">
+              <a:solidFill>
+                <a:schemeClr val="bg1"/>
+              </a:solidFill>
+              <a:latin typeface="Consolas" pitchFamily="49" charset="0"/>
+              <a:cs typeface="Consolas" pitchFamily="49" charset="0"/>
+            </a:endParaRPr>
+          </a:p>
+          <a:p>
+            <a:r>
+              <a:rPr lang="en-US" dirty="0" smtClean="0">
+                <a:solidFill>
+                  <a:schemeClr val="bg1"/>
+                </a:solidFill>
+                <a:latin typeface="Consolas" pitchFamily="49" charset="0"/>
+                <a:cs typeface="Consolas" pitchFamily="49" charset="0"/>
+              </a:rPr>
+              <a:t>	</a:t>
+            </a:r>
+            <a:r>
+              <a:rPr lang="en-US" dirty="0" smtClean="0">
+                <a:solidFill>
+                  <a:schemeClr val="bg1"/>
+                </a:solidFill>
+                <a:latin typeface="Consolas" pitchFamily="49" charset="0"/>
+                <a:cs typeface="Consolas" pitchFamily="49" charset="0"/>
+              </a:rPr>
+              <a:t>} </a:t>
+            </a:r>
+          </a:p>
+          <a:p>
+            <a:r>
+              <a:rPr lang="en-US" dirty="0" smtClean="0">
+                <a:solidFill>
+                  <a:schemeClr val="bg1"/>
+                </a:solidFill>
+                <a:latin typeface="Consolas" pitchFamily="49" charset="0"/>
+                <a:cs typeface="Consolas" pitchFamily="49" charset="0"/>
+              </a:rPr>
+              <a:t>}</a:t>
+            </a:r>
+            <a:endParaRPr lang="en-US" dirty="0">
+              <a:solidFill>
+                <a:schemeClr val="bg1"/>
+              </a:solidFill>
+              <a:latin typeface="Consolas" pitchFamily="49" charset="0"/>
+              <a:cs typeface="Consolas" pitchFamily="49" charset="0"/>
+            </a:endParaRPr>
+          </a:p>
+        </p:txBody>
+      </p:sp>
+    </p:spTree>
+  </p:cSld>
+  <p:clrMapOvr>
+    <a:masterClrMapping/>
+  </p:clrMapOvr>
+  <p:timing>
+    <p:tnLst>
+      <p:par>
+        <p:cTn id="1" dur="indefinite" restart="never" nodeType="tmRoot"/>
+      </p:par>
+    </p:tnLst>
+  </p:timing>
+</p:sld>
+</file>
+
+<file path=ppt/slides/slide8.xml><?xml version="1.0" encoding="utf-8"?>
+<p:sld xmlns:a="http://schemas.openxmlformats.org/drawingml/2006/main" xmlns:r="http://schemas.openxmlformats.org/officeDocument/2006/relationships" xmlns:p="http://schemas.openxmlformats.org/presentationml/2006/main">
+  <p:cSld>
+    <p:spTree>
+      <p:nvGrpSpPr>
+        <p:cNvPr id="1" name=""/>
+        <p:cNvGrpSpPr/>
+        <p:nvPr/>
+      </p:nvGrpSpPr>
+      <p:grpSpPr>
+        <a:xfrm>
+          <a:off x="0" y="0"/>
+          <a:ext cx="0" cy="0"/>
+          <a:chOff x="0" y="0"/>
+          <a:chExt cx="0" cy="0"/>
+        </a:xfrm>
+      </p:grpSpPr>
+      <p:sp>
+        <p:nvSpPr>
+          <p:cNvPr id="4" name="Up Arrow 3"/>
+          <p:cNvSpPr/>
+          <p:nvPr/>
+        </p:nvSpPr>
+        <p:spPr>
+          <a:xfrm rot="3181094">
+            <a:off x="3740729" y="-203073"/>
+            <a:ext cx="2057400" cy="7008098"/>
+          </a:xfrm>
+          <a:prstGeom prst="upArrow">
+            <a:avLst/>
+          </a:prstGeom>
+          <a:gradFill flip="none" rotWithShape="1">
+            <a:gsLst>
+              <a:gs pos="0">
+                <a:srgbClr val="00B050"/>
+              </a:gs>
+              <a:gs pos="100000">
+                <a:srgbClr val="FF0000"/>
+              </a:gs>
+              <a:gs pos="50000">
+                <a:srgbClr val="FFFF00"/>
+              </a:gs>
+            </a:gsLst>
+            <a:lin ang="5400000" scaled="1"/>
+            <a:tileRect/>
+          </a:gradFill>
+        </p:spPr>
+        <p:style>
+          <a:lnRef idx="2">
+            <a:schemeClr val="accent1">
+              <a:shade val="50000"/>
+            </a:schemeClr>
+          </a:lnRef>
+          <a:fillRef idx="1">
+            <a:schemeClr val="accent1"/>
+          </a:fillRef>
+          <a:effectRef idx="0">
+            <a:schemeClr val="accent1"/>
+          </a:effectRef>
+          <a:fontRef idx="minor">
+            <a:schemeClr val="lt1"/>
+          </a:fontRef>
+        </p:style>
+        <p:txBody>
+          <a:bodyPr rtlCol="0" anchor="ctr"/>
+          <a:lstStyle/>
+          <a:p>
+            <a:pPr algn="ctr"/>
+            <a:endParaRPr lang="en-US"/>
           </a:p>
         </p:txBody>
       </p:sp>
@@ -3356,4 +5049,287 @@
   <a:objectDefaults/>
   <a:extraClrSchemeLst/>
 </a:theme>
+</file>
+
+<file path=ppt/theme/theme2.xml><?xml version="1.0" encoding="utf-8"?>
+<a:theme xmlns:a="http://schemas.openxmlformats.org/drawingml/2006/main" name="Office Theme">
+  <a:themeElements>
+    <a:clrScheme name="Office">
+      <a:dk1>
+        <a:sysClr val="windowText" lastClr="000000"/>
+      </a:dk1>
+      <a:lt1>
+        <a:sysClr val="window" lastClr="FFFFFF"/>
+      </a:lt1>
+      <a:dk2>
+        <a:srgbClr val="1F497D"/>
+      </a:dk2>
+      <a:lt2>
+        <a:srgbClr val="EEECE1"/>
+      </a:lt2>
+      <a:accent1>
+        <a:srgbClr val="4F81BD"/>
+      </a:accent1>
+      <a:accent2>
+        <a:srgbClr val="C0504D"/>
+      </a:accent2>
+      <a:accent3>
+        <a:srgbClr val="9BBB59"/>
+      </a:accent3>
+      <a:accent4>
+        <a:srgbClr val="8064A2"/>
+      </a:accent4>
+      <a:accent5>
+        <a:srgbClr val="4BACC6"/>
+      </a:accent5>
+      <a:accent6>
+        <a:srgbClr val="F79646"/>
+      </a:accent6>
+      <a:hlink>
+        <a:srgbClr val="0000FF"/>
+      </a:hlink>
+      <a:folHlink>
+        <a:srgbClr val="800080"/>
+      </a:folHlink>
+    </a:clrScheme>
+    <a:fontScheme name="Office">
+      <a:majorFont>
+        <a:latin typeface="Calibri"/>
+        <a:ea typeface=""/>
+        <a:cs typeface=""/>
+        <a:font script="Jpan" typeface="ＭＳ Ｐゴシック"/>
+        <a:font script="Hang" typeface="맑은 고딕"/>
+        <a:font script="Hans" typeface="宋体"/>
+        <a:font script="Hant" typeface="新細明體"/>
+        <a:font script="Arab" typeface="Times New Roman"/>
+        <a:font script="Hebr" typeface="Times New Roman"/>
+        <a:font script="Thai" typeface="Angsana New"/>
+        <a:font script="Ethi" typeface="Nyala"/>
+        <a:font script="Beng" typeface="Vrinda"/>
+        <a:font script="Gujr" typeface="Shruti"/>
+        <a:font script="Khmr" typeface="MoolBoran"/>
+        <a:font script="Knda" typeface="Tunga"/>
+        <a:font script="Guru" typeface="Raavi"/>
+        <a:font script="Cans" typeface="Euphemia"/>
+        <a:font script="Cher" typeface="Plantagenet Cherokee"/>
+        <a:font script="Yiii" typeface="Microsoft Yi Baiti"/>
+        <a:font script="Tibt" typeface="Microsoft Himalaya"/>
+        <a:font script="Thaa" typeface="MV Boli"/>
+        <a:font script="Deva" typeface="Mangal"/>
+        <a:font script="Telu" typeface="Gautami"/>
+        <a:font script="Taml" typeface="Latha"/>
+        <a:font script="Syrc" typeface="Estrangelo Edessa"/>
+        <a:font script="Orya" typeface="Kalinga"/>
+        <a:font script="Mlym" typeface="Kartika"/>
+        <a:font script="Laoo" typeface="DokChampa"/>
+        <a:font script="Sinh" typeface="Iskoola Pota"/>
+        <a:font script="Mong" typeface="Mongolian Baiti"/>
+        <a:font script="Viet" typeface="Times New Roman"/>
+        <a:font script="Uigh" typeface="Microsoft Uighur"/>
+      </a:majorFont>
+      <a:minorFont>
+        <a:latin typeface="Calibri"/>
+        <a:ea typeface=""/>
+        <a:cs typeface=""/>
+        <a:font script="Jpan" typeface="ＭＳ Ｐゴシック"/>
+        <a:font script="Hang" typeface="맑은 고딕"/>
+        <a:font script="Hans" typeface="宋体"/>
+        <a:font script="Hant" typeface="新細明體"/>
+        <a:font script="Arab" typeface="Arial"/>
+        <a:font script="Hebr" typeface="Arial"/>
+        <a:font script="Thai" typeface="Cordia New"/>
+        <a:font script="Ethi" typeface="Nyala"/>
+        <a:font script="Beng" typeface="Vrinda"/>
+        <a:font script="Gujr" typeface="Shruti"/>
+        <a:font script="Khmr" typeface="DaunPenh"/>
+        <a:font script="Knda" typeface="Tunga"/>
+        <a:font script="Guru" typeface="Raavi"/>
+        <a:font script="Cans" typeface="Euphemia"/>
+        <a:font script="Cher" typeface="Plantagenet Cherokee"/>
+        <a:font script="Yiii" typeface="Microsoft Yi Baiti"/>
+        <a:font script="Tibt" typeface="Microsoft Himalaya"/>
+        <a:font script="Thaa" typeface="MV Boli"/>
+        <a:font script="Deva" typeface="Mangal"/>
+        <a:font script="Telu" typeface="Gautami"/>
+        <a:font script="Taml" typeface="Latha"/>
+        <a:font script="Syrc" typeface="Estrangelo Edessa"/>
+        <a:font script="Orya" typeface="Kalinga"/>
+        <a:font script="Mlym" typeface="Kartika"/>
+        <a:font script="Laoo" typeface="DokChampa"/>
+        <a:font script="Sinh" typeface="Iskoola Pota"/>
+        <a:font script="Mong" typeface="Mongolian Baiti"/>
+        <a:font script="Viet" typeface="Arial"/>
+        <a:font script="Uigh" typeface="Microsoft Uighur"/>
+      </a:minorFont>
+    </a:fontScheme>
+    <a:fmtScheme name="Office">
+      <a:fillStyleLst>
+        <a:solidFill>
+          <a:schemeClr val="phClr"/>
+        </a:solidFill>
+        <a:gradFill rotWithShape="1">
+          <a:gsLst>
+            <a:gs pos="0">
+              <a:schemeClr val="phClr">
+                <a:tint val="50000"/>
+                <a:satMod val="300000"/>
+              </a:schemeClr>
+            </a:gs>
+            <a:gs pos="35000">
+              <a:schemeClr val="phClr">
+                <a:tint val="37000"/>
+                <a:satMod val="300000"/>
+              </a:schemeClr>
+            </a:gs>
+            <a:gs pos="100000">
+              <a:schemeClr val="phClr">
+                <a:tint val="15000"/>
+                <a:satMod val="350000"/>
+              </a:schemeClr>
+            </a:gs>
+          </a:gsLst>
+          <a:lin ang="16200000" scaled="1"/>
+        </a:gradFill>
+        <a:gradFill rotWithShape="1">
+          <a:gsLst>
+            <a:gs pos="0">
+              <a:schemeClr val="phClr">
+                <a:shade val="51000"/>
+                <a:satMod val="130000"/>
+              </a:schemeClr>
+            </a:gs>
+            <a:gs pos="80000">
+              <a:schemeClr val="phClr">
+                <a:shade val="93000"/>
+                <a:satMod val="130000"/>
+              </a:schemeClr>
+            </a:gs>
+            <a:gs pos="100000">
+              <a:schemeClr val="phClr">
+                <a:shade val="94000"/>
+                <a:satMod val="135000"/>
+              </a:schemeClr>
+            </a:gs>
+          </a:gsLst>
+          <a:lin ang="16200000" scaled="0"/>
+        </a:gradFill>
+      </a:fillStyleLst>
+      <a:lnStyleLst>
+        <a:ln w="9525" cap="flat" cmpd="sng" algn="ctr">
+          <a:solidFill>
+            <a:schemeClr val="phClr">
+              <a:shade val="95000"/>
+              <a:satMod val="105000"/>
+            </a:schemeClr>
+          </a:solidFill>
+          <a:prstDash val="solid"/>
+        </a:ln>
+        <a:ln w="25400" cap="flat" cmpd="sng" algn="ctr">
+          <a:solidFill>
+            <a:schemeClr val="phClr"/>
+          </a:solidFill>
+          <a:prstDash val="solid"/>
+        </a:ln>
+        <a:ln w="38100" cap="flat" cmpd="sng" algn="ctr">
+          <a:solidFill>
+            <a:schemeClr val="phClr"/>
+          </a:solidFill>
+          <a:prstDash val="solid"/>
+        </a:ln>
+      </a:lnStyleLst>
+      <a:effectStyleLst>
+        <a:effectStyle>
+          <a:effectLst>
+            <a:outerShdw blurRad="40000" dist="20000" dir="5400000" rotWithShape="0">
+              <a:srgbClr val="000000">
+                <a:alpha val="38000"/>
+              </a:srgbClr>
+            </a:outerShdw>
+          </a:effectLst>
+        </a:effectStyle>
+        <a:effectStyle>
+          <a:effectLst>
+            <a:outerShdw blurRad="40000" dist="23000" dir="5400000" rotWithShape="0">
+              <a:srgbClr val="000000">
+                <a:alpha val="35000"/>
+              </a:srgbClr>
+            </a:outerShdw>
+          </a:effectLst>
+        </a:effectStyle>
+        <a:effectStyle>
+          <a:effectLst>
+            <a:outerShdw blurRad="40000" dist="23000" dir="5400000" rotWithShape="0">
+              <a:srgbClr val="000000">
+                <a:alpha val="35000"/>
+              </a:srgbClr>
+            </a:outerShdw>
+          </a:effectLst>
+          <a:scene3d>
+            <a:camera prst="orthographicFront">
+              <a:rot lat="0" lon="0" rev="0"/>
+            </a:camera>
+            <a:lightRig rig="threePt" dir="t">
+              <a:rot lat="0" lon="0" rev="1200000"/>
+            </a:lightRig>
+          </a:scene3d>
+          <a:sp3d>
+            <a:bevelT w="63500" h="25400"/>
+          </a:sp3d>
+        </a:effectStyle>
+      </a:effectStyleLst>
+      <a:bgFillStyleLst>
+        <a:solidFill>
+          <a:schemeClr val="phClr"/>
+        </a:solidFill>
+        <a:gradFill rotWithShape="1">
+          <a:gsLst>
+            <a:gs pos="0">
+              <a:schemeClr val="phClr">
+                <a:tint val="40000"/>
+                <a:satMod val="350000"/>
+              </a:schemeClr>
+            </a:gs>
+            <a:gs pos="40000">
+              <a:schemeClr val="phClr">
+                <a:tint val="45000"/>
+                <a:shade val="99000"/>
+                <a:satMod val="350000"/>
+              </a:schemeClr>
+            </a:gs>
+            <a:gs pos="100000">
+              <a:schemeClr val="phClr">
+                <a:shade val="20000"/>
+                <a:satMod val="255000"/>
+              </a:schemeClr>
+            </a:gs>
+          </a:gsLst>
+          <a:path path="circle">
+            <a:fillToRect l="50000" t="-80000" r="50000" b="180000"/>
+          </a:path>
+        </a:gradFill>
+        <a:gradFill rotWithShape="1">
+          <a:gsLst>
+            <a:gs pos="0">
+              <a:schemeClr val="phClr">
+                <a:tint val="80000"/>
+                <a:satMod val="300000"/>
+              </a:schemeClr>
+            </a:gs>
+            <a:gs pos="100000">
+              <a:schemeClr val="phClr">
+                <a:shade val="30000"/>
+                <a:satMod val="200000"/>
+              </a:schemeClr>
+            </a:gs>
+          </a:gsLst>
+          <a:path path="circle">
+            <a:fillToRect l="50000" t="50000" r="50000" b="50000"/>
+          </a:path>
+        </a:gradFill>
+      </a:bgFillStyleLst>
+    </a:fmtScheme>
+  </a:themeElements>
+  <a:objectDefaults/>
+  <a:extraClrSchemeLst/>
+</a:theme>
 </file>
--- a/Presentation.pptx
+++ b/Presentation.pptx
@@ -199,6 +199,7 @@
           <a:p>
             <a:fld id="{2296040D-0F06-4EA9-8286-50A0C738388B}" type="datetimeFigureOut">
               <a:rPr lang="en-US" smtClean="0"/>
+              <a:pPr/>
               <a:t>11/2/2010</a:t>
             </a:fld>
             <a:endParaRPr lang="en-US"/>
@@ -360,6 +361,7 @@
           <a:p>
             <a:fld id="{B26A75E8-9EC7-42DF-8FCD-4AF46A032700}" type="slidenum">
               <a:rPr lang="en-US" smtClean="0"/>
+              <a:pPr/>
               <a:t>‹#›</a:t>
             </a:fld>
             <a:endParaRPr lang="en-US"/>
@@ -531,6 +533,7 @@
           <a:p>
             <a:fld id="{B26A75E8-9EC7-42DF-8FCD-4AF46A032700}" type="slidenum">
               <a:rPr lang="en-US" smtClean="0"/>
+              <a:pPr/>
               <a:t>8</a:t>
             </a:fld>
             <a:endParaRPr lang="en-US"/>
@@ -3590,11 +3593,7 @@
             <a:pPr algn="r"/>
             <a:r>
               <a:rPr lang="en-US" sz="1050" dirty="0" smtClean="0"/>
-              <a:t>http</a:t>
-            </a:r>
-            <a:r>
-              <a:rPr lang="en-US" sz="1050" dirty="0" smtClean="0"/>
-              <a:t>://www.lean6sigma.co.nz/integrating-continuous-improvement/</a:t>
+              <a:t>http://www.lean6sigma.co.nz/integrating-continuous-improvement/</a:t>
             </a:r>
             <a:endParaRPr lang="en-US" sz="1050" dirty="0"/>
           </a:p>
@@ -3909,15 +3908,7 @@
                   <a:schemeClr val="bg1"/>
                 </a:solidFill>
               </a:rPr>
-              <a:t>http</a:t>
-            </a:r>
-            <a:r>
-              <a:rPr lang="en-US" sz="1000" dirty="0" smtClean="0">
-                <a:solidFill>
-                  <a:schemeClr val="bg1"/>
-                </a:solidFill>
-              </a:rPr>
-              <a:t>://www.embl.org/elmi/images/denmark.gif</a:t>
+              <a:t>http://www.embl.org/elmi/images/denmark.gif</a:t>
             </a:r>
             <a:endParaRPr lang="en-US" sz="1000" dirty="0">
               <a:solidFill>
@@ -4098,52 +4089,6 @@
           </a:p>
         </p:txBody>
       </p:sp>
-      <p:sp>
-        <p:nvSpPr>
-          <p:cNvPr id="12" name="Oval Callout 11"/>
-          <p:cNvSpPr/>
-          <p:nvPr/>
-        </p:nvSpPr>
-        <p:spPr>
-          <a:xfrm>
-            <a:off x="6934200" y="914400"/>
-            <a:ext cx="1828800" cy="1371600"/>
-          </a:xfrm>
-          <a:prstGeom prst="wedgeEllipseCallout">
-            <a:avLst/>
-          </a:prstGeom>
-        </p:spPr>
-        <p:style>
-          <a:lnRef idx="2">
-            <a:schemeClr val="accent1"/>
-          </a:lnRef>
-          <a:fillRef idx="1">
-            <a:schemeClr val="lt1"/>
-          </a:fillRef>
-          <a:effectRef idx="0">
-            <a:schemeClr val="accent1"/>
-          </a:effectRef>
-          <a:fontRef idx="minor">
-            <a:schemeClr val="dk1"/>
-          </a:fontRef>
-        </p:style>
-        <p:txBody>
-          <a:bodyPr rtlCol="0" anchor="ctr"/>
-          <a:lstStyle/>
-          <a:p>
-            <a:pPr algn="ctr"/>
-            <a:r>
-              <a:rPr lang="pt-BR" dirty="0" smtClean="0">
-                <a:latin typeface="Comic Sans MS" pitchFamily="66" charset="0"/>
-              </a:rPr>
-              <a:t>Cabeça de bacalhau</a:t>
-            </a:r>
-            <a:endParaRPr lang="en-US" dirty="0">
-              <a:latin typeface="Comic Sans MS" pitchFamily="66" charset="0"/>
-            </a:endParaRPr>
-          </a:p>
-        </p:txBody>
-      </p:sp>
     </p:spTree>
   </p:cSld>
   <p:clrMapOvr>
@@ -4286,7 +4231,283 @@
               </a:rPr>
               <a:t> b) </a:t>
             </a:r>
-            <a:endParaRPr lang="en-US" dirty="0" smtClean="0">
+          </a:p>
+          <a:p>
+            <a:r>
+              <a:rPr lang="en-US" dirty="0" smtClean="0">
+                <a:solidFill>
+                  <a:schemeClr val="bg1"/>
+                </a:solidFill>
+                <a:latin typeface="Consolas" pitchFamily="49" charset="0"/>
+                <a:cs typeface="Consolas" pitchFamily="49" charset="0"/>
+              </a:rPr>
+              <a:t>{ </a:t>
+            </a:r>
+          </a:p>
+          <a:p>
+            <a:r>
+              <a:rPr lang="en-US" dirty="0" smtClean="0">
+                <a:solidFill>
+                  <a:schemeClr val="bg1"/>
+                </a:solidFill>
+                <a:latin typeface="Consolas" pitchFamily="49" charset="0"/>
+                <a:cs typeface="Consolas" pitchFamily="49" charset="0"/>
+              </a:rPr>
+              <a:t>	</a:t>
+            </a:r>
+            <a:r>
+              <a:rPr lang="en-US" b="1" dirty="0" smtClean="0">
+                <a:solidFill>
+                  <a:schemeClr val="bg1"/>
+                </a:solidFill>
+                <a:latin typeface="Consolas" pitchFamily="49" charset="0"/>
+                <a:cs typeface="Consolas" pitchFamily="49" charset="0"/>
+              </a:rPr>
+              <a:t>switch</a:t>
+            </a:r>
+            <a:r>
+              <a:rPr lang="en-US" dirty="0" smtClean="0">
+                <a:solidFill>
+                  <a:schemeClr val="bg1"/>
+                </a:solidFill>
+                <a:latin typeface="Consolas" pitchFamily="49" charset="0"/>
+                <a:cs typeface="Consolas" pitchFamily="49" charset="0"/>
+              </a:rPr>
+              <a:t>(b) </a:t>
+            </a:r>
+          </a:p>
+          <a:p>
+            <a:r>
+              <a:rPr lang="en-US" dirty="0" smtClean="0">
+                <a:solidFill>
+                  <a:schemeClr val="bg1"/>
+                </a:solidFill>
+                <a:latin typeface="Consolas" pitchFamily="49" charset="0"/>
+                <a:cs typeface="Consolas" pitchFamily="49" charset="0"/>
+              </a:rPr>
+              <a:t>	{ </a:t>
+            </a:r>
+          </a:p>
+          <a:p>
+            <a:r>
+              <a:rPr lang="en-US" dirty="0" smtClean="0">
+                <a:solidFill>
+                  <a:schemeClr val="bg1"/>
+                </a:solidFill>
+                <a:latin typeface="Consolas" pitchFamily="49" charset="0"/>
+                <a:cs typeface="Consolas" pitchFamily="49" charset="0"/>
+              </a:rPr>
+              <a:t>		</a:t>
+            </a:r>
+            <a:r>
+              <a:rPr lang="en-US" b="1" dirty="0" smtClean="0">
+                <a:solidFill>
+                  <a:schemeClr val="bg1"/>
+                </a:solidFill>
+                <a:latin typeface="Consolas" pitchFamily="49" charset="0"/>
+                <a:cs typeface="Consolas" pitchFamily="49" charset="0"/>
+              </a:rPr>
+              <a:t>case</a:t>
+            </a:r>
+            <a:r>
+              <a:rPr lang="en-US" dirty="0" smtClean="0">
+                <a:solidFill>
+                  <a:schemeClr val="bg1"/>
+                </a:solidFill>
+                <a:latin typeface="Consolas" pitchFamily="49" charset="0"/>
+                <a:cs typeface="Consolas" pitchFamily="49" charset="0"/>
+              </a:rPr>
+              <a:t> true: </a:t>
+            </a:r>
+            <a:r>
+              <a:rPr lang="en-US" b="1" dirty="0" smtClean="0">
+                <a:solidFill>
+                  <a:schemeClr val="bg1"/>
+                </a:solidFill>
+                <a:latin typeface="Consolas" pitchFamily="49" charset="0"/>
+                <a:cs typeface="Consolas" pitchFamily="49" charset="0"/>
+              </a:rPr>
+              <a:t>return</a:t>
+            </a:r>
+            <a:r>
+              <a:rPr lang="en-US" dirty="0" smtClean="0">
+                <a:solidFill>
+                  <a:schemeClr val="bg1"/>
+                </a:solidFill>
+                <a:latin typeface="Consolas" pitchFamily="49" charset="0"/>
+                <a:cs typeface="Consolas" pitchFamily="49" charset="0"/>
+              </a:rPr>
+              <a:t> </a:t>
+            </a:r>
+            <a:r>
+              <a:rPr lang="en-US" dirty="0" err="1" smtClean="0">
+                <a:solidFill>
+                  <a:schemeClr val="bg1"/>
+                </a:solidFill>
+                <a:latin typeface="Consolas" pitchFamily="49" charset="0"/>
+                <a:cs typeface="Consolas" pitchFamily="49" charset="0"/>
+              </a:rPr>
+              <a:t>System.Boolean.TrueString</a:t>
+            </a:r>
+            <a:r>
+              <a:rPr lang="en-US" dirty="0" smtClean="0">
+                <a:solidFill>
+                  <a:schemeClr val="bg1"/>
+                </a:solidFill>
+                <a:latin typeface="Consolas" pitchFamily="49" charset="0"/>
+                <a:cs typeface="Consolas" pitchFamily="49" charset="0"/>
+              </a:rPr>
+              <a:t>;</a:t>
+            </a:r>
+          </a:p>
+          <a:p>
+            <a:r>
+              <a:rPr lang="en-US" dirty="0" smtClean="0">
+                <a:solidFill>
+                  <a:schemeClr val="bg1"/>
+                </a:solidFill>
+                <a:latin typeface="Consolas" pitchFamily="49" charset="0"/>
+                <a:cs typeface="Consolas" pitchFamily="49" charset="0"/>
+              </a:rPr>
+              <a:t>		</a:t>
+            </a:r>
+            <a:r>
+              <a:rPr lang="en-US" b="1" dirty="0" smtClean="0">
+                <a:solidFill>
+                  <a:schemeClr val="bg1"/>
+                </a:solidFill>
+                <a:latin typeface="Consolas" pitchFamily="49" charset="0"/>
+                <a:cs typeface="Consolas" pitchFamily="49" charset="0"/>
+              </a:rPr>
+              <a:t>case</a:t>
+            </a:r>
+            <a:r>
+              <a:rPr lang="en-US" dirty="0" smtClean="0">
+                <a:solidFill>
+                  <a:schemeClr val="bg1"/>
+                </a:solidFill>
+                <a:latin typeface="Consolas" pitchFamily="49" charset="0"/>
+                <a:cs typeface="Consolas" pitchFamily="49" charset="0"/>
+              </a:rPr>
+              <a:t> false: </a:t>
+            </a:r>
+            <a:r>
+              <a:rPr lang="en-US" b="1" dirty="0" smtClean="0">
+                <a:solidFill>
+                  <a:schemeClr val="bg1"/>
+                </a:solidFill>
+                <a:latin typeface="Consolas" pitchFamily="49" charset="0"/>
+                <a:cs typeface="Consolas" pitchFamily="49" charset="0"/>
+              </a:rPr>
+              <a:t>return</a:t>
+            </a:r>
+            <a:r>
+              <a:rPr lang="en-US" dirty="0" smtClean="0">
+                <a:solidFill>
+                  <a:schemeClr val="bg1"/>
+                </a:solidFill>
+                <a:latin typeface="Consolas" pitchFamily="49" charset="0"/>
+                <a:cs typeface="Consolas" pitchFamily="49" charset="0"/>
+              </a:rPr>
+              <a:t> </a:t>
+            </a:r>
+            <a:r>
+              <a:rPr lang="en-US" dirty="0" err="1" smtClean="0">
+                <a:solidFill>
+                  <a:schemeClr val="bg1"/>
+                </a:solidFill>
+                <a:latin typeface="Consolas" pitchFamily="49" charset="0"/>
+                <a:cs typeface="Consolas" pitchFamily="49" charset="0"/>
+              </a:rPr>
+              <a:t>System.Boolean.FalseString</a:t>
+            </a:r>
+            <a:r>
+              <a:rPr lang="en-US" dirty="0" smtClean="0">
+                <a:solidFill>
+                  <a:schemeClr val="bg1"/>
+                </a:solidFill>
+                <a:latin typeface="Consolas" pitchFamily="49" charset="0"/>
+                <a:cs typeface="Consolas" pitchFamily="49" charset="0"/>
+              </a:rPr>
+              <a:t>;</a:t>
+            </a:r>
+          </a:p>
+          <a:p>
+            <a:r>
+              <a:rPr lang="en-US" dirty="0" smtClean="0">
+                <a:solidFill>
+                  <a:schemeClr val="bg1"/>
+                </a:solidFill>
+                <a:latin typeface="Consolas" pitchFamily="49" charset="0"/>
+                <a:cs typeface="Consolas" pitchFamily="49" charset="0"/>
+              </a:rPr>
+              <a:t>		</a:t>
+            </a:r>
+            <a:r>
+              <a:rPr lang="en-US" b="1" dirty="0" smtClean="0">
+                <a:solidFill>
+                  <a:schemeClr val="bg1"/>
+                </a:solidFill>
+                <a:latin typeface="Consolas" pitchFamily="49" charset="0"/>
+                <a:cs typeface="Consolas" pitchFamily="49" charset="0"/>
+              </a:rPr>
+              <a:t>default</a:t>
+            </a:r>
+            <a:r>
+              <a:rPr lang="en-US" dirty="0" smtClean="0">
+                <a:solidFill>
+                  <a:schemeClr val="bg1"/>
+                </a:solidFill>
+                <a:latin typeface="Consolas" pitchFamily="49" charset="0"/>
+                <a:cs typeface="Consolas" pitchFamily="49" charset="0"/>
+              </a:rPr>
+              <a:t>: </a:t>
+            </a:r>
+            <a:r>
+              <a:rPr lang="en-US" b="1" dirty="0" smtClean="0">
+                <a:solidFill>
+                  <a:schemeClr val="bg1"/>
+                </a:solidFill>
+                <a:latin typeface="Consolas" pitchFamily="49" charset="0"/>
+                <a:cs typeface="Consolas" pitchFamily="49" charset="0"/>
+              </a:rPr>
+              <a:t>return</a:t>
+            </a:r>
+            <a:r>
+              <a:rPr lang="en-US" dirty="0" smtClean="0">
+                <a:solidFill>
+                  <a:schemeClr val="bg1"/>
+                </a:solidFill>
+                <a:latin typeface="Consolas" pitchFamily="49" charset="0"/>
+                <a:cs typeface="Consolas" pitchFamily="49" charset="0"/>
+              </a:rPr>
+              <a:t> "error"; </a:t>
+            </a:r>
+          </a:p>
+          <a:p>
+            <a:r>
+              <a:rPr lang="en-US" dirty="0" smtClean="0">
+                <a:solidFill>
+                  <a:schemeClr val="bg1"/>
+                </a:solidFill>
+                <a:latin typeface="Consolas" pitchFamily="49" charset="0"/>
+                <a:cs typeface="Consolas" pitchFamily="49" charset="0"/>
+              </a:rPr>
+              <a:t>	} </a:t>
+            </a:r>
+          </a:p>
+          <a:p>
+            <a:r>
+              <a:rPr lang="en-US" dirty="0" smtClean="0">
+                <a:solidFill>
+                  <a:schemeClr val="bg1"/>
+                </a:solidFill>
+                <a:latin typeface="Consolas" pitchFamily="49" charset="0"/>
+                <a:cs typeface="Consolas" pitchFamily="49" charset="0"/>
+              </a:rPr>
+              <a:t>}</a:t>
+            </a:r>
+            <a:endParaRPr lang="en-US" dirty="0">
               <a:solidFill>
                 <a:schemeClr val="bg1"/>
               </a:solidFill>
@@ -4294,381 +4515,41 @@
               <a:cs typeface="Consolas" pitchFamily="49" charset="0"/>
             </a:endParaRPr>
           </a:p>
-          <a:p>
-            <a:r>
-              <a:rPr lang="en-US" dirty="0" smtClean="0">
+        </p:txBody>
+      </p:sp>
+      <p:sp>
+        <p:nvSpPr>
+          <p:cNvPr id="3" name="Rectangle 2"/>
+          <p:cNvSpPr/>
+          <p:nvPr/>
+        </p:nvSpPr>
+        <p:spPr>
+          <a:xfrm>
+            <a:off x="0" y="6611779"/>
+            <a:ext cx="4572000" cy="246221"/>
+          </a:xfrm>
+          <a:prstGeom prst="rect">
+            <a:avLst/>
+          </a:prstGeom>
+        </p:spPr>
+        <p:txBody>
+          <a:bodyPr>
+            <a:spAutoFit/>
+          </a:bodyPr>
+          <a:lstStyle/>
+          <a:p>
+            <a:r>
+              <a:rPr lang="en-US" sz="1000" dirty="0" smtClean="0">
                 <a:solidFill>
                   <a:schemeClr val="bg1"/>
                 </a:solidFill>
-                <a:latin typeface="Consolas" pitchFamily="49" charset="0"/>
-                <a:cs typeface="Consolas" pitchFamily="49" charset="0"/>
               </a:rPr>
-              <a:t>{ </a:t>
-            </a:r>
-          </a:p>
-          <a:p>
-            <a:r>
-              <a:rPr lang="en-US" dirty="0" smtClean="0">
-                <a:solidFill>
-                  <a:schemeClr val="bg1"/>
-                </a:solidFill>
-                <a:latin typeface="Consolas" pitchFamily="49" charset="0"/>
-                <a:cs typeface="Consolas" pitchFamily="49" charset="0"/>
-              </a:rPr>
-              <a:t>	</a:t>
-            </a:r>
-            <a:r>
-              <a:rPr lang="en-US" b="1" dirty="0" smtClean="0">
-                <a:solidFill>
-                  <a:schemeClr val="bg1"/>
-                </a:solidFill>
-                <a:latin typeface="Consolas" pitchFamily="49" charset="0"/>
-                <a:cs typeface="Consolas" pitchFamily="49" charset="0"/>
-              </a:rPr>
-              <a:t>switch</a:t>
-            </a:r>
-            <a:r>
-              <a:rPr lang="en-US" dirty="0" smtClean="0">
-                <a:solidFill>
-                  <a:schemeClr val="bg1"/>
-                </a:solidFill>
-                <a:latin typeface="Consolas" pitchFamily="49" charset="0"/>
-                <a:cs typeface="Consolas" pitchFamily="49" charset="0"/>
-              </a:rPr>
-              <a:t>(b</a:t>
-            </a:r>
-            <a:r>
-              <a:rPr lang="en-US" dirty="0" smtClean="0">
-                <a:solidFill>
-                  <a:schemeClr val="bg1"/>
-                </a:solidFill>
-                <a:latin typeface="Consolas" pitchFamily="49" charset="0"/>
-                <a:cs typeface="Consolas" pitchFamily="49" charset="0"/>
-              </a:rPr>
-              <a:t>) </a:t>
-            </a:r>
-            <a:endParaRPr lang="en-US" dirty="0" smtClean="0">
+              <a:t>http://thedailywtf.com/Articles/Truthful-Strings.aspx</a:t>
+            </a:r>
+            <a:endParaRPr lang="en-US" sz="1000" dirty="0">
               <a:solidFill>
                 <a:schemeClr val="bg1"/>
               </a:solidFill>
-              <a:latin typeface="Consolas" pitchFamily="49" charset="0"/>
-              <a:cs typeface="Consolas" pitchFamily="49" charset="0"/>
-            </a:endParaRPr>
-          </a:p>
-          <a:p>
-            <a:r>
-              <a:rPr lang="en-US" dirty="0" smtClean="0">
-                <a:solidFill>
-                  <a:schemeClr val="bg1"/>
-                </a:solidFill>
-                <a:latin typeface="Consolas" pitchFamily="49" charset="0"/>
-                <a:cs typeface="Consolas" pitchFamily="49" charset="0"/>
-              </a:rPr>
-              <a:t>	</a:t>
-            </a:r>
-            <a:r>
-              <a:rPr lang="en-US" dirty="0" smtClean="0">
-                <a:solidFill>
-                  <a:schemeClr val="bg1"/>
-                </a:solidFill>
-                <a:latin typeface="Consolas" pitchFamily="49" charset="0"/>
-                <a:cs typeface="Consolas" pitchFamily="49" charset="0"/>
-              </a:rPr>
-              <a:t>{ </a:t>
-            </a:r>
-          </a:p>
-          <a:p>
-            <a:r>
-              <a:rPr lang="en-US" dirty="0" smtClean="0">
-                <a:solidFill>
-                  <a:schemeClr val="bg1"/>
-                </a:solidFill>
-                <a:latin typeface="Consolas" pitchFamily="49" charset="0"/>
-                <a:cs typeface="Consolas" pitchFamily="49" charset="0"/>
-              </a:rPr>
-              <a:t>	</a:t>
-            </a:r>
-            <a:r>
-              <a:rPr lang="en-US" dirty="0" smtClean="0">
-                <a:solidFill>
-                  <a:schemeClr val="bg1"/>
-                </a:solidFill>
-                <a:latin typeface="Consolas" pitchFamily="49" charset="0"/>
-                <a:cs typeface="Consolas" pitchFamily="49" charset="0"/>
-              </a:rPr>
-              <a:t>	</a:t>
-            </a:r>
-            <a:r>
-              <a:rPr lang="en-US" b="1" dirty="0" smtClean="0">
-                <a:solidFill>
-                  <a:schemeClr val="bg1"/>
-                </a:solidFill>
-                <a:latin typeface="Consolas" pitchFamily="49" charset="0"/>
-                <a:cs typeface="Consolas" pitchFamily="49" charset="0"/>
-              </a:rPr>
-              <a:t>case</a:t>
-            </a:r>
-            <a:r>
-              <a:rPr lang="en-US" dirty="0" smtClean="0">
-                <a:solidFill>
-                  <a:schemeClr val="bg1"/>
-                </a:solidFill>
-                <a:latin typeface="Consolas" pitchFamily="49" charset="0"/>
-                <a:cs typeface="Consolas" pitchFamily="49" charset="0"/>
-              </a:rPr>
-              <a:t> </a:t>
-            </a:r>
-            <a:r>
-              <a:rPr lang="en-US" dirty="0" smtClean="0">
-                <a:solidFill>
-                  <a:schemeClr val="bg1"/>
-                </a:solidFill>
-                <a:latin typeface="Consolas" pitchFamily="49" charset="0"/>
-                <a:cs typeface="Consolas" pitchFamily="49" charset="0"/>
-              </a:rPr>
-              <a:t>true: </a:t>
-            </a:r>
-            <a:r>
-              <a:rPr lang="en-US" b="1" dirty="0" smtClean="0">
-                <a:solidFill>
-                  <a:schemeClr val="bg1"/>
-                </a:solidFill>
-                <a:latin typeface="Consolas" pitchFamily="49" charset="0"/>
-                <a:cs typeface="Consolas" pitchFamily="49" charset="0"/>
-              </a:rPr>
-              <a:t>return</a:t>
-            </a:r>
-            <a:r>
-              <a:rPr lang="en-US" dirty="0" smtClean="0">
-                <a:solidFill>
-                  <a:schemeClr val="bg1"/>
-                </a:solidFill>
-                <a:latin typeface="Consolas" pitchFamily="49" charset="0"/>
-                <a:cs typeface="Consolas" pitchFamily="49" charset="0"/>
-              </a:rPr>
-              <a:t> </a:t>
-            </a:r>
-            <a:r>
-              <a:rPr lang="en-US" dirty="0" err="1" smtClean="0">
-                <a:solidFill>
-                  <a:schemeClr val="bg1"/>
-                </a:solidFill>
-                <a:latin typeface="Consolas" pitchFamily="49" charset="0"/>
-                <a:cs typeface="Consolas" pitchFamily="49" charset="0"/>
-              </a:rPr>
-              <a:t>System.Boolean.TrueString</a:t>
-            </a:r>
-            <a:r>
-              <a:rPr lang="en-US" dirty="0" smtClean="0">
-                <a:solidFill>
-                  <a:schemeClr val="bg1"/>
-                </a:solidFill>
-                <a:latin typeface="Consolas" pitchFamily="49" charset="0"/>
-                <a:cs typeface="Consolas" pitchFamily="49" charset="0"/>
-              </a:rPr>
-              <a:t>;</a:t>
-            </a:r>
-          </a:p>
-          <a:p>
-            <a:r>
-              <a:rPr lang="en-US" dirty="0" smtClean="0">
-                <a:solidFill>
-                  <a:schemeClr val="bg1"/>
-                </a:solidFill>
-                <a:latin typeface="Consolas" pitchFamily="49" charset="0"/>
-                <a:cs typeface="Consolas" pitchFamily="49" charset="0"/>
-              </a:rPr>
-              <a:t>	</a:t>
-            </a:r>
-            <a:r>
-              <a:rPr lang="en-US" dirty="0" smtClean="0">
-                <a:solidFill>
-                  <a:schemeClr val="bg1"/>
-                </a:solidFill>
-                <a:latin typeface="Consolas" pitchFamily="49" charset="0"/>
-                <a:cs typeface="Consolas" pitchFamily="49" charset="0"/>
-              </a:rPr>
-              <a:t>	</a:t>
-            </a:r>
-            <a:r>
-              <a:rPr lang="en-US" b="1" dirty="0" smtClean="0">
-                <a:solidFill>
-                  <a:schemeClr val="bg1"/>
-                </a:solidFill>
-                <a:latin typeface="Consolas" pitchFamily="49" charset="0"/>
-                <a:cs typeface="Consolas" pitchFamily="49" charset="0"/>
-              </a:rPr>
-              <a:t>case</a:t>
-            </a:r>
-            <a:r>
-              <a:rPr lang="en-US" dirty="0" smtClean="0">
-                <a:solidFill>
-                  <a:schemeClr val="bg1"/>
-                </a:solidFill>
-                <a:latin typeface="Consolas" pitchFamily="49" charset="0"/>
-                <a:cs typeface="Consolas" pitchFamily="49" charset="0"/>
-              </a:rPr>
-              <a:t> false</a:t>
-            </a:r>
-            <a:r>
-              <a:rPr lang="en-US" dirty="0" smtClean="0">
-                <a:solidFill>
-                  <a:schemeClr val="bg1"/>
-                </a:solidFill>
-                <a:latin typeface="Consolas" pitchFamily="49" charset="0"/>
-                <a:cs typeface="Consolas" pitchFamily="49" charset="0"/>
-              </a:rPr>
-              <a:t>: </a:t>
-            </a:r>
-            <a:r>
-              <a:rPr lang="en-US" b="1" dirty="0" smtClean="0">
-                <a:solidFill>
-                  <a:schemeClr val="bg1"/>
-                </a:solidFill>
-                <a:latin typeface="Consolas" pitchFamily="49" charset="0"/>
-                <a:cs typeface="Consolas" pitchFamily="49" charset="0"/>
-              </a:rPr>
-              <a:t>return</a:t>
-            </a:r>
-            <a:r>
-              <a:rPr lang="en-US" dirty="0" smtClean="0">
-                <a:solidFill>
-                  <a:schemeClr val="bg1"/>
-                </a:solidFill>
-                <a:latin typeface="Consolas" pitchFamily="49" charset="0"/>
-                <a:cs typeface="Consolas" pitchFamily="49" charset="0"/>
-              </a:rPr>
-              <a:t> </a:t>
-            </a:r>
-            <a:r>
-              <a:rPr lang="en-US" dirty="0" err="1" smtClean="0">
-                <a:solidFill>
-                  <a:schemeClr val="bg1"/>
-                </a:solidFill>
-                <a:latin typeface="Consolas" pitchFamily="49" charset="0"/>
-                <a:cs typeface="Consolas" pitchFamily="49" charset="0"/>
-              </a:rPr>
-              <a:t>System.Boolean.FalseString</a:t>
-            </a:r>
-            <a:r>
-              <a:rPr lang="en-US" dirty="0" smtClean="0">
-                <a:solidFill>
-                  <a:schemeClr val="bg1"/>
-                </a:solidFill>
-                <a:latin typeface="Consolas" pitchFamily="49" charset="0"/>
-                <a:cs typeface="Consolas" pitchFamily="49" charset="0"/>
-              </a:rPr>
-              <a:t>;</a:t>
-            </a:r>
-          </a:p>
-          <a:p>
-            <a:r>
-              <a:rPr lang="en-US" dirty="0" smtClean="0">
-                <a:solidFill>
-                  <a:schemeClr val="bg1"/>
-                </a:solidFill>
-                <a:latin typeface="Consolas" pitchFamily="49" charset="0"/>
-                <a:cs typeface="Consolas" pitchFamily="49" charset="0"/>
-              </a:rPr>
-              <a:t>	</a:t>
-            </a:r>
-            <a:r>
-              <a:rPr lang="en-US" dirty="0" smtClean="0">
-                <a:solidFill>
-                  <a:schemeClr val="bg1"/>
-                </a:solidFill>
-                <a:latin typeface="Consolas" pitchFamily="49" charset="0"/>
-                <a:cs typeface="Consolas" pitchFamily="49" charset="0"/>
-              </a:rPr>
-              <a:t>	</a:t>
-            </a:r>
-            <a:r>
-              <a:rPr lang="en-US" b="1" dirty="0" smtClean="0">
-                <a:solidFill>
-                  <a:schemeClr val="bg1"/>
-                </a:solidFill>
-                <a:latin typeface="Consolas" pitchFamily="49" charset="0"/>
-                <a:cs typeface="Consolas" pitchFamily="49" charset="0"/>
-              </a:rPr>
-              <a:t>default</a:t>
-            </a:r>
-            <a:r>
-              <a:rPr lang="en-US" dirty="0" smtClean="0">
-                <a:solidFill>
-                  <a:schemeClr val="bg1"/>
-                </a:solidFill>
-                <a:latin typeface="Consolas" pitchFamily="49" charset="0"/>
-                <a:cs typeface="Consolas" pitchFamily="49" charset="0"/>
-              </a:rPr>
-              <a:t>: </a:t>
-            </a:r>
-            <a:r>
-              <a:rPr lang="en-US" b="1" dirty="0" smtClean="0">
-                <a:solidFill>
-                  <a:schemeClr val="bg1"/>
-                </a:solidFill>
-                <a:latin typeface="Consolas" pitchFamily="49" charset="0"/>
-                <a:cs typeface="Consolas" pitchFamily="49" charset="0"/>
-              </a:rPr>
-              <a:t>return</a:t>
-            </a:r>
-            <a:r>
-              <a:rPr lang="en-US" dirty="0" smtClean="0">
-                <a:solidFill>
-                  <a:schemeClr val="bg1"/>
-                </a:solidFill>
-                <a:latin typeface="Consolas" pitchFamily="49" charset="0"/>
-                <a:cs typeface="Consolas" pitchFamily="49" charset="0"/>
-              </a:rPr>
-              <a:t> "error"; </a:t>
-            </a:r>
-            <a:endParaRPr lang="en-US" dirty="0" smtClean="0">
-              <a:solidFill>
-                <a:schemeClr val="bg1"/>
-              </a:solidFill>
-              <a:latin typeface="Consolas" pitchFamily="49" charset="0"/>
-              <a:cs typeface="Consolas" pitchFamily="49" charset="0"/>
-            </a:endParaRPr>
-          </a:p>
-          <a:p>
-            <a:r>
-              <a:rPr lang="en-US" dirty="0" smtClean="0">
-                <a:solidFill>
-                  <a:schemeClr val="bg1"/>
-                </a:solidFill>
-                <a:latin typeface="Consolas" pitchFamily="49" charset="0"/>
-                <a:cs typeface="Consolas" pitchFamily="49" charset="0"/>
-              </a:rPr>
-              <a:t>	</a:t>
-            </a:r>
-            <a:r>
-              <a:rPr lang="en-US" dirty="0" smtClean="0">
-                <a:solidFill>
-                  <a:schemeClr val="bg1"/>
-                </a:solidFill>
-                <a:latin typeface="Consolas" pitchFamily="49" charset="0"/>
-                <a:cs typeface="Consolas" pitchFamily="49" charset="0"/>
-              </a:rPr>
-              <a:t>} </a:t>
-            </a:r>
-          </a:p>
-          <a:p>
-            <a:r>
-              <a:rPr lang="en-US" dirty="0" smtClean="0">
-                <a:solidFill>
-                  <a:schemeClr val="bg1"/>
-                </a:solidFill>
-                <a:latin typeface="Consolas" pitchFamily="49" charset="0"/>
-                <a:cs typeface="Consolas" pitchFamily="49" charset="0"/>
-              </a:rPr>
-              <a:t>}</a:t>
-            </a:r>
-            <a:endParaRPr lang="en-US" dirty="0">
-              <a:solidFill>
-                <a:schemeClr val="bg1"/>
-              </a:solidFill>
-              <a:latin typeface="Consolas" pitchFamily="49" charset="0"/>
-              <a:cs typeface="Consolas" pitchFamily="49" charset="0"/>
             </a:endParaRPr>
           </a:p>
         </p:txBody>
@@ -4712,7 +4593,7 @@
           <p:nvPr/>
         </p:nvSpPr>
         <p:spPr>
-          <a:xfrm rot="3181094">
+          <a:xfrm rot="5400000">
             <a:off x="3740729" y="-203073"/>
             <a:ext cx="2057400" cy="7008098"/>
           </a:xfrm>
@@ -4765,6 +4646,13 @@
   <p:clrMapOvr>
     <a:masterClrMapping/>
   </p:clrMapOvr>
+  <p:timing>
+    <p:tnLst>
+      <p:par>
+        <p:cTn id="1" dur="indefinite" restart="never" nodeType="tmRoot"/>
+      </p:par>
+    </p:tnLst>
+  </p:timing>
 </p:sld>
 </file>
 

--- a/Presentation.pptx
+++ b/Presentation.pptx
@@ -5,17 +5,24 @@
     <p:sldMasterId id="2147483648" r:id="rId1"/>
   </p:sldMasterIdLst>
   <p:notesMasterIdLst>
-    <p:notesMasterId r:id="rId10"/>
+    <p:notesMasterId r:id="rId17"/>
   </p:notesMasterIdLst>
   <p:sldIdLst>
     <p:sldId id="256" r:id="rId2"/>
     <p:sldId id="257" r:id="rId3"/>
     <p:sldId id="258" r:id="rId4"/>
     <p:sldId id="259" r:id="rId5"/>
-    <p:sldId id="261" r:id="rId6"/>
-    <p:sldId id="260" r:id="rId7"/>
-    <p:sldId id="262" r:id="rId8"/>
-    <p:sldId id="263" r:id="rId9"/>
+    <p:sldId id="260" r:id="rId6"/>
+    <p:sldId id="262" r:id="rId7"/>
+    <p:sldId id="263" r:id="rId8"/>
+    <p:sldId id="264" r:id="rId9"/>
+    <p:sldId id="265" r:id="rId10"/>
+    <p:sldId id="266" r:id="rId11"/>
+    <p:sldId id="268" r:id="rId12"/>
+    <p:sldId id="267" r:id="rId13"/>
+    <p:sldId id="269" r:id="rId14"/>
+    <p:sldId id="270" r:id="rId15"/>
+    <p:sldId id="271" r:id="rId16"/>
   </p:sldIdLst>
   <p:sldSz cx="9144000" cy="6858000" type="screen4x3"/>
   <p:notesSz cx="6858000" cy="9144000"/>
@@ -200,7 +207,7 @@
             <a:fld id="{2296040D-0F06-4EA9-8286-50A0C738388B}" type="datetimeFigureOut">
               <a:rPr lang="en-US" smtClean="0"/>
               <a:pPr/>
-              <a:t>11/2/2010</a:t>
+              <a:t>11/16/2010</a:t>
             </a:fld>
             <a:endParaRPr lang="en-US"/>
           </a:p>
@@ -512,6 +519,14 @@
           </a:bodyPr>
           <a:lstStyle/>
           <a:p>
+            <a:r>
+              <a:rPr lang="pt-BR" dirty="0" smtClean="0"/>
+              <a:t>Gostaria de saber como ela</a:t>
+            </a:r>
+            <a:r>
+              <a:rPr lang="pt-BR" baseline="0" dirty="0" smtClean="0"/>
+              <a:t> vai colocar essa peça ai</a:t>
+            </a:r>
             <a:endParaRPr lang="en-US" dirty="0"/>
           </a:p>
         </p:txBody>
@@ -534,7 +549,726 @@
             <a:fld id="{B26A75E8-9EC7-42DF-8FCD-4AF46A032700}" type="slidenum">
               <a:rPr lang="en-US" smtClean="0"/>
               <a:pPr/>
-              <a:t>8</a:t>
+              <a:t>1</a:t>
+            </a:fld>
+            <a:endParaRPr lang="en-US"/>
+          </a:p>
+        </p:txBody>
+      </p:sp>
+    </p:spTree>
+  </p:cSld>
+  <p:clrMapOvr>
+    <a:masterClrMapping/>
+  </p:clrMapOvr>
+</p:notes>
+</file>
+
+<file path=ppt/notesSlides/notesSlide2.xml><?xml version="1.0" encoding="utf-8"?>
+<p:notes xmlns:a="http://schemas.openxmlformats.org/drawingml/2006/main" xmlns:r="http://schemas.openxmlformats.org/officeDocument/2006/relationships" xmlns:p="http://schemas.openxmlformats.org/presentationml/2006/main">
+  <p:cSld>
+    <p:spTree>
+      <p:nvGrpSpPr>
+        <p:cNvPr id="1" name=""/>
+        <p:cNvGrpSpPr/>
+        <p:nvPr/>
+      </p:nvGrpSpPr>
+      <p:grpSpPr>
+        <a:xfrm>
+          <a:off x="0" y="0"/>
+          <a:ext cx="0" cy="0"/>
+          <a:chOff x="0" y="0"/>
+          <a:chExt cx="0" cy="0"/>
+        </a:xfrm>
+      </p:grpSpPr>
+      <p:sp>
+        <p:nvSpPr>
+          <p:cNvPr id="2" name="Slide Image Placeholder 1"/>
+          <p:cNvSpPr>
+            <a:spLocks noGrp="1" noRot="1" noChangeAspect="1"/>
+          </p:cNvSpPr>
+          <p:nvPr>
+            <p:ph type="sldImg"/>
+          </p:nvPr>
+        </p:nvSpPr>
+        <p:spPr/>
+      </p:sp>
+      <p:sp>
+        <p:nvSpPr>
+          <p:cNvPr id="3" name="Notes Placeholder 2"/>
+          <p:cNvSpPr>
+            <a:spLocks noGrp="1"/>
+          </p:cNvSpPr>
+          <p:nvPr>
+            <p:ph type="body" idx="1"/>
+          </p:nvPr>
+        </p:nvSpPr>
+        <p:spPr/>
+        <p:txBody>
+          <a:bodyPr>
+            <a:normAutofit/>
+          </a:bodyPr>
+          <a:lstStyle/>
+          <a:p>
+            <a:r>
+              <a:rPr lang="pt-BR" dirty="0" smtClean="0"/>
+              <a:t>Vocês me conhecem do .Net</a:t>
+            </a:r>
+            <a:r>
+              <a:rPr lang="pt-BR" baseline="0" dirty="0" smtClean="0"/>
+              <a:t> </a:t>
+            </a:r>
+            <a:r>
+              <a:rPr lang="pt-BR" baseline="0" dirty="0" err="1" smtClean="0"/>
+              <a:t>Architects</a:t>
+            </a:r>
+            <a:endParaRPr lang="pt-BR" baseline="0" dirty="0" smtClean="0"/>
+          </a:p>
+          <a:p>
+            <a:r>
+              <a:rPr lang="pt-BR" baseline="0" dirty="0" smtClean="0"/>
+              <a:t>Meu </a:t>
+            </a:r>
+            <a:r>
+              <a:rPr lang="pt-BR" baseline="0" dirty="0" err="1" smtClean="0"/>
+              <a:t>twitter</a:t>
+            </a:r>
+            <a:endParaRPr lang="pt-BR" baseline="0" dirty="0" smtClean="0"/>
+          </a:p>
+          <a:p>
+            <a:r>
+              <a:rPr lang="pt-BR" baseline="0" dirty="0" smtClean="0"/>
+              <a:t>Meu </a:t>
+            </a:r>
+            <a:r>
+              <a:rPr lang="pt-BR" baseline="0" dirty="0" err="1" smtClean="0"/>
+              <a:t>github</a:t>
+            </a:r>
+            <a:endParaRPr lang="pt-BR" baseline="0" dirty="0" smtClean="0"/>
+          </a:p>
+          <a:p>
+            <a:r>
+              <a:rPr lang="pt-BR" baseline="0" dirty="0" smtClean="0"/>
+              <a:t>Odeio </a:t>
+            </a:r>
+            <a:r>
+              <a:rPr lang="pt-BR" baseline="0" dirty="0" err="1" smtClean="0"/>
+              <a:t>powerpoints</a:t>
+            </a:r>
+            <a:endParaRPr lang="en-US" dirty="0"/>
+          </a:p>
+        </p:txBody>
+      </p:sp>
+      <p:sp>
+        <p:nvSpPr>
+          <p:cNvPr id="4" name="Slide Number Placeholder 3"/>
+          <p:cNvSpPr>
+            <a:spLocks noGrp="1"/>
+          </p:cNvSpPr>
+          <p:nvPr>
+            <p:ph type="sldNum" sz="quarter" idx="10"/>
+          </p:nvPr>
+        </p:nvSpPr>
+        <p:spPr/>
+        <p:txBody>
+          <a:bodyPr/>
+          <a:lstStyle/>
+          <a:p>
+            <a:fld id="{B26A75E8-9EC7-42DF-8FCD-4AF46A032700}" type="slidenum">
+              <a:rPr lang="en-US" smtClean="0"/>
+              <a:pPr/>
+              <a:t>2</a:t>
+            </a:fld>
+            <a:endParaRPr lang="en-US"/>
+          </a:p>
+        </p:txBody>
+      </p:sp>
+    </p:spTree>
+  </p:cSld>
+  <p:clrMapOvr>
+    <a:masterClrMapping/>
+  </p:clrMapOvr>
+</p:notes>
+</file>
+
+<file path=ppt/notesSlides/notesSlide3.xml><?xml version="1.0" encoding="utf-8"?>
+<p:notes xmlns:a="http://schemas.openxmlformats.org/drawingml/2006/main" xmlns:r="http://schemas.openxmlformats.org/officeDocument/2006/relationships" xmlns:p="http://schemas.openxmlformats.org/presentationml/2006/main">
+  <p:cSld>
+    <p:spTree>
+      <p:nvGrpSpPr>
+        <p:cNvPr id="1" name=""/>
+        <p:cNvGrpSpPr/>
+        <p:nvPr/>
+      </p:nvGrpSpPr>
+      <p:grpSpPr>
+        <a:xfrm>
+          <a:off x="0" y="0"/>
+          <a:ext cx="0" cy="0"/>
+          <a:chOff x="0" y="0"/>
+          <a:chExt cx="0" cy="0"/>
+        </a:xfrm>
+      </p:grpSpPr>
+      <p:sp>
+        <p:nvSpPr>
+          <p:cNvPr id="2" name="Slide Image Placeholder 1"/>
+          <p:cNvSpPr>
+            <a:spLocks noGrp="1" noRot="1" noChangeAspect="1"/>
+          </p:cNvSpPr>
+          <p:nvPr>
+            <p:ph type="sldImg"/>
+          </p:nvPr>
+        </p:nvSpPr>
+        <p:spPr/>
+      </p:sp>
+      <p:sp>
+        <p:nvSpPr>
+          <p:cNvPr id="3" name="Notes Placeholder 2"/>
+          <p:cNvSpPr>
+            <a:spLocks noGrp="1"/>
+          </p:cNvSpPr>
+          <p:nvPr>
+            <p:ph type="body" idx="1"/>
+          </p:nvPr>
+        </p:nvSpPr>
+        <p:spPr/>
+        <p:txBody>
+          <a:bodyPr>
+            <a:normAutofit/>
+          </a:bodyPr>
+          <a:lstStyle/>
+          <a:p>
+            <a:r>
+              <a:rPr lang="pt-BR" dirty="0" smtClean="0"/>
+              <a:t>Palestra dividida em 2 partes</a:t>
+            </a:r>
+          </a:p>
+          <a:p>
+            <a:r>
+              <a:rPr lang="pt-BR" dirty="0" smtClean="0"/>
+              <a:t>Como usar</a:t>
+            </a:r>
+            <a:r>
+              <a:rPr lang="pt-BR" baseline="0" dirty="0" smtClean="0"/>
+              <a:t> um servidor de integração contínua</a:t>
+            </a:r>
+          </a:p>
+          <a:p>
+            <a:r>
+              <a:rPr lang="pt-BR" baseline="0" dirty="0" smtClean="0"/>
+              <a:t>Porque usar um servidor de integração contínua</a:t>
+            </a:r>
+            <a:endParaRPr lang="en-US" dirty="0"/>
+          </a:p>
+        </p:txBody>
+      </p:sp>
+      <p:sp>
+        <p:nvSpPr>
+          <p:cNvPr id="4" name="Slide Number Placeholder 3"/>
+          <p:cNvSpPr>
+            <a:spLocks noGrp="1"/>
+          </p:cNvSpPr>
+          <p:nvPr>
+            <p:ph type="sldNum" sz="quarter" idx="10"/>
+          </p:nvPr>
+        </p:nvSpPr>
+        <p:spPr/>
+        <p:txBody>
+          <a:bodyPr/>
+          <a:lstStyle/>
+          <a:p>
+            <a:fld id="{B26A75E8-9EC7-42DF-8FCD-4AF46A032700}" type="slidenum">
+              <a:rPr lang="en-US" smtClean="0"/>
+              <a:pPr/>
+              <a:t>3</a:t>
+            </a:fld>
+            <a:endParaRPr lang="en-US"/>
+          </a:p>
+        </p:txBody>
+      </p:sp>
+    </p:spTree>
+  </p:cSld>
+  <p:clrMapOvr>
+    <a:masterClrMapping/>
+  </p:clrMapOvr>
+</p:notes>
+</file>
+
+<file path=ppt/notesSlides/notesSlide4.xml><?xml version="1.0" encoding="utf-8"?>
+<p:notes xmlns:a="http://schemas.openxmlformats.org/drawingml/2006/main" xmlns:r="http://schemas.openxmlformats.org/officeDocument/2006/relationships" xmlns:p="http://schemas.openxmlformats.org/presentationml/2006/main">
+  <p:cSld>
+    <p:spTree>
+      <p:nvGrpSpPr>
+        <p:cNvPr id="1" name=""/>
+        <p:cNvGrpSpPr/>
+        <p:nvPr/>
+      </p:nvGrpSpPr>
+      <p:grpSpPr>
+        <a:xfrm>
+          <a:off x="0" y="0"/>
+          <a:ext cx="0" cy="0"/>
+          <a:chOff x="0" y="0"/>
+          <a:chExt cx="0" cy="0"/>
+        </a:xfrm>
+      </p:grpSpPr>
+      <p:sp>
+        <p:nvSpPr>
+          <p:cNvPr id="2" name="Slide Image Placeholder 1"/>
+          <p:cNvSpPr>
+            <a:spLocks noGrp="1" noRot="1" noChangeAspect="1"/>
+          </p:cNvSpPr>
+          <p:nvPr>
+            <p:ph type="sldImg"/>
+          </p:nvPr>
+        </p:nvSpPr>
+        <p:spPr/>
+      </p:sp>
+      <p:sp>
+        <p:nvSpPr>
+          <p:cNvPr id="3" name="Notes Placeholder 2"/>
+          <p:cNvSpPr>
+            <a:spLocks noGrp="1"/>
+          </p:cNvSpPr>
+          <p:nvPr>
+            <p:ph type="body" idx="1"/>
+          </p:nvPr>
+        </p:nvSpPr>
+        <p:spPr/>
+        <p:txBody>
+          <a:bodyPr>
+            <a:normAutofit/>
+          </a:bodyPr>
+          <a:lstStyle/>
+          <a:p>
+            <a:r>
+              <a:rPr lang="pt-BR" dirty="0" smtClean="0"/>
+              <a:t>Na primeira parte, vou mostrar</a:t>
+            </a:r>
+            <a:r>
+              <a:rPr lang="pt-BR" baseline="0" dirty="0" smtClean="0"/>
+              <a:t> como instalar um servidor de integração contínua</a:t>
+            </a:r>
+          </a:p>
+          <a:p>
+            <a:r>
+              <a:rPr lang="pt-BR" baseline="0" dirty="0" smtClean="0"/>
+              <a:t>Slides com gatos sempre funcionam</a:t>
+            </a:r>
+            <a:endParaRPr lang="en-US" dirty="0"/>
+          </a:p>
+        </p:txBody>
+      </p:sp>
+      <p:sp>
+        <p:nvSpPr>
+          <p:cNvPr id="4" name="Slide Number Placeholder 3"/>
+          <p:cNvSpPr>
+            <a:spLocks noGrp="1"/>
+          </p:cNvSpPr>
+          <p:nvPr>
+            <p:ph type="sldNum" sz="quarter" idx="10"/>
+          </p:nvPr>
+        </p:nvSpPr>
+        <p:spPr/>
+        <p:txBody>
+          <a:bodyPr/>
+          <a:lstStyle/>
+          <a:p>
+            <a:fld id="{B26A75E8-9EC7-42DF-8FCD-4AF46A032700}" type="slidenum">
+              <a:rPr lang="en-US" smtClean="0"/>
+              <a:pPr/>
+              <a:t>4</a:t>
+            </a:fld>
+            <a:endParaRPr lang="en-US"/>
+          </a:p>
+        </p:txBody>
+      </p:sp>
+    </p:spTree>
+  </p:cSld>
+  <p:clrMapOvr>
+    <a:masterClrMapping/>
+  </p:clrMapOvr>
+</p:notes>
+</file>
+
+<file path=ppt/notesSlides/notesSlide5.xml><?xml version="1.0" encoding="utf-8"?>
+<p:notes xmlns:a="http://schemas.openxmlformats.org/drawingml/2006/main" xmlns:r="http://schemas.openxmlformats.org/officeDocument/2006/relationships" xmlns:p="http://schemas.openxmlformats.org/presentationml/2006/main">
+  <p:cSld>
+    <p:spTree>
+      <p:nvGrpSpPr>
+        <p:cNvPr id="1" name=""/>
+        <p:cNvGrpSpPr/>
+        <p:nvPr/>
+      </p:nvGrpSpPr>
+      <p:grpSpPr>
+        <a:xfrm>
+          <a:off x="0" y="0"/>
+          <a:ext cx="0" cy="0"/>
+          <a:chOff x="0" y="0"/>
+          <a:chExt cx="0" cy="0"/>
+        </a:xfrm>
+      </p:grpSpPr>
+      <p:sp>
+        <p:nvSpPr>
+          <p:cNvPr id="2" name="Slide Image Placeholder 1"/>
+          <p:cNvSpPr>
+            <a:spLocks noGrp="1" noRot="1" noChangeAspect="1"/>
+          </p:cNvSpPr>
+          <p:nvPr>
+            <p:ph type="sldImg"/>
+          </p:nvPr>
+        </p:nvSpPr>
+        <p:spPr/>
+      </p:sp>
+      <p:sp>
+        <p:nvSpPr>
+          <p:cNvPr id="3" name="Notes Placeholder 2"/>
+          <p:cNvSpPr>
+            <a:spLocks noGrp="1"/>
+          </p:cNvSpPr>
+          <p:nvPr>
+            <p:ph type="body" idx="1"/>
+          </p:nvPr>
+        </p:nvSpPr>
+        <p:spPr/>
+        <p:txBody>
+          <a:bodyPr>
+            <a:normAutofit/>
+          </a:bodyPr>
+          <a:lstStyle/>
+          <a:p>
+            <a:r>
+              <a:rPr lang="pt-BR" dirty="0" smtClean="0"/>
+              <a:t>Sério galera, um</a:t>
+            </a:r>
+            <a:r>
+              <a:rPr lang="pt-BR" baseline="0" dirty="0" smtClean="0"/>
+              <a:t> servidor de integração contínua não é tudo isso</a:t>
+            </a:r>
+            <a:endParaRPr lang="en-US" dirty="0"/>
+          </a:p>
+        </p:txBody>
+      </p:sp>
+      <p:sp>
+        <p:nvSpPr>
+          <p:cNvPr id="4" name="Slide Number Placeholder 3"/>
+          <p:cNvSpPr>
+            <a:spLocks noGrp="1"/>
+          </p:cNvSpPr>
+          <p:nvPr>
+            <p:ph type="sldNum" sz="quarter" idx="10"/>
+          </p:nvPr>
+        </p:nvSpPr>
+        <p:spPr/>
+        <p:txBody>
+          <a:bodyPr/>
+          <a:lstStyle/>
+          <a:p>
+            <a:fld id="{B26A75E8-9EC7-42DF-8FCD-4AF46A032700}" type="slidenum">
+              <a:rPr lang="en-US" smtClean="0"/>
+              <a:pPr/>
+              <a:t>10</a:t>
+            </a:fld>
+            <a:endParaRPr lang="en-US"/>
+          </a:p>
+        </p:txBody>
+      </p:sp>
+    </p:spTree>
+  </p:cSld>
+  <p:clrMapOvr>
+    <a:masterClrMapping/>
+  </p:clrMapOvr>
+</p:notes>
+</file>
+
+<file path=ppt/notesSlides/notesSlide6.xml><?xml version="1.0" encoding="utf-8"?>
+<p:notes xmlns:a="http://schemas.openxmlformats.org/drawingml/2006/main" xmlns:r="http://schemas.openxmlformats.org/officeDocument/2006/relationships" xmlns:p="http://schemas.openxmlformats.org/presentationml/2006/main">
+  <p:cSld>
+    <p:spTree>
+      <p:nvGrpSpPr>
+        <p:cNvPr id="1" name=""/>
+        <p:cNvGrpSpPr/>
+        <p:nvPr/>
+      </p:nvGrpSpPr>
+      <p:grpSpPr>
+        <a:xfrm>
+          <a:off x="0" y="0"/>
+          <a:ext cx="0" cy="0"/>
+          <a:chOff x="0" y="0"/>
+          <a:chExt cx="0" cy="0"/>
+        </a:xfrm>
+      </p:grpSpPr>
+      <p:sp>
+        <p:nvSpPr>
+          <p:cNvPr id="2" name="Slide Image Placeholder 1"/>
+          <p:cNvSpPr>
+            <a:spLocks noGrp="1" noRot="1" noChangeAspect="1"/>
+          </p:cNvSpPr>
+          <p:nvPr>
+            <p:ph type="sldImg"/>
+          </p:nvPr>
+        </p:nvSpPr>
+        <p:spPr/>
+      </p:sp>
+      <p:sp>
+        <p:nvSpPr>
+          <p:cNvPr id="3" name="Notes Placeholder 2"/>
+          <p:cNvSpPr>
+            <a:spLocks noGrp="1"/>
+          </p:cNvSpPr>
+          <p:nvPr>
+            <p:ph type="body" idx="1"/>
+          </p:nvPr>
+        </p:nvSpPr>
+        <p:spPr/>
+        <p:txBody>
+          <a:bodyPr>
+            <a:normAutofit/>
+          </a:bodyPr>
+          <a:lstStyle/>
+          <a:p>
+            <a:r>
+              <a:rPr lang="pt-BR" dirty="0" smtClean="0"/>
+              <a:t>Muitas ferramentas</a:t>
+            </a:r>
+            <a:r>
+              <a:rPr lang="pt-BR" baseline="0" dirty="0" smtClean="0"/>
+              <a:t> no mercado</a:t>
+            </a:r>
+            <a:endParaRPr lang="en-US" dirty="0"/>
+          </a:p>
+        </p:txBody>
+      </p:sp>
+      <p:sp>
+        <p:nvSpPr>
+          <p:cNvPr id="4" name="Slide Number Placeholder 3"/>
+          <p:cNvSpPr>
+            <a:spLocks noGrp="1"/>
+          </p:cNvSpPr>
+          <p:nvPr>
+            <p:ph type="sldNum" sz="quarter" idx="10"/>
+          </p:nvPr>
+        </p:nvSpPr>
+        <p:spPr/>
+        <p:txBody>
+          <a:bodyPr/>
+          <a:lstStyle/>
+          <a:p>
+            <a:fld id="{B26A75E8-9EC7-42DF-8FCD-4AF46A032700}" type="slidenum">
+              <a:rPr lang="en-US" smtClean="0"/>
+              <a:pPr/>
+              <a:t>11</a:t>
+            </a:fld>
+            <a:endParaRPr lang="en-US"/>
+          </a:p>
+        </p:txBody>
+      </p:sp>
+    </p:spTree>
+  </p:cSld>
+  <p:clrMapOvr>
+    <a:masterClrMapping/>
+  </p:clrMapOvr>
+</p:notes>
+</file>
+
+<file path=ppt/notesSlides/notesSlide7.xml><?xml version="1.0" encoding="utf-8"?>
+<p:notes xmlns:a="http://schemas.openxmlformats.org/drawingml/2006/main" xmlns:r="http://schemas.openxmlformats.org/officeDocument/2006/relationships" xmlns:p="http://schemas.openxmlformats.org/presentationml/2006/main">
+  <p:cSld>
+    <p:spTree>
+      <p:nvGrpSpPr>
+        <p:cNvPr id="1" name=""/>
+        <p:cNvGrpSpPr/>
+        <p:nvPr/>
+      </p:nvGrpSpPr>
+      <p:grpSpPr>
+        <a:xfrm>
+          <a:off x="0" y="0"/>
+          <a:ext cx="0" cy="0"/>
+          <a:chOff x="0" y="0"/>
+          <a:chExt cx="0" cy="0"/>
+        </a:xfrm>
+      </p:grpSpPr>
+      <p:sp>
+        <p:nvSpPr>
+          <p:cNvPr id="2" name="Slide Image Placeholder 1"/>
+          <p:cNvSpPr>
+            <a:spLocks noGrp="1" noRot="1" noChangeAspect="1"/>
+          </p:cNvSpPr>
+          <p:nvPr>
+            <p:ph type="sldImg"/>
+          </p:nvPr>
+        </p:nvSpPr>
+        <p:spPr/>
+      </p:sp>
+      <p:sp>
+        <p:nvSpPr>
+          <p:cNvPr id="3" name="Notes Placeholder 2"/>
+          <p:cNvSpPr>
+            <a:spLocks noGrp="1"/>
+          </p:cNvSpPr>
+          <p:nvPr>
+            <p:ph type="body" idx="1"/>
+          </p:nvPr>
+        </p:nvSpPr>
+        <p:spPr/>
+        <p:txBody>
+          <a:bodyPr>
+            <a:normAutofit/>
+          </a:bodyPr>
+          <a:lstStyle/>
+          <a:p>
+            <a:r>
+              <a:rPr lang="pt-BR" dirty="0" err="1" smtClean="0"/>
+              <a:t>TeamCity</a:t>
+            </a:r>
+            <a:endParaRPr lang="pt-BR" dirty="0" smtClean="0"/>
+          </a:p>
+          <a:p>
+            <a:r>
+              <a:rPr lang="pt-BR" dirty="0" err="1" smtClean="0"/>
+              <a:t>CruiseControl</a:t>
+            </a:r>
+            <a:endParaRPr lang="pt-BR" dirty="0" smtClean="0"/>
+          </a:p>
+          <a:p>
+            <a:r>
+              <a:rPr lang="pt-BR" dirty="0" smtClean="0"/>
+              <a:t>Hudson</a:t>
+            </a:r>
+          </a:p>
+          <a:p>
+            <a:r>
+              <a:rPr lang="pt-BR" dirty="0" err="1" smtClean="0"/>
+              <a:t>Team</a:t>
+            </a:r>
+            <a:r>
+              <a:rPr lang="pt-BR" dirty="0" smtClean="0"/>
+              <a:t> </a:t>
+            </a:r>
+            <a:r>
+              <a:rPr lang="pt-BR" dirty="0" err="1" smtClean="0"/>
+              <a:t>Foundation</a:t>
+            </a:r>
+            <a:r>
+              <a:rPr lang="pt-BR" dirty="0" smtClean="0"/>
+              <a:t> Build</a:t>
+            </a:r>
+            <a:endParaRPr lang="en-US" dirty="0"/>
+          </a:p>
+        </p:txBody>
+      </p:sp>
+      <p:sp>
+        <p:nvSpPr>
+          <p:cNvPr id="4" name="Slide Number Placeholder 3"/>
+          <p:cNvSpPr>
+            <a:spLocks noGrp="1"/>
+          </p:cNvSpPr>
+          <p:nvPr>
+            <p:ph type="sldNum" sz="quarter" idx="10"/>
+          </p:nvPr>
+        </p:nvSpPr>
+        <p:spPr/>
+        <p:txBody>
+          <a:bodyPr/>
+          <a:lstStyle/>
+          <a:p>
+            <a:fld id="{B26A75E8-9EC7-42DF-8FCD-4AF46A032700}" type="slidenum">
+              <a:rPr lang="en-US" smtClean="0"/>
+              <a:pPr/>
+              <a:t>12</a:t>
+            </a:fld>
+            <a:endParaRPr lang="en-US"/>
+          </a:p>
+        </p:txBody>
+      </p:sp>
+    </p:spTree>
+  </p:cSld>
+  <p:clrMapOvr>
+    <a:masterClrMapping/>
+  </p:clrMapOvr>
+</p:notes>
+</file>
+
+<file path=ppt/notesSlides/notesSlide8.xml><?xml version="1.0" encoding="utf-8"?>
+<p:notes xmlns:a="http://schemas.openxmlformats.org/drawingml/2006/main" xmlns:r="http://schemas.openxmlformats.org/officeDocument/2006/relationships" xmlns:p="http://schemas.openxmlformats.org/presentationml/2006/main">
+  <p:cSld>
+    <p:spTree>
+      <p:nvGrpSpPr>
+        <p:cNvPr id="1" name=""/>
+        <p:cNvGrpSpPr/>
+        <p:nvPr/>
+      </p:nvGrpSpPr>
+      <p:grpSpPr>
+        <a:xfrm>
+          <a:off x="0" y="0"/>
+          <a:ext cx="0" cy="0"/>
+          <a:chOff x="0" y="0"/>
+          <a:chExt cx="0" cy="0"/>
+        </a:xfrm>
+      </p:grpSpPr>
+      <p:sp>
+        <p:nvSpPr>
+          <p:cNvPr id="2" name="Slide Image Placeholder 1"/>
+          <p:cNvSpPr>
+            <a:spLocks noGrp="1" noRot="1" noChangeAspect="1"/>
+          </p:cNvSpPr>
+          <p:nvPr>
+            <p:ph type="sldImg"/>
+          </p:nvPr>
+        </p:nvSpPr>
+        <p:spPr/>
+      </p:sp>
+      <p:sp>
+        <p:nvSpPr>
+          <p:cNvPr id="3" name="Notes Placeholder 2"/>
+          <p:cNvSpPr>
+            <a:spLocks noGrp="1"/>
+          </p:cNvSpPr>
+          <p:nvPr>
+            <p:ph type="body" idx="1"/>
+          </p:nvPr>
+        </p:nvSpPr>
+        <p:spPr/>
+        <p:txBody>
+          <a:bodyPr>
+            <a:normAutofit/>
+          </a:bodyPr>
+          <a:lstStyle/>
+          <a:p>
+            <a:r>
+              <a:rPr lang="pt-BR" dirty="0" smtClean="0"/>
+              <a:t>Mas o ciclo de um software</a:t>
+            </a:r>
+            <a:r>
+              <a:rPr lang="pt-BR" baseline="0" dirty="0" smtClean="0"/>
+              <a:t> de integração contínua continua o mesmo</a:t>
+            </a:r>
+          </a:p>
+          <a:p>
+            <a:r>
+              <a:rPr lang="pt-BR" baseline="0" dirty="0" smtClean="0"/>
+              <a:t>Imagem muito legal</a:t>
+            </a:r>
+            <a:endParaRPr lang="en-US" dirty="0"/>
+          </a:p>
+        </p:txBody>
+      </p:sp>
+      <p:sp>
+        <p:nvSpPr>
+          <p:cNvPr id="4" name="Slide Number Placeholder 3"/>
+          <p:cNvSpPr>
+            <a:spLocks noGrp="1"/>
+          </p:cNvSpPr>
+          <p:nvPr>
+            <p:ph type="sldNum" sz="quarter" idx="10"/>
+          </p:nvPr>
+        </p:nvSpPr>
+        <p:spPr/>
+        <p:txBody>
+          <a:bodyPr/>
+          <a:lstStyle/>
+          <a:p>
+            <a:fld id="{B26A75E8-9EC7-42DF-8FCD-4AF46A032700}" type="slidenum">
+              <a:rPr lang="en-US" smtClean="0"/>
+              <a:pPr/>
+              <a:t>13</a:t>
             </a:fld>
             <a:endParaRPr lang="en-US"/>
           </a:p>
@@ -730,7 +1464,7 @@
             <a:fld id="{F57067B2-5D5B-4B98-9300-AE70A344D18E}" type="datetimeFigureOut">
               <a:rPr lang="en-US" smtClean="0"/>
               <a:pPr/>
-              <a:t>11/2/2010</a:t>
+              <a:t>11/16/2010</a:t>
             </a:fld>
             <a:endParaRPr lang="en-US"/>
           </a:p>
@@ -897,7 +1631,7 @@
             <a:fld id="{F57067B2-5D5B-4B98-9300-AE70A344D18E}" type="datetimeFigureOut">
               <a:rPr lang="en-US" smtClean="0"/>
               <a:pPr/>
-              <a:t>11/2/2010</a:t>
+              <a:t>11/16/2010</a:t>
             </a:fld>
             <a:endParaRPr lang="en-US"/>
           </a:p>
@@ -1074,7 +1808,7 @@
             <a:fld id="{F57067B2-5D5B-4B98-9300-AE70A344D18E}" type="datetimeFigureOut">
               <a:rPr lang="en-US" smtClean="0"/>
               <a:pPr/>
-              <a:t>11/2/2010</a:t>
+              <a:t>11/16/2010</a:t>
             </a:fld>
             <a:endParaRPr lang="en-US"/>
           </a:p>
@@ -1241,7 +1975,7 @@
             <a:fld id="{F57067B2-5D5B-4B98-9300-AE70A344D18E}" type="datetimeFigureOut">
               <a:rPr lang="en-US" smtClean="0"/>
               <a:pPr/>
-              <a:t>11/2/2010</a:t>
+              <a:t>11/16/2010</a:t>
             </a:fld>
             <a:endParaRPr lang="en-US"/>
           </a:p>
@@ -1484,7 +2218,7 @@
             <a:fld id="{F57067B2-5D5B-4B98-9300-AE70A344D18E}" type="datetimeFigureOut">
               <a:rPr lang="en-US" smtClean="0"/>
               <a:pPr/>
-              <a:t>11/2/2010</a:t>
+              <a:t>11/16/2010</a:t>
             </a:fld>
             <a:endParaRPr lang="en-US"/>
           </a:p>
@@ -1769,7 +2503,7 @@
             <a:fld id="{F57067B2-5D5B-4B98-9300-AE70A344D18E}" type="datetimeFigureOut">
               <a:rPr lang="en-US" smtClean="0"/>
               <a:pPr/>
-              <a:t>11/2/2010</a:t>
+              <a:t>11/16/2010</a:t>
             </a:fld>
             <a:endParaRPr lang="en-US"/>
           </a:p>
@@ -2188,7 +2922,7 @@
             <a:fld id="{F57067B2-5D5B-4B98-9300-AE70A344D18E}" type="datetimeFigureOut">
               <a:rPr lang="en-US" smtClean="0"/>
               <a:pPr/>
-              <a:t>11/2/2010</a:t>
+              <a:t>11/16/2010</a:t>
             </a:fld>
             <a:endParaRPr lang="en-US"/>
           </a:p>
@@ -2303,7 +3037,7 @@
             <a:fld id="{F57067B2-5D5B-4B98-9300-AE70A344D18E}" type="datetimeFigureOut">
               <a:rPr lang="en-US" smtClean="0"/>
               <a:pPr/>
-              <a:t>11/2/2010</a:t>
+              <a:t>11/16/2010</a:t>
             </a:fld>
             <a:endParaRPr lang="en-US"/>
           </a:p>
@@ -2395,7 +3129,7 @@
             <a:fld id="{F57067B2-5D5B-4B98-9300-AE70A344D18E}" type="datetimeFigureOut">
               <a:rPr lang="en-US" smtClean="0"/>
               <a:pPr/>
-              <a:t>11/2/2010</a:t>
+              <a:t>11/16/2010</a:t>
             </a:fld>
             <a:endParaRPr lang="en-US"/>
           </a:p>
@@ -2669,7 +3403,7 @@
             <a:fld id="{F57067B2-5D5B-4B98-9300-AE70A344D18E}" type="datetimeFigureOut">
               <a:rPr lang="en-US" smtClean="0"/>
               <a:pPr/>
-              <a:t>11/2/2010</a:t>
+              <a:t>11/16/2010</a:t>
             </a:fld>
             <a:endParaRPr lang="en-US"/>
           </a:p>
@@ -2919,7 +3653,7 @@
             <a:fld id="{F57067B2-5D5B-4B98-9300-AE70A344D18E}" type="datetimeFigureOut">
               <a:rPr lang="en-US" smtClean="0"/>
               <a:pPr/>
-              <a:t>11/2/2010</a:t>
+              <a:t>11/16/2010</a:t>
             </a:fld>
             <a:endParaRPr lang="en-US"/>
           </a:p>
@@ -3129,7 +3863,7 @@
             <a:fld id="{F57067B2-5D5B-4B98-9300-AE70A344D18E}" type="datetimeFigureOut">
               <a:rPr lang="en-US" smtClean="0"/>
               <a:pPr/>
-              <a:t>11/2/2010</a:t>
+              <a:t>11/16/2010</a:t>
             </a:fld>
             <a:endParaRPr lang="en-US"/>
           </a:p>
@@ -3509,7 +4243,7 @@
           <p:nvPr/>
         </p:nvPicPr>
         <p:blipFill>
-          <a:blip r:embed="rId2" cstate="print"/>
+          <a:blip r:embed="rId3" cstate="print"/>
           <a:stretch>
             <a:fillRect/>
           </a:stretch>
@@ -3538,67 +4272,6 @@
           </a:effectLst>
         </p:spPr>
       </p:pic>
-      <p:sp>
-        <p:nvSpPr>
-          <p:cNvPr id="5" name="TextBox 4"/>
-          <p:cNvSpPr txBox="1"/>
-          <p:nvPr/>
-        </p:nvSpPr>
-        <p:spPr>
-          <a:xfrm>
-            <a:off x="152400" y="5562600"/>
-            <a:ext cx="6858000" cy="523220"/>
-          </a:xfrm>
-          <a:prstGeom prst="rect">
-            <a:avLst/>
-          </a:prstGeom>
-          <a:noFill/>
-        </p:spPr>
-        <p:txBody>
-          <a:bodyPr wrap="square" rtlCol="0">
-            <a:spAutoFit/>
-          </a:bodyPr>
-          <a:lstStyle/>
-          <a:p>
-            <a:r>
-              <a:rPr lang="pt-BR" sz="2800" dirty="0" smtClean="0"/>
-              <a:t>Integração Contínua – Muito Além do Build</a:t>
-            </a:r>
-            <a:endParaRPr lang="en-US" sz="2800" dirty="0"/>
-          </a:p>
-        </p:txBody>
-      </p:sp>
-      <p:sp>
-        <p:nvSpPr>
-          <p:cNvPr id="6" name="TextBox 5"/>
-          <p:cNvSpPr txBox="1"/>
-          <p:nvPr/>
-        </p:nvSpPr>
-        <p:spPr>
-          <a:xfrm>
-            <a:off x="4572000" y="609600"/>
-            <a:ext cx="4495800" cy="253916"/>
-          </a:xfrm>
-          <a:prstGeom prst="rect">
-            <a:avLst/>
-          </a:prstGeom>
-          <a:noFill/>
-        </p:spPr>
-        <p:txBody>
-          <a:bodyPr wrap="square" rtlCol="0">
-            <a:spAutoFit/>
-          </a:bodyPr>
-          <a:lstStyle/>
-          <a:p>
-            <a:pPr algn="r"/>
-            <a:r>
-              <a:rPr lang="en-US" sz="1050" dirty="0" smtClean="0"/>
-              <a:t>http://www.lean6sigma.co.nz/integrating-continuous-improvement/</a:t>
-            </a:r>
-            <a:endParaRPr lang="en-US" sz="1050" dirty="0"/>
-          </a:p>
-        </p:txBody>
-      </p:sp>
     </p:spTree>
   </p:cSld>
   <p:clrMapOvr>
@@ -3614,7 +4287,102 @@
 </p:sld>
 </file>
 
-<file path=ppt/slides/slide2.xml><?xml version="1.0" encoding="utf-8"?>
+<file path=ppt/slides/slide10.xml><?xml version="1.0" encoding="utf-8"?>
+<p:sld xmlns:a="http://schemas.openxmlformats.org/drawingml/2006/main" xmlns:r="http://schemas.openxmlformats.org/officeDocument/2006/relationships" xmlns:p="http://schemas.openxmlformats.org/presentationml/2006/main">
+  <p:cSld>
+    <p:bg>
+      <p:bgPr>
+        <a:solidFill>
+          <a:schemeClr val="tx2">
+            <a:lumMod val="50000"/>
+          </a:schemeClr>
+        </a:solidFill>
+        <a:effectLst/>
+      </p:bgPr>
+    </p:bg>
+    <p:spTree>
+      <p:nvGrpSpPr>
+        <p:cNvPr id="1" name=""/>
+        <p:cNvGrpSpPr/>
+        <p:nvPr/>
+      </p:nvGrpSpPr>
+      <p:grpSpPr>
+        <a:xfrm>
+          <a:off x="0" y="0"/>
+          <a:ext cx="0" cy="0"/>
+          <a:chOff x="0" y="0"/>
+          <a:chExt cx="0" cy="0"/>
+        </a:xfrm>
+      </p:grpSpPr>
+      <p:sp>
+        <p:nvSpPr>
+          <p:cNvPr id="3" name="TextBox 2"/>
+          <p:cNvSpPr txBox="1"/>
+          <p:nvPr/>
+        </p:nvSpPr>
+        <p:spPr>
+          <a:xfrm>
+            <a:off x="0" y="2438400"/>
+            <a:ext cx="9144000" cy="1446550"/>
+          </a:xfrm>
+          <a:prstGeom prst="rect">
+            <a:avLst/>
+          </a:prstGeom>
+          <a:noFill/>
+        </p:spPr>
+        <p:txBody>
+          <a:bodyPr wrap="square" rtlCol="0">
+            <a:spAutoFit/>
+          </a:bodyPr>
+          <a:lstStyle/>
+          <a:p>
+            <a:pPr algn="ctr"/>
+            <a:r>
+              <a:rPr lang="pt-BR" sz="8800" dirty="0" err="1" smtClean="0">
+                <a:solidFill>
+                  <a:schemeClr val="bg1"/>
+                </a:solidFill>
+                <a:latin typeface="+mj-lt"/>
+                <a:cs typeface="Consolas" pitchFamily="49" charset="0"/>
+              </a:rPr>
+              <a:t>Ta-da</a:t>
+            </a:r>
+            <a:r>
+              <a:rPr lang="pt-BR" sz="8800" dirty="0" smtClean="0">
+                <a:solidFill>
+                  <a:schemeClr val="bg1"/>
+                </a:solidFill>
+                <a:latin typeface="+mj-lt"/>
+                <a:cs typeface="Consolas" pitchFamily="49" charset="0"/>
+              </a:rPr>
+              <a:t>!</a:t>
+            </a:r>
+            <a:endParaRPr lang="en-US" sz="8800" dirty="0">
+              <a:solidFill>
+                <a:schemeClr val="bg1"/>
+              </a:solidFill>
+              <a:latin typeface="+mj-lt"/>
+              <a:cs typeface="Consolas" pitchFamily="49" charset="0"/>
+            </a:endParaRPr>
+          </a:p>
+        </p:txBody>
+      </p:sp>
+    </p:spTree>
+  </p:cSld>
+  <p:clrMapOvr>
+    <a:masterClrMapping/>
+  </p:clrMapOvr>
+  <p:timing>
+    <p:tnLst>
+      <p:par>
+        <p:cTn id="1" dur="indefinite" restart="never" nodeType="tmRoot"/>
+      </p:par>
+    </p:tnLst>
+  </p:timing>
+</p:sld>
+</file>
+
+<file path=ppt/slides/slide11.xml><?xml version="1.0" encoding="utf-8"?>
 <p:sld xmlns:a="http://schemas.openxmlformats.org/drawingml/2006/main" xmlns:r="http://schemas.openxmlformats.org/officeDocument/2006/relationships" xmlns:p="http://schemas.openxmlformats.org/presentationml/2006/main">
   <p:cSld>
     <p:spTree>
@@ -3633,70 +4401,30 @@
       </p:grpSpPr>
       <p:pic>
         <p:nvPicPr>
-          <p:cNvPr id="4" name="Picture 3" descr="6.gif"/>
+          <p:cNvPr id="32772" name="Picture 4" descr="Step-one-have-too-many-tools-for-your-existing-st.jpg (560×420)"/>
           <p:cNvPicPr>
-            <a:picLocks noChangeAspect="1"/>
+            <a:picLocks noChangeAspect="1" noChangeArrowheads="1"/>
           </p:cNvPicPr>
           <p:nvPr/>
         </p:nvPicPr>
         <p:blipFill>
-          <a:blip r:embed="rId2" cstate="print"/>
+          <a:blip r:embed="rId3" cstate="print"/>
+          <a:srcRect/>
           <a:stretch>
             <a:fillRect/>
           </a:stretch>
         </p:blipFill>
-        <p:spPr>
+        <p:spPr bwMode="auto">
           <a:xfrm>
-            <a:off x="2667000" y="838200"/>
-            <a:ext cx="3810000" cy="3810000"/>
-          </a:xfrm>
-          <a:prstGeom prst="rect">
-            <a:avLst/>
-          </a:prstGeom>
-          <a:ln w="88900" cap="sq" cmpd="thickThin">
-            <a:solidFill>
-              <a:srgbClr val="000000"/>
-            </a:solidFill>
-            <a:prstDash val="solid"/>
-            <a:miter lim="800000"/>
-          </a:ln>
-          <a:effectLst>
-            <a:innerShdw blurRad="76200">
-              <a:srgbClr val="000000"/>
-            </a:innerShdw>
-          </a:effectLst>
-        </p:spPr>
-      </p:pic>
-      <p:sp>
-        <p:nvSpPr>
-          <p:cNvPr id="5" name="TextBox 4"/>
-          <p:cNvSpPr txBox="1"/>
-          <p:nvPr/>
-        </p:nvSpPr>
-        <p:spPr>
-          <a:xfrm>
-            <a:off x="2438400" y="4724400"/>
-            <a:ext cx="4267200" cy="1015663"/>
+            <a:off x="0" y="0"/>
+            <a:ext cx="9143998" cy="6858000"/>
           </a:xfrm>
           <a:prstGeom prst="rect">
             <a:avLst/>
           </a:prstGeom>
           <a:noFill/>
         </p:spPr>
-        <p:txBody>
-          <a:bodyPr wrap="square" rtlCol="0">
-            <a:spAutoFit/>
-          </a:bodyPr>
-          <a:lstStyle/>
-          <a:p>
-            <a:pPr algn="ctr"/>
-            <a:r>
-              <a:rPr lang="pt-BR" sz="6000" dirty="0" smtClean="0"/>
-              <a:t>Manuel</a:t>
-            </a:r>
-          </a:p>
-        </p:txBody>
-      </p:sp>
+      </p:pic>
     </p:spTree>
   </p:cSld>
   <p:clrMapOvr>
@@ -3712,7 +4440,355 @@
 </p:sld>
 </file>
 
-<file path=ppt/slides/slide3.xml><?xml version="1.0" encoding="utf-8"?>
+<file path=ppt/slides/slide12.xml><?xml version="1.0" encoding="utf-8"?>
+<p:sld xmlns:a="http://schemas.openxmlformats.org/drawingml/2006/main" xmlns:r="http://schemas.openxmlformats.org/officeDocument/2006/relationships" xmlns:p="http://schemas.openxmlformats.org/presentationml/2006/main">
+  <p:cSld>
+    <p:bg>
+      <p:bgPr>
+        <a:solidFill>
+          <a:schemeClr val="tx2">
+            <a:lumMod val="50000"/>
+          </a:schemeClr>
+        </a:solidFill>
+        <a:effectLst/>
+      </p:bgPr>
+    </p:bg>
+    <p:spTree>
+      <p:nvGrpSpPr>
+        <p:cNvPr id="1" name=""/>
+        <p:cNvGrpSpPr/>
+        <p:nvPr/>
+      </p:nvGrpSpPr>
+      <p:grpSpPr>
+        <a:xfrm>
+          <a:off x="0" y="0"/>
+          <a:ext cx="0" cy="0"/>
+          <a:chOff x="0" y="0"/>
+          <a:chExt cx="0" cy="0"/>
+        </a:xfrm>
+      </p:grpSpPr>
+      <p:pic>
+        <p:nvPicPr>
+          <p:cNvPr id="31746" name="Picture 2" descr="3384877145_97b7b495e1_o.png (250×268)"/>
+          <p:cNvPicPr>
+            <a:picLocks noChangeAspect="1" noChangeArrowheads="1"/>
+          </p:cNvPicPr>
+          <p:nvPr/>
+        </p:nvPicPr>
+        <p:blipFill>
+          <a:blip r:embed="rId3" cstate="print"/>
+          <a:srcRect/>
+          <a:stretch>
+            <a:fillRect/>
+          </a:stretch>
+        </p:blipFill>
+        <p:spPr bwMode="auto">
+          <a:xfrm>
+            <a:off x="381000" y="4305300"/>
+            <a:ext cx="2381250" cy="2552700"/>
+          </a:xfrm>
+          <a:prstGeom prst="rect">
+            <a:avLst/>
+          </a:prstGeom>
+          <a:noFill/>
+        </p:spPr>
+      </p:pic>
+      <p:pic>
+        <p:nvPicPr>
+          <p:cNvPr id="31748" name="Picture 4" descr="ccnet_logo.gif (235×54)"/>
+          <p:cNvPicPr>
+            <a:picLocks noChangeAspect="1" noChangeArrowheads="1"/>
+          </p:cNvPicPr>
+          <p:nvPr/>
+        </p:nvPicPr>
+        <p:blipFill>
+          <a:blip r:embed="rId4" cstate="print"/>
+          <a:srcRect/>
+          <a:stretch>
+            <a:fillRect/>
+          </a:stretch>
+        </p:blipFill>
+        <p:spPr bwMode="auto">
+          <a:xfrm>
+            <a:off x="4724400" y="990600"/>
+            <a:ext cx="3979326" cy="914400"/>
+          </a:xfrm>
+          <a:prstGeom prst="rect">
+            <a:avLst/>
+          </a:prstGeom>
+          <a:noFill/>
+        </p:spPr>
+      </p:pic>
+      <p:pic>
+        <p:nvPicPr>
+          <p:cNvPr id="31750" name="Picture 6" descr="resize (500×500)"/>
+          <p:cNvPicPr>
+            <a:picLocks noChangeAspect="1" noChangeArrowheads="1"/>
+          </p:cNvPicPr>
+          <p:nvPr/>
+        </p:nvPicPr>
+        <p:blipFill>
+          <a:blip r:embed="rId5" cstate="print"/>
+          <a:srcRect/>
+          <a:stretch>
+            <a:fillRect/>
+          </a:stretch>
+        </p:blipFill>
+        <p:spPr bwMode="auto">
+          <a:xfrm>
+            <a:off x="5181600" y="3352800"/>
+            <a:ext cx="2819400" cy="2819400"/>
+          </a:xfrm>
+          <a:prstGeom prst="rect">
+            <a:avLst/>
+          </a:prstGeom>
+          <a:noFill/>
+        </p:spPr>
+      </p:pic>
+      <p:pic>
+        <p:nvPicPr>
+          <p:cNvPr id="31752" name="Picture 8" descr="teamcity512.png (512×512)"/>
+          <p:cNvPicPr>
+            <a:picLocks noChangeAspect="1" noChangeArrowheads="1"/>
+          </p:cNvPicPr>
+          <p:nvPr/>
+        </p:nvPicPr>
+        <p:blipFill>
+          <a:blip r:embed="rId6" cstate="print"/>
+          <a:srcRect/>
+          <a:stretch>
+            <a:fillRect/>
+          </a:stretch>
+        </p:blipFill>
+        <p:spPr bwMode="auto">
+          <a:xfrm>
+            <a:off x="990600" y="533400"/>
+            <a:ext cx="2590798" cy="2590799"/>
+          </a:xfrm>
+          <a:prstGeom prst="rect">
+            <a:avLst/>
+          </a:prstGeom>
+          <a:noFill/>
+        </p:spPr>
+      </p:pic>
+    </p:spTree>
+  </p:cSld>
+  <p:clrMapOvr>
+    <a:masterClrMapping/>
+  </p:clrMapOvr>
+  <p:timing>
+    <p:tnLst>
+      <p:par>
+        <p:cTn id="1" dur="indefinite" restart="never" nodeType="tmRoot"/>
+      </p:par>
+    </p:tnLst>
+  </p:timing>
+</p:sld>
+</file>
+
+<file path=ppt/slides/slide13.xml><?xml version="1.0" encoding="utf-8"?>
+<p:sld xmlns:a="http://schemas.openxmlformats.org/drawingml/2006/main" xmlns:r="http://schemas.openxmlformats.org/officeDocument/2006/relationships" xmlns:p="http://schemas.openxmlformats.org/presentationml/2006/main">
+  <p:cSld>
+    <p:bg>
+      <p:bgPr>
+        <a:solidFill>
+          <a:schemeClr val="tx2">
+            <a:lumMod val="50000"/>
+          </a:schemeClr>
+        </a:solidFill>
+        <a:effectLst/>
+      </p:bgPr>
+    </p:bg>
+    <p:spTree>
+      <p:nvGrpSpPr>
+        <p:cNvPr id="1" name=""/>
+        <p:cNvGrpSpPr/>
+        <p:nvPr/>
+      </p:nvGrpSpPr>
+      <p:grpSpPr>
+        <a:xfrm>
+          <a:off x="0" y="0"/>
+          <a:ext cx="0" cy="0"/>
+          <a:chOff x="0" y="0"/>
+          <a:chExt cx="0" cy="0"/>
+        </a:xfrm>
+      </p:grpSpPr>
+      <p:pic>
+        <p:nvPicPr>
+          <p:cNvPr id="35848" name="Picture 8" descr="landscape-cruise-diagram.jpg (400×283)"/>
+          <p:cNvPicPr>
+            <a:picLocks noChangeAspect="1" noChangeArrowheads="1"/>
+          </p:cNvPicPr>
+          <p:nvPr/>
+        </p:nvPicPr>
+        <p:blipFill>
+          <a:blip r:embed="rId3" cstate="print"/>
+          <a:srcRect/>
+          <a:stretch>
+            <a:fillRect/>
+          </a:stretch>
+        </p:blipFill>
+        <p:spPr bwMode="auto">
+          <a:xfrm>
+            <a:off x="228600" y="304800"/>
+            <a:ext cx="8723954" cy="6172200"/>
+          </a:xfrm>
+          <a:prstGeom prst="rect">
+            <a:avLst/>
+          </a:prstGeom>
+          <a:noFill/>
+        </p:spPr>
+      </p:pic>
+    </p:spTree>
+  </p:cSld>
+  <p:clrMapOvr>
+    <a:masterClrMapping/>
+  </p:clrMapOvr>
+  <p:timing>
+    <p:tnLst>
+      <p:par>
+        <p:cTn id="1" dur="indefinite" restart="never" nodeType="tmRoot"/>
+      </p:par>
+    </p:tnLst>
+  </p:timing>
+</p:sld>
+</file>
+
+<file path=ppt/slides/slide14.xml><?xml version="1.0" encoding="utf-8"?>
+<p:sld xmlns:a="http://schemas.openxmlformats.org/drawingml/2006/main" xmlns:r="http://schemas.openxmlformats.org/officeDocument/2006/relationships" xmlns:p="http://schemas.openxmlformats.org/presentationml/2006/main">
+  <p:cSld>
+    <p:bg>
+      <p:bgPr>
+        <a:solidFill>
+          <a:schemeClr val="tx2">
+            <a:lumMod val="50000"/>
+          </a:schemeClr>
+        </a:solidFill>
+        <a:effectLst/>
+      </p:bgPr>
+    </p:bg>
+    <p:spTree>
+      <p:nvGrpSpPr>
+        <p:cNvPr id="1" name=""/>
+        <p:cNvGrpSpPr/>
+        <p:nvPr/>
+      </p:nvGrpSpPr>
+      <p:grpSpPr>
+        <a:xfrm>
+          <a:off x="0" y="0"/>
+          <a:ext cx="0" cy="0"/>
+          <a:chOff x="0" y="0"/>
+          <a:chExt cx="0" cy="0"/>
+        </a:xfrm>
+      </p:grpSpPr>
+      <p:pic>
+        <p:nvPicPr>
+          <p:cNvPr id="4" name="Picture 4" descr="ccnet_logo.gif (235×54)"/>
+          <p:cNvPicPr>
+            <a:picLocks noChangeAspect="1" noChangeArrowheads="1"/>
+          </p:cNvPicPr>
+          <p:nvPr/>
+        </p:nvPicPr>
+        <p:blipFill>
+          <a:blip r:embed="rId2" cstate="print"/>
+          <a:srcRect/>
+          <a:stretch>
+            <a:fillRect/>
+          </a:stretch>
+        </p:blipFill>
+        <p:spPr bwMode="auto">
+          <a:xfrm>
+            <a:off x="2514600" y="3200400"/>
+            <a:ext cx="3979326" cy="914400"/>
+          </a:xfrm>
+          <a:prstGeom prst="rect">
+            <a:avLst/>
+          </a:prstGeom>
+          <a:noFill/>
+        </p:spPr>
+      </p:pic>
+      <p:sp>
+        <p:nvSpPr>
+          <p:cNvPr id="5" name="TextBox 4"/>
+          <p:cNvSpPr txBox="1"/>
+          <p:nvPr/>
+        </p:nvSpPr>
+        <p:spPr>
+          <a:xfrm>
+            <a:off x="0" y="1752600"/>
+            <a:ext cx="9144000" cy="1323439"/>
+          </a:xfrm>
+          <a:prstGeom prst="rect">
+            <a:avLst/>
+          </a:prstGeom>
+          <a:noFill/>
+        </p:spPr>
+        <p:txBody>
+          <a:bodyPr wrap="square" rtlCol="0">
+            <a:spAutoFit/>
+          </a:bodyPr>
+          <a:lstStyle/>
+          <a:p>
+            <a:pPr algn="ctr"/>
+            <a:r>
+              <a:rPr lang="pt-BR" sz="8000" dirty="0" smtClean="0">
+                <a:solidFill>
+                  <a:schemeClr val="bg1"/>
+                </a:solidFill>
+                <a:cs typeface="Consolas" pitchFamily="49" charset="0"/>
+              </a:rPr>
+              <a:t>Não é sobre</a:t>
+            </a:r>
+            <a:endParaRPr lang="en-US" sz="8000" dirty="0">
+              <a:solidFill>
+                <a:schemeClr val="bg1"/>
+              </a:solidFill>
+              <a:cs typeface="Consolas" pitchFamily="49" charset="0"/>
+            </a:endParaRPr>
+          </a:p>
+        </p:txBody>
+      </p:sp>
+    </p:spTree>
+  </p:cSld>
+  <p:clrMapOvr>
+    <a:masterClrMapping/>
+  </p:clrMapOvr>
+  <p:timing>
+    <p:tnLst>
+      <p:par>
+        <p:cTn id="1" dur="indefinite" restart="never" nodeType="tmRoot"/>
+      </p:par>
+    </p:tnLst>
+  </p:timing>
+</p:sld>
+</file>
+
+<file path=ppt/slides/slide15.xml><?xml version="1.0" encoding="utf-8"?>
+<p:sld xmlns:a="http://schemas.openxmlformats.org/drawingml/2006/main" xmlns:r="http://schemas.openxmlformats.org/officeDocument/2006/relationships" xmlns:p="http://schemas.openxmlformats.org/presentationml/2006/main">
+  <p:cSld>
+    <p:spTree>
+      <p:nvGrpSpPr>
+        <p:cNvPr id="1" name=""/>
+        <p:cNvGrpSpPr/>
+        <p:nvPr/>
+      </p:nvGrpSpPr>
+      <p:grpSpPr>
+        <a:xfrm>
+          <a:off x="0" y="0"/>
+          <a:ext cx="0" cy="0"/>
+          <a:chOff x="0" y="0"/>
+          <a:chExt cx="0" cy="0"/>
+        </a:xfrm>
+      </p:grpSpPr>
+    </p:spTree>
+  </p:cSld>
+  <p:clrMapOvr>
+    <a:masterClrMapping/>
+  </p:clrMapOvr>
+</p:sld>
+</file>
+
+<file path=ppt/slides/slide2.xml><?xml version="1.0" encoding="utf-8"?>
 <p:sld xmlns:a="http://schemas.openxmlformats.org/drawingml/2006/main" xmlns:r="http://schemas.openxmlformats.org/officeDocument/2006/relationships" xmlns:p="http://schemas.openxmlformats.org/presentationml/2006/main">
   <p:cSld>
     <p:bg>
@@ -3737,92 +4813,167 @@
           <a:chExt cx="0" cy="0"/>
         </a:xfrm>
       </p:grpSpPr>
+      <p:sp>
+        <p:nvSpPr>
+          <p:cNvPr id="4" name="TextBox 3"/>
+          <p:cNvSpPr txBox="1"/>
+          <p:nvPr/>
+        </p:nvSpPr>
+        <p:spPr>
+          <a:xfrm>
+            <a:off x="533400" y="1524000"/>
+            <a:ext cx="8382000" cy="3416320"/>
+          </a:xfrm>
+          <a:prstGeom prst="rect">
+            <a:avLst/>
+          </a:prstGeom>
+          <a:noFill/>
+        </p:spPr>
+        <p:txBody>
+          <a:bodyPr wrap="square" rtlCol="0">
+            <a:spAutoFit/>
+          </a:bodyPr>
+          <a:lstStyle/>
+          <a:p>
+            <a:r>
+              <a:rPr lang="pt-BR" sz="5400" dirty="0" smtClean="0">
+                <a:solidFill>
+                  <a:schemeClr val="bg1"/>
+                </a:solidFill>
+                <a:latin typeface="Consolas" pitchFamily="49" charset="0"/>
+                <a:cs typeface="Consolas" pitchFamily="49" charset="0"/>
+              </a:rPr>
+              <a:t>Juan Lopes</a:t>
+            </a:r>
+          </a:p>
+          <a:p>
+            <a:r>
+              <a:rPr lang="pt-BR" sz="5400" dirty="0" smtClean="0">
+                <a:solidFill>
+                  <a:schemeClr val="bg1"/>
+                </a:solidFill>
+                <a:latin typeface="Consolas" pitchFamily="49" charset="0"/>
+                <a:cs typeface="Consolas" pitchFamily="49" charset="0"/>
+              </a:rPr>
+              <a:t>Humano</a:t>
+            </a:r>
+          </a:p>
+          <a:p>
+            <a:r>
+              <a:rPr lang="pt-BR" sz="5400" dirty="0" smtClean="0">
+                <a:solidFill>
+                  <a:schemeClr val="bg1"/>
+                </a:solidFill>
+                <a:latin typeface="Consolas" pitchFamily="49" charset="0"/>
+                <a:cs typeface="Consolas" pitchFamily="49" charset="0"/>
+              </a:rPr>
+              <a:t>@</a:t>
+            </a:r>
+            <a:r>
+              <a:rPr lang="pt-BR" sz="5400" dirty="0" err="1" smtClean="0">
+                <a:solidFill>
+                  <a:schemeClr val="bg1"/>
+                </a:solidFill>
+                <a:latin typeface="Consolas" pitchFamily="49" charset="0"/>
+                <a:cs typeface="Consolas" pitchFamily="49" charset="0"/>
+              </a:rPr>
+              <a:t>juanplopes</a:t>
+            </a:r>
+            <a:endParaRPr lang="pt-BR" sz="5400" dirty="0" smtClean="0">
+              <a:solidFill>
+                <a:schemeClr val="bg1"/>
+              </a:solidFill>
+              <a:latin typeface="Consolas" pitchFamily="49" charset="0"/>
+              <a:cs typeface="Consolas" pitchFamily="49" charset="0"/>
+            </a:endParaRPr>
+          </a:p>
+          <a:p>
+            <a:r>
+              <a:rPr lang="pt-BR" sz="5400" dirty="0" smtClean="0">
+                <a:solidFill>
+                  <a:schemeClr val="bg1"/>
+                </a:solidFill>
+                <a:latin typeface="Consolas" pitchFamily="49" charset="0"/>
+                <a:cs typeface="Consolas" pitchFamily="49" charset="0"/>
+              </a:rPr>
+              <a:t>github.com/</a:t>
+            </a:r>
+            <a:r>
+              <a:rPr lang="pt-BR" sz="5400" dirty="0" err="1" smtClean="0">
+                <a:solidFill>
+                  <a:schemeClr val="bg1"/>
+                </a:solidFill>
+                <a:latin typeface="Consolas" pitchFamily="49" charset="0"/>
+                <a:cs typeface="Consolas" pitchFamily="49" charset="0"/>
+              </a:rPr>
+              <a:t>juanplopes</a:t>
+            </a:r>
+            <a:endParaRPr lang="pt-BR" sz="5400" dirty="0" smtClean="0">
+              <a:solidFill>
+                <a:schemeClr val="bg1"/>
+              </a:solidFill>
+              <a:latin typeface="Consolas" pitchFamily="49" charset="0"/>
+              <a:cs typeface="Consolas" pitchFamily="49" charset="0"/>
+            </a:endParaRPr>
+          </a:p>
+        </p:txBody>
+      </p:sp>
+    </p:spTree>
+  </p:cSld>
+  <p:clrMapOvr>
+    <a:masterClrMapping/>
+  </p:clrMapOvr>
+  <p:timing>
+    <p:tnLst>
+      <p:par>
+        <p:cTn id="1" dur="indefinite" restart="never" nodeType="tmRoot"/>
+      </p:par>
+    </p:tnLst>
+  </p:timing>
+</p:sld>
+</file>
+
+<file path=ppt/slides/slide3.xml><?xml version="1.0" encoding="utf-8"?>
+<p:sld xmlns:a="http://schemas.openxmlformats.org/drawingml/2006/main" xmlns:r="http://schemas.openxmlformats.org/officeDocument/2006/relationships" xmlns:p="http://schemas.openxmlformats.org/presentationml/2006/main">
+  <p:cSld>
+    <p:spTree>
+      <p:nvGrpSpPr>
+        <p:cNvPr id="1" name=""/>
+        <p:cNvGrpSpPr/>
+        <p:nvPr/>
+      </p:nvGrpSpPr>
+      <p:grpSpPr>
+        <a:xfrm>
+          <a:off x="0" y="0"/>
+          <a:ext cx="0" cy="0"/>
+          <a:chOff x="0" y="0"/>
+          <a:chExt cx="0" cy="0"/>
+        </a:xfrm>
+      </p:grpSpPr>
       <p:pic>
         <p:nvPicPr>
-          <p:cNvPr id="4" name="Picture 3" descr="6.gif"/>
+          <p:cNvPr id="4" name="Picture 3" descr="9.jpg"/>
           <p:cNvPicPr>
             <a:picLocks noChangeAspect="1"/>
           </p:cNvPicPr>
           <p:nvPr/>
         </p:nvPicPr>
         <p:blipFill>
-          <a:blip r:embed="rId2" cstate="print"/>
+          <a:blip r:embed="rId3" cstate="print"/>
           <a:stretch>
             <a:fillRect/>
           </a:stretch>
         </p:blipFill>
         <p:spPr>
           <a:xfrm>
-            <a:off x="2667000" y="838200"/>
-            <a:ext cx="3810000" cy="3810000"/>
+            <a:off x="555434" y="761999"/>
+            <a:ext cx="8283766" cy="5500421"/>
           </a:xfrm>
           <a:prstGeom prst="rect">
             <a:avLst/>
           </a:prstGeom>
-          <a:ln w="88900" cap="sq" cmpd="thickThin">
-            <a:solidFill>
-              <a:srgbClr val="000000"/>
-            </a:solidFill>
-            <a:prstDash val="solid"/>
-            <a:miter lim="800000"/>
-          </a:ln>
-          <a:effectLst>
-            <a:innerShdw blurRad="76200">
-              <a:srgbClr val="000000"/>
-            </a:innerShdw>
-          </a:effectLst>
         </p:spPr>
       </p:pic>
-      <p:sp>
-        <p:nvSpPr>
-          <p:cNvPr id="5" name="TextBox 4"/>
-          <p:cNvSpPr txBox="1"/>
-          <p:nvPr/>
-        </p:nvSpPr>
-        <p:spPr>
-          <a:xfrm>
-            <a:off x="2438400" y="4724400"/>
-            <a:ext cx="4267200" cy="1938992"/>
-          </a:xfrm>
-          <a:prstGeom prst="rect">
-            <a:avLst/>
-          </a:prstGeom>
-          <a:noFill/>
-        </p:spPr>
-        <p:txBody>
-          <a:bodyPr wrap="square" rtlCol="0">
-            <a:spAutoFit/>
-          </a:bodyPr>
-          <a:lstStyle/>
-          <a:p>
-            <a:pPr algn="ctr"/>
-            <a:r>
-              <a:rPr lang="pt-BR" sz="6000" dirty="0" smtClean="0">
-                <a:solidFill>
-                  <a:schemeClr val="bg1"/>
-                </a:solidFill>
-              </a:rPr>
-              <a:t>Manuel</a:t>
-            </a:r>
-          </a:p>
-          <a:p>
-            <a:pPr algn="ctr"/>
-            <a:r>
-              <a:rPr lang="en-US" sz="6000" dirty="0" err="1" smtClean="0">
-                <a:solidFill>
-                  <a:schemeClr val="bg1"/>
-                </a:solidFill>
-              </a:rPr>
-              <a:t>Jakobsen</a:t>
-            </a:r>
-            <a:endParaRPr lang="en-US" sz="6000" dirty="0">
-              <a:solidFill>
-                <a:schemeClr val="bg1"/>
-              </a:solidFill>
-            </a:endParaRPr>
-          </a:p>
-        </p:txBody>
-      </p:sp>
     </p:spTree>
   </p:cSld>
   <p:clrMapOvr>
@@ -3857,14 +5008,14 @@
       </p:grpSpPr>
       <p:pic>
         <p:nvPicPr>
-          <p:cNvPr id="4" name="Picture 3" descr="7.gif"/>
+          <p:cNvPr id="4" name="Picture 3" descr="10.jpg"/>
           <p:cNvPicPr>
             <a:picLocks noChangeAspect="1"/>
           </p:cNvPicPr>
           <p:nvPr/>
         </p:nvPicPr>
         <p:blipFill>
-          <a:blip r:embed="rId2" cstate="print"/>
+          <a:blip r:embed="rId3" cstate="print"/>
           <a:stretch>
             <a:fillRect/>
           </a:stretch>
@@ -3879,45 +5030,6 @@
           </a:prstGeom>
         </p:spPr>
       </p:pic>
-      <p:sp>
-        <p:nvSpPr>
-          <p:cNvPr id="5" name="TextBox 4"/>
-          <p:cNvSpPr txBox="1"/>
-          <p:nvPr/>
-        </p:nvSpPr>
-        <p:spPr>
-          <a:xfrm>
-            <a:off x="5943600" y="0"/>
-            <a:ext cx="3200400" cy="246221"/>
-          </a:xfrm>
-          <a:prstGeom prst="rect">
-            <a:avLst/>
-          </a:prstGeom>
-          <a:noFill/>
-        </p:spPr>
-        <p:txBody>
-          <a:bodyPr wrap="square" rtlCol="0">
-            <a:spAutoFit/>
-          </a:bodyPr>
-          <a:lstStyle/>
-          <a:p>
-            <a:pPr algn="r"/>
-            <a:r>
-              <a:rPr lang="en-US" sz="1000" dirty="0" smtClean="0">
-                <a:solidFill>
-                  <a:schemeClr val="bg1"/>
-                </a:solidFill>
-              </a:rPr>
-              <a:t>http://www.embl.org/elmi/images/denmark.gif</a:t>
-            </a:r>
-            <a:endParaRPr lang="en-US" sz="1000" dirty="0">
-              <a:solidFill>
-                <a:schemeClr val="bg1"/>
-              </a:solidFill>
-            </a:endParaRPr>
-          </a:p>
-        </p:txBody>
-      </p:sp>
     </p:spTree>
   </p:cSld>
   <p:clrMapOvr>
@@ -3936,181 +5048,12 @@
 <file path=ppt/slides/slide5.xml><?xml version="1.0" encoding="utf-8"?>
 <p:sld xmlns:a="http://schemas.openxmlformats.org/drawingml/2006/main" xmlns:r="http://schemas.openxmlformats.org/officeDocument/2006/relationships" xmlns:p="http://schemas.openxmlformats.org/presentationml/2006/main">
   <p:cSld>
-    <p:spTree>
-      <p:nvGrpSpPr>
-        <p:cNvPr id="1" name=""/>
-        <p:cNvGrpSpPr/>
-        <p:nvPr/>
-      </p:nvGrpSpPr>
-      <p:grpSpPr>
-        <a:xfrm>
-          <a:off x="0" y="0"/>
-          <a:ext cx="0" cy="0"/>
-          <a:chOff x="0" y="0"/>
-          <a:chExt cx="0" cy="0"/>
-        </a:xfrm>
-      </p:grpSpPr>
-      <p:pic>
-        <p:nvPicPr>
-          <p:cNvPr id="4" name="Picture 3" descr="8.jpg"/>
-          <p:cNvPicPr>
-            <a:picLocks noChangeAspect="1"/>
-          </p:cNvPicPr>
-          <p:nvPr/>
-        </p:nvPicPr>
-        <p:blipFill>
-          <a:blip r:embed="rId2" cstate="print"/>
-          <a:stretch>
-            <a:fillRect/>
-          </a:stretch>
-        </p:blipFill>
-        <p:spPr>
-          <a:xfrm>
-            <a:off x="0" y="0"/>
-            <a:ext cx="9144000" cy="6858000"/>
-          </a:xfrm>
-          <a:prstGeom prst="rect">
-            <a:avLst/>
-          </a:prstGeom>
-        </p:spPr>
-      </p:pic>
-      <p:sp>
-        <p:nvSpPr>
-          <p:cNvPr id="5" name="Rectangle 4"/>
-          <p:cNvSpPr/>
-          <p:nvPr/>
-        </p:nvSpPr>
-        <p:spPr>
-          <a:xfrm>
-            <a:off x="5334000" y="6611779"/>
-            <a:ext cx="4572000" cy="246221"/>
-          </a:xfrm>
-          <a:prstGeom prst="rect">
-            <a:avLst/>
-          </a:prstGeom>
-        </p:spPr>
-        <p:txBody>
-          <a:bodyPr>
-            <a:spAutoFit/>
-          </a:bodyPr>
-          <a:lstStyle/>
-          <a:p>
-            <a:r>
-              <a:rPr lang="en-US" sz="1000" dirty="0" smtClean="0"/>
-              <a:t>http://nutribrazil.com/wp-content/uploads/2010/03/bacalhau011.jpg</a:t>
-            </a:r>
-            <a:endParaRPr lang="en-US" sz="1000" dirty="0"/>
-          </a:p>
-        </p:txBody>
-      </p:sp>
-    </p:spTree>
-  </p:cSld>
-  <p:clrMapOvr>
-    <a:masterClrMapping/>
-  </p:clrMapOvr>
-  <p:timing>
-    <p:tnLst>
-      <p:par>
-        <p:cTn id="1" dur="indefinite" restart="never" nodeType="tmRoot"/>
-      </p:par>
-    </p:tnLst>
-  </p:timing>
-</p:sld>
-</file>
-
-<file path=ppt/slides/slide6.xml><?xml version="1.0" encoding="utf-8"?>
-<p:sld xmlns:a="http://schemas.openxmlformats.org/drawingml/2006/main" xmlns:r="http://schemas.openxmlformats.org/officeDocument/2006/relationships" xmlns:p="http://schemas.openxmlformats.org/presentationml/2006/main">
-  <p:cSld>
-    <p:spTree>
-      <p:nvGrpSpPr>
-        <p:cNvPr id="1" name=""/>
-        <p:cNvGrpSpPr/>
-        <p:nvPr/>
-      </p:nvGrpSpPr>
-      <p:grpSpPr>
-        <a:xfrm>
-          <a:off x="0" y="0"/>
-          <a:ext cx="0" cy="0"/>
-          <a:chOff x="0" y="0"/>
-          <a:chExt cx="0" cy="0"/>
-        </a:xfrm>
-      </p:grpSpPr>
-      <p:pic>
-        <p:nvPicPr>
-          <p:cNvPr id="4" name="Picture 3" descr="5.jpg"/>
-          <p:cNvPicPr>
-            <a:picLocks noChangeAspect="1"/>
-          </p:cNvPicPr>
-          <p:nvPr/>
-        </p:nvPicPr>
-        <p:blipFill>
-          <a:blip r:embed="rId2" cstate="print"/>
-          <a:stretch>
-            <a:fillRect/>
-          </a:stretch>
-        </p:blipFill>
-        <p:spPr>
-          <a:xfrm>
-            <a:off x="0" y="0"/>
-            <a:ext cx="9144000" cy="6882938"/>
-          </a:xfrm>
-          <a:prstGeom prst="rect">
-            <a:avLst/>
-          </a:prstGeom>
-        </p:spPr>
-      </p:pic>
-      <p:sp>
-        <p:nvSpPr>
-          <p:cNvPr id="5" name="TextBox 4"/>
-          <p:cNvSpPr txBox="1"/>
-          <p:nvPr/>
-        </p:nvSpPr>
-        <p:spPr>
-          <a:xfrm>
-            <a:off x="0" y="0"/>
-            <a:ext cx="4161717" cy="246221"/>
-          </a:xfrm>
-          <a:prstGeom prst="rect">
-            <a:avLst/>
-          </a:prstGeom>
-          <a:noFill/>
-        </p:spPr>
-        <p:txBody>
-          <a:bodyPr wrap="none" rtlCol="0">
-            <a:spAutoFit/>
-          </a:bodyPr>
-          <a:lstStyle/>
-          <a:p>
-            <a:r>
-              <a:rPr lang="en-US" sz="1000" dirty="0" smtClean="0"/>
-              <a:t>http://www.rebelado.com/wp-content/uploads/2008/03/foto_bacalhau.jpg</a:t>
-            </a:r>
-            <a:endParaRPr lang="en-US" sz="1000" dirty="0"/>
-          </a:p>
-        </p:txBody>
-      </p:sp>
-    </p:spTree>
-  </p:cSld>
-  <p:clrMapOvr>
-    <a:masterClrMapping/>
-  </p:clrMapOvr>
-  <p:timing>
-    <p:tnLst>
-      <p:par>
-        <p:cTn id="1" dur="indefinite" restart="never" nodeType="tmRoot"/>
-      </p:par>
-    </p:tnLst>
-  </p:timing>
-</p:sld>
-</file>
-
-<file path=ppt/slides/slide7.xml><?xml version="1.0" encoding="utf-8"?>
-<p:sld xmlns:a="http://schemas.openxmlformats.org/drawingml/2006/main" xmlns:r="http://schemas.openxmlformats.org/officeDocument/2006/relationships" xmlns:p="http://schemas.openxmlformats.org/presentationml/2006/main">
-  <p:cSld>
     <p:bg>
       <p:bgPr>
         <a:solidFill>
-          <a:schemeClr val="tx2"/>
+          <a:schemeClr val="tx2">
+            <a:lumMod val="50000"/>
+          </a:schemeClr>
         </a:solidFill>
         <a:effectLst/>
       </p:bgPr>
@@ -4129,431 +5072,66 @@
           <a:chExt cx="0" cy="0"/>
         </a:xfrm>
       </p:grpSpPr>
-      <p:sp>
-        <p:nvSpPr>
-          <p:cNvPr id="4" name="TextBox 3"/>
-          <p:cNvSpPr txBox="1"/>
+      <p:pic>
+        <p:nvPicPr>
+          <p:cNvPr id="1026" name="Picture 2"/>
+          <p:cNvPicPr>
+            <a:picLocks noChangeAspect="1" noChangeArrowheads="1"/>
+          </p:cNvPicPr>
           <p:nvPr/>
-        </p:nvSpPr>
-        <p:spPr>
+        </p:nvPicPr>
+        <p:blipFill>
+          <a:blip r:embed="rId2" cstate="print"/>
+          <a:srcRect/>
+          <a:stretch>
+            <a:fillRect/>
+          </a:stretch>
+        </p:blipFill>
+        <p:spPr bwMode="auto">
           <a:xfrm>
-            <a:off x="685800" y="1752600"/>
-            <a:ext cx="7924800" cy="2585323"/>
+            <a:off x="0" y="457200"/>
+            <a:ext cx="9143999" cy="5140989"/>
+          </a:xfrm>
+          <a:prstGeom prst="rect">
+            <a:avLst/>
+          </a:prstGeom>
+          <a:noFill/>
+          <a:ln w="9525">
+            <a:noFill/>
+            <a:miter lim="800000"/>
+            <a:headEnd/>
+            <a:tailEnd/>
+          </a:ln>
+        </p:spPr>
+      </p:pic>
+      <p:pic>
+        <p:nvPicPr>
+          <p:cNvPr id="1032" name="Picture 8" descr="Mute.png (128×128)"/>
+          <p:cNvPicPr>
+            <a:picLocks noChangeAspect="1" noChangeArrowheads="1"/>
+          </p:cNvPicPr>
+          <p:nvPr/>
+        </p:nvPicPr>
+        <p:blipFill>
+          <a:blip r:embed="rId3" cstate="print">
+            <a:lum bright="70000" contrast="-70000"/>
+          </a:blip>
+          <a:srcRect/>
+          <a:stretch>
+            <a:fillRect/>
+          </a:stretch>
+        </p:blipFill>
+        <p:spPr bwMode="auto">
+          <a:xfrm>
+            <a:off x="7772400" y="5638799"/>
+            <a:ext cx="1219200" cy="1219201"/>
           </a:xfrm>
           <a:prstGeom prst="rect">
             <a:avLst/>
           </a:prstGeom>
           <a:noFill/>
         </p:spPr>
-        <p:txBody>
-          <a:bodyPr wrap="square" rtlCol="0">
-            <a:spAutoFit/>
-          </a:bodyPr>
-          <a:lstStyle/>
-          <a:p>
-            <a:r>
-              <a:rPr lang="en-US" b="1" dirty="0" smtClean="0">
-                <a:solidFill>
-                  <a:schemeClr val="bg1"/>
-                </a:solidFill>
-                <a:latin typeface="Consolas" pitchFamily="49" charset="0"/>
-                <a:cs typeface="Consolas" pitchFamily="49" charset="0"/>
-              </a:rPr>
-              <a:t>public</a:t>
-            </a:r>
-            <a:r>
-              <a:rPr lang="en-US" dirty="0" smtClean="0">
-                <a:solidFill>
-                  <a:schemeClr val="bg1"/>
-                </a:solidFill>
-                <a:latin typeface="Consolas" pitchFamily="49" charset="0"/>
-                <a:cs typeface="Consolas" pitchFamily="49" charset="0"/>
-              </a:rPr>
-              <a:t> </a:t>
-            </a:r>
-            <a:r>
-              <a:rPr lang="en-US" b="1" dirty="0" smtClean="0">
-                <a:solidFill>
-                  <a:schemeClr val="bg1"/>
-                </a:solidFill>
-                <a:latin typeface="Consolas" pitchFamily="49" charset="0"/>
-                <a:cs typeface="Consolas" pitchFamily="49" charset="0"/>
-              </a:rPr>
-              <a:t>static</a:t>
-            </a:r>
-            <a:r>
-              <a:rPr lang="en-US" dirty="0" smtClean="0">
-                <a:solidFill>
-                  <a:schemeClr val="bg1"/>
-                </a:solidFill>
-                <a:latin typeface="Consolas" pitchFamily="49" charset="0"/>
-                <a:cs typeface="Consolas" pitchFamily="49" charset="0"/>
-              </a:rPr>
-              <a:t> </a:t>
-            </a:r>
-            <a:r>
-              <a:rPr lang="en-US" b="1" dirty="0" smtClean="0">
-                <a:solidFill>
-                  <a:schemeClr val="bg1"/>
-                </a:solidFill>
-                <a:latin typeface="Consolas" pitchFamily="49" charset="0"/>
-                <a:cs typeface="Consolas" pitchFamily="49" charset="0"/>
-              </a:rPr>
-              <a:t>string</a:t>
-            </a:r>
-            <a:r>
-              <a:rPr lang="en-US" dirty="0" smtClean="0">
-                <a:solidFill>
-                  <a:schemeClr val="bg1"/>
-                </a:solidFill>
-                <a:latin typeface="Consolas" pitchFamily="49" charset="0"/>
-                <a:cs typeface="Consolas" pitchFamily="49" charset="0"/>
-              </a:rPr>
-              <a:t> Bool2Str(</a:t>
-            </a:r>
-            <a:r>
-              <a:rPr lang="en-US" b="1" dirty="0" err="1" smtClean="0">
-                <a:solidFill>
-                  <a:schemeClr val="bg1"/>
-                </a:solidFill>
-                <a:latin typeface="Consolas" pitchFamily="49" charset="0"/>
-                <a:cs typeface="Consolas" pitchFamily="49" charset="0"/>
-              </a:rPr>
-              <a:t>bool</a:t>
-            </a:r>
-            <a:r>
-              <a:rPr lang="en-US" dirty="0" smtClean="0">
-                <a:solidFill>
-                  <a:schemeClr val="bg1"/>
-                </a:solidFill>
-                <a:latin typeface="Consolas" pitchFamily="49" charset="0"/>
-                <a:cs typeface="Consolas" pitchFamily="49" charset="0"/>
-              </a:rPr>
-              <a:t> b) </a:t>
-            </a:r>
-          </a:p>
-          <a:p>
-            <a:r>
-              <a:rPr lang="en-US" dirty="0" smtClean="0">
-                <a:solidFill>
-                  <a:schemeClr val="bg1"/>
-                </a:solidFill>
-                <a:latin typeface="Consolas" pitchFamily="49" charset="0"/>
-                <a:cs typeface="Consolas" pitchFamily="49" charset="0"/>
-              </a:rPr>
-              <a:t>{ </a:t>
-            </a:r>
-          </a:p>
-          <a:p>
-            <a:r>
-              <a:rPr lang="en-US" dirty="0" smtClean="0">
-                <a:solidFill>
-                  <a:schemeClr val="bg1"/>
-                </a:solidFill>
-                <a:latin typeface="Consolas" pitchFamily="49" charset="0"/>
-                <a:cs typeface="Consolas" pitchFamily="49" charset="0"/>
-              </a:rPr>
-              <a:t>	</a:t>
-            </a:r>
-            <a:r>
-              <a:rPr lang="en-US" b="1" dirty="0" smtClean="0">
-                <a:solidFill>
-                  <a:schemeClr val="bg1"/>
-                </a:solidFill>
-                <a:latin typeface="Consolas" pitchFamily="49" charset="0"/>
-                <a:cs typeface="Consolas" pitchFamily="49" charset="0"/>
-              </a:rPr>
-              <a:t>switch</a:t>
-            </a:r>
-            <a:r>
-              <a:rPr lang="en-US" dirty="0" smtClean="0">
-                <a:solidFill>
-                  <a:schemeClr val="bg1"/>
-                </a:solidFill>
-                <a:latin typeface="Consolas" pitchFamily="49" charset="0"/>
-                <a:cs typeface="Consolas" pitchFamily="49" charset="0"/>
-              </a:rPr>
-              <a:t>(b) </a:t>
-            </a:r>
-          </a:p>
-          <a:p>
-            <a:r>
-              <a:rPr lang="en-US" dirty="0" smtClean="0">
-                <a:solidFill>
-                  <a:schemeClr val="bg1"/>
-                </a:solidFill>
-                <a:latin typeface="Consolas" pitchFamily="49" charset="0"/>
-                <a:cs typeface="Consolas" pitchFamily="49" charset="0"/>
-              </a:rPr>
-              <a:t>	{ </a:t>
-            </a:r>
-          </a:p>
-          <a:p>
-            <a:r>
-              <a:rPr lang="en-US" dirty="0" smtClean="0">
-                <a:solidFill>
-                  <a:schemeClr val="bg1"/>
-                </a:solidFill>
-                <a:latin typeface="Consolas" pitchFamily="49" charset="0"/>
-                <a:cs typeface="Consolas" pitchFamily="49" charset="0"/>
-              </a:rPr>
-              <a:t>		</a:t>
-            </a:r>
-            <a:r>
-              <a:rPr lang="en-US" b="1" dirty="0" smtClean="0">
-                <a:solidFill>
-                  <a:schemeClr val="bg1"/>
-                </a:solidFill>
-                <a:latin typeface="Consolas" pitchFamily="49" charset="0"/>
-                <a:cs typeface="Consolas" pitchFamily="49" charset="0"/>
-              </a:rPr>
-              <a:t>case</a:t>
-            </a:r>
-            <a:r>
-              <a:rPr lang="en-US" dirty="0" smtClean="0">
-                <a:solidFill>
-                  <a:schemeClr val="bg1"/>
-                </a:solidFill>
-                <a:latin typeface="Consolas" pitchFamily="49" charset="0"/>
-                <a:cs typeface="Consolas" pitchFamily="49" charset="0"/>
-              </a:rPr>
-              <a:t> true: </a:t>
-            </a:r>
-            <a:r>
-              <a:rPr lang="en-US" b="1" dirty="0" smtClean="0">
-                <a:solidFill>
-                  <a:schemeClr val="bg1"/>
-                </a:solidFill>
-                <a:latin typeface="Consolas" pitchFamily="49" charset="0"/>
-                <a:cs typeface="Consolas" pitchFamily="49" charset="0"/>
-              </a:rPr>
-              <a:t>return</a:t>
-            </a:r>
-            <a:r>
-              <a:rPr lang="en-US" dirty="0" smtClean="0">
-                <a:solidFill>
-                  <a:schemeClr val="bg1"/>
-                </a:solidFill>
-                <a:latin typeface="Consolas" pitchFamily="49" charset="0"/>
-                <a:cs typeface="Consolas" pitchFamily="49" charset="0"/>
-              </a:rPr>
-              <a:t> </a:t>
-            </a:r>
-            <a:r>
-              <a:rPr lang="en-US" dirty="0" err="1" smtClean="0">
-                <a:solidFill>
-                  <a:schemeClr val="bg1"/>
-                </a:solidFill>
-                <a:latin typeface="Consolas" pitchFamily="49" charset="0"/>
-                <a:cs typeface="Consolas" pitchFamily="49" charset="0"/>
-              </a:rPr>
-              <a:t>System.Boolean.TrueString</a:t>
-            </a:r>
-            <a:r>
-              <a:rPr lang="en-US" dirty="0" smtClean="0">
-                <a:solidFill>
-                  <a:schemeClr val="bg1"/>
-                </a:solidFill>
-                <a:latin typeface="Consolas" pitchFamily="49" charset="0"/>
-                <a:cs typeface="Consolas" pitchFamily="49" charset="0"/>
-              </a:rPr>
-              <a:t>;</a:t>
-            </a:r>
-          </a:p>
-          <a:p>
-            <a:r>
-              <a:rPr lang="en-US" dirty="0" smtClean="0">
-                <a:solidFill>
-                  <a:schemeClr val="bg1"/>
-                </a:solidFill>
-                <a:latin typeface="Consolas" pitchFamily="49" charset="0"/>
-                <a:cs typeface="Consolas" pitchFamily="49" charset="0"/>
-              </a:rPr>
-              <a:t>		</a:t>
-            </a:r>
-            <a:r>
-              <a:rPr lang="en-US" b="1" dirty="0" smtClean="0">
-                <a:solidFill>
-                  <a:schemeClr val="bg1"/>
-                </a:solidFill>
-                <a:latin typeface="Consolas" pitchFamily="49" charset="0"/>
-                <a:cs typeface="Consolas" pitchFamily="49" charset="0"/>
-              </a:rPr>
-              <a:t>case</a:t>
-            </a:r>
-            <a:r>
-              <a:rPr lang="en-US" dirty="0" smtClean="0">
-                <a:solidFill>
-                  <a:schemeClr val="bg1"/>
-                </a:solidFill>
-                <a:latin typeface="Consolas" pitchFamily="49" charset="0"/>
-                <a:cs typeface="Consolas" pitchFamily="49" charset="0"/>
-              </a:rPr>
-              <a:t> false: </a:t>
-            </a:r>
-            <a:r>
-              <a:rPr lang="en-US" b="1" dirty="0" smtClean="0">
-                <a:solidFill>
-                  <a:schemeClr val="bg1"/>
-                </a:solidFill>
-                <a:latin typeface="Consolas" pitchFamily="49" charset="0"/>
-                <a:cs typeface="Consolas" pitchFamily="49" charset="0"/>
-              </a:rPr>
-              <a:t>return</a:t>
-            </a:r>
-            <a:r>
-              <a:rPr lang="en-US" dirty="0" smtClean="0">
-                <a:solidFill>
-                  <a:schemeClr val="bg1"/>
-                </a:solidFill>
-                <a:latin typeface="Consolas" pitchFamily="49" charset="0"/>
-                <a:cs typeface="Consolas" pitchFamily="49" charset="0"/>
-              </a:rPr>
-              <a:t> </a:t>
-            </a:r>
-            <a:r>
-              <a:rPr lang="en-US" dirty="0" err="1" smtClean="0">
-                <a:solidFill>
-                  <a:schemeClr val="bg1"/>
-                </a:solidFill>
-                <a:latin typeface="Consolas" pitchFamily="49" charset="0"/>
-                <a:cs typeface="Consolas" pitchFamily="49" charset="0"/>
-              </a:rPr>
-              <a:t>System.Boolean.FalseString</a:t>
-            </a:r>
-            <a:r>
-              <a:rPr lang="en-US" dirty="0" smtClean="0">
-                <a:solidFill>
-                  <a:schemeClr val="bg1"/>
-                </a:solidFill>
-                <a:latin typeface="Consolas" pitchFamily="49" charset="0"/>
-                <a:cs typeface="Consolas" pitchFamily="49" charset="0"/>
-              </a:rPr>
-              <a:t>;</a:t>
-            </a:r>
-          </a:p>
-          <a:p>
-            <a:r>
-              <a:rPr lang="en-US" dirty="0" smtClean="0">
-                <a:solidFill>
-                  <a:schemeClr val="bg1"/>
-                </a:solidFill>
-                <a:latin typeface="Consolas" pitchFamily="49" charset="0"/>
-                <a:cs typeface="Consolas" pitchFamily="49" charset="0"/>
-              </a:rPr>
-              <a:t>		</a:t>
-            </a:r>
-            <a:r>
-              <a:rPr lang="en-US" b="1" dirty="0" smtClean="0">
-                <a:solidFill>
-                  <a:schemeClr val="bg1"/>
-                </a:solidFill>
-                <a:latin typeface="Consolas" pitchFamily="49" charset="0"/>
-                <a:cs typeface="Consolas" pitchFamily="49" charset="0"/>
-              </a:rPr>
-              <a:t>default</a:t>
-            </a:r>
-            <a:r>
-              <a:rPr lang="en-US" dirty="0" smtClean="0">
-                <a:solidFill>
-                  <a:schemeClr val="bg1"/>
-                </a:solidFill>
-                <a:latin typeface="Consolas" pitchFamily="49" charset="0"/>
-                <a:cs typeface="Consolas" pitchFamily="49" charset="0"/>
-              </a:rPr>
-              <a:t>: </a:t>
-            </a:r>
-            <a:r>
-              <a:rPr lang="en-US" b="1" dirty="0" smtClean="0">
-                <a:solidFill>
-                  <a:schemeClr val="bg1"/>
-                </a:solidFill>
-                <a:latin typeface="Consolas" pitchFamily="49" charset="0"/>
-                <a:cs typeface="Consolas" pitchFamily="49" charset="0"/>
-              </a:rPr>
-              <a:t>return</a:t>
-            </a:r>
-            <a:r>
-              <a:rPr lang="en-US" dirty="0" smtClean="0">
-                <a:solidFill>
-                  <a:schemeClr val="bg1"/>
-                </a:solidFill>
-                <a:latin typeface="Consolas" pitchFamily="49" charset="0"/>
-                <a:cs typeface="Consolas" pitchFamily="49" charset="0"/>
-              </a:rPr>
-              <a:t> "error"; </a:t>
-            </a:r>
-          </a:p>
-          <a:p>
-            <a:r>
-              <a:rPr lang="en-US" dirty="0" smtClean="0">
-                <a:solidFill>
-                  <a:schemeClr val="bg1"/>
-                </a:solidFill>
-                <a:latin typeface="Consolas" pitchFamily="49" charset="0"/>
-                <a:cs typeface="Consolas" pitchFamily="49" charset="0"/>
-              </a:rPr>
-              <a:t>	} </a:t>
-            </a:r>
-          </a:p>
-          <a:p>
-            <a:r>
-              <a:rPr lang="en-US" dirty="0" smtClean="0">
-                <a:solidFill>
-                  <a:schemeClr val="bg1"/>
-                </a:solidFill>
-                <a:latin typeface="Consolas" pitchFamily="49" charset="0"/>
-                <a:cs typeface="Consolas" pitchFamily="49" charset="0"/>
-              </a:rPr>
-              <a:t>}</a:t>
-            </a:r>
-            <a:endParaRPr lang="en-US" dirty="0">
-              <a:solidFill>
-                <a:schemeClr val="bg1"/>
-              </a:solidFill>
-              <a:latin typeface="Consolas" pitchFamily="49" charset="0"/>
-              <a:cs typeface="Consolas" pitchFamily="49" charset="0"/>
-            </a:endParaRPr>
-          </a:p>
-        </p:txBody>
-      </p:sp>
-      <p:sp>
-        <p:nvSpPr>
-          <p:cNvPr id="3" name="Rectangle 2"/>
-          <p:cNvSpPr/>
-          <p:nvPr/>
-        </p:nvSpPr>
-        <p:spPr>
-          <a:xfrm>
-            <a:off x="0" y="6611779"/>
-            <a:ext cx="4572000" cy="246221"/>
-          </a:xfrm>
-          <a:prstGeom prst="rect">
-            <a:avLst/>
-          </a:prstGeom>
-        </p:spPr>
-        <p:txBody>
-          <a:bodyPr>
-            <a:spAutoFit/>
-          </a:bodyPr>
-          <a:lstStyle/>
-          <a:p>
-            <a:r>
-              <a:rPr lang="en-US" sz="1000" dirty="0" smtClean="0">
-                <a:solidFill>
-                  <a:schemeClr val="bg1"/>
-                </a:solidFill>
-              </a:rPr>
-              <a:t>http://thedailywtf.com/Articles/Truthful-Strings.aspx</a:t>
-            </a:r>
-            <a:endParaRPr lang="en-US" sz="1000" dirty="0">
-              <a:solidFill>
-                <a:schemeClr val="bg1"/>
-              </a:solidFill>
-            </a:endParaRPr>
-          </a:p>
-        </p:txBody>
-      </p:sp>
+      </p:pic>
     </p:spTree>
   </p:cSld>
   <p:clrMapOvr>
@@ -4562,16 +5140,102 @@
   <p:timing>
     <p:tnLst>
       <p:par>
-        <p:cTn id="1" dur="indefinite" restart="never" nodeType="tmRoot"/>
+        <p:cTn id="1" dur="indefinite" restart="never" nodeType="tmRoot">
+          <p:childTnLst>
+            <p:seq concurrent="1" nextAc="seek">
+              <p:cTn id="2" dur="indefinite" nodeType="mainSeq">
+                <p:childTnLst>
+                  <p:par>
+                    <p:cTn id="3" fill="hold">
+                      <p:stCondLst>
+                        <p:cond delay="indefinite"/>
+                        <p:cond evt="onBegin" delay="0">
+                          <p:tn val="2"/>
+                        </p:cond>
+                      </p:stCondLst>
+                      <p:childTnLst>
+                        <p:par>
+                          <p:cTn id="4" fill="hold">
+                            <p:stCondLst>
+                              <p:cond delay="0"/>
+                            </p:stCondLst>
+                            <p:childTnLst>
+                              <p:par>
+                                <p:cTn id="5" presetID="35" presetClass="emph" presetSubtype="0" repeatCount="indefinite" fill="hold" nodeType="withEffect">
+                                  <p:stCondLst>
+                                    <p:cond delay="0"/>
+                                  </p:stCondLst>
+                                  <p:childTnLst>
+                                    <p:anim calcmode="discrete" valueType="str">
+                                      <p:cBhvr>
+                                        <p:cTn id="6" dur="1000" fill="hold"/>
+                                        <p:tgtEl>
+                                          <p:spTgt spid="1032"/>
+                                        </p:tgtEl>
+                                        <p:attrNameLst>
+                                          <p:attrName>style.visibility</p:attrName>
+                                        </p:attrNameLst>
+                                      </p:cBhvr>
+                                      <p:tavLst>
+                                        <p:tav tm="0">
+                                          <p:val>
+                                            <p:strVal val="hidden"/>
+                                          </p:val>
+                                        </p:tav>
+                                        <p:tav tm="50000">
+                                          <p:val>
+                                            <p:strVal val="visible"/>
+                                          </p:val>
+                                        </p:tav>
+                                      </p:tavLst>
+                                    </p:anim>
+                                  </p:childTnLst>
+                                </p:cTn>
+                              </p:par>
+                            </p:childTnLst>
+                          </p:cTn>
+                        </p:par>
+                      </p:childTnLst>
+                    </p:cTn>
+                  </p:par>
+                </p:childTnLst>
+              </p:cTn>
+              <p:prevCondLst>
+                <p:cond evt="onPrev" delay="0">
+                  <p:tgtEl>
+                    <p:sldTgt/>
+                  </p:tgtEl>
+                </p:cond>
+              </p:prevCondLst>
+              <p:nextCondLst>
+                <p:cond evt="onNext" delay="0">
+                  <p:tgtEl>
+                    <p:sldTgt/>
+                  </p:tgtEl>
+                </p:cond>
+              </p:nextCondLst>
+            </p:seq>
+          </p:childTnLst>
+        </p:cTn>
       </p:par>
     </p:tnLst>
   </p:timing>
 </p:sld>
 </file>
 
-<file path=ppt/slides/slide8.xml><?xml version="1.0" encoding="utf-8"?>
+<file path=ppt/slides/slide6.xml><?xml version="1.0" encoding="utf-8"?>
 <p:sld xmlns:a="http://schemas.openxmlformats.org/drawingml/2006/main" xmlns:r="http://schemas.openxmlformats.org/officeDocument/2006/relationships" xmlns:p="http://schemas.openxmlformats.org/presentationml/2006/main">
   <p:cSld>
+    <p:bg>
+      <p:bgPr>
+        <a:solidFill>
+          <a:schemeClr val="tx2">
+            <a:lumMod val="50000"/>
+          </a:schemeClr>
+        </a:solidFill>
+        <a:effectLst/>
+      </p:bgPr>
+    </p:bg>
     <p:spTree>
       <p:nvGrpSpPr>
         <p:cNvPr id="1" name=""/>
@@ -4586,61 +5250,66 @@
           <a:chExt cx="0" cy="0"/>
         </a:xfrm>
       </p:grpSpPr>
-      <p:sp>
-        <p:nvSpPr>
-          <p:cNvPr id="4" name="Up Arrow 3"/>
-          <p:cNvSpPr/>
+      <p:pic>
+        <p:nvPicPr>
+          <p:cNvPr id="3074" name="Picture 2"/>
+          <p:cNvPicPr>
+            <a:picLocks noChangeAspect="1" noChangeArrowheads="1"/>
+          </p:cNvPicPr>
           <p:nvPr/>
-        </p:nvSpPr>
-        <p:spPr>
-          <a:xfrm rot="5400000">
-            <a:off x="3740729" y="-203073"/>
-            <a:ext cx="2057400" cy="7008098"/>
+        </p:nvPicPr>
+        <p:blipFill>
+          <a:blip r:embed="rId2" cstate="print"/>
+          <a:srcRect/>
+          <a:stretch>
+            <a:fillRect/>
+          </a:stretch>
+        </p:blipFill>
+        <p:spPr bwMode="auto">
+          <a:xfrm>
+            <a:off x="2128838" y="1528763"/>
+            <a:ext cx="4886325" cy="3800475"/>
           </a:xfrm>
-          <a:prstGeom prst="upArrow">
+          <a:prstGeom prst="rect">
             <a:avLst/>
           </a:prstGeom>
-          <a:gradFill flip="none" rotWithShape="1">
-            <a:gsLst>
-              <a:gs pos="0">
-                <a:srgbClr val="00B050"/>
-              </a:gs>
-              <a:gs pos="100000">
-                <a:srgbClr val="FF0000"/>
-              </a:gs>
-              <a:gs pos="50000">
-                <a:srgbClr val="FFFF00"/>
-              </a:gs>
-            </a:gsLst>
-            <a:lin ang="5400000" scaled="1"/>
-            <a:tileRect/>
-          </a:gradFill>
+          <a:noFill/>
+          <a:ln w="9525">
+            <a:noFill/>
+            <a:miter lim="800000"/>
+            <a:headEnd/>
+            <a:tailEnd/>
+          </a:ln>
         </p:spPr>
-        <p:style>
-          <a:lnRef idx="2">
-            <a:schemeClr val="accent1">
-              <a:shade val="50000"/>
-            </a:schemeClr>
-          </a:lnRef>
-          <a:fillRef idx="1">
-            <a:schemeClr val="accent1"/>
-          </a:fillRef>
-          <a:effectRef idx="0">
-            <a:schemeClr val="accent1"/>
-          </a:effectRef>
-          <a:fontRef idx="minor">
-            <a:schemeClr val="lt1"/>
-          </a:fontRef>
-        </p:style>
-        <p:txBody>
-          <a:bodyPr rtlCol="0" anchor="ctr"/>
-          <a:lstStyle/>
-          <a:p>
-            <a:pPr algn="ctr"/>
-            <a:endParaRPr lang="en-US"/>
-          </a:p>
-        </p:txBody>
-      </p:sp>
+      </p:pic>
+      <p:pic>
+        <p:nvPicPr>
+          <p:cNvPr id="6" name="Picture 8" descr="Mute.png (128×128)"/>
+          <p:cNvPicPr>
+            <a:picLocks noChangeAspect="1" noChangeArrowheads="1"/>
+          </p:cNvPicPr>
+          <p:nvPr/>
+        </p:nvPicPr>
+        <p:blipFill>
+          <a:blip r:embed="rId3" cstate="print">
+            <a:lum bright="70000" contrast="-70000"/>
+          </a:blip>
+          <a:srcRect/>
+          <a:stretch>
+            <a:fillRect/>
+          </a:stretch>
+        </p:blipFill>
+        <p:spPr bwMode="auto">
+          <a:xfrm>
+            <a:off x="7772400" y="5638799"/>
+            <a:ext cx="1219200" cy="1219201"/>
+          </a:xfrm>
+          <a:prstGeom prst="rect">
+            <a:avLst/>
+          </a:prstGeom>
+          <a:noFill/>
+        </p:spPr>
+      </p:pic>
     </p:spTree>
   </p:cSld>
   <p:clrMapOvr>
@@ -4649,7 +5318,617 @@
   <p:timing>
     <p:tnLst>
       <p:par>
-        <p:cTn id="1" dur="indefinite" restart="never" nodeType="tmRoot"/>
+        <p:cTn id="1" dur="indefinite" restart="never" nodeType="tmRoot">
+          <p:childTnLst>
+            <p:seq concurrent="1" nextAc="seek">
+              <p:cTn id="2" dur="indefinite" nodeType="mainSeq">
+                <p:childTnLst>
+                  <p:par>
+                    <p:cTn id="3" fill="hold">
+                      <p:stCondLst>
+                        <p:cond delay="indefinite"/>
+                        <p:cond evt="onBegin" delay="0">
+                          <p:tn val="2"/>
+                        </p:cond>
+                      </p:stCondLst>
+                      <p:childTnLst>
+                        <p:par>
+                          <p:cTn id="4" fill="hold">
+                            <p:stCondLst>
+                              <p:cond delay="0"/>
+                            </p:stCondLst>
+                            <p:childTnLst>
+                              <p:par>
+                                <p:cTn id="5" presetID="35" presetClass="emph" presetSubtype="0" repeatCount="indefinite" fill="hold" nodeType="withEffect">
+                                  <p:stCondLst>
+                                    <p:cond delay="0"/>
+                                  </p:stCondLst>
+                                  <p:childTnLst>
+                                    <p:anim calcmode="discrete" valueType="str">
+                                      <p:cBhvr>
+                                        <p:cTn id="6" dur="1000" fill="hold"/>
+                                        <p:tgtEl>
+                                          <p:spTgt spid="6"/>
+                                        </p:tgtEl>
+                                        <p:attrNameLst>
+                                          <p:attrName>style.visibility</p:attrName>
+                                        </p:attrNameLst>
+                                      </p:cBhvr>
+                                      <p:tavLst>
+                                        <p:tav tm="0">
+                                          <p:val>
+                                            <p:strVal val="hidden"/>
+                                          </p:val>
+                                        </p:tav>
+                                        <p:tav tm="50000">
+                                          <p:val>
+                                            <p:strVal val="visible"/>
+                                          </p:val>
+                                        </p:tav>
+                                      </p:tavLst>
+                                    </p:anim>
+                                  </p:childTnLst>
+                                </p:cTn>
+                              </p:par>
+                            </p:childTnLst>
+                          </p:cTn>
+                        </p:par>
+                      </p:childTnLst>
+                    </p:cTn>
+                  </p:par>
+                </p:childTnLst>
+              </p:cTn>
+              <p:prevCondLst>
+                <p:cond evt="onPrev" delay="0">
+                  <p:tgtEl>
+                    <p:sldTgt/>
+                  </p:tgtEl>
+                </p:cond>
+              </p:prevCondLst>
+              <p:nextCondLst>
+                <p:cond evt="onNext" delay="0">
+                  <p:tgtEl>
+                    <p:sldTgt/>
+                  </p:tgtEl>
+                </p:cond>
+              </p:nextCondLst>
+            </p:seq>
+          </p:childTnLst>
+        </p:cTn>
+      </p:par>
+    </p:tnLst>
+  </p:timing>
+</p:sld>
+</file>
+
+<file path=ppt/slides/slide7.xml><?xml version="1.0" encoding="utf-8"?>
+<p:sld xmlns:a="http://schemas.openxmlformats.org/drawingml/2006/main" xmlns:r="http://schemas.openxmlformats.org/officeDocument/2006/relationships" xmlns:p="http://schemas.openxmlformats.org/presentationml/2006/main">
+  <p:cSld>
+    <p:bg>
+      <p:bgPr>
+        <a:solidFill>
+          <a:schemeClr val="tx2">
+            <a:lumMod val="50000"/>
+          </a:schemeClr>
+        </a:solidFill>
+        <a:effectLst/>
+      </p:bgPr>
+    </p:bg>
+    <p:spTree>
+      <p:nvGrpSpPr>
+        <p:cNvPr id="1" name=""/>
+        <p:cNvGrpSpPr/>
+        <p:nvPr/>
+      </p:nvGrpSpPr>
+      <p:grpSpPr>
+        <a:xfrm>
+          <a:off x="0" y="0"/>
+          <a:ext cx="0" cy="0"/>
+          <a:chOff x="0" y="0"/>
+          <a:chExt cx="0" cy="0"/>
+        </a:xfrm>
+      </p:grpSpPr>
+      <p:pic>
+        <p:nvPicPr>
+          <p:cNvPr id="4098" name="Picture 2"/>
+          <p:cNvPicPr>
+            <a:picLocks noChangeAspect="1" noChangeArrowheads="1"/>
+          </p:cNvPicPr>
+          <p:nvPr/>
+        </p:nvPicPr>
+        <p:blipFill>
+          <a:blip r:embed="rId2" cstate="print"/>
+          <a:srcRect/>
+          <a:stretch>
+            <a:fillRect/>
+          </a:stretch>
+        </p:blipFill>
+        <p:spPr bwMode="auto">
+          <a:xfrm>
+            <a:off x="2128838" y="1528763"/>
+            <a:ext cx="4886325" cy="3800475"/>
+          </a:xfrm>
+          <a:prstGeom prst="rect">
+            <a:avLst/>
+          </a:prstGeom>
+          <a:noFill/>
+          <a:ln w="9525">
+            <a:noFill/>
+            <a:miter lim="800000"/>
+            <a:headEnd/>
+            <a:tailEnd/>
+          </a:ln>
+        </p:spPr>
+      </p:pic>
+      <p:pic>
+        <p:nvPicPr>
+          <p:cNvPr id="6" name="Picture 8" descr="Mute.png (128×128)"/>
+          <p:cNvPicPr>
+            <a:picLocks noChangeAspect="1" noChangeArrowheads="1"/>
+          </p:cNvPicPr>
+          <p:nvPr/>
+        </p:nvPicPr>
+        <p:blipFill>
+          <a:blip r:embed="rId3" cstate="print">
+            <a:lum bright="70000" contrast="-70000"/>
+          </a:blip>
+          <a:srcRect/>
+          <a:stretch>
+            <a:fillRect/>
+          </a:stretch>
+        </p:blipFill>
+        <p:spPr bwMode="auto">
+          <a:xfrm>
+            <a:off x="7772400" y="5638799"/>
+            <a:ext cx="1219200" cy="1219201"/>
+          </a:xfrm>
+          <a:prstGeom prst="rect">
+            <a:avLst/>
+          </a:prstGeom>
+          <a:noFill/>
+        </p:spPr>
+      </p:pic>
+    </p:spTree>
+  </p:cSld>
+  <p:clrMapOvr>
+    <a:masterClrMapping/>
+  </p:clrMapOvr>
+  <p:timing>
+    <p:tnLst>
+      <p:par>
+        <p:cTn id="1" dur="indefinite" restart="never" nodeType="tmRoot">
+          <p:childTnLst>
+            <p:seq concurrent="1" nextAc="seek">
+              <p:cTn id="2" dur="indefinite" nodeType="mainSeq">
+                <p:childTnLst>
+                  <p:par>
+                    <p:cTn id="3" fill="hold">
+                      <p:stCondLst>
+                        <p:cond delay="indefinite"/>
+                        <p:cond evt="onBegin" delay="0">
+                          <p:tn val="2"/>
+                        </p:cond>
+                      </p:stCondLst>
+                      <p:childTnLst>
+                        <p:par>
+                          <p:cTn id="4" fill="hold">
+                            <p:stCondLst>
+                              <p:cond delay="0"/>
+                            </p:stCondLst>
+                            <p:childTnLst>
+                              <p:par>
+                                <p:cTn id="5" presetID="35" presetClass="emph" presetSubtype="0" repeatCount="indefinite" fill="hold" nodeType="withEffect">
+                                  <p:stCondLst>
+                                    <p:cond delay="0"/>
+                                  </p:stCondLst>
+                                  <p:childTnLst>
+                                    <p:anim calcmode="discrete" valueType="str">
+                                      <p:cBhvr>
+                                        <p:cTn id="6" dur="1000" fill="hold"/>
+                                        <p:tgtEl>
+                                          <p:spTgt spid="6"/>
+                                        </p:tgtEl>
+                                        <p:attrNameLst>
+                                          <p:attrName>style.visibility</p:attrName>
+                                        </p:attrNameLst>
+                                      </p:cBhvr>
+                                      <p:tavLst>
+                                        <p:tav tm="0">
+                                          <p:val>
+                                            <p:strVal val="hidden"/>
+                                          </p:val>
+                                        </p:tav>
+                                        <p:tav tm="50000">
+                                          <p:val>
+                                            <p:strVal val="visible"/>
+                                          </p:val>
+                                        </p:tav>
+                                      </p:tavLst>
+                                    </p:anim>
+                                  </p:childTnLst>
+                                </p:cTn>
+                              </p:par>
+                            </p:childTnLst>
+                          </p:cTn>
+                        </p:par>
+                      </p:childTnLst>
+                    </p:cTn>
+                  </p:par>
+                </p:childTnLst>
+              </p:cTn>
+              <p:prevCondLst>
+                <p:cond evt="onPrev" delay="0">
+                  <p:tgtEl>
+                    <p:sldTgt/>
+                  </p:tgtEl>
+                </p:cond>
+              </p:prevCondLst>
+              <p:nextCondLst>
+                <p:cond evt="onNext" delay="0">
+                  <p:tgtEl>
+                    <p:sldTgt/>
+                  </p:tgtEl>
+                </p:cond>
+              </p:nextCondLst>
+            </p:seq>
+          </p:childTnLst>
+        </p:cTn>
+      </p:par>
+    </p:tnLst>
+  </p:timing>
+</p:sld>
+</file>
+
+<file path=ppt/slides/slide8.xml><?xml version="1.0" encoding="utf-8"?>
+<p:sld xmlns:a="http://schemas.openxmlformats.org/drawingml/2006/main" xmlns:r="http://schemas.openxmlformats.org/officeDocument/2006/relationships" xmlns:p="http://schemas.openxmlformats.org/presentationml/2006/main">
+  <p:cSld>
+    <p:bg>
+      <p:bgPr>
+        <a:solidFill>
+          <a:schemeClr val="tx2">
+            <a:lumMod val="50000"/>
+          </a:schemeClr>
+        </a:solidFill>
+        <a:effectLst/>
+      </p:bgPr>
+    </p:bg>
+    <p:spTree>
+      <p:nvGrpSpPr>
+        <p:cNvPr id="1" name=""/>
+        <p:cNvGrpSpPr/>
+        <p:nvPr/>
+      </p:nvGrpSpPr>
+      <p:grpSpPr>
+        <a:xfrm>
+          <a:off x="0" y="0"/>
+          <a:ext cx="0" cy="0"/>
+          <a:chOff x="0" y="0"/>
+          <a:chExt cx="0" cy="0"/>
+        </a:xfrm>
+      </p:grpSpPr>
+      <p:pic>
+        <p:nvPicPr>
+          <p:cNvPr id="5122" name="Picture 2"/>
+          <p:cNvPicPr>
+            <a:picLocks noChangeAspect="1" noChangeArrowheads="1"/>
+          </p:cNvPicPr>
+          <p:nvPr/>
+        </p:nvPicPr>
+        <p:blipFill>
+          <a:blip r:embed="rId2" cstate="print"/>
+          <a:srcRect/>
+          <a:stretch>
+            <a:fillRect/>
+          </a:stretch>
+        </p:blipFill>
+        <p:spPr bwMode="auto">
+          <a:xfrm>
+            <a:off x="2128838" y="1528763"/>
+            <a:ext cx="4886325" cy="3800475"/>
+          </a:xfrm>
+          <a:prstGeom prst="rect">
+            <a:avLst/>
+          </a:prstGeom>
+          <a:noFill/>
+          <a:ln w="9525">
+            <a:noFill/>
+            <a:miter lim="800000"/>
+            <a:headEnd/>
+            <a:tailEnd/>
+          </a:ln>
+        </p:spPr>
+      </p:pic>
+      <p:pic>
+        <p:nvPicPr>
+          <p:cNvPr id="6" name="Picture 8" descr="Mute.png (128×128)"/>
+          <p:cNvPicPr>
+            <a:picLocks noChangeAspect="1" noChangeArrowheads="1"/>
+          </p:cNvPicPr>
+          <p:nvPr/>
+        </p:nvPicPr>
+        <p:blipFill>
+          <a:blip r:embed="rId3" cstate="print">
+            <a:lum bright="70000" contrast="-70000"/>
+          </a:blip>
+          <a:srcRect/>
+          <a:stretch>
+            <a:fillRect/>
+          </a:stretch>
+        </p:blipFill>
+        <p:spPr bwMode="auto">
+          <a:xfrm>
+            <a:off x="7772400" y="5638799"/>
+            <a:ext cx="1219200" cy="1219201"/>
+          </a:xfrm>
+          <a:prstGeom prst="rect">
+            <a:avLst/>
+          </a:prstGeom>
+          <a:noFill/>
+        </p:spPr>
+      </p:pic>
+    </p:spTree>
+  </p:cSld>
+  <p:clrMapOvr>
+    <a:masterClrMapping/>
+  </p:clrMapOvr>
+  <p:timing>
+    <p:tnLst>
+      <p:par>
+        <p:cTn id="1" dur="indefinite" restart="never" nodeType="tmRoot">
+          <p:childTnLst>
+            <p:seq concurrent="1" nextAc="seek">
+              <p:cTn id="2" dur="indefinite" nodeType="mainSeq">
+                <p:childTnLst>
+                  <p:par>
+                    <p:cTn id="3" fill="hold">
+                      <p:stCondLst>
+                        <p:cond delay="indefinite"/>
+                        <p:cond evt="onBegin" delay="0">
+                          <p:tn val="2"/>
+                        </p:cond>
+                      </p:stCondLst>
+                      <p:childTnLst>
+                        <p:par>
+                          <p:cTn id="4" fill="hold">
+                            <p:stCondLst>
+                              <p:cond delay="0"/>
+                            </p:stCondLst>
+                            <p:childTnLst>
+                              <p:par>
+                                <p:cTn id="5" presetID="35" presetClass="emph" presetSubtype="0" repeatCount="indefinite" fill="hold" nodeType="withEffect">
+                                  <p:stCondLst>
+                                    <p:cond delay="0"/>
+                                  </p:stCondLst>
+                                  <p:childTnLst>
+                                    <p:anim calcmode="discrete" valueType="str">
+                                      <p:cBhvr>
+                                        <p:cTn id="6" dur="1000" fill="hold"/>
+                                        <p:tgtEl>
+                                          <p:spTgt spid="6"/>
+                                        </p:tgtEl>
+                                        <p:attrNameLst>
+                                          <p:attrName>style.visibility</p:attrName>
+                                        </p:attrNameLst>
+                                      </p:cBhvr>
+                                      <p:tavLst>
+                                        <p:tav tm="0">
+                                          <p:val>
+                                            <p:strVal val="hidden"/>
+                                          </p:val>
+                                        </p:tav>
+                                        <p:tav tm="50000">
+                                          <p:val>
+                                            <p:strVal val="visible"/>
+                                          </p:val>
+                                        </p:tav>
+                                      </p:tavLst>
+                                    </p:anim>
+                                  </p:childTnLst>
+                                </p:cTn>
+                              </p:par>
+                            </p:childTnLst>
+                          </p:cTn>
+                        </p:par>
+                      </p:childTnLst>
+                    </p:cTn>
+                  </p:par>
+                </p:childTnLst>
+              </p:cTn>
+              <p:prevCondLst>
+                <p:cond evt="onPrev" delay="0">
+                  <p:tgtEl>
+                    <p:sldTgt/>
+                  </p:tgtEl>
+                </p:cond>
+              </p:prevCondLst>
+              <p:nextCondLst>
+                <p:cond evt="onNext" delay="0">
+                  <p:tgtEl>
+                    <p:sldTgt/>
+                  </p:tgtEl>
+                </p:cond>
+              </p:nextCondLst>
+            </p:seq>
+          </p:childTnLst>
+        </p:cTn>
+      </p:par>
+    </p:tnLst>
+  </p:timing>
+</p:sld>
+</file>
+
+<file path=ppt/slides/slide9.xml><?xml version="1.0" encoding="utf-8"?>
+<p:sld xmlns:a="http://schemas.openxmlformats.org/drawingml/2006/main" xmlns:r="http://schemas.openxmlformats.org/officeDocument/2006/relationships" xmlns:p="http://schemas.openxmlformats.org/presentationml/2006/main">
+  <p:cSld>
+    <p:bg>
+      <p:bgPr>
+        <a:solidFill>
+          <a:schemeClr val="tx2">
+            <a:lumMod val="50000"/>
+          </a:schemeClr>
+        </a:solidFill>
+        <a:effectLst/>
+      </p:bgPr>
+    </p:bg>
+    <p:spTree>
+      <p:nvGrpSpPr>
+        <p:cNvPr id="1" name=""/>
+        <p:cNvGrpSpPr/>
+        <p:nvPr/>
+      </p:nvGrpSpPr>
+      <p:grpSpPr>
+        <a:xfrm>
+          <a:off x="0" y="0"/>
+          <a:ext cx="0" cy="0"/>
+          <a:chOff x="0" y="0"/>
+          <a:chExt cx="0" cy="0"/>
+        </a:xfrm>
+      </p:grpSpPr>
+      <p:pic>
+        <p:nvPicPr>
+          <p:cNvPr id="6146" name="Picture 2"/>
+          <p:cNvPicPr>
+            <a:picLocks noChangeAspect="1" noChangeArrowheads="1"/>
+          </p:cNvPicPr>
+          <p:nvPr/>
+        </p:nvPicPr>
+        <p:blipFill>
+          <a:blip r:embed="rId2" cstate="print"/>
+          <a:srcRect/>
+          <a:stretch>
+            <a:fillRect/>
+          </a:stretch>
+        </p:blipFill>
+        <p:spPr bwMode="auto">
+          <a:xfrm>
+            <a:off x="2128838" y="1528763"/>
+            <a:ext cx="4886325" cy="3800475"/>
+          </a:xfrm>
+          <a:prstGeom prst="rect">
+            <a:avLst/>
+          </a:prstGeom>
+          <a:noFill/>
+          <a:ln w="9525">
+            <a:noFill/>
+            <a:miter lim="800000"/>
+            <a:headEnd/>
+            <a:tailEnd/>
+          </a:ln>
+        </p:spPr>
+      </p:pic>
+      <p:pic>
+        <p:nvPicPr>
+          <p:cNvPr id="6" name="Picture 8" descr="Mute.png (128×128)"/>
+          <p:cNvPicPr>
+            <a:picLocks noChangeAspect="1" noChangeArrowheads="1"/>
+          </p:cNvPicPr>
+          <p:nvPr/>
+        </p:nvPicPr>
+        <p:blipFill>
+          <a:blip r:embed="rId3" cstate="print">
+            <a:lum bright="70000" contrast="-70000"/>
+          </a:blip>
+          <a:srcRect/>
+          <a:stretch>
+            <a:fillRect/>
+          </a:stretch>
+        </p:blipFill>
+        <p:spPr bwMode="auto">
+          <a:xfrm>
+            <a:off x="7772400" y="5638799"/>
+            <a:ext cx="1219200" cy="1219201"/>
+          </a:xfrm>
+          <a:prstGeom prst="rect">
+            <a:avLst/>
+          </a:prstGeom>
+          <a:noFill/>
+        </p:spPr>
+      </p:pic>
+    </p:spTree>
+  </p:cSld>
+  <p:clrMapOvr>
+    <a:masterClrMapping/>
+  </p:clrMapOvr>
+  <p:timing>
+    <p:tnLst>
+      <p:par>
+        <p:cTn id="1" dur="indefinite" restart="never" nodeType="tmRoot">
+          <p:childTnLst>
+            <p:seq concurrent="1" nextAc="seek">
+              <p:cTn id="2" dur="indefinite" nodeType="mainSeq">
+                <p:childTnLst>
+                  <p:par>
+                    <p:cTn id="3" fill="hold">
+                      <p:stCondLst>
+                        <p:cond delay="indefinite"/>
+                        <p:cond evt="onBegin" delay="0">
+                          <p:tn val="2"/>
+                        </p:cond>
+                      </p:stCondLst>
+                      <p:childTnLst>
+                        <p:par>
+                          <p:cTn id="4" fill="hold">
+                            <p:stCondLst>
+                              <p:cond delay="0"/>
+                            </p:stCondLst>
+                            <p:childTnLst>
+                              <p:par>
+                                <p:cTn id="5" presetID="35" presetClass="emph" presetSubtype="0" repeatCount="indefinite" fill="hold" nodeType="withEffect">
+                                  <p:stCondLst>
+                                    <p:cond delay="0"/>
+                                  </p:stCondLst>
+                                  <p:childTnLst>
+                                    <p:anim calcmode="discrete" valueType="str">
+                                      <p:cBhvr>
+                                        <p:cTn id="6" dur="1000" fill="hold"/>
+                                        <p:tgtEl>
+                                          <p:spTgt spid="6"/>
+                                        </p:tgtEl>
+                                        <p:attrNameLst>
+                                          <p:attrName>style.visibility</p:attrName>
+                                        </p:attrNameLst>
+                                      </p:cBhvr>
+                                      <p:tavLst>
+                                        <p:tav tm="0">
+                                          <p:val>
+                                            <p:strVal val="hidden"/>
+                                          </p:val>
+                                        </p:tav>
+                                        <p:tav tm="50000">
+                                          <p:val>
+                                            <p:strVal val="visible"/>
+                                          </p:val>
+                                        </p:tav>
+                                      </p:tavLst>
+                                    </p:anim>
+                                  </p:childTnLst>
+                                </p:cTn>
+                              </p:par>
+                            </p:childTnLst>
+                          </p:cTn>
+                        </p:par>
+                      </p:childTnLst>
+                    </p:cTn>
+                  </p:par>
+                </p:childTnLst>
+              </p:cTn>
+              <p:prevCondLst>
+                <p:cond evt="onPrev" delay="0">
+                  <p:tgtEl>
+                    <p:sldTgt/>
+                  </p:tgtEl>
+                </p:cond>
+              </p:prevCondLst>
+              <p:nextCondLst>
+                <p:cond evt="onNext" delay="0">
+                  <p:tgtEl>
+                    <p:sldTgt/>
+                  </p:tgtEl>
+                </p:cond>
+              </p:nextCondLst>
+            </p:seq>
+          </p:childTnLst>
+        </p:cTn>
       </p:par>
     </p:tnLst>
   </p:timing>

--- a/Presentation.pptx
+++ b/Presentation.pptx
@@ -5,24 +5,36 @@
     <p:sldMasterId id="2147483648" r:id="rId1"/>
   </p:sldMasterIdLst>
   <p:notesMasterIdLst>
-    <p:notesMasterId r:id="rId17"/>
+    <p:notesMasterId r:id="rId29"/>
   </p:notesMasterIdLst>
   <p:sldIdLst>
-    <p:sldId id="256" r:id="rId2"/>
-    <p:sldId id="257" r:id="rId3"/>
-    <p:sldId id="258" r:id="rId4"/>
+    <p:sldId id="257" r:id="rId2"/>
+    <p:sldId id="256" r:id="rId3"/>
+    <p:sldId id="272" r:id="rId4"/>
     <p:sldId id="259" r:id="rId5"/>
     <p:sldId id="260" r:id="rId6"/>
     <p:sldId id="262" r:id="rId7"/>
-    <p:sldId id="263" r:id="rId8"/>
-    <p:sldId id="264" r:id="rId9"/>
-    <p:sldId id="265" r:id="rId10"/>
-    <p:sldId id="266" r:id="rId11"/>
-    <p:sldId id="268" r:id="rId12"/>
-    <p:sldId id="267" r:id="rId13"/>
-    <p:sldId id="269" r:id="rId14"/>
-    <p:sldId id="270" r:id="rId15"/>
-    <p:sldId id="271" r:id="rId16"/>
+    <p:sldId id="270" r:id="rId8"/>
+    <p:sldId id="268" r:id="rId9"/>
+    <p:sldId id="267" r:id="rId10"/>
+    <p:sldId id="269" r:id="rId11"/>
+    <p:sldId id="277" r:id="rId12"/>
+    <p:sldId id="278" r:id="rId13"/>
+    <p:sldId id="279" r:id="rId14"/>
+    <p:sldId id="280" r:id="rId15"/>
+    <p:sldId id="281" r:id="rId16"/>
+    <p:sldId id="282" r:id="rId17"/>
+    <p:sldId id="284" r:id="rId18"/>
+    <p:sldId id="285" r:id="rId19"/>
+    <p:sldId id="287" r:id="rId20"/>
+    <p:sldId id="288" r:id="rId21"/>
+    <p:sldId id="289" r:id="rId22"/>
+    <p:sldId id="286" r:id="rId23"/>
+    <p:sldId id="271" r:id="rId24"/>
+    <p:sldId id="274" r:id="rId25"/>
+    <p:sldId id="275" r:id="rId26"/>
+    <p:sldId id="276" r:id="rId27"/>
+    <p:sldId id="273" r:id="rId28"/>
   </p:sldIdLst>
   <p:sldSz cx="9144000" cy="6858000" type="screen4x3"/>
   <p:notesSz cx="6858000" cy="9144000"/>
@@ -521,11 +533,48 @@
           <a:p>
             <a:r>
               <a:rPr lang="pt-BR" dirty="0" smtClean="0"/>
-              <a:t>Gostaria de saber como ela</a:t>
+              <a:t>Vocês me conhecem do .Net</a:t>
             </a:r>
             <a:r>
               <a:rPr lang="pt-BR" baseline="0" dirty="0" smtClean="0"/>
-              <a:t> vai colocar essa peça ai</a:t>
+              <a:t> </a:t>
+            </a:r>
+            <a:r>
+              <a:rPr lang="pt-BR" baseline="0" dirty="0" err="1" smtClean="0"/>
+              <a:t>Architects</a:t>
+            </a:r>
+            <a:endParaRPr lang="pt-BR" baseline="0" dirty="0" smtClean="0"/>
+          </a:p>
+          <a:p>
+            <a:r>
+              <a:rPr lang="pt-BR" baseline="0" dirty="0" smtClean="0"/>
+              <a:t>Meu </a:t>
+            </a:r>
+            <a:r>
+              <a:rPr lang="pt-BR" baseline="0" dirty="0" err="1" smtClean="0"/>
+              <a:t>twitter</a:t>
+            </a:r>
+            <a:endParaRPr lang="pt-BR" baseline="0" dirty="0" smtClean="0"/>
+          </a:p>
+          <a:p>
+            <a:r>
+              <a:rPr lang="pt-BR" baseline="0" dirty="0" smtClean="0"/>
+              <a:t>Meu </a:t>
+            </a:r>
+            <a:r>
+              <a:rPr lang="pt-BR" baseline="0" dirty="0" err="1" smtClean="0"/>
+              <a:t>github</a:t>
+            </a:r>
+            <a:endParaRPr lang="pt-BR" baseline="0" dirty="0" smtClean="0"/>
+          </a:p>
+          <a:p>
+            <a:r>
+              <a:rPr lang="pt-BR" baseline="0" dirty="0" smtClean="0"/>
+              <a:t>Odeio </a:t>
+            </a:r>
+            <a:r>
+              <a:rPr lang="pt-BR" baseline="0" dirty="0" err="1" smtClean="0"/>
+              <a:t>powerpoints</a:t>
             </a:r>
             <a:endParaRPr lang="en-US" dirty="0"/>
           </a:p>
@@ -550,6 +599,860 @@
               <a:rPr lang="en-US" smtClean="0"/>
               <a:pPr/>
               <a:t>1</a:t>
+            </a:fld>
+            <a:endParaRPr lang="en-US"/>
+          </a:p>
+        </p:txBody>
+      </p:sp>
+    </p:spTree>
+  </p:cSld>
+  <p:clrMapOvr>
+    <a:masterClrMapping/>
+  </p:clrMapOvr>
+</p:notes>
+</file>
+
+<file path=ppt/notesSlides/notesSlide10.xml><?xml version="1.0" encoding="utf-8"?>
+<p:notes xmlns:a="http://schemas.openxmlformats.org/drawingml/2006/main" xmlns:r="http://schemas.openxmlformats.org/officeDocument/2006/relationships" xmlns:p="http://schemas.openxmlformats.org/presentationml/2006/main">
+  <p:cSld>
+    <p:spTree>
+      <p:nvGrpSpPr>
+        <p:cNvPr id="1" name=""/>
+        <p:cNvGrpSpPr/>
+        <p:nvPr/>
+      </p:nvGrpSpPr>
+      <p:grpSpPr>
+        <a:xfrm>
+          <a:off x="0" y="0"/>
+          <a:ext cx="0" cy="0"/>
+          <a:chOff x="0" y="0"/>
+          <a:chExt cx="0" cy="0"/>
+        </a:xfrm>
+      </p:grpSpPr>
+      <p:sp>
+        <p:nvSpPr>
+          <p:cNvPr id="2" name="Slide Image Placeholder 1"/>
+          <p:cNvSpPr>
+            <a:spLocks noGrp="1" noRot="1" noChangeAspect="1"/>
+          </p:cNvSpPr>
+          <p:nvPr>
+            <p:ph type="sldImg"/>
+          </p:nvPr>
+        </p:nvSpPr>
+        <p:spPr/>
+      </p:sp>
+      <p:sp>
+        <p:nvSpPr>
+          <p:cNvPr id="3" name="Notes Placeholder 2"/>
+          <p:cNvSpPr>
+            <a:spLocks noGrp="1"/>
+          </p:cNvSpPr>
+          <p:nvPr>
+            <p:ph type="body" idx="1"/>
+          </p:nvPr>
+        </p:nvSpPr>
+        <p:spPr/>
+        <p:txBody>
+          <a:bodyPr>
+            <a:normAutofit/>
+          </a:bodyPr>
+          <a:lstStyle/>
+          <a:p>
+            <a:r>
+              <a:rPr lang="pt-BR" dirty="0" smtClean="0"/>
+              <a:t>Tem a ver com unidade de trabalho</a:t>
+            </a:r>
+          </a:p>
+          <a:p>
+            <a:r>
+              <a:rPr lang="pt-BR" dirty="0" smtClean="0"/>
+              <a:t>Todo</a:t>
+            </a:r>
+            <a:r>
+              <a:rPr lang="pt-BR" baseline="0" dirty="0" smtClean="0"/>
+              <a:t> trabalho necessário para completar uma </a:t>
+            </a:r>
+            <a:r>
+              <a:rPr lang="pt-BR" baseline="0" dirty="0" err="1" smtClean="0"/>
+              <a:t>feature</a:t>
+            </a:r>
+            <a:r>
+              <a:rPr lang="pt-BR" baseline="0" dirty="0" smtClean="0"/>
+              <a:t> deve poder ser empacotado num único </a:t>
+            </a:r>
+            <a:r>
+              <a:rPr lang="pt-BR" baseline="0" dirty="0" err="1" smtClean="0"/>
+              <a:t>changeset</a:t>
+            </a:r>
+            <a:endParaRPr lang="pt-BR" dirty="0" smtClean="0"/>
+          </a:p>
+        </p:txBody>
+      </p:sp>
+      <p:sp>
+        <p:nvSpPr>
+          <p:cNvPr id="4" name="Slide Number Placeholder 3"/>
+          <p:cNvSpPr>
+            <a:spLocks noGrp="1"/>
+          </p:cNvSpPr>
+          <p:nvPr>
+            <p:ph type="sldNum" sz="quarter" idx="10"/>
+          </p:nvPr>
+        </p:nvSpPr>
+        <p:spPr/>
+        <p:txBody>
+          <a:bodyPr/>
+          <a:lstStyle/>
+          <a:p>
+            <a:fld id="{B26A75E8-9EC7-42DF-8FCD-4AF46A032700}" type="slidenum">
+              <a:rPr lang="en-US" smtClean="0"/>
+              <a:pPr/>
+              <a:t>12</a:t>
+            </a:fld>
+            <a:endParaRPr lang="en-US"/>
+          </a:p>
+        </p:txBody>
+      </p:sp>
+    </p:spTree>
+  </p:cSld>
+  <p:clrMapOvr>
+    <a:masterClrMapping/>
+  </p:clrMapOvr>
+</p:notes>
+</file>
+
+<file path=ppt/notesSlides/notesSlide11.xml><?xml version="1.0" encoding="utf-8"?>
+<p:notes xmlns:a="http://schemas.openxmlformats.org/drawingml/2006/main" xmlns:r="http://schemas.openxmlformats.org/officeDocument/2006/relationships" xmlns:p="http://schemas.openxmlformats.org/presentationml/2006/main">
+  <p:cSld>
+    <p:spTree>
+      <p:nvGrpSpPr>
+        <p:cNvPr id="1" name=""/>
+        <p:cNvGrpSpPr/>
+        <p:nvPr/>
+      </p:nvGrpSpPr>
+      <p:grpSpPr>
+        <a:xfrm>
+          <a:off x="0" y="0"/>
+          <a:ext cx="0" cy="0"/>
+          <a:chOff x="0" y="0"/>
+          <a:chExt cx="0" cy="0"/>
+        </a:xfrm>
+      </p:grpSpPr>
+      <p:sp>
+        <p:nvSpPr>
+          <p:cNvPr id="2" name="Slide Image Placeholder 1"/>
+          <p:cNvSpPr>
+            <a:spLocks noGrp="1" noRot="1" noChangeAspect="1"/>
+          </p:cNvSpPr>
+          <p:nvPr>
+            <p:ph type="sldImg"/>
+          </p:nvPr>
+        </p:nvSpPr>
+        <p:spPr/>
+      </p:sp>
+      <p:sp>
+        <p:nvSpPr>
+          <p:cNvPr id="3" name="Notes Placeholder 2"/>
+          <p:cNvSpPr>
+            <a:spLocks noGrp="1"/>
+          </p:cNvSpPr>
+          <p:nvPr>
+            <p:ph type="body" idx="1"/>
+          </p:nvPr>
+        </p:nvSpPr>
+        <p:spPr/>
+        <p:txBody>
+          <a:bodyPr>
+            <a:normAutofit/>
+          </a:bodyPr>
+          <a:lstStyle/>
+          <a:p>
+            <a:r>
+              <a:rPr lang="pt-BR" dirty="0" smtClean="0"/>
+              <a:t>Toda</a:t>
+            </a:r>
+            <a:r>
+              <a:rPr lang="pt-BR" baseline="0" dirty="0" smtClean="0"/>
+              <a:t> modificação deve ocorrer em cima de uma linha mestra.</a:t>
+            </a:r>
+          </a:p>
+          <a:p>
+            <a:r>
+              <a:rPr lang="pt-BR" baseline="0" dirty="0" smtClean="0"/>
+              <a:t>Pense como num trem, onde várias linhas secundárias podem surgir.</a:t>
+            </a:r>
+          </a:p>
+          <a:p>
+            <a:r>
+              <a:rPr lang="pt-BR" baseline="0" dirty="0" smtClean="0"/>
+              <a:t>Toda mudança deve poder ser aplicável a algum ponto da linha.</a:t>
+            </a:r>
+          </a:p>
+          <a:p>
+            <a:r>
+              <a:rPr lang="pt-BR" baseline="0" dirty="0" smtClean="0"/>
+              <a:t>Fazer analogia com SVN.</a:t>
+            </a:r>
+            <a:endParaRPr lang="pt-BR" dirty="0" smtClean="0"/>
+          </a:p>
+        </p:txBody>
+      </p:sp>
+      <p:sp>
+        <p:nvSpPr>
+          <p:cNvPr id="4" name="Slide Number Placeholder 3"/>
+          <p:cNvSpPr>
+            <a:spLocks noGrp="1"/>
+          </p:cNvSpPr>
+          <p:nvPr>
+            <p:ph type="sldNum" sz="quarter" idx="10"/>
+          </p:nvPr>
+        </p:nvSpPr>
+        <p:spPr/>
+        <p:txBody>
+          <a:bodyPr/>
+          <a:lstStyle/>
+          <a:p>
+            <a:fld id="{B26A75E8-9EC7-42DF-8FCD-4AF46A032700}" type="slidenum">
+              <a:rPr lang="en-US" smtClean="0"/>
+              <a:pPr/>
+              <a:t>13</a:t>
+            </a:fld>
+            <a:endParaRPr lang="en-US"/>
+          </a:p>
+        </p:txBody>
+      </p:sp>
+    </p:spTree>
+  </p:cSld>
+  <p:clrMapOvr>
+    <a:masterClrMapping/>
+  </p:clrMapOvr>
+</p:notes>
+</file>
+
+<file path=ppt/notesSlides/notesSlide12.xml><?xml version="1.0" encoding="utf-8"?>
+<p:notes xmlns:a="http://schemas.openxmlformats.org/drawingml/2006/main" xmlns:r="http://schemas.openxmlformats.org/officeDocument/2006/relationships" xmlns:p="http://schemas.openxmlformats.org/presentationml/2006/main">
+  <p:cSld>
+    <p:spTree>
+      <p:nvGrpSpPr>
+        <p:cNvPr id="1" name=""/>
+        <p:cNvGrpSpPr/>
+        <p:nvPr/>
+      </p:nvGrpSpPr>
+      <p:grpSpPr>
+        <a:xfrm>
+          <a:off x="0" y="0"/>
+          <a:ext cx="0" cy="0"/>
+          <a:chOff x="0" y="0"/>
+          <a:chExt cx="0" cy="0"/>
+        </a:xfrm>
+      </p:grpSpPr>
+      <p:sp>
+        <p:nvSpPr>
+          <p:cNvPr id="2" name="Slide Image Placeholder 1"/>
+          <p:cNvSpPr>
+            <a:spLocks noGrp="1" noRot="1" noChangeAspect="1"/>
+          </p:cNvSpPr>
+          <p:nvPr>
+            <p:ph type="sldImg"/>
+          </p:nvPr>
+        </p:nvSpPr>
+        <p:spPr/>
+      </p:sp>
+      <p:sp>
+        <p:nvSpPr>
+          <p:cNvPr id="3" name="Notes Placeholder 2"/>
+          <p:cNvSpPr>
+            <a:spLocks noGrp="1"/>
+          </p:cNvSpPr>
+          <p:nvPr>
+            <p:ph type="body" idx="1"/>
+          </p:nvPr>
+        </p:nvSpPr>
+        <p:spPr/>
+        <p:txBody>
+          <a:bodyPr>
+            <a:normAutofit/>
+          </a:bodyPr>
+          <a:lstStyle/>
+          <a:p>
+            <a:r>
+              <a:rPr lang="pt-BR" dirty="0" smtClean="0"/>
+              <a:t>Cria um</a:t>
+            </a:r>
+            <a:r>
+              <a:rPr lang="pt-BR" baseline="0" dirty="0" smtClean="0"/>
+              <a:t> problema</a:t>
+            </a:r>
+          </a:p>
+          <a:p>
+            <a:r>
+              <a:rPr lang="pt-BR" baseline="0" dirty="0" smtClean="0"/>
+              <a:t>Heisenberg, princípio da incerteza</a:t>
+            </a:r>
+          </a:p>
+          <a:p>
+            <a:r>
+              <a:rPr lang="pt-BR" baseline="0" dirty="0" smtClean="0"/>
+              <a:t>Nenhuma medição é exata, momento e posição</a:t>
+            </a:r>
+            <a:endParaRPr lang="en-US" dirty="0"/>
+          </a:p>
+        </p:txBody>
+      </p:sp>
+      <p:sp>
+        <p:nvSpPr>
+          <p:cNvPr id="4" name="Slide Number Placeholder 3"/>
+          <p:cNvSpPr>
+            <a:spLocks noGrp="1"/>
+          </p:cNvSpPr>
+          <p:nvPr>
+            <p:ph type="sldNum" sz="quarter" idx="10"/>
+          </p:nvPr>
+        </p:nvSpPr>
+        <p:spPr/>
+        <p:txBody>
+          <a:bodyPr/>
+          <a:lstStyle/>
+          <a:p>
+            <a:fld id="{B26A75E8-9EC7-42DF-8FCD-4AF46A032700}" type="slidenum">
+              <a:rPr lang="en-US" smtClean="0"/>
+              <a:pPr/>
+              <a:t>14</a:t>
+            </a:fld>
+            <a:endParaRPr lang="en-US"/>
+          </a:p>
+        </p:txBody>
+      </p:sp>
+    </p:spTree>
+  </p:cSld>
+  <p:clrMapOvr>
+    <a:masterClrMapping/>
+  </p:clrMapOvr>
+</p:notes>
+</file>
+
+<file path=ppt/notesSlides/notesSlide13.xml><?xml version="1.0" encoding="utf-8"?>
+<p:notes xmlns:a="http://schemas.openxmlformats.org/drawingml/2006/main" xmlns:r="http://schemas.openxmlformats.org/officeDocument/2006/relationships" xmlns:p="http://schemas.openxmlformats.org/presentationml/2006/main">
+  <p:cSld>
+    <p:spTree>
+      <p:nvGrpSpPr>
+        <p:cNvPr id="1" name=""/>
+        <p:cNvGrpSpPr/>
+        <p:nvPr/>
+      </p:nvGrpSpPr>
+      <p:grpSpPr>
+        <a:xfrm>
+          <a:off x="0" y="0"/>
+          <a:ext cx="0" cy="0"/>
+          <a:chOff x="0" y="0"/>
+          <a:chExt cx="0" cy="0"/>
+        </a:xfrm>
+      </p:grpSpPr>
+      <p:sp>
+        <p:nvSpPr>
+          <p:cNvPr id="2" name="Slide Image Placeholder 1"/>
+          <p:cNvSpPr>
+            <a:spLocks noGrp="1" noRot="1" noChangeAspect="1"/>
+          </p:cNvSpPr>
+          <p:nvPr>
+            <p:ph type="sldImg"/>
+          </p:nvPr>
+        </p:nvSpPr>
+        <p:spPr/>
+      </p:sp>
+      <p:sp>
+        <p:nvSpPr>
+          <p:cNvPr id="3" name="Notes Placeholder 2"/>
+          <p:cNvSpPr>
+            <a:spLocks noGrp="1"/>
+          </p:cNvSpPr>
+          <p:nvPr>
+            <p:ph type="body" idx="1"/>
+          </p:nvPr>
+        </p:nvSpPr>
+        <p:spPr/>
+        <p:txBody>
+          <a:bodyPr>
+            <a:normAutofit/>
+          </a:bodyPr>
+          <a:lstStyle/>
+          <a:p>
+            <a:r>
+              <a:rPr lang="pt-BR" dirty="0" smtClean="0"/>
+              <a:t>Quando você começa</a:t>
+            </a:r>
+            <a:r>
+              <a:rPr lang="pt-BR" baseline="0" dirty="0" smtClean="0"/>
+              <a:t> o desenvolvimento de uma </a:t>
+            </a:r>
+            <a:r>
+              <a:rPr lang="pt-BR" baseline="0" dirty="0" err="1" smtClean="0"/>
+              <a:t>feature</a:t>
+            </a:r>
+            <a:r>
+              <a:rPr lang="pt-BR" baseline="0" dirty="0" smtClean="0"/>
+              <a:t> você sai da </a:t>
+            </a:r>
+            <a:r>
+              <a:rPr lang="pt-BR" baseline="0" dirty="0" err="1" smtClean="0"/>
+              <a:t>mainline</a:t>
+            </a:r>
+            <a:r>
+              <a:rPr lang="pt-BR" baseline="0" dirty="0" smtClean="0"/>
+              <a:t>.</a:t>
+            </a:r>
+          </a:p>
+          <a:p>
+            <a:r>
+              <a:rPr lang="pt-BR" baseline="0" dirty="0" smtClean="0"/>
+              <a:t>E as operações que você efetua na </a:t>
+            </a:r>
+            <a:r>
+              <a:rPr lang="pt-BR" baseline="0" dirty="0" err="1" smtClean="0"/>
+              <a:t>mainline</a:t>
+            </a:r>
+            <a:r>
+              <a:rPr lang="pt-BR" baseline="0" dirty="0" smtClean="0"/>
+              <a:t> levam um certo tempo</a:t>
+            </a:r>
+          </a:p>
+          <a:p>
+            <a:r>
+              <a:rPr lang="pt-BR" baseline="0" dirty="0" smtClean="0"/>
+              <a:t>Quando você for voltar, o momento da </a:t>
+            </a:r>
+            <a:r>
+              <a:rPr lang="pt-BR" baseline="0" dirty="0" err="1" smtClean="0"/>
+              <a:t>mainline</a:t>
+            </a:r>
+            <a:r>
+              <a:rPr lang="pt-BR" baseline="0" dirty="0" smtClean="0"/>
+              <a:t> é outro</a:t>
+            </a:r>
+          </a:p>
+        </p:txBody>
+      </p:sp>
+      <p:sp>
+        <p:nvSpPr>
+          <p:cNvPr id="4" name="Slide Number Placeholder 3"/>
+          <p:cNvSpPr>
+            <a:spLocks noGrp="1"/>
+          </p:cNvSpPr>
+          <p:nvPr>
+            <p:ph type="sldNum" sz="quarter" idx="10"/>
+          </p:nvPr>
+        </p:nvSpPr>
+        <p:spPr/>
+        <p:txBody>
+          <a:bodyPr/>
+          <a:lstStyle/>
+          <a:p>
+            <a:fld id="{B26A75E8-9EC7-42DF-8FCD-4AF46A032700}" type="slidenum">
+              <a:rPr lang="en-US" smtClean="0"/>
+              <a:pPr/>
+              <a:t>15</a:t>
+            </a:fld>
+            <a:endParaRPr lang="en-US"/>
+          </a:p>
+        </p:txBody>
+      </p:sp>
+    </p:spTree>
+  </p:cSld>
+  <p:clrMapOvr>
+    <a:masterClrMapping/>
+  </p:clrMapOvr>
+</p:notes>
+</file>
+
+<file path=ppt/notesSlides/notesSlide14.xml><?xml version="1.0" encoding="utf-8"?>
+<p:notes xmlns:a="http://schemas.openxmlformats.org/drawingml/2006/main" xmlns:r="http://schemas.openxmlformats.org/officeDocument/2006/relationships" xmlns:p="http://schemas.openxmlformats.org/presentationml/2006/main">
+  <p:cSld>
+    <p:spTree>
+      <p:nvGrpSpPr>
+        <p:cNvPr id="1" name=""/>
+        <p:cNvGrpSpPr/>
+        <p:nvPr/>
+      </p:nvGrpSpPr>
+      <p:grpSpPr>
+        <a:xfrm>
+          <a:off x="0" y="0"/>
+          <a:ext cx="0" cy="0"/>
+          <a:chOff x="0" y="0"/>
+          <a:chExt cx="0" cy="0"/>
+        </a:xfrm>
+      </p:grpSpPr>
+      <p:sp>
+        <p:nvSpPr>
+          <p:cNvPr id="2" name="Slide Image Placeholder 1"/>
+          <p:cNvSpPr>
+            <a:spLocks noGrp="1" noRot="1" noChangeAspect="1"/>
+          </p:cNvSpPr>
+          <p:nvPr>
+            <p:ph type="sldImg"/>
+          </p:nvPr>
+        </p:nvSpPr>
+        <p:spPr/>
+      </p:sp>
+      <p:sp>
+        <p:nvSpPr>
+          <p:cNvPr id="3" name="Notes Placeholder 2"/>
+          <p:cNvSpPr>
+            <a:spLocks noGrp="1"/>
+          </p:cNvSpPr>
+          <p:nvPr>
+            <p:ph type="body" idx="1"/>
+          </p:nvPr>
+        </p:nvSpPr>
+        <p:spPr/>
+        <p:txBody>
+          <a:bodyPr>
+            <a:normAutofit/>
+          </a:bodyPr>
+          <a:lstStyle/>
+          <a:p>
+            <a:r>
+              <a:rPr lang="pt-BR" dirty="0" smtClean="0"/>
+              <a:t>Muitas pessoas adotam o </a:t>
+            </a:r>
+            <a:r>
+              <a:rPr lang="pt-BR" dirty="0" err="1" smtClean="0"/>
+              <a:t>checkout</a:t>
+            </a:r>
+            <a:r>
+              <a:rPr lang="pt-BR" dirty="0" smtClean="0"/>
+              <a:t> exclusivo</a:t>
+            </a:r>
+          </a:p>
+          <a:p>
+            <a:r>
+              <a:rPr lang="pt-BR" dirty="0" smtClean="0"/>
+              <a:t>Mas</a:t>
+            </a:r>
+            <a:r>
+              <a:rPr lang="pt-BR" baseline="0" dirty="0" smtClean="0"/>
+              <a:t> é uma solução limitada. Os componentes se integram no software de maneira muito mais sutil que estando </a:t>
+            </a:r>
+            <a:r>
+              <a:rPr lang="pt-BR" baseline="0" dirty="0" err="1" smtClean="0"/>
+              <a:t>apeanas</a:t>
+            </a:r>
+            <a:r>
+              <a:rPr lang="pt-BR" baseline="0" dirty="0" smtClean="0"/>
+              <a:t> no mesmo arquivo.</a:t>
+            </a:r>
+          </a:p>
+          <a:p>
+            <a:r>
+              <a:rPr lang="pt-BR" baseline="0" dirty="0" smtClean="0"/>
+              <a:t>Arquivo de configuração.</a:t>
+            </a:r>
+          </a:p>
+        </p:txBody>
+      </p:sp>
+      <p:sp>
+        <p:nvSpPr>
+          <p:cNvPr id="4" name="Slide Number Placeholder 3"/>
+          <p:cNvSpPr>
+            <a:spLocks noGrp="1"/>
+          </p:cNvSpPr>
+          <p:nvPr>
+            <p:ph type="sldNum" sz="quarter" idx="10"/>
+          </p:nvPr>
+        </p:nvSpPr>
+        <p:spPr/>
+        <p:txBody>
+          <a:bodyPr/>
+          <a:lstStyle/>
+          <a:p>
+            <a:fld id="{B26A75E8-9EC7-42DF-8FCD-4AF46A032700}" type="slidenum">
+              <a:rPr lang="en-US" smtClean="0"/>
+              <a:pPr/>
+              <a:t>16</a:t>
+            </a:fld>
+            <a:endParaRPr lang="en-US"/>
+          </a:p>
+        </p:txBody>
+      </p:sp>
+    </p:spTree>
+  </p:cSld>
+  <p:clrMapOvr>
+    <a:masterClrMapping/>
+  </p:clrMapOvr>
+</p:notes>
+</file>
+
+<file path=ppt/notesSlides/notesSlide15.xml><?xml version="1.0" encoding="utf-8"?>
+<p:notes xmlns:a="http://schemas.openxmlformats.org/drawingml/2006/main" xmlns:r="http://schemas.openxmlformats.org/officeDocument/2006/relationships" xmlns:p="http://schemas.openxmlformats.org/presentationml/2006/main">
+  <p:cSld>
+    <p:spTree>
+      <p:nvGrpSpPr>
+        <p:cNvPr id="1" name=""/>
+        <p:cNvGrpSpPr/>
+        <p:nvPr/>
+      </p:nvGrpSpPr>
+      <p:grpSpPr>
+        <a:xfrm>
+          <a:off x="0" y="0"/>
+          <a:ext cx="0" cy="0"/>
+          <a:chOff x="0" y="0"/>
+          <a:chExt cx="0" cy="0"/>
+        </a:xfrm>
+      </p:grpSpPr>
+      <p:sp>
+        <p:nvSpPr>
+          <p:cNvPr id="2" name="Slide Image Placeholder 1"/>
+          <p:cNvSpPr>
+            <a:spLocks noGrp="1" noRot="1" noChangeAspect="1"/>
+          </p:cNvSpPr>
+          <p:nvPr>
+            <p:ph type="sldImg"/>
+          </p:nvPr>
+        </p:nvSpPr>
+        <p:spPr/>
+      </p:sp>
+      <p:sp>
+        <p:nvSpPr>
+          <p:cNvPr id="3" name="Notes Placeholder 2"/>
+          <p:cNvSpPr>
+            <a:spLocks noGrp="1"/>
+          </p:cNvSpPr>
+          <p:nvPr>
+            <p:ph type="body" idx="1"/>
+          </p:nvPr>
+        </p:nvSpPr>
+        <p:spPr/>
+        <p:txBody>
+          <a:bodyPr>
+            <a:normAutofit/>
+          </a:bodyPr>
+          <a:lstStyle/>
+          <a:p>
+            <a:r>
+              <a:rPr lang="pt-BR" dirty="0" smtClean="0"/>
+              <a:t>Use um controle de versão decente</a:t>
+            </a:r>
+          </a:p>
+          <a:p>
+            <a:r>
+              <a:rPr lang="pt-BR" dirty="0" smtClean="0"/>
+              <a:t>Não precisa ser </a:t>
+            </a:r>
+            <a:r>
+              <a:rPr lang="pt-BR" dirty="0" err="1" smtClean="0"/>
+              <a:t>Git</a:t>
+            </a:r>
+            <a:endParaRPr lang="pt-BR" dirty="0" smtClean="0"/>
+          </a:p>
+          <a:p>
+            <a:r>
+              <a:rPr lang="pt-BR" dirty="0" smtClean="0"/>
+              <a:t>Cliente</a:t>
+            </a:r>
+            <a:r>
+              <a:rPr lang="pt-BR" baseline="0" dirty="0" smtClean="0"/>
+              <a:t> que guardava em pasta de rede e anotava em Excel</a:t>
+            </a:r>
+            <a:endParaRPr lang="pt-BR" dirty="0" smtClean="0"/>
+          </a:p>
+          <a:p>
+            <a:endParaRPr lang="en-US" dirty="0"/>
+          </a:p>
+        </p:txBody>
+      </p:sp>
+      <p:sp>
+        <p:nvSpPr>
+          <p:cNvPr id="4" name="Slide Number Placeholder 3"/>
+          <p:cNvSpPr>
+            <a:spLocks noGrp="1"/>
+          </p:cNvSpPr>
+          <p:nvPr>
+            <p:ph type="sldNum" sz="quarter" idx="10"/>
+          </p:nvPr>
+        </p:nvSpPr>
+        <p:spPr/>
+        <p:txBody>
+          <a:bodyPr/>
+          <a:lstStyle/>
+          <a:p>
+            <a:fld id="{B26A75E8-9EC7-42DF-8FCD-4AF46A032700}" type="slidenum">
+              <a:rPr lang="en-US" smtClean="0"/>
+              <a:pPr/>
+              <a:t>17</a:t>
+            </a:fld>
+            <a:endParaRPr lang="en-US"/>
+          </a:p>
+        </p:txBody>
+      </p:sp>
+    </p:spTree>
+  </p:cSld>
+  <p:clrMapOvr>
+    <a:masterClrMapping/>
+  </p:clrMapOvr>
+</p:notes>
+</file>
+
+<file path=ppt/notesSlides/notesSlide16.xml><?xml version="1.0" encoding="utf-8"?>
+<p:notes xmlns:a="http://schemas.openxmlformats.org/drawingml/2006/main" xmlns:r="http://schemas.openxmlformats.org/officeDocument/2006/relationships" xmlns:p="http://schemas.openxmlformats.org/presentationml/2006/main">
+  <p:cSld>
+    <p:spTree>
+      <p:nvGrpSpPr>
+        <p:cNvPr id="1" name=""/>
+        <p:cNvGrpSpPr/>
+        <p:nvPr/>
+      </p:nvGrpSpPr>
+      <p:grpSpPr>
+        <a:xfrm>
+          <a:off x="0" y="0"/>
+          <a:ext cx="0" cy="0"/>
+          <a:chOff x="0" y="0"/>
+          <a:chExt cx="0" cy="0"/>
+        </a:xfrm>
+      </p:grpSpPr>
+      <p:sp>
+        <p:nvSpPr>
+          <p:cNvPr id="2" name="Slide Image Placeholder 1"/>
+          <p:cNvSpPr>
+            <a:spLocks noGrp="1" noRot="1" noChangeAspect="1"/>
+          </p:cNvSpPr>
+          <p:nvPr>
+            <p:ph type="sldImg"/>
+          </p:nvPr>
+        </p:nvSpPr>
+        <p:spPr/>
+      </p:sp>
+      <p:sp>
+        <p:nvSpPr>
+          <p:cNvPr id="3" name="Notes Placeholder 2"/>
+          <p:cNvSpPr>
+            <a:spLocks noGrp="1"/>
+          </p:cNvSpPr>
+          <p:nvPr>
+            <p:ph type="body" idx="1"/>
+          </p:nvPr>
+        </p:nvSpPr>
+        <p:spPr/>
+        <p:txBody>
+          <a:bodyPr>
+            <a:normAutofit/>
+          </a:bodyPr>
+          <a:lstStyle/>
+          <a:p>
+            <a:r>
+              <a:rPr lang="pt-BR" dirty="0" smtClean="0"/>
+              <a:t>Seja bonzinho com seu controle</a:t>
+            </a:r>
+            <a:r>
+              <a:rPr lang="pt-BR" baseline="0" dirty="0" smtClean="0"/>
+              <a:t> de versão. Ele é chamado controle de versão por um motivo.</a:t>
+            </a:r>
+            <a:endParaRPr lang="en-US" dirty="0"/>
+          </a:p>
+        </p:txBody>
+      </p:sp>
+      <p:sp>
+        <p:nvSpPr>
+          <p:cNvPr id="4" name="Slide Number Placeholder 3"/>
+          <p:cNvSpPr>
+            <a:spLocks noGrp="1"/>
+          </p:cNvSpPr>
+          <p:nvPr>
+            <p:ph type="sldNum" sz="quarter" idx="10"/>
+          </p:nvPr>
+        </p:nvSpPr>
+        <p:spPr/>
+        <p:txBody>
+          <a:bodyPr/>
+          <a:lstStyle/>
+          <a:p>
+            <a:fld id="{B26A75E8-9EC7-42DF-8FCD-4AF46A032700}" type="slidenum">
+              <a:rPr lang="en-US" smtClean="0"/>
+              <a:pPr/>
+              <a:t>18</a:t>
+            </a:fld>
+            <a:endParaRPr lang="en-US"/>
+          </a:p>
+        </p:txBody>
+      </p:sp>
+    </p:spTree>
+  </p:cSld>
+  <p:clrMapOvr>
+    <a:masterClrMapping/>
+  </p:clrMapOvr>
+</p:notes>
+</file>
+
+<file path=ppt/notesSlides/notesSlide17.xml><?xml version="1.0" encoding="utf-8"?>
+<p:notes xmlns:a="http://schemas.openxmlformats.org/drawingml/2006/main" xmlns:r="http://schemas.openxmlformats.org/officeDocument/2006/relationships" xmlns:p="http://schemas.openxmlformats.org/presentationml/2006/main">
+  <p:cSld>
+    <p:spTree>
+      <p:nvGrpSpPr>
+        <p:cNvPr id="1" name=""/>
+        <p:cNvGrpSpPr/>
+        <p:nvPr/>
+      </p:nvGrpSpPr>
+      <p:grpSpPr>
+        <a:xfrm>
+          <a:off x="0" y="0"/>
+          <a:ext cx="0" cy="0"/>
+          <a:chOff x="0" y="0"/>
+          <a:chExt cx="0" cy="0"/>
+        </a:xfrm>
+      </p:grpSpPr>
+      <p:sp>
+        <p:nvSpPr>
+          <p:cNvPr id="2" name="Slide Image Placeholder 1"/>
+          <p:cNvSpPr>
+            <a:spLocks noGrp="1" noRot="1" noChangeAspect="1"/>
+          </p:cNvSpPr>
+          <p:nvPr>
+            <p:ph type="sldImg"/>
+          </p:nvPr>
+        </p:nvSpPr>
+        <p:spPr/>
+      </p:sp>
+      <p:sp>
+        <p:nvSpPr>
+          <p:cNvPr id="3" name="Notes Placeholder 2"/>
+          <p:cNvSpPr>
+            <a:spLocks noGrp="1"/>
+          </p:cNvSpPr>
+          <p:nvPr>
+            <p:ph type="body" idx="1"/>
+          </p:nvPr>
+        </p:nvSpPr>
+        <p:spPr/>
+        <p:txBody>
+          <a:bodyPr>
+            <a:normAutofit/>
+          </a:bodyPr>
+          <a:lstStyle/>
+          <a:p>
+            <a:r>
+              <a:rPr lang="pt-BR" dirty="0" smtClean="0"/>
+              <a:t>Integração contínua tem a ver com agilidade</a:t>
+            </a:r>
+            <a:endParaRPr lang="en-US" dirty="0"/>
+          </a:p>
+        </p:txBody>
+      </p:sp>
+      <p:sp>
+        <p:nvSpPr>
+          <p:cNvPr id="4" name="Slide Number Placeholder 3"/>
+          <p:cNvSpPr>
+            <a:spLocks noGrp="1"/>
+          </p:cNvSpPr>
+          <p:nvPr>
+            <p:ph type="sldNum" sz="quarter" idx="10"/>
+          </p:nvPr>
+        </p:nvSpPr>
+        <p:spPr/>
+        <p:txBody>
+          <a:bodyPr/>
+          <a:lstStyle/>
+          <a:p>
+            <a:fld id="{B26A75E8-9EC7-42DF-8FCD-4AF46A032700}" type="slidenum">
+              <a:rPr lang="en-US" smtClean="0"/>
+              <a:pPr/>
+              <a:t>23</a:t>
             </a:fld>
             <a:endParaRPr lang="en-US"/>
           </a:p>
@@ -611,48 +1514,11 @@
           <a:p>
             <a:r>
               <a:rPr lang="pt-BR" dirty="0" smtClean="0"/>
-              <a:t>Vocês me conhecem do .Net</a:t>
+              <a:t>Gostaria de saber como ela</a:t>
             </a:r>
             <a:r>
               <a:rPr lang="pt-BR" baseline="0" dirty="0" smtClean="0"/>
-              <a:t> </a:t>
-            </a:r>
-            <a:r>
-              <a:rPr lang="pt-BR" baseline="0" dirty="0" err="1" smtClean="0"/>
-              <a:t>Architects</a:t>
-            </a:r>
-            <a:endParaRPr lang="pt-BR" baseline="0" dirty="0" smtClean="0"/>
-          </a:p>
-          <a:p>
-            <a:r>
-              <a:rPr lang="pt-BR" baseline="0" dirty="0" smtClean="0"/>
-              <a:t>Meu </a:t>
-            </a:r>
-            <a:r>
-              <a:rPr lang="pt-BR" baseline="0" dirty="0" err="1" smtClean="0"/>
-              <a:t>twitter</a:t>
-            </a:r>
-            <a:endParaRPr lang="pt-BR" baseline="0" dirty="0" smtClean="0"/>
-          </a:p>
-          <a:p>
-            <a:r>
-              <a:rPr lang="pt-BR" baseline="0" dirty="0" smtClean="0"/>
-              <a:t>Meu </a:t>
-            </a:r>
-            <a:r>
-              <a:rPr lang="pt-BR" baseline="0" dirty="0" err="1" smtClean="0"/>
-              <a:t>github</a:t>
-            </a:r>
-            <a:endParaRPr lang="pt-BR" baseline="0" dirty="0" smtClean="0"/>
-          </a:p>
-          <a:p>
-            <a:r>
-              <a:rPr lang="pt-BR" baseline="0" dirty="0" smtClean="0"/>
-              <a:t>Odeio </a:t>
-            </a:r>
-            <a:r>
-              <a:rPr lang="pt-BR" baseline="0" dirty="0" err="1" smtClean="0"/>
-              <a:t>powerpoints</a:t>
+              <a:t> vai colocar essa peça ai</a:t>
             </a:r>
             <a:endParaRPr lang="en-US" dirty="0"/>
           </a:p>
@@ -737,24 +1603,48 @@
           <a:lstStyle/>
           <a:p>
             <a:r>
+              <a:rPr lang="pt-BR" dirty="0" err="1" smtClean="0"/>
+              <a:t>Disclaimer</a:t>
+            </a:r>
+            <a:endParaRPr lang="pt-BR" dirty="0" smtClean="0"/>
+          </a:p>
+          <a:p>
+            <a:r>
               <a:rPr lang="pt-BR" dirty="0" smtClean="0"/>
-              <a:t>Palestra dividida em 2 partes</a:t>
-            </a:r>
-          </a:p>
-          <a:p>
-            <a:r>
-              <a:rPr lang="pt-BR" dirty="0" smtClean="0"/>
-              <a:t>Como usar</a:t>
+              <a:t>Vários roteiros para essa</a:t>
             </a:r>
             <a:r>
               <a:rPr lang="pt-BR" baseline="0" dirty="0" smtClean="0"/>
-              <a:t> um servidor de integração contínua</a:t>
+              <a:t> palestra</a:t>
             </a:r>
           </a:p>
           <a:p>
             <a:r>
               <a:rPr lang="pt-BR" baseline="0" dirty="0" smtClean="0"/>
-              <a:t>Porque usar um servidor de integração contínua</a:t>
+              <a:t>Muita gente me perguntou se eu iria usar </a:t>
+            </a:r>
+            <a:r>
+              <a:rPr lang="pt-BR" baseline="0" dirty="0" err="1" smtClean="0"/>
+              <a:t>CCNet</a:t>
+            </a:r>
+            <a:endParaRPr lang="pt-BR" baseline="0" dirty="0" smtClean="0"/>
+          </a:p>
+          <a:p>
+            <a:r>
+              <a:rPr lang="pt-BR" baseline="0" dirty="0" smtClean="0"/>
+              <a:t>Como instalar servidor CI</a:t>
+            </a:r>
+          </a:p>
+          <a:p>
+            <a:r>
+              <a:rPr lang="pt-BR" baseline="0" dirty="0" smtClean="0"/>
+              <a:t>Como configurar cada um deles</a:t>
+            </a:r>
+          </a:p>
+          <a:p>
+            <a:r>
+              <a:rPr lang="pt-BR" baseline="0" dirty="0" smtClean="0"/>
+              <a:t>Iria acabar, inevitavelmente</a:t>
             </a:r>
             <a:endParaRPr lang="en-US" dirty="0"/>
           </a:p>
@@ -839,20 +1729,36 @@
           <a:lstStyle/>
           <a:p>
             <a:r>
-              <a:rPr lang="pt-BR" dirty="0" smtClean="0"/>
-              <a:t>Na primeira parte, vou mostrar</a:t>
-            </a:r>
-            <a:r>
               <a:rPr lang="pt-BR" baseline="0" dirty="0" smtClean="0"/>
-              <a:t> como instalar um servidor de integração contínua</a:t>
-            </a:r>
-          </a:p>
-          <a:p>
+              <a:t>E </a:t>
+            </a:r>
             <a:r>
               <a:rPr lang="pt-BR" baseline="0" dirty="0" smtClean="0"/>
-              <a:t>Slides com gatos sempre funcionam</a:t>
-            </a:r>
-            <a:endParaRPr lang="en-US" dirty="0"/>
+              <a:t>seria uma palestra meramente técnica</a:t>
+            </a:r>
+          </a:p>
+          <a:p>
+            <a:r>
+              <a:rPr lang="pt-BR" baseline="0" dirty="0" smtClean="0"/>
+              <a:t>Não estamos aqui para discutir </a:t>
+            </a:r>
+            <a:r>
+              <a:rPr lang="pt-BR" baseline="0" dirty="0" smtClean="0"/>
+              <a:t>técnica.</a:t>
+            </a:r>
+          </a:p>
+          <a:p>
+            <a:r>
+              <a:rPr lang="pt-BR" baseline="0" dirty="0" smtClean="0"/>
+              <a:t>Não ia sequer ter muito o que falar.</a:t>
+            </a:r>
+          </a:p>
+          <a:p>
+            <a:r>
+              <a:rPr lang="pt-BR" baseline="0" dirty="0" smtClean="0"/>
+              <a:t>É só uma ferramenta, veja só.</a:t>
+            </a:r>
+            <a:endParaRPr lang="pt-BR" baseline="0" dirty="0" smtClean="0"/>
           </a:p>
         </p:txBody>
       </p:sp>
@@ -936,11 +1842,15 @@
           <a:p>
             <a:r>
               <a:rPr lang="pt-BR" dirty="0" smtClean="0"/>
-              <a:t>Sério galera, um</a:t>
-            </a:r>
-            <a:r>
-              <a:rPr lang="pt-BR" baseline="0" dirty="0" smtClean="0"/>
-              <a:t> servidor de integração contínua não é tudo isso</a:t>
+              <a:t>Essa palestra não é sobre </a:t>
+            </a:r>
+            <a:r>
+              <a:rPr lang="pt-BR" dirty="0" err="1" smtClean="0"/>
+              <a:t>CruiseControl</a:t>
+            </a:r>
+            <a:r>
+              <a:rPr lang="pt-BR" dirty="0" smtClean="0"/>
+              <a:t>, nem se dispõe a ser</a:t>
             </a:r>
             <a:endParaRPr lang="en-US" dirty="0"/>
           </a:p>
@@ -964,7 +1874,7 @@
             <a:fld id="{B26A75E8-9EC7-42DF-8FCD-4AF46A032700}" type="slidenum">
               <a:rPr lang="en-US" smtClean="0"/>
               <a:pPr/>
-              <a:t>10</a:t>
+              <a:t>7</a:t>
             </a:fld>
             <a:endParaRPr lang="en-US"/>
           </a:p>
@@ -1054,7 +1964,7 @@
             <a:fld id="{B26A75E8-9EC7-42DF-8FCD-4AF46A032700}" type="slidenum">
               <a:rPr lang="en-US" smtClean="0"/>
               <a:pPr/>
-              <a:t>11</a:t>
+              <a:t>8</a:t>
             </a:fld>
             <a:endParaRPr lang="en-US"/>
           </a:p>
@@ -1148,7 +2058,21 @@
             </a:r>
             <a:r>
               <a:rPr lang="pt-BR" dirty="0" smtClean="0"/>
-              <a:t> Build</a:t>
+              <a:t> </a:t>
+            </a:r>
+            <a:r>
+              <a:rPr lang="pt-BR" dirty="0" smtClean="0"/>
+              <a:t>Build</a:t>
+            </a:r>
+          </a:p>
+          <a:p>
+            <a:r>
+              <a:rPr lang="pt-BR" dirty="0" smtClean="0"/>
+              <a:t>(Lembrar de perguntar quantos</a:t>
+            </a:r>
+            <a:r>
+              <a:rPr lang="pt-BR" baseline="0" dirty="0" smtClean="0"/>
+              <a:t> usam alguma dessas)</a:t>
             </a:r>
             <a:endParaRPr lang="en-US" dirty="0"/>
           </a:p>
@@ -1172,7 +2096,7 @@
             <a:fld id="{B26A75E8-9EC7-42DF-8FCD-4AF46A032700}" type="slidenum">
               <a:rPr lang="en-US" smtClean="0"/>
               <a:pPr/>
-              <a:t>12</a:t>
+              <a:t>9</a:t>
             </a:fld>
             <a:endParaRPr lang="en-US"/>
           </a:p>
@@ -1268,7 +2192,136 @@
             <a:fld id="{B26A75E8-9EC7-42DF-8FCD-4AF46A032700}" type="slidenum">
               <a:rPr lang="en-US" smtClean="0"/>
               <a:pPr/>
-              <a:t>13</a:t>
+              <a:t>10</a:t>
+            </a:fld>
+            <a:endParaRPr lang="en-US"/>
+          </a:p>
+        </p:txBody>
+      </p:sp>
+    </p:spTree>
+  </p:cSld>
+  <p:clrMapOvr>
+    <a:masterClrMapping/>
+  </p:clrMapOvr>
+</p:notes>
+</file>
+
+<file path=ppt/notesSlides/notesSlide9.xml><?xml version="1.0" encoding="utf-8"?>
+<p:notes xmlns:a="http://schemas.openxmlformats.org/drawingml/2006/main" xmlns:r="http://schemas.openxmlformats.org/officeDocument/2006/relationships" xmlns:p="http://schemas.openxmlformats.org/presentationml/2006/main">
+  <p:cSld>
+    <p:spTree>
+      <p:nvGrpSpPr>
+        <p:cNvPr id="1" name=""/>
+        <p:cNvGrpSpPr/>
+        <p:nvPr/>
+      </p:nvGrpSpPr>
+      <p:grpSpPr>
+        <a:xfrm>
+          <a:off x="0" y="0"/>
+          <a:ext cx="0" cy="0"/>
+          <a:chOff x="0" y="0"/>
+          <a:chExt cx="0" cy="0"/>
+        </a:xfrm>
+      </p:grpSpPr>
+      <p:sp>
+        <p:nvSpPr>
+          <p:cNvPr id="2" name="Slide Image Placeholder 1"/>
+          <p:cNvSpPr>
+            <a:spLocks noGrp="1" noRot="1" noChangeAspect="1"/>
+          </p:cNvSpPr>
+          <p:nvPr>
+            <p:ph type="sldImg"/>
+          </p:nvPr>
+        </p:nvSpPr>
+        <p:spPr/>
+      </p:sp>
+      <p:sp>
+        <p:nvSpPr>
+          <p:cNvPr id="3" name="Notes Placeholder 2"/>
+          <p:cNvSpPr>
+            <a:spLocks noGrp="1"/>
+          </p:cNvSpPr>
+          <p:nvPr>
+            <p:ph type="body" idx="1"/>
+          </p:nvPr>
+        </p:nvSpPr>
+        <p:spPr/>
+        <p:txBody>
+          <a:bodyPr>
+            <a:normAutofit/>
+          </a:bodyPr>
+          <a:lstStyle/>
+          <a:p>
+            <a:r>
+              <a:rPr lang="pt-BR" dirty="0" smtClean="0"/>
+              <a:t>Mas o que é</a:t>
+            </a:r>
+            <a:r>
+              <a:rPr lang="pt-BR" baseline="0" dirty="0" smtClean="0"/>
+              <a:t> integração contínua?</a:t>
+            </a:r>
+          </a:p>
+          <a:p>
+            <a:r>
+              <a:rPr lang="pt-BR" baseline="0" dirty="0" smtClean="0"/>
+              <a:t>Martin Fowler diz isso.</a:t>
+            </a:r>
+          </a:p>
+          <a:p>
+            <a:r>
+              <a:rPr lang="pt-BR" baseline="0" dirty="0" smtClean="0"/>
+              <a:t>Normalmente as pessoas focam na parte do build automatizado.</a:t>
+            </a:r>
+          </a:p>
+          <a:p>
+            <a:endParaRPr lang="pt-BR" baseline="0" dirty="0" smtClean="0"/>
+          </a:p>
+          <a:p>
+            <a:r>
+              <a:rPr lang="pt-BR" baseline="0" dirty="0" smtClean="0"/>
+              <a:t>Eu </a:t>
+            </a:r>
+            <a:r>
+              <a:rPr lang="pt-BR" baseline="0" dirty="0" smtClean="0"/>
+              <a:t>gosto de focar na parte dos membros do time integrando software </a:t>
+            </a:r>
+            <a:r>
+              <a:rPr lang="pt-BR" baseline="0" dirty="0" err="1" smtClean="0"/>
+              <a:t>frequentemente</a:t>
+            </a:r>
+            <a:r>
+              <a:rPr lang="pt-BR" baseline="0" dirty="0" smtClean="0"/>
+              <a:t>.</a:t>
+            </a:r>
+          </a:p>
+          <a:p>
+            <a:r>
+              <a:rPr lang="pt-BR" baseline="0" dirty="0" smtClean="0"/>
+              <a:t>E mesmo no que diz sobre build automatizado, não fala nada sobre servidor.</a:t>
+            </a:r>
+            <a:endParaRPr lang="en-US" dirty="0"/>
+          </a:p>
+        </p:txBody>
+      </p:sp>
+      <p:sp>
+        <p:nvSpPr>
+          <p:cNvPr id="4" name="Slide Number Placeholder 3"/>
+          <p:cNvSpPr>
+            <a:spLocks noGrp="1"/>
+          </p:cNvSpPr>
+          <p:nvPr>
+            <p:ph type="sldNum" sz="quarter" idx="10"/>
+          </p:nvPr>
+        </p:nvSpPr>
+        <p:spPr/>
+        <p:txBody>
+          <a:bodyPr/>
+          <a:lstStyle/>
+          <a:p>
+            <a:fld id="{B26A75E8-9EC7-42DF-8FCD-4AF46A032700}" type="slidenum">
+              <a:rPr lang="en-US" smtClean="0"/>
+              <a:pPr/>
+              <a:t>11</a:t>
             </a:fld>
             <a:endParaRPr lang="en-US"/>
           </a:p>
@@ -4220,6 +5273,1329 @@
 <file path=ppt/slides/slide1.xml><?xml version="1.0" encoding="utf-8"?>
 <p:sld xmlns:a="http://schemas.openxmlformats.org/drawingml/2006/main" xmlns:r="http://schemas.openxmlformats.org/officeDocument/2006/relationships" xmlns:p="http://schemas.openxmlformats.org/presentationml/2006/main">
   <p:cSld>
+    <p:bg>
+      <p:bgPr>
+        <a:solidFill>
+          <a:srgbClr val="C00000"/>
+        </a:solidFill>
+        <a:effectLst/>
+      </p:bgPr>
+    </p:bg>
+    <p:spTree>
+      <p:nvGrpSpPr>
+        <p:cNvPr id="1" name=""/>
+        <p:cNvGrpSpPr/>
+        <p:nvPr/>
+      </p:nvGrpSpPr>
+      <p:grpSpPr>
+        <a:xfrm>
+          <a:off x="0" y="0"/>
+          <a:ext cx="0" cy="0"/>
+          <a:chOff x="0" y="0"/>
+          <a:chExt cx="0" cy="0"/>
+        </a:xfrm>
+      </p:grpSpPr>
+      <p:sp>
+        <p:nvSpPr>
+          <p:cNvPr id="4" name="TextBox 3"/>
+          <p:cNvSpPr txBox="1"/>
+          <p:nvPr/>
+        </p:nvSpPr>
+        <p:spPr>
+          <a:xfrm>
+            <a:off x="533400" y="1524000"/>
+            <a:ext cx="8382000" cy="3416320"/>
+          </a:xfrm>
+          <a:prstGeom prst="rect">
+            <a:avLst/>
+          </a:prstGeom>
+          <a:noFill/>
+        </p:spPr>
+        <p:txBody>
+          <a:bodyPr wrap="square" rtlCol="0">
+            <a:spAutoFit/>
+          </a:bodyPr>
+          <a:lstStyle/>
+          <a:p>
+            <a:r>
+              <a:rPr lang="pt-BR" sz="5400" b="1" spc="50" dirty="0" smtClean="0">
+                <a:ln w="13500">
+                  <a:solidFill>
+                    <a:schemeClr val="accent1">
+                      <a:shade val="2500"/>
+                      <a:alpha val="6500"/>
+                    </a:schemeClr>
+                  </a:solidFill>
+                  <a:prstDash val="solid"/>
+                </a:ln>
+                <a:solidFill>
+                  <a:schemeClr val="accent1">
+                    <a:tint val="3000"/>
+                    <a:alpha val="95000"/>
+                  </a:schemeClr>
+                </a:solidFill>
+                <a:effectLst>
+                  <a:innerShdw blurRad="50900" dist="38500" dir="13500000">
+                    <a:srgbClr val="000000">
+                      <a:alpha val="60000"/>
+                    </a:srgbClr>
+                  </a:innerShdw>
+                </a:effectLst>
+                <a:latin typeface="Consolas" pitchFamily="49" charset="0"/>
+                <a:cs typeface="Consolas" pitchFamily="49" charset="0"/>
+              </a:rPr>
+              <a:t>Juan Lopes</a:t>
+            </a:r>
+          </a:p>
+          <a:p>
+            <a:r>
+              <a:rPr lang="pt-BR" sz="5400" b="1" spc="50" dirty="0" smtClean="0">
+                <a:ln w="13500">
+                  <a:solidFill>
+                    <a:schemeClr val="accent1">
+                      <a:shade val="2500"/>
+                      <a:alpha val="6500"/>
+                    </a:schemeClr>
+                  </a:solidFill>
+                  <a:prstDash val="solid"/>
+                </a:ln>
+                <a:solidFill>
+                  <a:schemeClr val="accent1">
+                    <a:tint val="3000"/>
+                    <a:alpha val="95000"/>
+                  </a:schemeClr>
+                </a:solidFill>
+                <a:effectLst>
+                  <a:innerShdw blurRad="50900" dist="38500" dir="13500000">
+                    <a:srgbClr val="000000">
+                      <a:alpha val="60000"/>
+                    </a:srgbClr>
+                  </a:innerShdw>
+                </a:effectLst>
+                <a:latin typeface="Consolas" pitchFamily="49" charset="0"/>
+                <a:cs typeface="Consolas" pitchFamily="49" charset="0"/>
+              </a:rPr>
+              <a:t>Humano </a:t>
+            </a:r>
+            <a:r>
+              <a:rPr lang="pt-BR" sz="5400" b="1" spc="50" dirty="0" err="1" smtClean="0">
+                <a:ln w="13500">
+                  <a:solidFill>
+                    <a:schemeClr val="accent1">
+                      <a:shade val="2500"/>
+                      <a:alpha val="6500"/>
+                    </a:schemeClr>
+                  </a:solidFill>
+                  <a:prstDash val="solid"/>
+                </a:ln>
+                <a:solidFill>
+                  <a:schemeClr val="accent1">
+                    <a:tint val="3000"/>
+                    <a:alpha val="95000"/>
+                  </a:schemeClr>
+                </a:solidFill>
+                <a:effectLst>
+                  <a:innerShdw blurRad="50900" dist="38500" dir="13500000">
+                    <a:srgbClr val="000000">
+                      <a:alpha val="60000"/>
+                    </a:srgbClr>
+                  </a:innerShdw>
+                </a:effectLst>
+                <a:latin typeface="Consolas" pitchFamily="49" charset="0"/>
+                <a:cs typeface="Consolas" pitchFamily="49" charset="0"/>
+              </a:rPr>
+              <a:t>Level</a:t>
+            </a:r>
+            <a:r>
+              <a:rPr lang="pt-BR" sz="5400" b="1" spc="50" dirty="0" smtClean="0">
+                <a:ln w="13500">
+                  <a:solidFill>
+                    <a:schemeClr val="accent1">
+                      <a:shade val="2500"/>
+                      <a:alpha val="6500"/>
+                    </a:schemeClr>
+                  </a:solidFill>
+                  <a:prstDash val="solid"/>
+                </a:ln>
+                <a:solidFill>
+                  <a:schemeClr val="accent1">
+                    <a:tint val="3000"/>
+                    <a:alpha val="95000"/>
+                  </a:schemeClr>
+                </a:solidFill>
+                <a:effectLst>
+                  <a:innerShdw blurRad="50900" dist="38500" dir="13500000">
+                    <a:srgbClr val="000000">
+                      <a:alpha val="60000"/>
+                    </a:srgbClr>
+                  </a:innerShdw>
+                </a:effectLst>
+                <a:latin typeface="Consolas" pitchFamily="49" charset="0"/>
+                <a:cs typeface="Consolas" pitchFamily="49" charset="0"/>
+              </a:rPr>
+              <a:t> 21</a:t>
+            </a:r>
+            <a:endParaRPr lang="pt-BR" sz="5400" b="1" spc="50" dirty="0" smtClean="0">
+              <a:ln w="13500">
+                <a:solidFill>
+                  <a:schemeClr val="accent1">
+                    <a:shade val="2500"/>
+                    <a:alpha val="6500"/>
+                  </a:schemeClr>
+                </a:solidFill>
+                <a:prstDash val="solid"/>
+              </a:ln>
+              <a:solidFill>
+                <a:schemeClr val="accent1">
+                  <a:tint val="3000"/>
+                  <a:alpha val="95000"/>
+                </a:schemeClr>
+              </a:solidFill>
+              <a:effectLst>
+                <a:innerShdw blurRad="50900" dist="38500" dir="13500000">
+                  <a:srgbClr val="000000">
+                    <a:alpha val="60000"/>
+                  </a:srgbClr>
+                </a:innerShdw>
+              </a:effectLst>
+              <a:latin typeface="Consolas" pitchFamily="49" charset="0"/>
+              <a:cs typeface="Consolas" pitchFamily="49" charset="0"/>
+            </a:endParaRPr>
+          </a:p>
+          <a:p>
+            <a:r>
+              <a:rPr lang="pt-BR" sz="5400" b="1" spc="50" dirty="0" smtClean="0">
+                <a:ln w="13500">
+                  <a:solidFill>
+                    <a:schemeClr val="accent1">
+                      <a:shade val="2500"/>
+                      <a:alpha val="6500"/>
+                    </a:schemeClr>
+                  </a:solidFill>
+                  <a:prstDash val="solid"/>
+                </a:ln>
+                <a:solidFill>
+                  <a:schemeClr val="accent1">
+                    <a:tint val="3000"/>
+                    <a:alpha val="95000"/>
+                  </a:schemeClr>
+                </a:solidFill>
+                <a:effectLst>
+                  <a:innerShdw blurRad="50900" dist="38500" dir="13500000">
+                    <a:srgbClr val="000000">
+                      <a:alpha val="60000"/>
+                    </a:srgbClr>
+                  </a:innerShdw>
+                </a:effectLst>
+                <a:latin typeface="Consolas" pitchFamily="49" charset="0"/>
+                <a:cs typeface="Consolas" pitchFamily="49" charset="0"/>
+              </a:rPr>
+              <a:t>@</a:t>
+            </a:r>
+            <a:r>
+              <a:rPr lang="pt-BR" sz="5400" b="1" spc="50" dirty="0" err="1" smtClean="0">
+                <a:ln w="13500">
+                  <a:solidFill>
+                    <a:schemeClr val="accent1">
+                      <a:shade val="2500"/>
+                      <a:alpha val="6500"/>
+                    </a:schemeClr>
+                  </a:solidFill>
+                  <a:prstDash val="solid"/>
+                </a:ln>
+                <a:solidFill>
+                  <a:schemeClr val="accent1">
+                    <a:tint val="3000"/>
+                    <a:alpha val="95000"/>
+                  </a:schemeClr>
+                </a:solidFill>
+                <a:effectLst>
+                  <a:innerShdw blurRad="50900" dist="38500" dir="13500000">
+                    <a:srgbClr val="000000">
+                      <a:alpha val="60000"/>
+                    </a:srgbClr>
+                  </a:innerShdw>
+                </a:effectLst>
+                <a:latin typeface="Consolas" pitchFamily="49" charset="0"/>
+                <a:cs typeface="Consolas" pitchFamily="49" charset="0"/>
+              </a:rPr>
+              <a:t>juanplopes</a:t>
+            </a:r>
+            <a:endParaRPr lang="pt-BR" sz="5400" b="1" spc="50" dirty="0" smtClean="0">
+              <a:ln w="13500">
+                <a:solidFill>
+                  <a:schemeClr val="accent1">
+                    <a:shade val="2500"/>
+                    <a:alpha val="6500"/>
+                  </a:schemeClr>
+                </a:solidFill>
+                <a:prstDash val="solid"/>
+              </a:ln>
+              <a:solidFill>
+                <a:schemeClr val="accent1">
+                  <a:tint val="3000"/>
+                  <a:alpha val="95000"/>
+                </a:schemeClr>
+              </a:solidFill>
+              <a:effectLst>
+                <a:innerShdw blurRad="50900" dist="38500" dir="13500000">
+                  <a:srgbClr val="000000">
+                    <a:alpha val="60000"/>
+                  </a:srgbClr>
+                </a:innerShdw>
+              </a:effectLst>
+              <a:latin typeface="Consolas" pitchFamily="49" charset="0"/>
+              <a:cs typeface="Consolas" pitchFamily="49" charset="0"/>
+            </a:endParaRPr>
+          </a:p>
+          <a:p>
+            <a:r>
+              <a:rPr lang="pt-BR" sz="5400" b="1" spc="50" dirty="0" smtClean="0">
+                <a:ln w="13500">
+                  <a:solidFill>
+                    <a:schemeClr val="accent1">
+                      <a:shade val="2500"/>
+                      <a:alpha val="6500"/>
+                    </a:schemeClr>
+                  </a:solidFill>
+                  <a:prstDash val="solid"/>
+                </a:ln>
+                <a:solidFill>
+                  <a:schemeClr val="accent1">
+                    <a:tint val="3000"/>
+                    <a:alpha val="95000"/>
+                  </a:schemeClr>
+                </a:solidFill>
+                <a:effectLst>
+                  <a:innerShdw blurRad="50900" dist="38500" dir="13500000">
+                    <a:srgbClr val="000000">
+                      <a:alpha val="60000"/>
+                    </a:srgbClr>
+                  </a:innerShdw>
+                </a:effectLst>
+                <a:latin typeface="Consolas" pitchFamily="49" charset="0"/>
+                <a:cs typeface="Consolas" pitchFamily="49" charset="0"/>
+              </a:rPr>
+              <a:t>github.com/</a:t>
+            </a:r>
+            <a:r>
+              <a:rPr lang="pt-BR" sz="5400" b="1" spc="50" dirty="0" err="1" smtClean="0">
+                <a:ln w="13500">
+                  <a:solidFill>
+                    <a:schemeClr val="accent1">
+                      <a:shade val="2500"/>
+                      <a:alpha val="6500"/>
+                    </a:schemeClr>
+                  </a:solidFill>
+                  <a:prstDash val="solid"/>
+                </a:ln>
+                <a:solidFill>
+                  <a:schemeClr val="accent1">
+                    <a:tint val="3000"/>
+                    <a:alpha val="95000"/>
+                  </a:schemeClr>
+                </a:solidFill>
+                <a:effectLst>
+                  <a:innerShdw blurRad="50900" dist="38500" dir="13500000">
+                    <a:srgbClr val="000000">
+                      <a:alpha val="60000"/>
+                    </a:srgbClr>
+                  </a:innerShdw>
+                </a:effectLst>
+                <a:latin typeface="Consolas" pitchFamily="49" charset="0"/>
+                <a:cs typeface="Consolas" pitchFamily="49" charset="0"/>
+              </a:rPr>
+              <a:t>juanplopes</a:t>
+            </a:r>
+            <a:endParaRPr lang="pt-BR" sz="5400" b="1" spc="50" dirty="0" smtClean="0">
+              <a:ln w="13500">
+                <a:solidFill>
+                  <a:schemeClr val="accent1">
+                    <a:shade val="2500"/>
+                    <a:alpha val="6500"/>
+                  </a:schemeClr>
+                </a:solidFill>
+                <a:prstDash val="solid"/>
+              </a:ln>
+              <a:solidFill>
+                <a:schemeClr val="accent1">
+                  <a:tint val="3000"/>
+                  <a:alpha val="95000"/>
+                </a:schemeClr>
+              </a:solidFill>
+              <a:effectLst>
+                <a:innerShdw blurRad="50900" dist="38500" dir="13500000">
+                  <a:srgbClr val="000000">
+                    <a:alpha val="60000"/>
+                  </a:srgbClr>
+                </a:innerShdw>
+              </a:effectLst>
+              <a:latin typeface="Consolas" pitchFamily="49" charset="0"/>
+              <a:cs typeface="Consolas" pitchFamily="49" charset="0"/>
+            </a:endParaRPr>
+          </a:p>
+        </p:txBody>
+      </p:sp>
+    </p:spTree>
+  </p:cSld>
+  <p:clrMapOvr>
+    <a:masterClrMapping/>
+  </p:clrMapOvr>
+  <p:transition>
+    <p:fade/>
+  </p:transition>
+  <p:timing>
+    <p:tnLst>
+      <p:par>
+        <p:cTn id="1" dur="indefinite" restart="never" nodeType="tmRoot"/>
+      </p:par>
+    </p:tnLst>
+  </p:timing>
+</p:sld>
+</file>
+
+<file path=ppt/slides/slide10.xml><?xml version="1.0" encoding="utf-8"?>
+<p:sld xmlns:a="http://schemas.openxmlformats.org/drawingml/2006/main" xmlns:r="http://schemas.openxmlformats.org/officeDocument/2006/relationships" xmlns:p="http://schemas.openxmlformats.org/presentationml/2006/main">
+  <p:cSld>
+    <p:bg>
+      <p:bgPr>
+        <a:solidFill>
+          <a:schemeClr val="tx2">
+            <a:lumMod val="50000"/>
+          </a:schemeClr>
+        </a:solidFill>
+        <a:effectLst/>
+      </p:bgPr>
+    </p:bg>
+    <p:spTree>
+      <p:nvGrpSpPr>
+        <p:cNvPr id="1" name=""/>
+        <p:cNvGrpSpPr/>
+        <p:nvPr/>
+      </p:nvGrpSpPr>
+      <p:grpSpPr>
+        <a:xfrm>
+          <a:off x="0" y="0"/>
+          <a:ext cx="0" cy="0"/>
+          <a:chOff x="0" y="0"/>
+          <a:chExt cx="0" cy="0"/>
+        </a:xfrm>
+      </p:grpSpPr>
+      <p:pic>
+        <p:nvPicPr>
+          <p:cNvPr id="35848" name="Picture 8" descr="landscape-cruise-diagram.jpg (400×283)"/>
+          <p:cNvPicPr>
+            <a:picLocks noChangeAspect="1" noChangeArrowheads="1"/>
+          </p:cNvPicPr>
+          <p:nvPr/>
+        </p:nvPicPr>
+        <p:blipFill>
+          <a:blip r:embed="rId3" cstate="print"/>
+          <a:srcRect/>
+          <a:stretch>
+            <a:fillRect/>
+          </a:stretch>
+        </p:blipFill>
+        <p:spPr bwMode="auto">
+          <a:xfrm>
+            <a:off x="-10767" y="0"/>
+            <a:ext cx="9154767" cy="6858000"/>
+          </a:xfrm>
+          <a:prstGeom prst="rect">
+            <a:avLst/>
+          </a:prstGeom>
+          <a:noFill/>
+        </p:spPr>
+      </p:pic>
+    </p:spTree>
+  </p:cSld>
+  <p:clrMapOvr>
+    <a:masterClrMapping/>
+  </p:clrMapOvr>
+  <p:transition>
+    <p:fade/>
+  </p:transition>
+  <p:timing>
+    <p:tnLst>
+      <p:par>
+        <p:cTn id="1" dur="indefinite" restart="never" nodeType="tmRoot"/>
+      </p:par>
+    </p:tnLst>
+  </p:timing>
+</p:sld>
+</file>
+
+<file path=ppt/slides/slide11.xml><?xml version="1.0" encoding="utf-8"?>
+<p:sld xmlns:a="http://schemas.openxmlformats.org/drawingml/2006/main" xmlns:r="http://schemas.openxmlformats.org/officeDocument/2006/relationships" xmlns:p="http://schemas.openxmlformats.org/presentationml/2006/main">
+  <p:cSld>
+    <p:spTree>
+      <p:nvGrpSpPr>
+        <p:cNvPr id="1" name=""/>
+        <p:cNvGrpSpPr/>
+        <p:nvPr/>
+      </p:nvGrpSpPr>
+      <p:grpSpPr>
+        <a:xfrm>
+          <a:off x="0" y="0"/>
+          <a:ext cx="0" cy="0"/>
+          <a:chOff x="0" y="0"/>
+          <a:chExt cx="0" cy="0"/>
+        </a:xfrm>
+      </p:grpSpPr>
+      <p:sp>
+        <p:nvSpPr>
+          <p:cNvPr id="4" name="Rectangle 3"/>
+          <p:cNvSpPr/>
+          <p:nvPr/>
+        </p:nvSpPr>
+        <p:spPr>
+          <a:xfrm>
+            <a:off x="457200" y="2133600"/>
+            <a:ext cx="8229600" cy="3108543"/>
+          </a:xfrm>
+          <a:prstGeom prst="rect">
+            <a:avLst/>
+          </a:prstGeom>
+        </p:spPr>
+        <p:txBody>
+          <a:bodyPr wrap="square">
+            <a:spAutoFit/>
+          </a:bodyPr>
+          <a:lstStyle/>
+          <a:p>
+            <a:pPr algn="r"/>
+            <a:r>
+              <a:rPr lang="en-US" sz="2800" b="1" dirty="0" smtClean="0">
+                <a:latin typeface="Cambria" pitchFamily="18" charset="0"/>
+              </a:rPr>
+              <a:t>Continuous Integration </a:t>
+            </a:r>
+            <a:r>
+              <a:rPr lang="en-US" sz="2800" dirty="0" smtClean="0">
+                <a:latin typeface="Cambria" pitchFamily="18" charset="0"/>
+              </a:rPr>
+              <a:t>is a software development </a:t>
+            </a:r>
+            <a:r>
+              <a:rPr lang="en-US" sz="2800" b="1" dirty="0" smtClean="0">
+                <a:latin typeface="Cambria" pitchFamily="18" charset="0"/>
+              </a:rPr>
+              <a:t>practice</a:t>
+            </a:r>
+            <a:r>
+              <a:rPr lang="en-US" sz="2800" dirty="0" smtClean="0">
+                <a:latin typeface="Cambria" pitchFamily="18" charset="0"/>
+              </a:rPr>
+              <a:t> where </a:t>
+            </a:r>
+            <a:r>
+              <a:rPr lang="en-US" sz="2800" b="1" dirty="0" smtClean="0">
+                <a:latin typeface="Cambria" pitchFamily="18" charset="0"/>
+              </a:rPr>
+              <a:t>members of a team</a:t>
+            </a:r>
+            <a:r>
+              <a:rPr lang="en-US" sz="2800" dirty="0" smtClean="0">
+                <a:latin typeface="Cambria" pitchFamily="18" charset="0"/>
+              </a:rPr>
+              <a:t> integrate their work frequently, usually each person integrates at least daily - leading to multiple integrations per day. Each integration is verified by an automated build (including test) to </a:t>
+            </a:r>
+            <a:r>
+              <a:rPr lang="en-US" sz="2800" b="1" dirty="0" smtClean="0">
+                <a:latin typeface="Cambria" pitchFamily="18" charset="0"/>
+              </a:rPr>
+              <a:t>detect integration errors as quickly as possible</a:t>
+            </a:r>
+            <a:r>
+              <a:rPr lang="en-US" sz="2800" dirty="0" smtClean="0">
+                <a:latin typeface="Cambria" pitchFamily="18" charset="0"/>
+              </a:rPr>
+              <a:t>.</a:t>
+            </a:r>
+            <a:endParaRPr lang="en-US" sz="2800" dirty="0">
+              <a:latin typeface="Cambria" pitchFamily="18" charset="0"/>
+            </a:endParaRPr>
+          </a:p>
+        </p:txBody>
+      </p:sp>
+      <p:pic>
+        <p:nvPicPr>
+          <p:cNvPr id="40962" name="Picture 2" descr="quotation marks.jpg (214×201)"/>
+          <p:cNvPicPr>
+            <a:picLocks noChangeAspect="1" noChangeArrowheads="1"/>
+          </p:cNvPicPr>
+          <p:nvPr/>
+        </p:nvPicPr>
+        <p:blipFill>
+          <a:blip r:embed="rId3" cstate="print"/>
+          <a:srcRect/>
+          <a:stretch>
+            <a:fillRect/>
+          </a:stretch>
+        </p:blipFill>
+        <p:spPr bwMode="auto">
+          <a:xfrm>
+            <a:off x="228600" y="0"/>
+            <a:ext cx="2038350" cy="1914525"/>
+          </a:xfrm>
+          <a:prstGeom prst="rect">
+            <a:avLst/>
+          </a:prstGeom>
+          <a:noFill/>
+        </p:spPr>
+      </p:pic>
+      <p:sp>
+        <p:nvSpPr>
+          <p:cNvPr id="6" name="Rectangle 5"/>
+          <p:cNvSpPr/>
+          <p:nvPr/>
+        </p:nvSpPr>
+        <p:spPr>
+          <a:xfrm>
+            <a:off x="1676400" y="5791200"/>
+            <a:ext cx="6858000" cy="646331"/>
+          </a:xfrm>
+          <a:prstGeom prst="rect">
+            <a:avLst/>
+          </a:prstGeom>
+        </p:spPr>
+        <p:txBody>
+          <a:bodyPr wrap="square">
+            <a:spAutoFit/>
+          </a:bodyPr>
+          <a:lstStyle/>
+          <a:p>
+            <a:pPr algn="r"/>
+            <a:r>
+              <a:rPr lang="pt-BR" dirty="0" smtClean="0"/>
+              <a:t>Martin </a:t>
+            </a:r>
+            <a:r>
+              <a:rPr lang="pt-BR" dirty="0" err="1" smtClean="0"/>
+              <a:t>Folwer</a:t>
+            </a:r>
+            <a:endParaRPr lang="en-US" dirty="0" smtClean="0"/>
+          </a:p>
+          <a:p>
+            <a:pPr algn="r"/>
+            <a:r>
+              <a:rPr lang="en-US" dirty="0" smtClean="0"/>
+              <a:t>(http://www.martinfowler.com/articles/continuousIntegration.html)</a:t>
+            </a:r>
+            <a:endParaRPr lang="en-US" dirty="0"/>
+          </a:p>
+        </p:txBody>
+      </p:sp>
+    </p:spTree>
+  </p:cSld>
+  <p:clrMapOvr>
+    <a:masterClrMapping/>
+  </p:clrMapOvr>
+  <p:transition>
+    <p:push/>
+  </p:transition>
+  <p:timing>
+    <p:tnLst>
+      <p:par>
+        <p:cTn id="1" dur="indefinite" restart="never" nodeType="tmRoot"/>
+      </p:par>
+    </p:tnLst>
+  </p:timing>
+</p:sld>
+</file>
+
+<file path=ppt/slides/slide12.xml><?xml version="1.0" encoding="utf-8"?>
+<p:sld xmlns:a="http://schemas.openxmlformats.org/drawingml/2006/main" xmlns:r="http://schemas.openxmlformats.org/officeDocument/2006/relationships" xmlns:p="http://schemas.openxmlformats.org/presentationml/2006/main">
+  <p:cSld>
+    <p:bg>
+      <p:bgPr>
+        <a:solidFill>
+          <a:schemeClr val="tx2">
+            <a:lumMod val="50000"/>
+          </a:schemeClr>
+        </a:solidFill>
+        <a:effectLst/>
+      </p:bgPr>
+    </p:bg>
+    <p:spTree>
+      <p:nvGrpSpPr>
+        <p:cNvPr id="1" name=""/>
+        <p:cNvGrpSpPr/>
+        <p:nvPr/>
+      </p:nvGrpSpPr>
+      <p:grpSpPr>
+        <a:xfrm>
+          <a:off x="0" y="0"/>
+          <a:ext cx="0" cy="0"/>
+          <a:chOff x="0" y="0"/>
+          <a:chExt cx="0" cy="0"/>
+        </a:xfrm>
+      </p:grpSpPr>
+      <p:pic>
+        <p:nvPicPr>
+          <p:cNvPr id="1026" name="Picture 2" descr="package1.jpg (1121×750)"/>
+          <p:cNvPicPr>
+            <a:picLocks noChangeAspect="1" noChangeArrowheads="1"/>
+          </p:cNvPicPr>
+          <p:nvPr/>
+        </p:nvPicPr>
+        <p:blipFill>
+          <a:blip r:embed="rId3" cstate="print"/>
+          <a:srcRect/>
+          <a:stretch>
+            <a:fillRect/>
+          </a:stretch>
+        </p:blipFill>
+        <p:spPr bwMode="auto">
+          <a:xfrm>
+            <a:off x="0" y="304800"/>
+            <a:ext cx="9143999" cy="6117751"/>
+          </a:xfrm>
+          <a:prstGeom prst="rect">
+            <a:avLst/>
+          </a:prstGeom>
+          <a:noFill/>
+        </p:spPr>
+      </p:pic>
+      <p:sp>
+        <p:nvSpPr>
+          <p:cNvPr id="6" name="Rectangle 5"/>
+          <p:cNvSpPr/>
+          <p:nvPr/>
+        </p:nvSpPr>
+        <p:spPr>
+          <a:xfrm>
+            <a:off x="2971800" y="5486400"/>
+            <a:ext cx="6019800" cy="707886"/>
+          </a:xfrm>
+          <a:prstGeom prst="rect">
+            <a:avLst/>
+          </a:prstGeom>
+        </p:spPr>
+        <p:txBody>
+          <a:bodyPr wrap="square">
+            <a:spAutoFit/>
+          </a:bodyPr>
+          <a:lstStyle/>
+          <a:p>
+            <a:pPr algn="r"/>
+            <a:r>
+              <a:rPr lang="en-US" sz="4000" dirty="0" err="1" smtClean="0">
+                <a:latin typeface="Cambria" pitchFamily="18" charset="0"/>
+              </a:rPr>
+              <a:t>Unidade</a:t>
+            </a:r>
+            <a:r>
+              <a:rPr lang="en-US" sz="4000" dirty="0" smtClean="0">
+                <a:latin typeface="Cambria" pitchFamily="18" charset="0"/>
+              </a:rPr>
+              <a:t> de </a:t>
+            </a:r>
+            <a:r>
+              <a:rPr lang="en-US" sz="4000" dirty="0" err="1" smtClean="0">
+                <a:latin typeface="Cambria" pitchFamily="18" charset="0"/>
+              </a:rPr>
+              <a:t>Trabalho</a:t>
+            </a:r>
+            <a:endParaRPr lang="en-US" sz="4000" dirty="0">
+              <a:latin typeface="Cambria" pitchFamily="18" charset="0"/>
+            </a:endParaRPr>
+          </a:p>
+        </p:txBody>
+      </p:sp>
+    </p:spTree>
+  </p:cSld>
+  <p:clrMapOvr>
+    <a:masterClrMapping/>
+  </p:clrMapOvr>
+  <p:transition>
+    <p:fade/>
+  </p:transition>
+  <p:timing>
+    <p:tnLst>
+      <p:par>
+        <p:cTn id="1" dur="indefinite" restart="never" nodeType="tmRoot"/>
+      </p:par>
+    </p:tnLst>
+  </p:timing>
+</p:sld>
+</file>
+
+<file path=ppt/slides/slide13.xml><?xml version="1.0" encoding="utf-8"?>
+<p:sld xmlns:a="http://schemas.openxmlformats.org/drawingml/2006/main" xmlns:r="http://schemas.openxmlformats.org/officeDocument/2006/relationships" xmlns:p="http://schemas.openxmlformats.org/presentationml/2006/main">
+  <p:cSld>
+    <p:bg>
+      <p:bgPr>
+        <a:solidFill>
+          <a:schemeClr val="tx2">
+            <a:lumMod val="50000"/>
+          </a:schemeClr>
+        </a:solidFill>
+        <a:effectLst/>
+      </p:bgPr>
+    </p:bg>
+    <p:spTree>
+      <p:nvGrpSpPr>
+        <p:cNvPr id="1" name=""/>
+        <p:cNvGrpSpPr/>
+        <p:nvPr/>
+      </p:nvGrpSpPr>
+      <p:grpSpPr>
+        <a:xfrm>
+          <a:off x="0" y="0"/>
+          <a:ext cx="0" cy="0"/>
+          <a:chOff x="0" y="0"/>
+          <a:chExt cx="0" cy="0"/>
+        </a:xfrm>
+      </p:grpSpPr>
+      <p:pic>
+        <p:nvPicPr>
+          <p:cNvPr id="48130" name="Picture 2" descr="20100515-mainline.jpg (500×333)"/>
+          <p:cNvPicPr>
+            <a:picLocks noChangeAspect="1" noChangeArrowheads="1"/>
+          </p:cNvPicPr>
+          <p:nvPr/>
+        </p:nvPicPr>
+        <p:blipFill>
+          <a:blip r:embed="rId3" cstate="print"/>
+          <a:srcRect/>
+          <a:stretch>
+            <a:fillRect/>
+          </a:stretch>
+        </p:blipFill>
+        <p:spPr bwMode="auto">
+          <a:xfrm>
+            <a:off x="-9150" y="381000"/>
+            <a:ext cx="9153150" cy="6096000"/>
+          </a:xfrm>
+          <a:prstGeom prst="rect">
+            <a:avLst/>
+          </a:prstGeom>
+          <a:noFill/>
+        </p:spPr>
+      </p:pic>
+      <p:sp>
+        <p:nvSpPr>
+          <p:cNvPr id="4" name="Rectangle 3"/>
+          <p:cNvSpPr/>
+          <p:nvPr/>
+        </p:nvSpPr>
+        <p:spPr>
+          <a:xfrm>
+            <a:off x="228600" y="533400"/>
+            <a:ext cx="6019800" cy="707886"/>
+          </a:xfrm>
+          <a:prstGeom prst="rect">
+            <a:avLst/>
+          </a:prstGeom>
+        </p:spPr>
+        <p:txBody>
+          <a:bodyPr wrap="square">
+            <a:spAutoFit/>
+          </a:bodyPr>
+          <a:lstStyle/>
+          <a:p>
+            <a:r>
+              <a:rPr lang="en-US" sz="4000" dirty="0" smtClean="0">
+                <a:latin typeface="Cambria" pitchFamily="18" charset="0"/>
+              </a:rPr>
+              <a:t>Mainline</a:t>
+            </a:r>
+            <a:endParaRPr lang="en-US" sz="4000" dirty="0">
+              <a:latin typeface="Cambria" pitchFamily="18" charset="0"/>
+            </a:endParaRPr>
+          </a:p>
+        </p:txBody>
+      </p:sp>
+    </p:spTree>
+  </p:cSld>
+  <p:clrMapOvr>
+    <a:masterClrMapping/>
+  </p:clrMapOvr>
+  <p:transition>
+    <p:fade/>
+  </p:transition>
+  <p:timing>
+    <p:tnLst>
+      <p:par>
+        <p:cTn id="1" dur="indefinite" restart="never" nodeType="tmRoot"/>
+      </p:par>
+    </p:tnLst>
+  </p:timing>
+</p:sld>
+</file>
+
+<file path=ppt/slides/slide14.xml><?xml version="1.0" encoding="utf-8"?>
+<p:sld xmlns:a="http://schemas.openxmlformats.org/drawingml/2006/main" xmlns:r="http://schemas.openxmlformats.org/officeDocument/2006/relationships" xmlns:p="http://schemas.openxmlformats.org/presentationml/2006/main">
+  <p:cSld>
+    <p:bg>
+      <p:bgPr>
+        <a:solidFill>
+          <a:schemeClr val="tx1"/>
+        </a:solidFill>
+        <a:effectLst/>
+      </p:bgPr>
+    </p:bg>
+    <p:spTree>
+      <p:nvGrpSpPr>
+        <p:cNvPr id="1" name=""/>
+        <p:cNvGrpSpPr/>
+        <p:nvPr/>
+      </p:nvGrpSpPr>
+      <p:grpSpPr>
+        <a:xfrm>
+          <a:off x="0" y="0"/>
+          <a:ext cx="0" cy="0"/>
+          <a:chOff x="0" y="0"/>
+          <a:chExt cx="0" cy="0"/>
+        </a:xfrm>
+      </p:grpSpPr>
+      <p:pic>
+        <p:nvPicPr>
+          <p:cNvPr id="50178" name="Picture 2" descr="heisenberg-lg.jpg (285×346)"/>
+          <p:cNvPicPr>
+            <a:picLocks noChangeAspect="1" noChangeArrowheads="1"/>
+          </p:cNvPicPr>
+          <p:nvPr/>
+        </p:nvPicPr>
+        <p:blipFill>
+          <a:blip r:embed="rId3" cstate="print"/>
+          <a:srcRect/>
+          <a:stretch>
+            <a:fillRect/>
+          </a:stretch>
+        </p:blipFill>
+        <p:spPr bwMode="auto">
+          <a:xfrm>
+            <a:off x="2895600" y="533400"/>
+            <a:ext cx="3657600" cy="4440456"/>
+          </a:xfrm>
+          <a:prstGeom prst="rect">
+            <a:avLst/>
+          </a:prstGeom>
+          <a:noFill/>
+          <a:ln>
+            <a:solidFill>
+              <a:schemeClr val="bg1"/>
+            </a:solidFill>
+          </a:ln>
+        </p:spPr>
+      </p:pic>
+      <p:sp>
+        <p:nvSpPr>
+          <p:cNvPr id="6" name="Rectangle 5"/>
+          <p:cNvSpPr/>
+          <p:nvPr/>
+        </p:nvSpPr>
+        <p:spPr>
+          <a:xfrm>
+            <a:off x="0" y="5334000"/>
+            <a:ext cx="9144000" cy="830997"/>
+          </a:xfrm>
+          <a:prstGeom prst="rect">
+            <a:avLst/>
+          </a:prstGeom>
+        </p:spPr>
+        <p:txBody>
+          <a:bodyPr wrap="square">
+            <a:spAutoFit/>
+          </a:bodyPr>
+          <a:lstStyle/>
+          <a:p>
+            <a:pPr algn="ctr"/>
+            <a:r>
+              <a:rPr lang="en-US" sz="4800" dirty="0" smtClean="0">
+                <a:solidFill>
+                  <a:schemeClr val="bg1"/>
+                </a:solidFill>
+                <a:latin typeface="Cambria" pitchFamily="18" charset="0"/>
+              </a:rPr>
+              <a:t>Werner Heisenberg </a:t>
+            </a:r>
+            <a:endParaRPr lang="en-US" sz="4800" dirty="0">
+              <a:solidFill>
+                <a:schemeClr val="bg1"/>
+              </a:solidFill>
+              <a:latin typeface="Cambria" pitchFamily="18" charset="0"/>
+            </a:endParaRPr>
+          </a:p>
+        </p:txBody>
+      </p:sp>
+    </p:spTree>
+  </p:cSld>
+  <p:clrMapOvr>
+    <a:masterClrMapping/>
+  </p:clrMapOvr>
+  <p:transition>
+    <p:fade/>
+  </p:transition>
+  <p:timing>
+    <p:tnLst>
+      <p:par>
+        <p:cTn id="1" dur="indefinite" restart="never" nodeType="tmRoot"/>
+      </p:par>
+    </p:tnLst>
+  </p:timing>
+</p:sld>
+</file>
+
+<file path=ppt/slides/slide15.xml><?xml version="1.0" encoding="utf-8"?>
+<p:sld xmlns:a="http://schemas.openxmlformats.org/drawingml/2006/main" xmlns:r="http://schemas.openxmlformats.org/officeDocument/2006/relationships" xmlns:p="http://schemas.openxmlformats.org/presentationml/2006/main">
+  <p:cSld>
+    <p:bg>
+      <p:bgPr>
+        <a:solidFill>
+          <a:schemeClr val="accent1">
+            <a:lumMod val="60000"/>
+            <a:lumOff val="40000"/>
+          </a:schemeClr>
+        </a:solidFill>
+        <a:effectLst/>
+      </p:bgPr>
+    </p:bg>
+    <p:spTree>
+      <p:nvGrpSpPr>
+        <p:cNvPr id="1" name=""/>
+        <p:cNvGrpSpPr/>
+        <p:nvPr/>
+      </p:nvGrpSpPr>
+      <p:grpSpPr>
+        <a:xfrm>
+          <a:off x="0" y="0"/>
+          <a:ext cx="0" cy="0"/>
+          <a:chOff x="0" y="0"/>
+          <a:chExt cx="0" cy="0"/>
+        </a:xfrm>
+      </p:grpSpPr>
+      <p:pic>
+        <p:nvPicPr>
+          <p:cNvPr id="53252" name="Picture 4" descr="US_Atomic_Energy_Commission_logo.jpg (692×548)"/>
+          <p:cNvPicPr>
+            <a:picLocks noChangeAspect="1" noChangeArrowheads="1"/>
+          </p:cNvPicPr>
+          <p:nvPr/>
+        </p:nvPicPr>
+        <p:blipFill>
+          <a:blip r:embed="rId3" cstate="print"/>
+          <a:srcRect/>
+          <a:stretch>
+            <a:fillRect/>
+          </a:stretch>
+        </p:blipFill>
+        <p:spPr bwMode="auto">
+          <a:xfrm>
+            <a:off x="228600" y="0"/>
+            <a:ext cx="8660102" cy="6858000"/>
+          </a:xfrm>
+          <a:prstGeom prst="rect">
+            <a:avLst/>
+          </a:prstGeom>
+          <a:noFill/>
+        </p:spPr>
+      </p:pic>
+    </p:spTree>
+  </p:cSld>
+  <p:clrMapOvr>
+    <a:masterClrMapping/>
+  </p:clrMapOvr>
+  <p:transition>
+    <p:fade/>
+  </p:transition>
+  <p:timing>
+    <p:tnLst>
+      <p:par>
+        <p:cTn id="1" dur="indefinite" restart="never" nodeType="tmRoot"/>
+      </p:par>
+    </p:tnLst>
+  </p:timing>
+</p:sld>
+</file>
+
+<file path=ppt/slides/slide16.xml><?xml version="1.0" encoding="utf-8"?>
+<p:sld xmlns:a="http://schemas.openxmlformats.org/drawingml/2006/main" xmlns:r="http://schemas.openxmlformats.org/officeDocument/2006/relationships" xmlns:p="http://schemas.openxmlformats.org/presentationml/2006/main">
+  <p:cSld>
+    <p:bg>
+      <p:bgPr>
+        <a:solidFill>
+          <a:schemeClr val="tx1"/>
+        </a:solidFill>
+        <a:effectLst/>
+      </p:bgPr>
+    </p:bg>
+    <p:spTree>
+      <p:nvGrpSpPr>
+        <p:cNvPr id="1" name=""/>
+        <p:cNvGrpSpPr/>
+        <p:nvPr/>
+      </p:nvGrpSpPr>
+      <p:grpSpPr>
+        <a:xfrm>
+          <a:off x="0" y="0"/>
+          <a:ext cx="0" cy="0"/>
+          <a:chOff x="0" y="0"/>
+          <a:chExt cx="0" cy="0"/>
+        </a:xfrm>
+      </p:grpSpPr>
+      <p:pic>
+        <p:nvPicPr>
+          <p:cNvPr id="54274" name="Picture 2" descr="lock.jpg (347×261)"/>
+          <p:cNvPicPr>
+            <a:picLocks noChangeAspect="1" noChangeArrowheads="1"/>
+          </p:cNvPicPr>
+          <p:nvPr/>
+        </p:nvPicPr>
+        <p:blipFill>
+          <a:blip r:embed="rId3" cstate="print"/>
+          <a:srcRect/>
+          <a:stretch>
+            <a:fillRect/>
+          </a:stretch>
+        </p:blipFill>
+        <p:spPr bwMode="auto">
+          <a:xfrm>
+            <a:off x="0" y="0"/>
+            <a:ext cx="9144000" cy="6877766"/>
+          </a:xfrm>
+          <a:prstGeom prst="rect">
+            <a:avLst/>
+          </a:prstGeom>
+          <a:noFill/>
+          <a:ln>
+            <a:solidFill>
+              <a:schemeClr val="bg1"/>
+            </a:solidFill>
+          </a:ln>
+        </p:spPr>
+      </p:pic>
+    </p:spTree>
+  </p:cSld>
+  <p:clrMapOvr>
+    <a:masterClrMapping/>
+  </p:clrMapOvr>
+  <p:transition>
+    <p:fade/>
+  </p:transition>
+  <p:timing>
+    <p:tnLst>
+      <p:par>
+        <p:cTn id="1" dur="indefinite" restart="never" nodeType="tmRoot"/>
+      </p:par>
+    </p:tnLst>
+  </p:timing>
+</p:sld>
+</file>
+
+<file path=ppt/slides/slide17.xml><?xml version="1.0" encoding="utf-8"?>
+<p:sld xmlns:a="http://schemas.openxmlformats.org/drawingml/2006/main" xmlns:r="http://schemas.openxmlformats.org/officeDocument/2006/relationships" xmlns:p="http://schemas.openxmlformats.org/presentationml/2006/main">
+  <p:cSld>
+    <p:spTree>
+      <p:nvGrpSpPr>
+        <p:cNvPr id="1" name=""/>
+        <p:cNvGrpSpPr/>
+        <p:nvPr/>
+      </p:nvGrpSpPr>
+      <p:grpSpPr>
+        <a:xfrm>
+          <a:off x="0" y="0"/>
+          <a:ext cx="0" cy="0"/>
+          <a:chOff x="0" y="0"/>
+          <a:chExt cx="0" cy="0"/>
+        </a:xfrm>
+      </p:grpSpPr>
+      <p:pic>
+        <p:nvPicPr>
+          <p:cNvPr id="59394" name="Picture 2" descr="octocat.png (480×480)"/>
+          <p:cNvPicPr>
+            <a:picLocks noChangeAspect="1" noChangeArrowheads="1"/>
+          </p:cNvPicPr>
+          <p:nvPr/>
+        </p:nvPicPr>
+        <p:blipFill>
+          <a:blip r:embed="rId3" cstate="print"/>
+          <a:srcRect/>
+          <a:stretch>
+            <a:fillRect/>
+          </a:stretch>
+        </p:blipFill>
+        <p:spPr bwMode="auto">
+          <a:xfrm>
+            <a:off x="2209800" y="990600"/>
+            <a:ext cx="4572000" cy="4572000"/>
+          </a:xfrm>
+          <a:prstGeom prst="rect">
+            <a:avLst/>
+          </a:prstGeom>
+          <a:noFill/>
+        </p:spPr>
+      </p:pic>
+    </p:spTree>
+  </p:cSld>
+  <p:clrMapOvr>
+    <a:masterClrMapping/>
+  </p:clrMapOvr>
+  <p:transition>
+    <p:fade/>
+  </p:transition>
+  <p:timing>
+    <p:tnLst>
+      <p:par>
+        <p:cTn id="1" dur="indefinite" restart="never" nodeType="tmRoot"/>
+      </p:par>
+    </p:tnLst>
+  </p:timing>
+</p:sld>
+</file>
+
+<file path=ppt/slides/slide18.xml><?xml version="1.0" encoding="utf-8"?>
+<p:sld xmlns:a="http://schemas.openxmlformats.org/drawingml/2006/main" xmlns:r="http://schemas.openxmlformats.org/officeDocument/2006/relationships" xmlns:p="http://schemas.openxmlformats.org/presentationml/2006/main">
+  <p:cSld>
+    <p:spTree>
+      <p:nvGrpSpPr>
+        <p:cNvPr id="1" name=""/>
+        <p:cNvGrpSpPr/>
+        <p:nvPr/>
+      </p:nvGrpSpPr>
+      <p:grpSpPr>
+        <a:xfrm>
+          <a:off x="0" y="0"/>
+          <a:ext cx="0" cy="0"/>
+          <a:chOff x="0" y="0"/>
+          <a:chExt cx="0" cy="0"/>
+        </a:xfrm>
+      </p:grpSpPr>
+      <p:pic>
+        <p:nvPicPr>
+          <p:cNvPr id="64516" name="Picture 4" descr="russell-up.jpg (500×360)"/>
+          <p:cNvPicPr>
+            <a:picLocks noChangeAspect="1" noChangeArrowheads="1"/>
+          </p:cNvPicPr>
+          <p:nvPr/>
+        </p:nvPicPr>
+        <p:blipFill>
+          <a:blip r:embed="rId3" cstate="print"/>
+          <a:srcRect/>
+          <a:stretch>
+            <a:fillRect/>
+          </a:stretch>
+        </p:blipFill>
+        <p:spPr bwMode="auto">
+          <a:xfrm>
+            <a:off x="0" y="381000"/>
+            <a:ext cx="8995831" cy="6477000"/>
+          </a:xfrm>
+          <a:prstGeom prst="rect">
+            <a:avLst/>
+          </a:prstGeom>
+          <a:noFill/>
+        </p:spPr>
+      </p:pic>
+    </p:spTree>
+  </p:cSld>
+  <p:clrMapOvr>
+    <a:masterClrMapping/>
+  </p:clrMapOvr>
+  <p:transition>
+    <p:zoom/>
+  </p:transition>
+  <p:timing>
+    <p:tnLst>
+      <p:par>
+        <p:cTn id="1" dur="indefinite" restart="never" nodeType="tmRoot"/>
+      </p:par>
+    </p:tnLst>
+  </p:timing>
+</p:sld>
+</file>
+
+<file path=ppt/slides/slide19.xml><?xml version="1.0" encoding="utf-8"?>
+<p:sld xmlns:a="http://schemas.openxmlformats.org/drawingml/2006/main" xmlns:r="http://schemas.openxmlformats.org/officeDocument/2006/relationships" xmlns:p="http://schemas.openxmlformats.org/presentationml/2006/main">
+  <p:cSld>
+    <p:spTree>
+      <p:nvGrpSpPr>
+        <p:cNvPr id="1" name=""/>
+        <p:cNvGrpSpPr/>
+        <p:nvPr/>
+      </p:nvGrpSpPr>
+      <p:grpSpPr>
+        <a:xfrm>
+          <a:off x="0" y="0"/>
+          <a:ext cx="0" cy="0"/>
+          <a:chOff x="0" y="0"/>
+          <a:chExt cx="0" cy="0"/>
+        </a:xfrm>
+      </p:grpSpPr>
+      <p:sp>
+        <p:nvSpPr>
+          <p:cNvPr id="2" name="Title 1"/>
+          <p:cNvSpPr>
+            <a:spLocks noGrp="1"/>
+          </p:cNvSpPr>
+          <p:nvPr>
+            <p:ph type="title"/>
+          </p:nvPr>
+        </p:nvSpPr>
+        <p:spPr/>
+        <p:txBody>
+          <a:bodyPr/>
+          <a:lstStyle/>
+          <a:p>
+            <a:r>
+              <a:rPr lang="pt-BR" dirty="0" err="1" smtClean="0"/>
+              <a:t>Automated</a:t>
+            </a:r>
+            <a:r>
+              <a:rPr lang="pt-BR" dirty="0" smtClean="0"/>
+              <a:t> Build</a:t>
+            </a:r>
+            <a:endParaRPr lang="en-US" dirty="0"/>
+          </a:p>
+        </p:txBody>
+      </p:sp>
+      <p:sp>
+        <p:nvSpPr>
+          <p:cNvPr id="3" name="Content Placeholder 2"/>
+          <p:cNvSpPr>
+            <a:spLocks noGrp="1"/>
+          </p:cNvSpPr>
+          <p:nvPr>
+            <p:ph idx="1"/>
+          </p:nvPr>
+        </p:nvSpPr>
+        <p:spPr/>
+        <p:txBody>
+          <a:bodyPr/>
+          <a:lstStyle/>
+          <a:p>
+            <a:endParaRPr lang="en-US"/>
+          </a:p>
+        </p:txBody>
+      </p:sp>
+    </p:spTree>
+  </p:cSld>
+  <p:clrMapOvr>
+    <a:masterClrMapping/>
+  </p:clrMapOvr>
+  <p:timing>
+    <p:tnLst>
+      <p:par>
+        <p:cTn id="1" dur="indefinite" restart="never" nodeType="tmRoot"/>
+      </p:par>
+    </p:tnLst>
+  </p:timing>
+</p:sld>
+</file>
+
+<file path=ppt/slides/slide2.xml><?xml version="1.0" encoding="utf-8"?>
+<p:sld xmlns:a="http://schemas.openxmlformats.org/drawingml/2006/main" xmlns:r="http://schemas.openxmlformats.org/officeDocument/2006/relationships" xmlns:p="http://schemas.openxmlformats.org/presentationml/2006/main">
+  <p:cSld>
+    <p:bg>
+      <p:bgPr>
+        <a:solidFill>
+          <a:srgbClr val="C00000"/>
+        </a:solidFill>
+        <a:effectLst/>
+      </p:bgPr>
+    </p:bg>
     <p:spTree>
       <p:nvGrpSpPr>
         <p:cNvPr id="1" name=""/>
@@ -4277,6 +6653,9 @@
   <p:clrMapOvr>
     <a:masterClrMapping/>
   </p:clrMapOvr>
+  <p:transition>
+    <p:push dir="u"/>
+  </p:transition>
   <p:timing>
     <p:tnLst>
       <p:par>
@@ -4287,19 +6666,9 @@
 </p:sld>
 </file>
 
-<file path=ppt/slides/slide10.xml><?xml version="1.0" encoding="utf-8"?>
+<file path=ppt/slides/slide20.xml><?xml version="1.0" encoding="utf-8"?>
 <p:sld xmlns:a="http://schemas.openxmlformats.org/drawingml/2006/main" xmlns:r="http://schemas.openxmlformats.org/officeDocument/2006/relationships" xmlns:p="http://schemas.openxmlformats.org/presentationml/2006/main">
   <p:cSld>
-    <p:bg>
-      <p:bgPr>
-        <a:solidFill>
-          <a:schemeClr val="tx2">
-            <a:lumMod val="50000"/>
-          </a:schemeClr>
-        </a:solidFill>
-        <a:effectLst/>
-      </p:bgPr>
-    </p:bg>
     <p:spTree>
       <p:nvGrpSpPr>
         <p:cNvPr id="1" name=""/>
@@ -4316,54 +6685,43 @@
       </p:grpSpPr>
       <p:sp>
         <p:nvSpPr>
-          <p:cNvPr id="3" name="TextBox 2"/>
-          <p:cNvSpPr txBox="1"/>
-          <p:nvPr/>
-        </p:nvSpPr>
-        <p:spPr>
-          <a:xfrm>
-            <a:off x="0" y="2438400"/>
-            <a:ext cx="9144000" cy="1446550"/>
-          </a:xfrm>
-          <a:prstGeom prst="rect">
-            <a:avLst/>
-          </a:prstGeom>
-          <a:noFill/>
-        </p:spPr>
-        <p:txBody>
-          <a:bodyPr wrap="square" rtlCol="0">
-            <a:spAutoFit/>
-          </a:bodyPr>
-          <a:lstStyle/>
-          <a:p>
-            <a:pPr algn="ctr"/>
-            <a:r>
-              <a:rPr lang="pt-BR" sz="8800" dirty="0" err="1" smtClean="0">
-                <a:solidFill>
-                  <a:schemeClr val="bg1"/>
-                </a:solidFill>
-                <a:latin typeface="+mj-lt"/>
-                <a:cs typeface="Consolas" pitchFamily="49" charset="0"/>
-              </a:rPr>
-              <a:t>Ta-da</a:t>
-            </a:r>
-            <a:r>
-              <a:rPr lang="pt-BR" sz="8800" dirty="0" smtClean="0">
-                <a:solidFill>
-                  <a:schemeClr val="bg1"/>
-                </a:solidFill>
-                <a:latin typeface="+mj-lt"/>
-                <a:cs typeface="Consolas" pitchFamily="49" charset="0"/>
-              </a:rPr>
-              <a:t>!</a:t>
-            </a:r>
-            <a:endParaRPr lang="en-US" sz="8800" dirty="0">
-              <a:solidFill>
-                <a:schemeClr val="bg1"/>
-              </a:solidFill>
-              <a:latin typeface="+mj-lt"/>
-              <a:cs typeface="Consolas" pitchFamily="49" charset="0"/>
-            </a:endParaRPr>
+          <p:cNvPr id="2" name="Title 1"/>
+          <p:cNvSpPr>
+            <a:spLocks noGrp="1"/>
+          </p:cNvSpPr>
+          <p:nvPr>
+            <p:ph type="title"/>
+          </p:nvPr>
+        </p:nvSpPr>
+        <p:spPr/>
+        <p:txBody>
+          <a:bodyPr/>
+          <a:lstStyle/>
+          <a:p>
+            <a:r>
+              <a:rPr lang="pt-BR" dirty="0" smtClean="0"/>
+              <a:t>TEST!!!</a:t>
+            </a:r>
+            <a:endParaRPr lang="en-US" dirty="0"/>
+          </a:p>
+        </p:txBody>
+      </p:sp>
+      <p:sp>
+        <p:nvSpPr>
+          <p:cNvPr id="3" name="Content Placeholder 2"/>
+          <p:cNvSpPr>
+            <a:spLocks noGrp="1"/>
+          </p:cNvSpPr>
+          <p:nvPr>
+            <p:ph idx="1"/>
+          </p:nvPr>
+        </p:nvSpPr>
+        <p:spPr/>
+        <p:txBody>
+          <a:bodyPr/>
+          <a:lstStyle/>
+          <a:p>
+            <a:endParaRPr lang="en-US"/>
           </a:p>
         </p:txBody>
       </p:sp>
@@ -4382,7 +6740,155 @@
 </p:sld>
 </file>
 
-<file path=ppt/slides/slide11.xml><?xml version="1.0" encoding="utf-8"?>
+<file path=ppt/slides/slide21.xml><?xml version="1.0" encoding="utf-8"?>
+<p:sld xmlns:a="http://schemas.openxmlformats.org/drawingml/2006/main" xmlns:r="http://schemas.openxmlformats.org/officeDocument/2006/relationships" xmlns:p="http://schemas.openxmlformats.org/presentationml/2006/main">
+  <p:cSld>
+    <p:spTree>
+      <p:nvGrpSpPr>
+        <p:cNvPr id="1" name=""/>
+        <p:cNvGrpSpPr/>
+        <p:nvPr/>
+      </p:nvGrpSpPr>
+      <p:grpSpPr>
+        <a:xfrm>
+          <a:off x="0" y="0"/>
+          <a:ext cx="0" cy="0"/>
+          <a:chOff x="0" y="0"/>
+          <a:chExt cx="0" cy="0"/>
+        </a:xfrm>
+      </p:grpSpPr>
+      <p:sp>
+        <p:nvSpPr>
+          <p:cNvPr id="2" name="Title 1"/>
+          <p:cNvSpPr>
+            <a:spLocks noGrp="1"/>
+          </p:cNvSpPr>
+          <p:nvPr>
+            <p:ph type="title"/>
+          </p:nvPr>
+        </p:nvSpPr>
+        <p:spPr/>
+        <p:txBody>
+          <a:bodyPr/>
+          <a:lstStyle/>
+          <a:p>
+            <a:r>
+              <a:rPr lang="pt-BR" dirty="0" err="1" smtClean="0"/>
+              <a:t>Sandboxing</a:t>
+            </a:r>
+            <a:endParaRPr lang="en-US" dirty="0"/>
+          </a:p>
+        </p:txBody>
+      </p:sp>
+      <p:sp>
+        <p:nvSpPr>
+          <p:cNvPr id="3" name="Content Placeholder 2"/>
+          <p:cNvSpPr>
+            <a:spLocks noGrp="1"/>
+          </p:cNvSpPr>
+          <p:nvPr>
+            <p:ph idx="1"/>
+          </p:nvPr>
+        </p:nvSpPr>
+        <p:spPr/>
+        <p:txBody>
+          <a:bodyPr/>
+          <a:lstStyle/>
+          <a:p>
+            <a:endParaRPr lang="en-US"/>
+          </a:p>
+        </p:txBody>
+      </p:sp>
+    </p:spTree>
+  </p:cSld>
+  <p:clrMapOvr>
+    <a:masterClrMapping/>
+  </p:clrMapOvr>
+  <p:timing>
+    <p:tnLst>
+      <p:par>
+        <p:cTn id="1" dur="indefinite" restart="never" nodeType="tmRoot"/>
+      </p:par>
+    </p:tnLst>
+  </p:timing>
+</p:sld>
+</file>
+
+<file path=ppt/slides/slide22.xml><?xml version="1.0" encoding="utf-8"?>
+<p:sld xmlns:a="http://schemas.openxmlformats.org/drawingml/2006/main" xmlns:r="http://schemas.openxmlformats.org/officeDocument/2006/relationships" xmlns:p="http://schemas.openxmlformats.org/presentationml/2006/main">
+  <p:cSld>
+    <p:spTree>
+      <p:nvGrpSpPr>
+        <p:cNvPr id="1" name=""/>
+        <p:cNvGrpSpPr/>
+        <p:nvPr/>
+      </p:nvGrpSpPr>
+      <p:grpSpPr>
+        <a:xfrm>
+          <a:off x="0" y="0"/>
+          <a:ext cx="0" cy="0"/>
+          <a:chOff x="0" y="0"/>
+          <a:chExt cx="0" cy="0"/>
+        </a:xfrm>
+      </p:grpSpPr>
+      <p:sp>
+        <p:nvSpPr>
+          <p:cNvPr id="2" name="Title 1"/>
+          <p:cNvSpPr>
+            <a:spLocks noGrp="1"/>
+          </p:cNvSpPr>
+          <p:nvPr>
+            <p:ph type="title"/>
+          </p:nvPr>
+        </p:nvSpPr>
+        <p:spPr/>
+        <p:txBody>
+          <a:bodyPr/>
+          <a:lstStyle/>
+          <a:p>
+            <a:r>
+              <a:rPr lang="pt-BR" dirty="0" smtClean="0"/>
+              <a:t>Database management</a:t>
+            </a:r>
+            <a:endParaRPr lang="en-US" dirty="0"/>
+          </a:p>
+        </p:txBody>
+      </p:sp>
+      <p:sp>
+        <p:nvSpPr>
+          <p:cNvPr id="3" name="Content Placeholder 2"/>
+          <p:cNvSpPr>
+            <a:spLocks noGrp="1"/>
+          </p:cNvSpPr>
+          <p:nvPr>
+            <p:ph idx="1"/>
+          </p:nvPr>
+        </p:nvSpPr>
+        <p:spPr/>
+        <p:txBody>
+          <a:bodyPr/>
+          <a:lstStyle/>
+          <a:p>
+            <a:endParaRPr lang="en-US"/>
+          </a:p>
+        </p:txBody>
+      </p:sp>
+    </p:spTree>
+  </p:cSld>
+  <p:clrMapOvr>
+    <a:masterClrMapping/>
+  </p:clrMapOvr>
+  <p:timing>
+    <p:tnLst>
+      <p:par>
+        <p:cTn id="1" dur="indefinite" restart="never" nodeType="tmRoot"/>
+      </p:par>
+    </p:tnLst>
+  </p:timing>
+</p:sld>
+</file>
+
+<file path=ppt/slides/slide23.xml><?xml version="1.0" encoding="utf-8"?>
 <p:sld xmlns:a="http://schemas.openxmlformats.org/drawingml/2006/main" xmlns:r="http://schemas.openxmlformats.org/officeDocument/2006/relationships" xmlns:p="http://schemas.openxmlformats.org/presentationml/2006/main">
   <p:cSld>
     <p:spTree>
@@ -4401,7 +6907,7 @@
       </p:grpSpPr>
       <p:pic>
         <p:nvPicPr>
-          <p:cNvPr id="32772" name="Picture 4" descr="Step-one-have-too-many-tools-for-your-existing-st.jpg (560×420)"/>
+          <p:cNvPr id="3074" name="Picture 2" descr="background.jpg (1280×960)"/>
           <p:cNvPicPr>
             <a:picLocks noChangeAspect="1" noChangeArrowheads="1"/>
           </p:cNvPicPr>
@@ -4430,6 +6936,9 @@
   <p:clrMapOvr>
     <a:masterClrMapping/>
   </p:clrMapOvr>
+  <p:transition>
+    <p:fade/>
+  </p:transition>
   <p:timing>
     <p:tnLst>
       <p:par>
@@ -4440,16 +6949,971 @@
 </p:sld>
 </file>
 
-<file path=ppt/slides/slide12.xml><?xml version="1.0" encoding="utf-8"?>
+<file path=ppt/slides/slide24.xml><?xml version="1.0" encoding="utf-8"?>
+<p:sld xmlns:a="http://schemas.openxmlformats.org/drawingml/2006/main" xmlns:r="http://schemas.openxmlformats.org/officeDocument/2006/relationships" xmlns:p="http://schemas.openxmlformats.org/presentationml/2006/main">
+  <p:cSld>
+    <p:spTree>
+      <p:nvGrpSpPr>
+        <p:cNvPr id="1" name=""/>
+        <p:cNvGrpSpPr/>
+        <p:nvPr/>
+      </p:nvGrpSpPr>
+      <p:grpSpPr>
+        <a:xfrm>
+          <a:off x="0" y="0"/>
+          <a:ext cx="0" cy="0"/>
+          <a:chOff x="0" y="0"/>
+          <a:chExt cx="0" cy="0"/>
+        </a:xfrm>
+      </p:grpSpPr>
+      <p:pic>
+        <p:nvPicPr>
+          <p:cNvPr id="3074" name="Picture 2" descr="background.jpg (1280×960)"/>
+          <p:cNvPicPr>
+            <a:picLocks noChangeAspect="1" noChangeArrowheads="1"/>
+          </p:cNvPicPr>
+          <p:nvPr/>
+        </p:nvPicPr>
+        <p:blipFill>
+          <a:blip r:embed="rId2" cstate="print"/>
+          <a:srcRect/>
+          <a:stretch>
+            <a:fillRect/>
+          </a:stretch>
+        </p:blipFill>
+        <p:spPr bwMode="auto">
+          <a:xfrm>
+            <a:off x="0" y="0"/>
+            <a:ext cx="9143998" cy="6858000"/>
+          </a:xfrm>
+          <a:prstGeom prst="rect">
+            <a:avLst/>
+          </a:prstGeom>
+          <a:noFill/>
+        </p:spPr>
+      </p:pic>
+      <p:sp>
+        <p:nvSpPr>
+          <p:cNvPr id="3" name="Rectangle 2"/>
+          <p:cNvSpPr/>
+          <p:nvPr/>
+        </p:nvSpPr>
+        <p:spPr>
+          <a:xfrm>
+            <a:off x="0" y="2057400"/>
+            <a:ext cx="9144000" cy="3539430"/>
+          </a:xfrm>
+          <a:prstGeom prst="rect">
+            <a:avLst/>
+          </a:prstGeom>
+        </p:spPr>
+        <p:txBody>
+          <a:bodyPr wrap="square">
+            <a:spAutoFit/>
+          </a:bodyPr>
+          <a:lstStyle/>
+          <a:p>
+            <a:pPr algn="ctr"/>
+            <a:r>
+              <a:rPr lang="pt-BR" sz="3200" dirty="0" smtClean="0">
+                <a:latin typeface="Cambria" pitchFamily="18" charset="0"/>
+              </a:rPr>
+              <a:t>(...)</a:t>
+            </a:r>
+            <a:endParaRPr lang="en-US" sz="3200" dirty="0" smtClean="0">
+              <a:latin typeface="Cambria" pitchFamily="18" charset="0"/>
+            </a:endParaRPr>
+          </a:p>
+          <a:p>
+            <a:pPr algn="ctr"/>
+            <a:endParaRPr lang="en-US" sz="3200" dirty="0" smtClean="0">
+              <a:latin typeface="Cambria" pitchFamily="18" charset="0"/>
+            </a:endParaRPr>
+          </a:p>
+          <a:p>
+            <a:pPr algn="ctr"/>
+            <a:r>
+              <a:rPr lang="en-US" sz="3200" dirty="0" smtClean="0">
+                <a:latin typeface="Cambria" pitchFamily="18" charset="0"/>
+              </a:rPr>
+              <a:t>Deliver working software frequently, from a</a:t>
+            </a:r>
+          </a:p>
+          <a:p>
+            <a:pPr algn="ctr"/>
+            <a:r>
+              <a:rPr lang="en-US" sz="3200" dirty="0" smtClean="0">
+                <a:latin typeface="Cambria" pitchFamily="18" charset="0"/>
+              </a:rPr>
+              <a:t>couple of weeks to a couple of months, with a </a:t>
+            </a:r>
+          </a:p>
+          <a:p>
+            <a:pPr algn="ctr"/>
+            <a:r>
+              <a:rPr lang="en-US" sz="3200" dirty="0" smtClean="0">
+                <a:latin typeface="Cambria" pitchFamily="18" charset="0"/>
+              </a:rPr>
+              <a:t>preference to the shorter timescale.</a:t>
+            </a:r>
+          </a:p>
+          <a:p>
+            <a:pPr algn="ctr"/>
+            <a:endParaRPr lang="pt-BR" sz="3200" dirty="0" smtClean="0">
+              <a:latin typeface="Cambria" pitchFamily="18" charset="0"/>
+            </a:endParaRPr>
+          </a:p>
+          <a:p>
+            <a:pPr algn="ctr"/>
+            <a:r>
+              <a:rPr lang="pt-BR" sz="3200" dirty="0" smtClean="0">
+                <a:latin typeface="Cambria" pitchFamily="18" charset="0"/>
+              </a:rPr>
+              <a:t>(...)</a:t>
+            </a:r>
+            <a:endParaRPr lang="en-US" sz="3200" dirty="0">
+              <a:latin typeface="Cambria" pitchFamily="18" charset="0"/>
+            </a:endParaRPr>
+          </a:p>
+        </p:txBody>
+      </p:sp>
+      <p:sp>
+        <p:nvSpPr>
+          <p:cNvPr id="4" name="Rectangle 3"/>
+          <p:cNvSpPr/>
+          <p:nvPr/>
+        </p:nvSpPr>
+        <p:spPr>
+          <a:xfrm>
+            <a:off x="0" y="762000"/>
+            <a:ext cx="9144000" cy="523220"/>
+          </a:xfrm>
+          <a:prstGeom prst="rect">
+            <a:avLst/>
+          </a:prstGeom>
+        </p:spPr>
+        <p:txBody>
+          <a:bodyPr wrap="square">
+            <a:spAutoFit/>
+          </a:bodyPr>
+          <a:lstStyle/>
+          <a:p>
+            <a:pPr algn="ctr"/>
+            <a:r>
+              <a:rPr lang="en-US" sz="2800" b="1" dirty="0" smtClean="0">
+                <a:latin typeface="Cambria" pitchFamily="18" charset="0"/>
+              </a:rPr>
+              <a:t>Principles behind the Agile Manifesto</a:t>
+            </a:r>
+            <a:endParaRPr lang="en-US" sz="2800" b="1" dirty="0">
+              <a:latin typeface="Cambria" pitchFamily="18" charset="0"/>
+            </a:endParaRPr>
+          </a:p>
+        </p:txBody>
+      </p:sp>
+    </p:spTree>
+  </p:cSld>
+  <p:clrMapOvr>
+    <a:masterClrMapping/>
+  </p:clrMapOvr>
+  <p:transition>
+    <p:fade/>
+  </p:transition>
+  <p:timing>
+    <p:tnLst>
+      <p:par>
+        <p:cTn id="1" dur="indefinite" restart="never" nodeType="tmRoot"/>
+      </p:par>
+    </p:tnLst>
+  </p:timing>
+</p:sld>
+</file>
+
+<file path=ppt/slides/slide25.xml><?xml version="1.0" encoding="utf-8"?>
+<p:sld xmlns:a="http://schemas.openxmlformats.org/drawingml/2006/main" xmlns:r="http://schemas.openxmlformats.org/officeDocument/2006/relationships" xmlns:p="http://schemas.openxmlformats.org/presentationml/2006/main">
+  <p:cSld>
+    <p:spTree>
+      <p:nvGrpSpPr>
+        <p:cNvPr id="1" name=""/>
+        <p:cNvGrpSpPr/>
+        <p:nvPr/>
+      </p:nvGrpSpPr>
+      <p:grpSpPr>
+        <a:xfrm>
+          <a:off x="0" y="0"/>
+          <a:ext cx="0" cy="0"/>
+          <a:chOff x="0" y="0"/>
+          <a:chExt cx="0" cy="0"/>
+        </a:xfrm>
+      </p:grpSpPr>
+      <p:pic>
+        <p:nvPicPr>
+          <p:cNvPr id="3074" name="Picture 2" descr="background.jpg (1280×960)"/>
+          <p:cNvPicPr>
+            <a:picLocks noChangeAspect="1" noChangeArrowheads="1"/>
+          </p:cNvPicPr>
+          <p:nvPr/>
+        </p:nvPicPr>
+        <p:blipFill>
+          <a:blip r:embed="rId2" cstate="print"/>
+          <a:srcRect/>
+          <a:stretch>
+            <a:fillRect/>
+          </a:stretch>
+        </p:blipFill>
+        <p:spPr bwMode="auto">
+          <a:xfrm>
+            <a:off x="0" y="0"/>
+            <a:ext cx="9143998" cy="6858000"/>
+          </a:xfrm>
+          <a:prstGeom prst="rect">
+            <a:avLst/>
+          </a:prstGeom>
+          <a:noFill/>
+        </p:spPr>
+      </p:pic>
+      <p:sp>
+        <p:nvSpPr>
+          <p:cNvPr id="3" name="Rectangle 2"/>
+          <p:cNvSpPr/>
+          <p:nvPr/>
+        </p:nvSpPr>
+        <p:spPr>
+          <a:xfrm>
+            <a:off x="3795409" y="3511686"/>
+            <a:ext cx="3276600" cy="584775"/>
+          </a:xfrm>
+          <a:prstGeom prst="rect">
+            <a:avLst/>
+          </a:prstGeom>
+        </p:spPr>
+        <p:txBody>
+          <a:bodyPr wrap="square">
+            <a:spAutoFit/>
+          </a:bodyPr>
+          <a:lstStyle/>
+          <a:p>
+            <a:pPr algn="ctr"/>
+            <a:r>
+              <a:rPr lang="en-US" sz="3200" dirty="0" smtClean="0">
+                <a:latin typeface="Cambria" pitchFamily="18" charset="0"/>
+              </a:rPr>
+              <a:t>couple of days</a:t>
+            </a:r>
+            <a:endParaRPr lang="en-US" sz="3200" dirty="0">
+              <a:latin typeface="Cambria" pitchFamily="18" charset="0"/>
+            </a:endParaRPr>
+          </a:p>
+        </p:txBody>
+      </p:sp>
+    </p:spTree>
+  </p:cSld>
+  <p:clrMapOvr>
+    <a:masterClrMapping/>
+  </p:clrMapOvr>
+  <p:transition>
+    <p:fade/>
+  </p:transition>
+  <p:timing>
+    <p:tnLst>
+      <p:par>
+        <p:cTn id="1" dur="indefinite" restart="never" nodeType="tmRoot"/>
+      </p:par>
+    </p:tnLst>
+  </p:timing>
+</p:sld>
+</file>
+
+<file path=ppt/slides/slide26.xml><?xml version="1.0" encoding="utf-8"?>
+<p:sld xmlns:a="http://schemas.openxmlformats.org/drawingml/2006/main" xmlns:r="http://schemas.openxmlformats.org/officeDocument/2006/relationships" xmlns:p="http://schemas.openxmlformats.org/presentationml/2006/main">
+  <p:cSld>
+    <p:spTree>
+      <p:nvGrpSpPr>
+        <p:cNvPr id="1" name=""/>
+        <p:cNvGrpSpPr/>
+        <p:nvPr/>
+      </p:nvGrpSpPr>
+      <p:grpSpPr>
+        <a:xfrm>
+          <a:off x="0" y="0"/>
+          <a:ext cx="0" cy="0"/>
+          <a:chOff x="0" y="0"/>
+          <a:chExt cx="0" cy="0"/>
+        </a:xfrm>
+      </p:grpSpPr>
+      <p:pic>
+        <p:nvPicPr>
+          <p:cNvPr id="3074" name="Picture 2" descr="background.jpg (1280×960)"/>
+          <p:cNvPicPr>
+            <a:picLocks noChangeAspect="1" noChangeArrowheads="1"/>
+          </p:cNvPicPr>
+          <p:nvPr/>
+        </p:nvPicPr>
+        <p:blipFill>
+          <a:blip r:embed="rId2" cstate="print"/>
+          <a:srcRect/>
+          <a:stretch>
+            <a:fillRect/>
+          </a:stretch>
+        </p:blipFill>
+        <p:spPr bwMode="auto">
+          <a:xfrm>
+            <a:off x="0" y="0"/>
+            <a:ext cx="9143998" cy="6858000"/>
+          </a:xfrm>
+          <a:prstGeom prst="rect">
+            <a:avLst/>
+          </a:prstGeom>
+          <a:noFill/>
+        </p:spPr>
+      </p:pic>
+      <p:sp>
+        <p:nvSpPr>
+          <p:cNvPr id="3" name="Rectangle 2"/>
+          <p:cNvSpPr/>
+          <p:nvPr/>
+        </p:nvSpPr>
+        <p:spPr>
+          <a:xfrm>
+            <a:off x="2743200" y="3276600"/>
+            <a:ext cx="5562600" cy="1015663"/>
+          </a:xfrm>
+          <a:prstGeom prst="rect">
+            <a:avLst/>
+          </a:prstGeom>
+        </p:spPr>
+        <p:txBody>
+          <a:bodyPr wrap="square">
+            <a:spAutoFit/>
+          </a:bodyPr>
+          <a:lstStyle/>
+          <a:p>
+            <a:pPr algn="ctr"/>
+            <a:r>
+              <a:rPr lang="en-US" sz="6000" dirty="0" smtClean="0">
+                <a:latin typeface="Cambria" pitchFamily="18" charset="0"/>
+              </a:rPr>
+              <a:t>couple of </a:t>
+            </a:r>
+            <a:r>
+              <a:rPr lang="en-US" sz="6000" dirty="0" smtClean="0">
+                <a:latin typeface="Cambria" pitchFamily="18" charset="0"/>
+              </a:rPr>
+              <a:t>hours!</a:t>
+            </a:r>
+            <a:endParaRPr lang="en-US" sz="6000" dirty="0">
+              <a:latin typeface="Cambria" pitchFamily="18" charset="0"/>
+            </a:endParaRPr>
+          </a:p>
+        </p:txBody>
+      </p:sp>
+    </p:spTree>
+  </p:cSld>
+  <p:clrMapOvr>
+    <a:masterClrMapping/>
+  </p:clrMapOvr>
+  <p:transition>
+    <p:fade/>
+  </p:transition>
+  <p:timing>
+    <p:tnLst>
+      <p:par>
+        <p:cTn id="1" dur="indefinite" restart="never" nodeType="tmRoot"/>
+      </p:par>
+    </p:tnLst>
+  </p:timing>
+</p:sld>
+</file>
+
+<file path=ppt/slides/slide27.xml><?xml version="1.0" encoding="utf-8"?>
+<p:sld xmlns:a="http://schemas.openxmlformats.org/drawingml/2006/main" xmlns:r="http://schemas.openxmlformats.org/officeDocument/2006/relationships" xmlns:p="http://schemas.openxmlformats.org/presentationml/2006/main">
+  <p:cSld>
+    <p:spTree>
+      <p:nvGrpSpPr>
+        <p:cNvPr id="1" name=""/>
+        <p:cNvGrpSpPr/>
+        <p:nvPr/>
+      </p:nvGrpSpPr>
+      <p:grpSpPr>
+        <a:xfrm>
+          <a:off x="0" y="0"/>
+          <a:ext cx="0" cy="0"/>
+          <a:chOff x="0" y="0"/>
+          <a:chExt cx="0" cy="0"/>
+        </a:xfrm>
+      </p:grpSpPr>
+      <p:sp>
+        <p:nvSpPr>
+          <p:cNvPr id="2" name="Title 1"/>
+          <p:cNvSpPr>
+            <a:spLocks noGrp="1"/>
+          </p:cNvSpPr>
+          <p:nvPr>
+            <p:ph type="title"/>
+          </p:nvPr>
+        </p:nvSpPr>
+        <p:spPr/>
+        <p:txBody>
+          <a:bodyPr/>
+          <a:lstStyle/>
+          <a:p>
+            <a:endParaRPr lang="en-US"/>
+          </a:p>
+        </p:txBody>
+      </p:sp>
+      <p:sp>
+        <p:nvSpPr>
+          <p:cNvPr id="3" name="Content Placeholder 2"/>
+          <p:cNvSpPr>
+            <a:spLocks noGrp="1"/>
+          </p:cNvSpPr>
+          <p:nvPr>
+            <p:ph idx="1"/>
+          </p:nvPr>
+        </p:nvSpPr>
+        <p:spPr/>
+        <p:txBody>
+          <a:bodyPr/>
+          <a:lstStyle/>
+          <a:p>
+            <a:endParaRPr lang="en-US"/>
+          </a:p>
+        </p:txBody>
+      </p:sp>
+    </p:spTree>
+  </p:cSld>
+  <p:clrMapOvr>
+    <a:masterClrMapping/>
+  </p:clrMapOvr>
+  <p:transition>
+    <p:fade/>
+  </p:transition>
+  <p:timing>
+    <p:tnLst>
+      <p:par>
+        <p:cTn id="1" dur="indefinite" restart="never" nodeType="tmRoot"/>
+      </p:par>
+    </p:tnLst>
+  </p:timing>
+</p:sld>
+</file>
+
+<file path=ppt/slides/slide3.xml><?xml version="1.0" encoding="utf-8"?>
 <p:sld xmlns:a="http://schemas.openxmlformats.org/drawingml/2006/main" xmlns:r="http://schemas.openxmlformats.org/officeDocument/2006/relationships" xmlns:p="http://schemas.openxmlformats.org/presentationml/2006/main">
   <p:cSld>
     <p:bg>
       <p:bgPr>
         <a:solidFill>
-          <a:schemeClr val="tx2">
-            <a:lumMod val="50000"/>
-          </a:schemeClr>
+          <a:srgbClr val="C00000"/>
         </a:solidFill>
+        <a:effectLst/>
+      </p:bgPr>
+    </p:bg>
+    <p:spTree>
+      <p:nvGrpSpPr>
+        <p:cNvPr id="1" name=""/>
+        <p:cNvGrpSpPr/>
+        <p:nvPr/>
+      </p:nvGrpSpPr>
+      <p:grpSpPr>
+        <a:xfrm>
+          <a:off x="0" y="0"/>
+          <a:ext cx="0" cy="0"/>
+          <a:chOff x="0" y="0"/>
+          <a:chExt cx="0" cy="0"/>
+        </a:xfrm>
+      </p:grpSpPr>
+      <p:pic>
+        <p:nvPicPr>
+          <p:cNvPr id="2052" name="Picture 4" descr="11954229571856793418warning_naught101_01.svg.med.png (300×300)"/>
+          <p:cNvPicPr>
+            <a:picLocks noChangeAspect="1" noChangeArrowheads="1"/>
+          </p:cNvPicPr>
+          <p:nvPr/>
+        </p:nvPicPr>
+        <p:blipFill>
+          <a:blip r:embed="rId3" cstate="print"/>
+          <a:srcRect/>
+          <a:stretch>
+            <a:fillRect/>
+          </a:stretch>
+        </p:blipFill>
+        <p:spPr bwMode="auto">
+          <a:xfrm>
+            <a:off x="2647950" y="1504950"/>
+            <a:ext cx="3848100" cy="3848100"/>
+          </a:xfrm>
+          <a:prstGeom prst="rect">
+            <a:avLst/>
+          </a:prstGeom>
+          <a:noFill/>
+        </p:spPr>
+      </p:pic>
+    </p:spTree>
+  </p:cSld>
+  <p:clrMapOvr>
+    <a:masterClrMapping/>
+  </p:clrMapOvr>
+  <p:transition>
+    <p:push dir="d"/>
+  </p:transition>
+  <p:timing>
+    <p:tnLst>
+      <p:par>
+        <p:cTn id="1" dur="indefinite" restart="never" nodeType="tmRoot"/>
+      </p:par>
+    </p:tnLst>
+  </p:timing>
+</p:sld>
+</file>
+
+<file path=ppt/slides/slide4.xml><?xml version="1.0" encoding="utf-8"?>
+<p:sld xmlns:a="http://schemas.openxmlformats.org/drawingml/2006/main" xmlns:r="http://schemas.openxmlformats.org/officeDocument/2006/relationships" xmlns:p="http://schemas.openxmlformats.org/presentationml/2006/main">
+  <p:cSld>
+    <p:spTree>
+      <p:nvGrpSpPr>
+        <p:cNvPr id="1" name=""/>
+        <p:cNvGrpSpPr/>
+        <p:nvPr/>
+      </p:nvGrpSpPr>
+      <p:grpSpPr>
+        <a:xfrm>
+          <a:off x="0" y="0"/>
+          <a:ext cx="0" cy="0"/>
+          <a:chOff x="0" y="0"/>
+          <a:chExt cx="0" cy="0"/>
+        </a:xfrm>
+      </p:grpSpPr>
+      <p:pic>
+        <p:nvPicPr>
+          <p:cNvPr id="4" name="Picture 3" descr="10.jpg"/>
+          <p:cNvPicPr>
+            <a:picLocks noChangeAspect="1"/>
+          </p:cNvPicPr>
+          <p:nvPr/>
+        </p:nvPicPr>
+        <p:blipFill>
+          <a:blip r:embed="rId3" cstate="print"/>
+          <a:stretch>
+            <a:fillRect/>
+          </a:stretch>
+        </p:blipFill>
+        <p:spPr>
+          <a:xfrm>
+            <a:off x="0" y="0"/>
+            <a:ext cx="9144000" cy="6858000"/>
+          </a:xfrm>
+          <a:prstGeom prst="rect">
+            <a:avLst/>
+          </a:prstGeom>
+        </p:spPr>
+      </p:pic>
+    </p:spTree>
+  </p:cSld>
+  <p:clrMapOvr>
+    <a:masterClrMapping/>
+  </p:clrMapOvr>
+  <p:transition>
+    <p:fade/>
+  </p:transition>
+  <p:timing>
+    <p:tnLst>
+      <p:par>
+        <p:cTn id="1" dur="indefinite" restart="never" nodeType="tmRoot"/>
+      </p:par>
+    </p:tnLst>
+  </p:timing>
+</p:sld>
+</file>
+
+<file path=ppt/slides/slide5.xml><?xml version="1.0" encoding="utf-8"?>
+<p:sld xmlns:a="http://schemas.openxmlformats.org/drawingml/2006/main" xmlns:r="http://schemas.openxmlformats.org/officeDocument/2006/relationships" xmlns:p="http://schemas.openxmlformats.org/presentationml/2006/main">
+  <p:cSld>
+    <p:bg>
+      <p:bgPr>
+        <a:gradFill>
+          <a:gsLst>
+            <a:gs pos="0">
+              <a:schemeClr val="tx2">
+                <a:lumMod val="20000"/>
+                <a:lumOff val="80000"/>
+              </a:schemeClr>
+            </a:gs>
+            <a:gs pos="100000">
+              <a:schemeClr val="tx2">
+                <a:lumMod val="60000"/>
+                <a:lumOff val="40000"/>
+              </a:schemeClr>
+            </a:gs>
+          </a:gsLst>
+          <a:lin ang="5400000" scaled="0"/>
+        </a:gradFill>
+        <a:effectLst/>
+      </p:bgPr>
+    </p:bg>
+    <p:spTree>
+      <p:nvGrpSpPr>
+        <p:cNvPr id="1" name=""/>
+        <p:cNvGrpSpPr/>
+        <p:nvPr/>
+      </p:nvGrpSpPr>
+      <p:grpSpPr>
+        <a:xfrm>
+          <a:off x="0" y="0"/>
+          <a:ext cx="0" cy="0"/>
+          <a:chOff x="0" y="0"/>
+          <a:chExt cx="0" cy="0"/>
+        </a:xfrm>
+      </p:grpSpPr>
+      <p:pic>
+        <p:nvPicPr>
+          <p:cNvPr id="1026" name="Picture 2"/>
+          <p:cNvPicPr>
+            <a:picLocks noChangeAspect="1" noChangeArrowheads="1"/>
+          </p:cNvPicPr>
+          <p:nvPr/>
+        </p:nvPicPr>
+        <p:blipFill>
+          <a:blip r:embed="rId2" cstate="print"/>
+          <a:srcRect/>
+          <a:stretch>
+            <a:fillRect/>
+          </a:stretch>
+        </p:blipFill>
+        <p:spPr bwMode="auto">
+          <a:xfrm>
+            <a:off x="0" y="457200"/>
+            <a:ext cx="9143999" cy="5140989"/>
+          </a:xfrm>
+          <a:prstGeom prst="rect">
+            <a:avLst/>
+          </a:prstGeom>
+          <a:noFill/>
+          <a:ln w="9525">
+            <a:noFill/>
+            <a:miter lim="800000"/>
+            <a:headEnd/>
+            <a:tailEnd/>
+          </a:ln>
+        </p:spPr>
+      </p:pic>
+    </p:spTree>
+  </p:cSld>
+  <p:clrMapOvr>
+    <a:masterClrMapping/>
+  </p:clrMapOvr>
+  <p:transition>
+    <p:fade/>
+  </p:transition>
+  <p:timing>
+    <p:tnLst>
+      <p:par>
+        <p:cTn id="1" dur="indefinite" restart="never" nodeType="tmRoot"/>
+      </p:par>
+    </p:tnLst>
+  </p:timing>
+</p:sld>
+</file>
+
+<file path=ppt/slides/slide6.xml><?xml version="1.0" encoding="utf-8"?>
+<p:sld xmlns:a="http://schemas.openxmlformats.org/drawingml/2006/main" xmlns:r="http://schemas.openxmlformats.org/officeDocument/2006/relationships" xmlns:p="http://schemas.openxmlformats.org/presentationml/2006/main">
+  <p:cSld>
+    <p:bg>
+      <p:bgPr>
+        <a:gradFill>
+          <a:gsLst>
+            <a:gs pos="0">
+              <a:schemeClr val="tx2">
+                <a:lumMod val="60000"/>
+                <a:lumOff val="40000"/>
+              </a:schemeClr>
+            </a:gs>
+            <a:gs pos="100000">
+              <a:schemeClr val="accent1">
+                <a:lumMod val="75000"/>
+              </a:schemeClr>
+            </a:gs>
+          </a:gsLst>
+          <a:lin ang="5400000" scaled="0"/>
+        </a:gradFill>
+        <a:effectLst/>
+      </p:bgPr>
+    </p:bg>
+    <p:spTree>
+      <p:nvGrpSpPr>
+        <p:cNvPr id="1" name=""/>
+        <p:cNvGrpSpPr/>
+        <p:nvPr/>
+      </p:nvGrpSpPr>
+      <p:grpSpPr>
+        <a:xfrm>
+          <a:off x="0" y="0"/>
+          <a:ext cx="0" cy="0"/>
+          <a:chOff x="0" y="0"/>
+          <a:chExt cx="0" cy="0"/>
+        </a:xfrm>
+      </p:grpSpPr>
+      <p:pic>
+        <p:nvPicPr>
+          <p:cNvPr id="3074" name="Picture 2"/>
+          <p:cNvPicPr>
+            <a:picLocks noChangeAspect="1" noChangeArrowheads="1"/>
+          </p:cNvPicPr>
+          <p:nvPr/>
+        </p:nvPicPr>
+        <p:blipFill>
+          <a:blip r:embed="rId2" cstate="print"/>
+          <a:srcRect/>
+          <a:stretch>
+            <a:fillRect/>
+          </a:stretch>
+        </p:blipFill>
+        <p:spPr bwMode="auto">
+          <a:xfrm>
+            <a:off x="2128838" y="1528763"/>
+            <a:ext cx="4886325" cy="3800475"/>
+          </a:xfrm>
+          <a:prstGeom prst="rect">
+            <a:avLst/>
+          </a:prstGeom>
+          <a:noFill/>
+          <a:ln w="9525">
+            <a:noFill/>
+            <a:miter lim="800000"/>
+            <a:headEnd/>
+            <a:tailEnd/>
+          </a:ln>
+        </p:spPr>
+      </p:pic>
+    </p:spTree>
+  </p:cSld>
+  <p:clrMapOvr>
+    <a:masterClrMapping/>
+  </p:clrMapOvr>
+  <p:transition>
+    <p:push dir="u"/>
+  </p:transition>
+  <p:timing>
+    <p:tnLst>
+      <p:par>
+        <p:cTn id="1" dur="indefinite" restart="never" nodeType="tmRoot"/>
+      </p:par>
+    </p:tnLst>
+  </p:timing>
+</p:sld>
+</file>
+
+<file path=ppt/slides/slide7.xml><?xml version="1.0" encoding="utf-8"?>
+<p:sld xmlns:a="http://schemas.openxmlformats.org/drawingml/2006/main" xmlns:r="http://schemas.openxmlformats.org/officeDocument/2006/relationships" xmlns:p="http://schemas.openxmlformats.org/presentationml/2006/main">
+  <p:cSld>
+    <p:bg>
+      <p:bgPr>
+        <a:gradFill>
+          <a:gsLst>
+            <a:gs pos="0">
+              <a:schemeClr val="accent1">
+                <a:lumMod val="75000"/>
+              </a:schemeClr>
+            </a:gs>
+            <a:gs pos="100000">
+              <a:schemeClr val="tx2">
+                <a:lumMod val="50000"/>
+              </a:schemeClr>
+            </a:gs>
+          </a:gsLst>
+          <a:lin ang="5400000" scaled="0"/>
+        </a:gradFill>
+        <a:effectLst/>
+      </p:bgPr>
+    </p:bg>
+    <p:spTree>
+      <p:nvGrpSpPr>
+        <p:cNvPr id="1" name=""/>
+        <p:cNvGrpSpPr/>
+        <p:nvPr/>
+      </p:nvGrpSpPr>
+      <p:grpSpPr>
+        <a:xfrm>
+          <a:off x="0" y="0"/>
+          <a:ext cx="0" cy="0"/>
+          <a:chOff x="0" y="0"/>
+          <a:chExt cx="0" cy="0"/>
+        </a:xfrm>
+      </p:grpSpPr>
+      <p:pic>
+        <p:nvPicPr>
+          <p:cNvPr id="4" name="Picture 4" descr="ccnet_logo.gif (235×54)"/>
+          <p:cNvPicPr>
+            <a:picLocks noChangeAspect="1" noChangeArrowheads="1"/>
+          </p:cNvPicPr>
+          <p:nvPr/>
+        </p:nvPicPr>
+        <p:blipFill>
+          <a:blip r:embed="rId3" cstate="print"/>
+          <a:srcRect/>
+          <a:stretch>
+            <a:fillRect/>
+          </a:stretch>
+        </p:blipFill>
+        <p:spPr bwMode="auto">
+          <a:xfrm>
+            <a:off x="2514600" y="3200400"/>
+            <a:ext cx="3979326" cy="914400"/>
+          </a:xfrm>
+          <a:prstGeom prst="rect">
+            <a:avLst/>
+          </a:prstGeom>
+          <a:noFill/>
+        </p:spPr>
+      </p:pic>
+      <p:sp>
+        <p:nvSpPr>
+          <p:cNvPr id="5" name="TextBox 4"/>
+          <p:cNvSpPr txBox="1"/>
+          <p:nvPr/>
+        </p:nvSpPr>
+        <p:spPr>
+          <a:xfrm>
+            <a:off x="0" y="1752600"/>
+            <a:ext cx="9144000" cy="1323439"/>
+          </a:xfrm>
+          <a:prstGeom prst="rect">
+            <a:avLst/>
+          </a:prstGeom>
+          <a:noFill/>
+        </p:spPr>
+        <p:txBody>
+          <a:bodyPr wrap="square" rtlCol="0">
+            <a:spAutoFit/>
+          </a:bodyPr>
+          <a:lstStyle/>
+          <a:p>
+            <a:pPr algn="ctr"/>
+            <a:r>
+              <a:rPr lang="pt-BR" sz="8000" dirty="0" smtClean="0">
+                <a:solidFill>
+                  <a:schemeClr val="bg1"/>
+                </a:solidFill>
+                <a:cs typeface="Consolas" pitchFamily="49" charset="0"/>
+              </a:rPr>
+              <a:t>Não é sobre</a:t>
+            </a:r>
+            <a:endParaRPr lang="en-US" sz="8000" dirty="0">
+              <a:solidFill>
+                <a:schemeClr val="bg1"/>
+              </a:solidFill>
+              <a:cs typeface="Consolas" pitchFamily="49" charset="0"/>
+            </a:endParaRPr>
+          </a:p>
+        </p:txBody>
+      </p:sp>
+    </p:spTree>
+  </p:cSld>
+  <p:clrMapOvr>
+    <a:masterClrMapping/>
+  </p:clrMapOvr>
+  <p:transition>
+    <p:push dir="u"/>
+  </p:transition>
+  <p:timing>
+    <p:tnLst>
+      <p:par>
+        <p:cTn id="1" dur="indefinite" restart="never" nodeType="tmRoot"/>
+      </p:par>
+    </p:tnLst>
+  </p:timing>
+</p:sld>
+</file>
+
+<file path=ppt/slides/slide8.xml><?xml version="1.0" encoding="utf-8"?>
+<p:sld xmlns:a="http://schemas.openxmlformats.org/drawingml/2006/main" xmlns:r="http://schemas.openxmlformats.org/officeDocument/2006/relationships" xmlns:p="http://schemas.openxmlformats.org/presentationml/2006/main">
+  <p:cSld>
+    <p:bg>
+      <p:bgPr>
+        <a:solidFill>
+          <a:schemeClr val="tx1"/>
+        </a:solidFill>
+        <a:effectLst/>
+      </p:bgPr>
+    </p:bg>
+    <p:spTree>
+      <p:nvGrpSpPr>
+        <p:cNvPr id="1" name=""/>
+        <p:cNvGrpSpPr/>
+        <p:nvPr/>
+      </p:nvGrpSpPr>
+      <p:grpSpPr>
+        <a:xfrm>
+          <a:off x="0" y="0"/>
+          <a:ext cx="0" cy="0"/>
+          <a:chOff x="0" y="0"/>
+          <a:chExt cx="0" cy="0"/>
+        </a:xfrm>
+      </p:grpSpPr>
+      <p:pic>
+        <p:nvPicPr>
+          <p:cNvPr id="15362" name="Picture 2" descr="workbench1.jpg (620×413)"/>
+          <p:cNvPicPr>
+            <a:picLocks noChangeAspect="1" noChangeArrowheads="1"/>
+          </p:cNvPicPr>
+          <p:nvPr/>
+        </p:nvPicPr>
+        <p:blipFill>
+          <a:blip r:embed="rId3" cstate="print"/>
+          <a:srcRect/>
+          <a:stretch>
+            <a:fillRect/>
+          </a:stretch>
+        </p:blipFill>
+        <p:spPr bwMode="auto">
+          <a:xfrm>
+            <a:off x="-7378" y="304800"/>
+            <a:ext cx="9151378" cy="6096000"/>
+          </a:xfrm>
+          <a:prstGeom prst="rect">
+            <a:avLst/>
+          </a:prstGeom>
+          <a:noFill/>
+        </p:spPr>
+      </p:pic>
+    </p:spTree>
+  </p:cSld>
+  <p:clrMapOvr>
+    <a:masterClrMapping/>
+  </p:clrMapOvr>
+  <p:transition>
+    <p:fade/>
+  </p:transition>
+  <p:timing>
+    <p:tnLst>
+      <p:par>
+        <p:cTn id="1" dur="indefinite" restart="never" nodeType="tmRoot"/>
+      </p:par>
+    </p:tnLst>
+  </p:timing>
+</p:sld>
+</file>
+
+<file path=ppt/slides/slide9.xml><?xml version="1.0" encoding="utf-8"?>
+<p:sld xmlns:a="http://schemas.openxmlformats.org/drawingml/2006/main" xmlns:r="http://schemas.openxmlformats.org/officeDocument/2006/relationships" xmlns:p="http://schemas.openxmlformats.org/presentationml/2006/main">
+  <p:cSld>
+    <p:bg>
+      <p:bgPr>
+        <a:gradFill>
+          <a:gsLst>
+            <a:gs pos="0">
+              <a:schemeClr val="tx2">
+                <a:lumMod val="50000"/>
+              </a:schemeClr>
+            </a:gs>
+            <a:gs pos="100000">
+              <a:schemeClr val="accent1">
+                <a:lumMod val="75000"/>
+              </a:schemeClr>
+            </a:gs>
+          </a:gsLst>
+          <a:lin ang="5400000" scaled="0"/>
+        </a:gradFill>
         <a:effectLst/>
       </p:bgPr>
     </p:bg>
@@ -4576,1359 +8040,13 @@
   <p:clrMapOvr>
     <a:masterClrMapping/>
   </p:clrMapOvr>
+  <p:transition>
+    <p:fade/>
+  </p:transition>
   <p:timing>
     <p:tnLst>
       <p:par>
         <p:cTn id="1" dur="indefinite" restart="never" nodeType="tmRoot"/>
-      </p:par>
-    </p:tnLst>
-  </p:timing>
-</p:sld>
-</file>
-
-<file path=ppt/slides/slide13.xml><?xml version="1.0" encoding="utf-8"?>
-<p:sld xmlns:a="http://schemas.openxmlformats.org/drawingml/2006/main" xmlns:r="http://schemas.openxmlformats.org/officeDocument/2006/relationships" xmlns:p="http://schemas.openxmlformats.org/presentationml/2006/main">
-  <p:cSld>
-    <p:bg>
-      <p:bgPr>
-        <a:solidFill>
-          <a:schemeClr val="tx2">
-            <a:lumMod val="50000"/>
-          </a:schemeClr>
-        </a:solidFill>
-        <a:effectLst/>
-      </p:bgPr>
-    </p:bg>
-    <p:spTree>
-      <p:nvGrpSpPr>
-        <p:cNvPr id="1" name=""/>
-        <p:cNvGrpSpPr/>
-        <p:nvPr/>
-      </p:nvGrpSpPr>
-      <p:grpSpPr>
-        <a:xfrm>
-          <a:off x="0" y="0"/>
-          <a:ext cx="0" cy="0"/>
-          <a:chOff x="0" y="0"/>
-          <a:chExt cx="0" cy="0"/>
-        </a:xfrm>
-      </p:grpSpPr>
-      <p:pic>
-        <p:nvPicPr>
-          <p:cNvPr id="35848" name="Picture 8" descr="landscape-cruise-diagram.jpg (400×283)"/>
-          <p:cNvPicPr>
-            <a:picLocks noChangeAspect="1" noChangeArrowheads="1"/>
-          </p:cNvPicPr>
-          <p:nvPr/>
-        </p:nvPicPr>
-        <p:blipFill>
-          <a:blip r:embed="rId3" cstate="print"/>
-          <a:srcRect/>
-          <a:stretch>
-            <a:fillRect/>
-          </a:stretch>
-        </p:blipFill>
-        <p:spPr bwMode="auto">
-          <a:xfrm>
-            <a:off x="228600" y="304800"/>
-            <a:ext cx="8723954" cy="6172200"/>
-          </a:xfrm>
-          <a:prstGeom prst="rect">
-            <a:avLst/>
-          </a:prstGeom>
-          <a:noFill/>
-        </p:spPr>
-      </p:pic>
-    </p:spTree>
-  </p:cSld>
-  <p:clrMapOvr>
-    <a:masterClrMapping/>
-  </p:clrMapOvr>
-  <p:timing>
-    <p:tnLst>
-      <p:par>
-        <p:cTn id="1" dur="indefinite" restart="never" nodeType="tmRoot"/>
-      </p:par>
-    </p:tnLst>
-  </p:timing>
-</p:sld>
-</file>
-
-<file path=ppt/slides/slide14.xml><?xml version="1.0" encoding="utf-8"?>
-<p:sld xmlns:a="http://schemas.openxmlformats.org/drawingml/2006/main" xmlns:r="http://schemas.openxmlformats.org/officeDocument/2006/relationships" xmlns:p="http://schemas.openxmlformats.org/presentationml/2006/main">
-  <p:cSld>
-    <p:bg>
-      <p:bgPr>
-        <a:solidFill>
-          <a:schemeClr val="tx2">
-            <a:lumMod val="50000"/>
-          </a:schemeClr>
-        </a:solidFill>
-        <a:effectLst/>
-      </p:bgPr>
-    </p:bg>
-    <p:spTree>
-      <p:nvGrpSpPr>
-        <p:cNvPr id="1" name=""/>
-        <p:cNvGrpSpPr/>
-        <p:nvPr/>
-      </p:nvGrpSpPr>
-      <p:grpSpPr>
-        <a:xfrm>
-          <a:off x="0" y="0"/>
-          <a:ext cx="0" cy="0"/>
-          <a:chOff x="0" y="0"/>
-          <a:chExt cx="0" cy="0"/>
-        </a:xfrm>
-      </p:grpSpPr>
-      <p:pic>
-        <p:nvPicPr>
-          <p:cNvPr id="4" name="Picture 4" descr="ccnet_logo.gif (235×54)"/>
-          <p:cNvPicPr>
-            <a:picLocks noChangeAspect="1" noChangeArrowheads="1"/>
-          </p:cNvPicPr>
-          <p:nvPr/>
-        </p:nvPicPr>
-        <p:blipFill>
-          <a:blip r:embed="rId2" cstate="print"/>
-          <a:srcRect/>
-          <a:stretch>
-            <a:fillRect/>
-          </a:stretch>
-        </p:blipFill>
-        <p:spPr bwMode="auto">
-          <a:xfrm>
-            <a:off x="2514600" y="3200400"/>
-            <a:ext cx="3979326" cy="914400"/>
-          </a:xfrm>
-          <a:prstGeom prst="rect">
-            <a:avLst/>
-          </a:prstGeom>
-          <a:noFill/>
-        </p:spPr>
-      </p:pic>
-      <p:sp>
-        <p:nvSpPr>
-          <p:cNvPr id="5" name="TextBox 4"/>
-          <p:cNvSpPr txBox="1"/>
-          <p:nvPr/>
-        </p:nvSpPr>
-        <p:spPr>
-          <a:xfrm>
-            <a:off x="0" y="1752600"/>
-            <a:ext cx="9144000" cy="1323439"/>
-          </a:xfrm>
-          <a:prstGeom prst="rect">
-            <a:avLst/>
-          </a:prstGeom>
-          <a:noFill/>
-        </p:spPr>
-        <p:txBody>
-          <a:bodyPr wrap="square" rtlCol="0">
-            <a:spAutoFit/>
-          </a:bodyPr>
-          <a:lstStyle/>
-          <a:p>
-            <a:pPr algn="ctr"/>
-            <a:r>
-              <a:rPr lang="pt-BR" sz="8000" dirty="0" smtClean="0">
-                <a:solidFill>
-                  <a:schemeClr val="bg1"/>
-                </a:solidFill>
-                <a:cs typeface="Consolas" pitchFamily="49" charset="0"/>
-              </a:rPr>
-              <a:t>Não é sobre</a:t>
-            </a:r>
-            <a:endParaRPr lang="en-US" sz="8000" dirty="0">
-              <a:solidFill>
-                <a:schemeClr val="bg1"/>
-              </a:solidFill>
-              <a:cs typeface="Consolas" pitchFamily="49" charset="0"/>
-            </a:endParaRPr>
-          </a:p>
-        </p:txBody>
-      </p:sp>
-    </p:spTree>
-  </p:cSld>
-  <p:clrMapOvr>
-    <a:masterClrMapping/>
-  </p:clrMapOvr>
-  <p:timing>
-    <p:tnLst>
-      <p:par>
-        <p:cTn id="1" dur="indefinite" restart="never" nodeType="tmRoot"/>
-      </p:par>
-    </p:tnLst>
-  </p:timing>
-</p:sld>
-</file>
-
-<file path=ppt/slides/slide15.xml><?xml version="1.0" encoding="utf-8"?>
-<p:sld xmlns:a="http://schemas.openxmlformats.org/drawingml/2006/main" xmlns:r="http://schemas.openxmlformats.org/officeDocument/2006/relationships" xmlns:p="http://schemas.openxmlformats.org/presentationml/2006/main">
-  <p:cSld>
-    <p:spTree>
-      <p:nvGrpSpPr>
-        <p:cNvPr id="1" name=""/>
-        <p:cNvGrpSpPr/>
-        <p:nvPr/>
-      </p:nvGrpSpPr>
-      <p:grpSpPr>
-        <a:xfrm>
-          <a:off x="0" y="0"/>
-          <a:ext cx="0" cy="0"/>
-          <a:chOff x="0" y="0"/>
-          <a:chExt cx="0" cy="0"/>
-        </a:xfrm>
-      </p:grpSpPr>
-    </p:spTree>
-  </p:cSld>
-  <p:clrMapOvr>
-    <a:masterClrMapping/>
-  </p:clrMapOvr>
-</p:sld>
-</file>
-
-<file path=ppt/slides/slide2.xml><?xml version="1.0" encoding="utf-8"?>
-<p:sld xmlns:a="http://schemas.openxmlformats.org/drawingml/2006/main" xmlns:r="http://schemas.openxmlformats.org/officeDocument/2006/relationships" xmlns:p="http://schemas.openxmlformats.org/presentationml/2006/main">
-  <p:cSld>
-    <p:bg>
-      <p:bgPr>
-        <a:solidFill>
-          <a:srgbClr val="C00000"/>
-        </a:solidFill>
-        <a:effectLst/>
-      </p:bgPr>
-    </p:bg>
-    <p:spTree>
-      <p:nvGrpSpPr>
-        <p:cNvPr id="1" name=""/>
-        <p:cNvGrpSpPr/>
-        <p:nvPr/>
-      </p:nvGrpSpPr>
-      <p:grpSpPr>
-        <a:xfrm>
-          <a:off x="0" y="0"/>
-          <a:ext cx="0" cy="0"/>
-          <a:chOff x="0" y="0"/>
-          <a:chExt cx="0" cy="0"/>
-        </a:xfrm>
-      </p:grpSpPr>
-      <p:sp>
-        <p:nvSpPr>
-          <p:cNvPr id="4" name="TextBox 3"/>
-          <p:cNvSpPr txBox="1"/>
-          <p:nvPr/>
-        </p:nvSpPr>
-        <p:spPr>
-          <a:xfrm>
-            <a:off x="533400" y="1524000"/>
-            <a:ext cx="8382000" cy="3416320"/>
-          </a:xfrm>
-          <a:prstGeom prst="rect">
-            <a:avLst/>
-          </a:prstGeom>
-          <a:noFill/>
-        </p:spPr>
-        <p:txBody>
-          <a:bodyPr wrap="square" rtlCol="0">
-            <a:spAutoFit/>
-          </a:bodyPr>
-          <a:lstStyle/>
-          <a:p>
-            <a:r>
-              <a:rPr lang="pt-BR" sz="5400" dirty="0" smtClean="0">
-                <a:solidFill>
-                  <a:schemeClr val="bg1"/>
-                </a:solidFill>
-                <a:latin typeface="Consolas" pitchFamily="49" charset="0"/>
-                <a:cs typeface="Consolas" pitchFamily="49" charset="0"/>
-              </a:rPr>
-              <a:t>Juan Lopes</a:t>
-            </a:r>
-          </a:p>
-          <a:p>
-            <a:r>
-              <a:rPr lang="pt-BR" sz="5400" dirty="0" smtClean="0">
-                <a:solidFill>
-                  <a:schemeClr val="bg1"/>
-                </a:solidFill>
-                <a:latin typeface="Consolas" pitchFamily="49" charset="0"/>
-                <a:cs typeface="Consolas" pitchFamily="49" charset="0"/>
-              </a:rPr>
-              <a:t>Humano</a:t>
-            </a:r>
-          </a:p>
-          <a:p>
-            <a:r>
-              <a:rPr lang="pt-BR" sz="5400" dirty="0" smtClean="0">
-                <a:solidFill>
-                  <a:schemeClr val="bg1"/>
-                </a:solidFill>
-                <a:latin typeface="Consolas" pitchFamily="49" charset="0"/>
-                <a:cs typeface="Consolas" pitchFamily="49" charset="0"/>
-              </a:rPr>
-              <a:t>@</a:t>
-            </a:r>
-            <a:r>
-              <a:rPr lang="pt-BR" sz="5400" dirty="0" err="1" smtClean="0">
-                <a:solidFill>
-                  <a:schemeClr val="bg1"/>
-                </a:solidFill>
-                <a:latin typeface="Consolas" pitchFamily="49" charset="0"/>
-                <a:cs typeface="Consolas" pitchFamily="49" charset="0"/>
-              </a:rPr>
-              <a:t>juanplopes</a:t>
-            </a:r>
-            <a:endParaRPr lang="pt-BR" sz="5400" dirty="0" smtClean="0">
-              <a:solidFill>
-                <a:schemeClr val="bg1"/>
-              </a:solidFill>
-              <a:latin typeface="Consolas" pitchFamily="49" charset="0"/>
-              <a:cs typeface="Consolas" pitchFamily="49" charset="0"/>
-            </a:endParaRPr>
-          </a:p>
-          <a:p>
-            <a:r>
-              <a:rPr lang="pt-BR" sz="5400" dirty="0" smtClean="0">
-                <a:solidFill>
-                  <a:schemeClr val="bg1"/>
-                </a:solidFill>
-                <a:latin typeface="Consolas" pitchFamily="49" charset="0"/>
-                <a:cs typeface="Consolas" pitchFamily="49" charset="0"/>
-              </a:rPr>
-              <a:t>github.com/</a:t>
-            </a:r>
-            <a:r>
-              <a:rPr lang="pt-BR" sz="5400" dirty="0" err="1" smtClean="0">
-                <a:solidFill>
-                  <a:schemeClr val="bg1"/>
-                </a:solidFill>
-                <a:latin typeface="Consolas" pitchFamily="49" charset="0"/>
-                <a:cs typeface="Consolas" pitchFamily="49" charset="0"/>
-              </a:rPr>
-              <a:t>juanplopes</a:t>
-            </a:r>
-            <a:endParaRPr lang="pt-BR" sz="5400" dirty="0" smtClean="0">
-              <a:solidFill>
-                <a:schemeClr val="bg1"/>
-              </a:solidFill>
-              <a:latin typeface="Consolas" pitchFamily="49" charset="0"/>
-              <a:cs typeface="Consolas" pitchFamily="49" charset="0"/>
-            </a:endParaRPr>
-          </a:p>
-        </p:txBody>
-      </p:sp>
-    </p:spTree>
-  </p:cSld>
-  <p:clrMapOvr>
-    <a:masterClrMapping/>
-  </p:clrMapOvr>
-  <p:timing>
-    <p:tnLst>
-      <p:par>
-        <p:cTn id="1" dur="indefinite" restart="never" nodeType="tmRoot"/>
-      </p:par>
-    </p:tnLst>
-  </p:timing>
-</p:sld>
-</file>
-
-<file path=ppt/slides/slide3.xml><?xml version="1.0" encoding="utf-8"?>
-<p:sld xmlns:a="http://schemas.openxmlformats.org/drawingml/2006/main" xmlns:r="http://schemas.openxmlformats.org/officeDocument/2006/relationships" xmlns:p="http://schemas.openxmlformats.org/presentationml/2006/main">
-  <p:cSld>
-    <p:spTree>
-      <p:nvGrpSpPr>
-        <p:cNvPr id="1" name=""/>
-        <p:cNvGrpSpPr/>
-        <p:nvPr/>
-      </p:nvGrpSpPr>
-      <p:grpSpPr>
-        <a:xfrm>
-          <a:off x="0" y="0"/>
-          <a:ext cx="0" cy="0"/>
-          <a:chOff x="0" y="0"/>
-          <a:chExt cx="0" cy="0"/>
-        </a:xfrm>
-      </p:grpSpPr>
-      <p:pic>
-        <p:nvPicPr>
-          <p:cNvPr id="4" name="Picture 3" descr="9.jpg"/>
-          <p:cNvPicPr>
-            <a:picLocks noChangeAspect="1"/>
-          </p:cNvPicPr>
-          <p:nvPr/>
-        </p:nvPicPr>
-        <p:blipFill>
-          <a:blip r:embed="rId3" cstate="print"/>
-          <a:stretch>
-            <a:fillRect/>
-          </a:stretch>
-        </p:blipFill>
-        <p:spPr>
-          <a:xfrm>
-            <a:off x="555434" y="761999"/>
-            <a:ext cx="8283766" cy="5500421"/>
-          </a:xfrm>
-          <a:prstGeom prst="rect">
-            <a:avLst/>
-          </a:prstGeom>
-        </p:spPr>
-      </p:pic>
-    </p:spTree>
-  </p:cSld>
-  <p:clrMapOvr>
-    <a:masterClrMapping/>
-  </p:clrMapOvr>
-  <p:timing>
-    <p:tnLst>
-      <p:par>
-        <p:cTn id="1" dur="indefinite" restart="never" nodeType="tmRoot"/>
-      </p:par>
-    </p:tnLst>
-  </p:timing>
-</p:sld>
-</file>
-
-<file path=ppt/slides/slide4.xml><?xml version="1.0" encoding="utf-8"?>
-<p:sld xmlns:a="http://schemas.openxmlformats.org/drawingml/2006/main" xmlns:r="http://schemas.openxmlformats.org/officeDocument/2006/relationships" xmlns:p="http://schemas.openxmlformats.org/presentationml/2006/main">
-  <p:cSld>
-    <p:spTree>
-      <p:nvGrpSpPr>
-        <p:cNvPr id="1" name=""/>
-        <p:cNvGrpSpPr/>
-        <p:nvPr/>
-      </p:nvGrpSpPr>
-      <p:grpSpPr>
-        <a:xfrm>
-          <a:off x="0" y="0"/>
-          <a:ext cx="0" cy="0"/>
-          <a:chOff x="0" y="0"/>
-          <a:chExt cx="0" cy="0"/>
-        </a:xfrm>
-      </p:grpSpPr>
-      <p:pic>
-        <p:nvPicPr>
-          <p:cNvPr id="4" name="Picture 3" descr="10.jpg"/>
-          <p:cNvPicPr>
-            <a:picLocks noChangeAspect="1"/>
-          </p:cNvPicPr>
-          <p:nvPr/>
-        </p:nvPicPr>
-        <p:blipFill>
-          <a:blip r:embed="rId3" cstate="print"/>
-          <a:stretch>
-            <a:fillRect/>
-          </a:stretch>
-        </p:blipFill>
-        <p:spPr>
-          <a:xfrm>
-            <a:off x="0" y="0"/>
-            <a:ext cx="9144000" cy="6858000"/>
-          </a:xfrm>
-          <a:prstGeom prst="rect">
-            <a:avLst/>
-          </a:prstGeom>
-        </p:spPr>
-      </p:pic>
-    </p:spTree>
-  </p:cSld>
-  <p:clrMapOvr>
-    <a:masterClrMapping/>
-  </p:clrMapOvr>
-  <p:timing>
-    <p:tnLst>
-      <p:par>
-        <p:cTn id="1" dur="indefinite" restart="never" nodeType="tmRoot"/>
-      </p:par>
-    </p:tnLst>
-  </p:timing>
-</p:sld>
-</file>
-
-<file path=ppt/slides/slide5.xml><?xml version="1.0" encoding="utf-8"?>
-<p:sld xmlns:a="http://schemas.openxmlformats.org/drawingml/2006/main" xmlns:r="http://schemas.openxmlformats.org/officeDocument/2006/relationships" xmlns:p="http://schemas.openxmlformats.org/presentationml/2006/main">
-  <p:cSld>
-    <p:bg>
-      <p:bgPr>
-        <a:solidFill>
-          <a:schemeClr val="tx2">
-            <a:lumMod val="50000"/>
-          </a:schemeClr>
-        </a:solidFill>
-        <a:effectLst/>
-      </p:bgPr>
-    </p:bg>
-    <p:spTree>
-      <p:nvGrpSpPr>
-        <p:cNvPr id="1" name=""/>
-        <p:cNvGrpSpPr/>
-        <p:nvPr/>
-      </p:nvGrpSpPr>
-      <p:grpSpPr>
-        <a:xfrm>
-          <a:off x="0" y="0"/>
-          <a:ext cx="0" cy="0"/>
-          <a:chOff x="0" y="0"/>
-          <a:chExt cx="0" cy="0"/>
-        </a:xfrm>
-      </p:grpSpPr>
-      <p:pic>
-        <p:nvPicPr>
-          <p:cNvPr id="1026" name="Picture 2"/>
-          <p:cNvPicPr>
-            <a:picLocks noChangeAspect="1" noChangeArrowheads="1"/>
-          </p:cNvPicPr>
-          <p:nvPr/>
-        </p:nvPicPr>
-        <p:blipFill>
-          <a:blip r:embed="rId2" cstate="print"/>
-          <a:srcRect/>
-          <a:stretch>
-            <a:fillRect/>
-          </a:stretch>
-        </p:blipFill>
-        <p:spPr bwMode="auto">
-          <a:xfrm>
-            <a:off x="0" y="457200"/>
-            <a:ext cx="9143999" cy="5140989"/>
-          </a:xfrm>
-          <a:prstGeom prst="rect">
-            <a:avLst/>
-          </a:prstGeom>
-          <a:noFill/>
-          <a:ln w="9525">
-            <a:noFill/>
-            <a:miter lim="800000"/>
-            <a:headEnd/>
-            <a:tailEnd/>
-          </a:ln>
-        </p:spPr>
-      </p:pic>
-      <p:pic>
-        <p:nvPicPr>
-          <p:cNvPr id="1032" name="Picture 8" descr="Mute.png (128×128)"/>
-          <p:cNvPicPr>
-            <a:picLocks noChangeAspect="1" noChangeArrowheads="1"/>
-          </p:cNvPicPr>
-          <p:nvPr/>
-        </p:nvPicPr>
-        <p:blipFill>
-          <a:blip r:embed="rId3" cstate="print">
-            <a:lum bright="70000" contrast="-70000"/>
-          </a:blip>
-          <a:srcRect/>
-          <a:stretch>
-            <a:fillRect/>
-          </a:stretch>
-        </p:blipFill>
-        <p:spPr bwMode="auto">
-          <a:xfrm>
-            <a:off x="7772400" y="5638799"/>
-            <a:ext cx="1219200" cy="1219201"/>
-          </a:xfrm>
-          <a:prstGeom prst="rect">
-            <a:avLst/>
-          </a:prstGeom>
-          <a:noFill/>
-        </p:spPr>
-      </p:pic>
-    </p:spTree>
-  </p:cSld>
-  <p:clrMapOvr>
-    <a:masterClrMapping/>
-  </p:clrMapOvr>
-  <p:timing>
-    <p:tnLst>
-      <p:par>
-        <p:cTn id="1" dur="indefinite" restart="never" nodeType="tmRoot">
-          <p:childTnLst>
-            <p:seq concurrent="1" nextAc="seek">
-              <p:cTn id="2" dur="indefinite" nodeType="mainSeq">
-                <p:childTnLst>
-                  <p:par>
-                    <p:cTn id="3" fill="hold">
-                      <p:stCondLst>
-                        <p:cond delay="indefinite"/>
-                        <p:cond evt="onBegin" delay="0">
-                          <p:tn val="2"/>
-                        </p:cond>
-                      </p:stCondLst>
-                      <p:childTnLst>
-                        <p:par>
-                          <p:cTn id="4" fill="hold">
-                            <p:stCondLst>
-                              <p:cond delay="0"/>
-                            </p:stCondLst>
-                            <p:childTnLst>
-                              <p:par>
-                                <p:cTn id="5" presetID="35" presetClass="emph" presetSubtype="0" repeatCount="indefinite" fill="hold" nodeType="withEffect">
-                                  <p:stCondLst>
-                                    <p:cond delay="0"/>
-                                  </p:stCondLst>
-                                  <p:childTnLst>
-                                    <p:anim calcmode="discrete" valueType="str">
-                                      <p:cBhvr>
-                                        <p:cTn id="6" dur="1000" fill="hold"/>
-                                        <p:tgtEl>
-                                          <p:spTgt spid="1032"/>
-                                        </p:tgtEl>
-                                        <p:attrNameLst>
-                                          <p:attrName>style.visibility</p:attrName>
-                                        </p:attrNameLst>
-                                      </p:cBhvr>
-                                      <p:tavLst>
-                                        <p:tav tm="0">
-                                          <p:val>
-                                            <p:strVal val="hidden"/>
-                                          </p:val>
-                                        </p:tav>
-                                        <p:tav tm="50000">
-                                          <p:val>
-                                            <p:strVal val="visible"/>
-                                          </p:val>
-                                        </p:tav>
-                                      </p:tavLst>
-                                    </p:anim>
-                                  </p:childTnLst>
-                                </p:cTn>
-                              </p:par>
-                            </p:childTnLst>
-                          </p:cTn>
-                        </p:par>
-                      </p:childTnLst>
-                    </p:cTn>
-                  </p:par>
-                </p:childTnLst>
-              </p:cTn>
-              <p:prevCondLst>
-                <p:cond evt="onPrev" delay="0">
-                  <p:tgtEl>
-                    <p:sldTgt/>
-                  </p:tgtEl>
-                </p:cond>
-              </p:prevCondLst>
-              <p:nextCondLst>
-                <p:cond evt="onNext" delay="0">
-                  <p:tgtEl>
-                    <p:sldTgt/>
-                  </p:tgtEl>
-                </p:cond>
-              </p:nextCondLst>
-            </p:seq>
-          </p:childTnLst>
-        </p:cTn>
-      </p:par>
-    </p:tnLst>
-  </p:timing>
-</p:sld>
-</file>
-
-<file path=ppt/slides/slide6.xml><?xml version="1.0" encoding="utf-8"?>
-<p:sld xmlns:a="http://schemas.openxmlformats.org/drawingml/2006/main" xmlns:r="http://schemas.openxmlformats.org/officeDocument/2006/relationships" xmlns:p="http://schemas.openxmlformats.org/presentationml/2006/main">
-  <p:cSld>
-    <p:bg>
-      <p:bgPr>
-        <a:solidFill>
-          <a:schemeClr val="tx2">
-            <a:lumMod val="50000"/>
-          </a:schemeClr>
-        </a:solidFill>
-        <a:effectLst/>
-      </p:bgPr>
-    </p:bg>
-    <p:spTree>
-      <p:nvGrpSpPr>
-        <p:cNvPr id="1" name=""/>
-        <p:cNvGrpSpPr/>
-        <p:nvPr/>
-      </p:nvGrpSpPr>
-      <p:grpSpPr>
-        <a:xfrm>
-          <a:off x="0" y="0"/>
-          <a:ext cx="0" cy="0"/>
-          <a:chOff x="0" y="0"/>
-          <a:chExt cx="0" cy="0"/>
-        </a:xfrm>
-      </p:grpSpPr>
-      <p:pic>
-        <p:nvPicPr>
-          <p:cNvPr id="3074" name="Picture 2"/>
-          <p:cNvPicPr>
-            <a:picLocks noChangeAspect="1" noChangeArrowheads="1"/>
-          </p:cNvPicPr>
-          <p:nvPr/>
-        </p:nvPicPr>
-        <p:blipFill>
-          <a:blip r:embed="rId2" cstate="print"/>
-          <a:srcRect/>
-          <a:stretch>
-            <a:fillRect/>
-          </a:stretch>
-        </p:blipFill>
-        <p:spPr bwMode="auto">
-          <a:xfrm>
-            <a:off x="2128838" y="1528763"/>
-            <a:ext cx="4886325" cy="3800475"/>
-          </a:xfrm>
-          <a:prstGeom prst="rect">
-            <a:avLst/>
-          </a:prstGeom>
-          <a:noFill/>
-          <a:ln w="9525">
-            <a:noFill/>
-            <a:miter lim="800000"/>
-            <a:headEnd/>
-            <a:tailEnd/>
-          </a:ln>
-        </p:spPr>
-      </p:pic>
-      <p:pic>
-        <p:nvPicPr>
-          <p:cNvPr id="6" name="Picture 8" descr="Mute.png (128×128)"/>
-          <p:cNvPicPr>
-            <a:picLocks noChangeAspect="1" noChangeArrowheads="1"/>
-          </p:cNvPicPr>
-          <p:nvPr/>
-        </p:nvPicPr>
-        <p:blipFill>
-          <a:blip r:embed="rId3" cstate="print">
-            <a:lum bright="70000" contrast="-70000"/>
-          </a:blip>
-          <a:srcRect/>
-          <a:stretch>
-            <a:fillRect/>
-          </a:stretch>
-        </p:blipFill>
-        <p:spPr bwMode="auto">
-          <a:xfrm>
-            <a:off x="7772400" y="5638799"/>
-            <a:ext cx="1219200" cy="1219201"/>
-          </a:xfrm>
-          <a:prstGeom prst="rect">
-            <a:avLst/>
-          </a:prstGeom>
-          <a:noFill/>
-        </p:spPr>
-      </p:pic>
-    </p:spTree>
-  </p:cSld>
-  <p:clrMapOvr>
-    <a:masterClrMapping/>
-  </p:clrMapOvr>
-  <p:timing>
-    <p:tnLst>
-      <p:par>
-        <p:cTn id="1" dur="indefinite" restart="never" nodeType="tmRoot">
-          <p:childTnLst>
-            <p:seq concurrent="1" nextAc="seek">
-              <p:cTn id="2" dur="indefinite" nodeType="mainSeq">
-                <p:childTnLst>
-                  <p:par>
-                    <p:cTn id="3" fill="hold">
-                      <p:stCondLst>
-                        <p:cond delay="indefinite"/>
-                        <p:cond evt="onBegin" delay="0">
-                          <p:tn val="2"/>
-                        </p:cond>
-                      </p:stCondLst>
-                      <p:childTnLst>
-                        <p:par>
-                          <p:cTn id="4" fill="hold">
-                            <p:stCondLst>
-                              <p:cond delay="0"/>
-                            </p:stCondLst>
-                            <p:childTnLst>
-                              <p:par>
-                                <p:cTn id="5" presetID="35" presetClass="emph" presetSubtype="0" repeatCount="indefinite" fill="hold" nodeType="withEffect">
-                                  <p:stCondLst>
-                                    <p:cond delay="0"/>
-                                  </p:stCondLst>
-                                  <p:childTnLst>
-                                    <p:anim calcmode="discrete" valueType="str">
-                                      <p:cBhvr>
-                                        <p:cTn id="6" dur="1000" fill="hold"/>
-                                        <p:tgtEl>
-                                          <p:spTgt spid="6"/>
-                                        </p:tgtEl>
-                                        <p:attrNameLst>
-                                          <p:attrName>style.visibility</p:attrName>
-                                        </p:attrNameLst>
-                                      </p:cBhvr>
-                                      <p:tavLst>
-                                        <p:tav tm="0">
-                                          <p:val>
-                                            <p:strVal val="hidden"/>
-                                          </p:val>
-                                        </p:tav>
-                                        <p:tav tm="50000">
-                                          <p:val>
-                                            <p:strVal val="visible"/>
-                                          </p:val>
-                                        </p:tav>
-                                      </p:tavLst>
-                                    </p:anim>
-                                  </p:childTnLst>
-                                </p:cTn>
-                              </p:par>
-                            </p:childTnLst>
-                          </p:cTn>
-                        </p:par>
-                      </p:childTnLst>
-                    </p:cTn>
-                  </p:par>
-                </p:childTnLst>
-              </p:cTn>
-              <p:prevCondLst>
-                <p:cond evt="onPrev" delay="0">
-                  <p:tgtEl>
-                    <p:sldTgt/>
-                  </p:tgtEl>
-                </p:cond>
-              </p:prevCondLst>
-              <p:nextCondLst>
-                <p:cond evt="onNext" delay="0">
-                  <p:tgtEl>
-                    <p:sldTgt/>
-                  </p:tgtEl>
-                </p:cond>
-              </p:nextCondLst>
-            </p:seq>
-          </p:childTnLst>
-        </p:cTn>
-      </p:par>
-    </p:tnLst>
-  </p:timing>
-</p:sld>
-</file>
-
-<file path=ppt/slides/slide7.xml><?xml version="1.0" encoding="utf-8"?>
-<p:sld xmlns:a="http://schemas.openxmlformats.org/drawingml/2006/main" xmlns:r="http://schemas.openxmlformats.org/officeDocument/2006/relationships" xmlns:p="http://schemas.openxmlformats.org/presentationml/2006/main">
-  <p:cSld>
-    <p:bg>
-      <p:bgPr>
-        <a:solidFill>
-          <a:schemeClr val="tx2">
-            <a:lumMod val="50000"/>
-          </a:schemeClr>
-        </a:solidFill>
-        <a:effectLst/>
-      </p:bgPr>
-    </p:bg>
-    <p:spTree>
-      <p:nvGrpSpPr>
-        <p:cNvPr id="1" name=""/>
-        <p:cNvGrpSpPr/>
-        <p:nvPr/>
-      </p:nvGrpSpPr>
-      <p:grpSpPr>
-        <a:xfrm>
-          <a:off x="0" y="0"/>
-          <a:ext cx="0" cy="0"/>
-          <a:chOff x="0" y="0"/>
-          <a:chExt cx="0" cy="0"/>
-        </a:xfrm>
-      </p:grpSpPr>
-      <p:pic>
-        <p:nvPicPr>
-          <p:cNvPr id="4098" name="Picture 2"/>
-          <p:cNvPicPr>
-            <a:picLocks noChangeAspect="1" noChangeArrowheads="1"/>
-          </p:cNvPicPr>
-          <p:nvPr/>
-        </p:nvPicPr>
-        <p:blipFill>
-          <a:blip r:embed="rId2" cstate="print"/>
-          <a:srcRect/>
-          <a:stretch>
-            <a:fillRect/>
-          </a:stretch>
-        </p:blipFill>
-        <p:spPr bwMode="auto">
-          <a:xfrm>
-            <a:off x="2128838" y="1528763"/>
-            <a:ext cx="4886325" cy="3800475"/>
-          </a:xfrm>
-          <a:prstGeom prst="rect">
-            <a:avLst/>
-          </a:prstGeom>
-          <a:noFill/>
-          <a:ln w="9525">
-            <a:noFill/>
-            <a:miter lim="800000"/>
-            <a:headEnd/>
-            <a:tailEnd/>
-          </a:ln>
-        </p:spPr>
-      </p:pic>
-      <p:pic>
-        <p:nvPicPr>
-          <p:cNvPr id="6" name="Picture 8" descr="Mute.png (128×128)"/>
-          <p:cNvPicPr>
-            <a:picLocks noChangeAspect="1" noChangeArrowheads="1"/>
-          </p:cNvPicPr>
-          <p:nvPr/>
-        </p:nvPicPr>
-        <p:blipFill>
-          <a:blip r:embed="rId3" cstate="print">
-            <a:lum bright="70000" contrast="-70000"/>
-          </a:blip>
-          <a:srcRect/>
-          <a:stretch>
-            <a:fillRect/>
-          </a:stretch>
-        </p:blipFill>
-        <p:spPr bwMode="auto">
-          <a:xfrm>
-            <a:off x="7772400" y="5638799"/>
-            <a:ext cx="1219200" cy="1219201"/>
-          </a:xfrm>
-          <a:prstGeom prst="rect">
-            <a:avLst/>
-          </a:prstGeom>
-          <a:noFill/>
-        </p:spPr>
-      </p:pic>
-    </p:spTree>
-  </p:cSld>
-  <p:clrMapOvr>
-    <a:masterClrMapping/>
-  </p:clrMapOvr>
-  <p:timing>
-    <p:tnLst>
-      <p:par>
-        <p:cTn id="1" dur="indefinite" restart="never" nodeType="tmRoot">
-          <p:childTnLst>
-            <p:seq concurrent="1" nextAc="seek">
-              <p:cTn id="2" dur="indefinite" nodeType="mainSeq">
-                <p:childTnLst>
-                  <p:par>
-                    <p:cTn id="3" fill="hold">
-                      <p:stCondLst>
-                        <p:cond delay="indefinite"/>
-                        <p:cond evt="onBegin" delay="0">
-                          <p:tn val="2"/>
-                        </p:cond>
-                      </p:stCondLst>
-                      <p:childTnLst>
-                        <p:par>
-                          <p:cTn id="4" fill="hold">
-                            <p:stCondLst>
-                              <p:cond delay="0"/>
-                            </p:stCondLst>
-                            <p:childTnLst>
-                              <p:par>
-                                <p:cTn id="5" presetID="35" presetClass="emph" presetSubtype="0" repeatCount="indefinite" fill="hold" nodeType="withEffect">
-                                  <p:stCondLst>
-                                    <p:cond delay="0"/>
-                                  </p:stCondLst>
-                                  <p:childTnLst>
-                                    <p:anim calcmode="discrete" valueType="str">
-                                      <p:cBhvr>
-                                        <p:cTn id="6" dur="1000" fill="hold"/>
-                                        <p:tgtEl>
-                                          <p:spTgt spid="6"/>
-                                        </p:tgtEl>
-                                        <p:attrNameLst>
-                                          <p:attrName>style.visibility</p:attrName>
-                                        </p:attrNameLst>
-                                      </p:cBhvr>
-                                      <p:tavLst>
-                                        <p:tav tm="0">
-                                          <p:val>
-                                            <p:strVal val="hidden"/>
-                                          </p:val>
-                                        </p:tav>
-                                        <p:tav tm="50000">
-                                          <p:val>
-                                            <p:strVal val="visible"/>
-                                          </p:val>
-                                        </p:tav>
-                                      </p:tavLst>
-                                    </p:anim>
-                                  </p:childTnLst>
-                                </p:cTn>
-                              </p:par>
-                            </p:childTnLst>
-                          </p:cTn>
-                        </p:par>
-                      </p:childTnLst>
-                    </p:cTn>
-                  </p:par>
-                </p:childTnLst>
-              </p:cTn>
-              <p:prevCondLst>
-                <p:cond evt="onPrev" delay="0">
-                  <p:tgtEl>
-                    <p:sldTgt/>
-                  </p:tgtEl>
-                </p:cond>
-              </p:prevCondLst>
-              <p:nextCondLst>
-                <p:cond evt="onNext" delay="0">
-                  <p:tgtEl>
-                    <p:sldTgt/>
-                  </p:tgtEl>
-                </p:cond>
-              </p:nextCondLst>
-            </p:seq>
-          </p:childTnLst>
-        </p:cTn>
-      </p:par>
-    </p:tnLst>
-  </p:timing>
-</p:sld>
-</file>
-
-<file path=ppt/slides/slide8.xml><?xml version="1.0" encoding="utf-8"?>
-<p:sld xmlns:a="http://schemas.openxmlformats.org/drawingml/2006/main" xmlns:r="http://schemas.openxmlformats.org/officeDocument/2006/relationships" xmlns:p="http://schemas.openxmlformats.org/presentationml/2006/main">
-  <p:cSld>
-    <p:bg>
-      <p:bgPr>
-        <a:solidFill>
-          <a:schemeClr val="tx2">
-            <a:lumMod val="50000"/>
-          </a:schemeClr>
-        </a:solidFill>
-        <a:effectLst/>
-      </p:bgPr>
-    </p:bg>
-    <p:spTree>
-      <p:nvGrpSpPr>
-        <p:cNvPr id="1" name=""/>
-        <p:cNvGrpSpPr/>
-        <p:nvPr/>
-      </p:nvGrpSpPr>
-      <p:grpSpPr>
-        <a:xfrm>
-          <a:off x="0" y="0"/>
-          <a:ext cx="0" cy="0"/>
-          <a:chOff x="0" y="0"/>
-          <a:chExt cx="0" cy="0"/>
-        </a:xfrm>
-      </p:grpSpPr>
-      <p:pic>
-        <p:nvPicPr>
-          <p:cNvPr id="5122" name="Picture 2"/>
-          <p:cNvPicPr>
-            <a:picLocks noChangeAspect="1" noChangeArrowheads="1"/>
-          </p:cNvPicPr>
-          <p:nvPr/>
-        </p:nvPicPr>
-        <p:blipFill>
-          <a:blip r:embed="rId2" cstate="print"/>
-          <a:srcRect/>
-          <a:stretch>
-            <a:fillRect/>
-          </a:stretch>
-        </p:blipFill>
-        <p:spPr bwMode="auto">
-          <a:xfrm>
-            <a:off x="2128838" y="1528763"/>
-            <a:ext cx="4886325" cy="3800475"/>
-          </a:xfrm>
-          <a:prstGeom prst="rect">
-            <a:avLst/>
-          </a:prstGeom>
-          <a:noFill/>
-          <a:ln w="9525">
-            <a:noFill/>
-            <a:miter lim="800000"/>
-            <a:headEnd/>
-            <a:tailEnd/>
-          </a:ln>
-        </p:spPr>
-      </p:pic>
-      <p:pic>
-        <p:nvPicPr>
-          <p:cNvPr id="6" name="Picture 8" descr="Mute.png (128×128)"/>
-          <p:cNvPicPr>
-            <a:picLocks noChangeAspect="1" noChangeArrowheads="1"/>
-          </p:cNvPicPr>
-          <p:nvPr/>
-        </p:nvPicPr>
-        <p:blipFill>
-          <a:blip r:embed="rId3" cstate="print">
-            <a:lum bright="70000" contrast="-70000"/>
-          </a:blip>
-          <a:srcRect/>
-          <a:stretch>
-            <a:fillRect/>
-          </a:stretch>
-        </p:blipFill>
-        <p:spPr bwMode="auto">
-          <a:xfrm>
-            <a:off x="7772400" y="5638799"/>
-            <a:ext cx="1219200" cy="1219201"/>
-          </a:xfrm>
-          <a:prstGeom prst="rect">
-            <a:avLst/>
-          </a:prstGeom>
-          <a:noFill/>
-        </p:spPr>
-      </p:pic>
-    </p:spTree>
-  </p:cSld>
-  <p:clrMapOvr>
-    <a:masterClrMapping/>
-  </p:clrMapOvr>
-  <p:timing>
-    <p:tnLst>
-      <p:par>
-        <p:cTn id="1" dur="indefinite" restart="never" nodeType="tmRoot">
-          <p:childTnLst>
-            <p:seq concurrent="1" nextAc="seek">
-              <p:cTn id="2" dur="indefinite" nodeType="mainSeq">
-                <p:childTnLst>
-                  <p:par>
-                    <p:cTn id="3" fill="hold">
-                      <p:stCondLst>
-                        <p:cond delay="indefinite"/>
-                        <p:cond evt="onBegin" delay="0">
-                          <p:tn val="2"/>
-                        </p:cond>
-                      </p:stCondLst>
-                      <p:childTnLst>
-                        <p:par>
-                          <p:cTn id="4" fill="hold">
-                            <p:stCondLst>
-                              <p:cond delay="0"/>
-                            </p:stCondLst>
-                            <p:childTnLst>
-                              <p:par>
-                                <p:cTn id="5" presetID="35" presetClass="emph" presetSubtype="0" repeatCount="indefinite" fill="hold" nodeType="withEffect">
-                                  <p:stCondLst>
-                                    <p:cond delay="0"/>
-                                  </p:stCondLst>
-                                  <p:childTnLst>
-                                    <p:anim calcmode="discrete" valueType="str">
-                                      <p:cBhvr>
-                                        <p:cTn id="6" dur="1000" fill="hold"/>
-                                        <p:tgtEl>
-                                          <p:spTgt spid="6"/>
-                                        </p:tgtEl>
-                                        <p:attrNameLst>
-                                          <p:attrName>style.visibility</p:attrName>
-                                        </p:attrNameLst>
-                                      </p:cBhvr>
-                                      <p:tavLst>
-                                        <p:tav tm="0">
-                                          <p:val>
-                                            <p:strVal val="hidden"/>
-                                          </p:val>
-                                        </p:tav>
-                                        <p:tav tm="50000">
-                                          <p:val>
-                                            <p:strVal val="visible"/>
-                                          </p:val>
-                                        </p:tav>
-                                      </p:tavLst>
-                                    </p:anim>
-                                  </p:childTnLst>
-                                </p:cTn>
-                              </p:par>
-                            </p:childTnLst>
-                          </p:cTn>
-                        </p:par>
-                      </p:childTnLst>
-                    </p:cTn>
-                  </p:par>
-                </p:childTnLst>
-              </p:cTn>
-              <p:prevCondLst>
-                <p:cond evt="onPrev" delay="0">
-                  <p:tgtEl>
-                    <p:sldTgt/>
-                  </p:tgtEl>
-                </p:cond>
-              </p:prevCondLst>
-              <p:nextCondLst>
-                <p:cond evt="onNext" delay="0">
-                  <p:tgtEl>
-                    <p:sldTgt/>
-                  </p:tgtEl>
-                </p:cond>
-              </p:nextCondLst>
-            </p:seq>
-          </p:childTnLst>
-        </p:cTn>
-      </p:par>
-    </p:tnLst>
-  </p:timing>
-</p:sld>
-</file>
-
-<file path=ppt/slides/slide9.xml><?xml version="1.0" encoding="utf-8"?>
-<p:sld xmlns:a="http://schemas.openxmlformats.org/drawingml/2006/main" xmlns:r="http://schemas.openxmlformats.org/officeDocument/2006/relationships" xmlns:p="http://schemas.openxmlformats.org/presentationml/2006/main">
-  <p:cSld>
-    <p:bg>
-      <p:bgPr>
-        <a:solidFill>
-          <a:schemeClr val="tx2">
-            <a:lumMod val="50000"/>
-          </a:schemeClr>
-        </a:solidFill>
-        <a:effectLst/>
-      </p:bgPr>
-    </p:bg>
-    <p:spTree>
-      <p:nvGrpSpPr>
-        <p:cNvPr id="1" name=""/>
-        <p:cNvGrpSpPr/>
-        <p:nvPr/>
-      </p:nvGrpSpPr>
-      <p:grpSpPr>
-        <a:xfrm>
-          <a:off x="0" y="0"/>
-          <a:ext cx="0" cy="0"/>
-          <a:chOff x="0" y="0"/>
-          <a:chExt cx="0" cy="0"/>
-        </a:xfrm>
-      </p:grpSpPr>
-      <p:pic>
-        <p:nvPicPr>
-          <p:cNvPr id="6146" name="Picture 2"/>
-          <p:cNvPicPr>
-            <a:picLocks noChangeAspect="1" noChangeArrowheads="1"/>
-          </p:cNvPicPr>
-          <p:nvPr/>
-        </p:nvPicPr>
-        <p:blipFill>
-          <a:blip r:embed="rId2" cstate="print"/>
-          <a:srcRect/>
-          <a:stretch>
-            <a:fillRect/>
-          </a:stretch>
-        </p:blipFill>
-        <p:spPr bwMode="auto">
-          <a:xfrm>
-            <a:off x="2128838" y="1528763"/>
-            <a:ext cx="4886325" cy="3800475"/>
-          </a:xfrm>
-          <a:prstGeom prst="rect">
-            <a:avLst/>
-          </a:prstGeom>
-          <a:noFill/>
-          <a:ln w="9525">
-            <a:noFill/>
-            <a:miter lim="800000"/>
-            <a:headEnd/>
-            <a:tailEnd/>
-          </a:ln>
-        </p:spPr>
-      </p:pic>
-      <p:pic>
-        <p:nvPicPr>
-          <p:cNvPr id="6" name="Picture 8" descr="Mute.png (128×128)"/>
-          <p:cNvPicPr>
-            <a:picLocks noChangeAspect="1" noChangeArrowheads="1"/>
-          </p:cNvPicPr>
-          <p:nvPr/>
-        </p:nvPicPr>
-        <p:blipFill>
-          <a:blip r:embed="rId3" cstate="print">
-            <a:lum bright="70000" contrast="-70000"/>
-          </a:blip>
-          <a:srcRect/>
-          <a:stretch>
-            <a:fillRect/>
-          </a:stretch>
-        </p:blipFill>
-        <p:spPr bwMode="auto">
-          <a:xfrm>
-            <a:off x="7772400" y="5638799"/>
-            <a:ext cx="1219200" cy="1219201"/>
-          </a:xfrm>
-          <a:prstGeom prst="rect">
-            <a:avLst/>
-          </a:prstGeom>
-          <a:noFill/>
-        </p:spPr>
-      </p:pic>
-    </p:spTree>
-  </p:cSld>
-  <p:clrMapOvr>
-    <a:masterClrMapping/>
-  </p:clrMapOvr>
-  <p:timing>
-    <p:tnLst>
-      <p:par>
-        <p:cTn id="1" dur="indefinite" restart="never" nodeType="tmRoot">
-          <p:childTnLst>
-            <p:seq concurrent="1" nextAc="seek">
-              <p:cTn id="2" dur="indefinite" nodeType="mainSeq">
-                <p:childTnLst>
-                  <p:par>
-                    <p:cTn id="3" fill="hold">
-                      <p:stCondLst>
-                        <p:cond delay="indefinite"/>
-                        <p:cond evt="onBegin" delay="0">
-                          <p:tn val="2"/>
-                        </p:cond>
-                      </p:stCondLst>
-                      <p:childTnLst>
-                        <p:par>
-                          <p:cTn id="4" fill="hold">
-                            <p:stCondLst>
-                              <p:cond delay="0"/>
-                            </p:stCondLst>
-                            <p:childTnLst>
-                              <p:par>
-                                <p:cTn id="5" presetID="35" presetClass="emph" presetSubtype="0" repeatCount="indefinite" fill="hold" nodeType="withEffect">
-                                  <p:stCondLst>
-                                    <p:cond delay="0"/>
-                                  </p:stCondLst>
-                                  <p:childTnLst>
-                                    <p:anim calcmode="discrete" valueType="str">
-                                      <p:cBhvr>
-                                        <p:cTn id="6" dur="1000" fill="hold"/>
-                                        <p:tgtEl>
-                                          <p:spTgt spid="6"/>
-                                        </p:tgtEl>
-                                        <p:attrNameLst>
-                                          <p:attrName>style.visibility</p:attrName>
-                                        </p:attrNameLst>
-                                      </p:cBhvr>
-                                      <p:tavLst>
-                                        <p:tav tm="0">
-                                          <p:val>
-                                            <p:strVal val="hidden"/>
-                                          </p:val>
-                                        </p:tav>
-                                        <p:tav tm="50000">
-                                          <p:val>
-                                            <p:strVal val="visible"/>
-                                          </p:val>
-                                        </p:tav>
-                                      </p:tavLst>
-                                    </p:anim>
-                                  </p:childTnLst>
-                                </p:cTn>
-                              </p:par>
-                            </p:childTnLst>
-                          </p:cTn>
-                        </p:par>
-                      </p:childTnLst>
-                    </p:cTn>
-                  </p:par>
-                </p:childTnLst>
-              </p:cTn>
-              <p:prevCondLst>
-                <p:cond evt="onPrev" delay="0">
-                  <p:tgtEl>
-                    <p:sldTgt/>
-                  </p:tgtEl>
-                </p:cond>
-              </p:prevCondLst>
-              <p:nextCondLst>
-                <p:cond evt="onNext" delay="0">
-                  <p:tgtEl>
-                    <p:sldTgt/>
-                  </p:tgtEl>
-                </p:cond>
-              </p:nextCondLst>
-            </p:seq>
-          </p:childTnLst>
-        </p:cTn>
       </p:par>
     </p:tnLst>
   </p:timing>

--- a/Presentation.pptx
+++ b/Presentation.pptx
@@ -219,7 +219,7 @@
             <a:fld id="{2296040D-0F06-4EA9-8286-50A0C738388B}" type="datetimeFigureOut">
               <a:rPr lang="en-US" smtClean="0"/>
               <a:pPr/>
-              <a:t>11/16/2010</a:t>
+              <a:t>11/17/2010</a:t>
             </a:fld>
             <a:endParaRPr lang="en-US"/>
           </a:p>
@@ -1730,21 +1730,13 @@
           <a:p>
             <a:r>
               <a:rPr lang="pt-BR" baseline="0" dirty="0" smtClean="0"/>
-              <a:t>E </a:t>
-            </a:r>
+              <a:t>E seria uma palestra meramente técnica</a:t>
+            </a:r>
+          </a:p>
+          <a:p>
             <a:r>
               <a:rPr lang="pt-BR" baseline="0" dirty="0" smtClean="0"/>
-              <a:t>seria uma palestra meramente técnica</a:t>
-            </a:r>
-          </a:p>
-          <a:p>
-            <a:r>
-              <a:rPr lang="pt-BR" baseline="0" dirty="0" smtClean="0"/>
-              <a:t>Não estamos aqui para discutir </a:t>
-            </a:r>
-            <a:r>
-              <a:rPr lang="pt-BR" baseline="0" dirty="0" smtClean="0"/>
-              <a:t>técnica.</a:t>
+              <a:t>Não estamos aqui para discutir técnica.</a:t>
             </a:r>
           </a:p>
           <a:p>
@@ -1758,7 +1750,6 @@
               <a:rPr lang="pt-BR" baseline="0" dirty="0" smtClean="0"/>
               <a:t>É só uma ferramenta, veja só.</a:t>
             </a:r>
-            <a:endParaRPr lang="pt-BR" baseline="0" dirty="0" smtClean="0"/>
           </a:p>
         </p:txBody>
       </p:sp>
@@ -2058,11 +2049,7 @@
             </a:r>
             <a:r>
               <a:rPr lang="pt-BR" dirty="0" smtClean="0"/>
-              <a:t> </a:t>
-            </a:r>
-            <a:r>
-              <a:rPr lang="pt-BR" dirty="0" smtClean="0"/>
-              <a:t>Build</a:t>
+              <a:t> Build</a:t>
             </a:r>
           </a:p>
           <a:p>
@@ -2279,11 +2266,7 @@
           <a:p>
             <a:r>
               <a:rPr lang="pt-BR" baseline="0" dirty="0" smtClean="0"/>
-              <a:t>Eu </a:t>
-            </a:r>
-            <a:r>
-              <a:rPr lang="pt-BR" baseline="0" dirty="0" smtClean="0"/>
-              <a:t>gosto de focar na parte dos membros do time integrando software </a:t>
+              <a:t>Eu gosto de focar na parte dos membros do time integrando software </a:t>
             </a:r>
             <a:r>
               <a:rPr lang="pt-BR" baseline="0" dirty="0" err="1" smtClean="0"/>
@@ -2517,7 +2500,7 @@
             <a:fld id="{F57067B2-5D5B-4B98-9300-AE70A344D18E}" type="datetimeFigureOut">
               <a:rPr lang="en-US" smtClean="0"/>
               <a:pPr/>
-              <a:t>11/16/2010</a:t>
+              <a:t>11/17/2010</a:t>
             </a:fld>
             <a:endParaRPr lang="en-US"/>
           </a:p>
@@ -2684,7 +2667,7 @@
             <a:fld id="{F57067B2-5D5B-4B98-9300-AE70A344D18E}" type="datetimeFigureOut">
               <a:rPr lang="en-US" smtClean="0"/>
               <a:pPr/>
-              <a:t>11/16/2010</a:t>
+              <a:t>11/17/2010</a:t>
             </a:fld>
             <a:endParaRPr lang="en-US"/>
           </a:p>
@@ -2861,7 +2844,7 @@
             <a:fld id="{F57067B2-5D5B-4B98-9300-AE70A344D18E}" type="datetimeFigureOut">
               <a:rPr lang="en-US" smtClean="0"/>
               <a:pPr/>
-              <a:t>11/16/2010</a:t>
+              <a:t>11/17/2010</a:t>
             </a:fld>
             <a:endParaRPr lang="en-US"/>
           </a:p>
@@ -3028,7 +3011,7 @@
             <a:fld id="{F57067B2-5D5B-4B98-9300-AE70A344D18E}" type="datetimeFigureOut">
               <a:rPr lang="en-US" smtClean="0"/>
               <a:pPr/>
-              <a:t>11/16/2010</a:t>
+              <a:t>11/17/2010</a:t>
             </a:fld>
             <a:endParaRPr lang="en-US"/>
           </a:p>
@@ -3271,7 +3254,7 @@
             <a:fld id="{F57067B2-5D5B-4B98-9300-AE70A344D18E}" type="datetimeFigureOut">
               <a:rPr lang="en-US" smtClean="0"/>
               <a:pPr/>
-              <a:t>11/16/2010</a:t>
+              <a:t>11/17/2010</a:t>
             </a:fld>
             <a:endParaRPr lang="en-US"/>
           </a:p>
@@ -3556,7 +3539,7 @@
             <a:fld id="{F57067B2-5D5B-4B98-9300-AE70A344D18E}" type="datetimeFigureOut">
               <a:rPr lang="en-US" smtClean="0"/>
               <a:pPr/>
-              <a:t>11/16/2010</a:t>
+              <a:t>11/17/2010</a:t>
             </a:fld>
             <a:endParaRPr lang="en-US"/>
           </a:p>
@@ -3975,7 +3958,7 @@
             <a:fld id="{F57067B2-5D5B-4B98-9300-AE70A344D18E}" type="datetimeFigureOut">
               <a:rPr lang="en-US" smtClean="0"/>
               <a:pPr/>
-              <a:t>11/16/2010</a:t>
+              <a:t>11/17/2010</a:t>
             </a:fld>
             <a:endParaRPr lang="en-US"/>
           </a:p>
@@ -4090,7 +4073,7 @@
             <a:fld id="{F57067B2-5D5B-4B98-9300-AE70A344D18E}" type="datetimeFigureOut">
               <a:rPr lang="en-US" smtClean="0"/>
               <a:pPr/>
-              <a:t>11/16/2010</a:t>
+              <a:t>11/17/2010</a:t>
             </a:fld>
             <a:endParaRPr lang="en-US"/>
           </a:p>
@@ -4182,7 +4165,7 @@
             <a:fld id="{F57067B2-5D5B-4B98-9300-AE70A344D18E}" type="datetimeFigureOut">
               <a:rPr lang="en-US" smtClean="0"/>
               <a:pPr/>
-              <a:t>11/16/2010</a:t>
+              <a:t>11/17/2010</a:t>
             </a:fld>
             <a:endParaRPr lang="en-US"/>
           </a:p>
@@ -4456,7 +4439,7 @@
             <a:fld id="{F57067B2-5D5B-4B98-9300-AE70A344D18E}" type="datetimeFigureOut">
               <a:rPr lang="en-US" smtClean="0"/>
               <a:pPr/>
-              <a:t>11/16/2010</a:t>
+              <a:t>11/17/2010</a:t>
             </a:fld>
             <a:endParaRPr lang="en-US"/>
           </a:p>
@@ -4706,7 +4689,7 @@
             <a:fld id="{F57067B2-5D5B-4B98-9300-AE70A344D18E}" type="datetimeFigureOut">
               <a:rPr lang="en-US" smtClean="0"/>
               <a:pPr/>
-              <a:t>11/16/2010</a:t>
+              <a:t>11/17/2010</a:t>
             </a:fld>
             <a:endParaRPr lang="en-US"/>
           </a:p>
@@ -4916,7 +4899,7 @@
             <a:fld id="{F57067B2-5D5B-4B98-9300-AE70A344D18E}" type="datetimeFigureOut">
               <a:rPr lang="en-US" smtClean="0"/>
               <a:pPr/>
-              <a:t>11/16/2010</a:t>
+              <a:t>11/17/2010</a:t>
             </a:fld>
             <a:endParaRPr lang="en-US"/>
           </a:p>
@@ -5435,32 +5418,6 @@
               </a:rPr>
               <a:t> 21</a:t>
             </a:r>
-            <a:endParaRPr lang="pt-BR" sz="5400" b="1" spc="50" dirty="0" smtClean="0">
-              <a:ln w="13500">
-                <a:solidFill>
-                  <a:schemeClr val="accent1">
-                    <a:shade val="2500"/>
-                    <a:alpha val="6500"/>
-                  </a:schemeClr>
-                </a:solidFill>
-                <a:prstDash val="solid"/>
-              </a:ln>
-              <a:solidFill>
-                <a:schemeClr val="accent1">
-                  <a:tint val="3000"/>
-                  <a:alpha val="95000"/>
-                </a:schemeClr>
-              </a:solidFill>
-              <a:effectLst>
-                <a:innerShdw blurRad="50900" dist="38500" dir="13500000">
-                  <a:srgbClr val="000000">
-                    <a:alpha val="60000"/>
-                  </a:srgbClr>
-                </a:innerShdw>
-              </a:effectLst>
-              <a:latin typeface="Consolas" pitchFamily="49" charset="0"/>
-              <a:cs typeface="Consolas" pitchFamily="49" charset="0"/>
-            </a:endParaRPr>
           </a:p>
           <a:p>
             <a:r>
@@ -5892,7 +5849,7 @@
     <a:masterClrMapping/>
   </p:clrMapOvr>
   <p:transition>
-    <p:push/>
+    <p:fade/>
   </p:transition>
   <p:timing>
     <p:tnLst>
@@ -6388,6 +6345,20 @@
 <file path=ppt/slides/slide17.xml><?xml version="1.0" encoding="utf-8"?>
 <p:sld xmlns:a="http://schemas.openxmlformats.org/drawingml/2006/main" xmlns:r="http://schemas.openxmlformats.org/officeDocument/2006/relationships" xmlns:p="http://schemas.openxmlformats.org/presentationml/2006/main">
   <p:cSld>
+    <p:bg>
+      <p:bgPr>
+        <a:blipFill dpi="0" rotWithShape="1">
+          <a:blip r:embed="rId3" cstate="print">
+            <a:lum/>
+          </a:blip>
+          <a:srcRect/>
+          <a:stretch>
+            <a:fillRect/>
+          </a:stretch>
+        </a:blipFill>
+        <a:effectLst/>
+      </p:bgPr>
+    </p:bg>
     <p:spTree>
       <p:nvGrpSpPr>
         <p:cNvPr id="1" name=""/>
@@ -6411,7 +6382,7 @@
           <p:nvPr/>
         </p:nvPicPr>
         <p:blipFill>
-          <a:blip r:embed="rId3" cstate="print"/>
+          <a:blip r:embed="rId4" cstate="print"/>
           <a:srcRect/>
           <a:stretch>
             <a:fillRect/>
@@ -6419,8 +6390,34 @@
         </p:blipFill>
         <p:spPr bwMode="auto">
           <a:xfrm>
-            <a:off x="2209800" y="990600"/>
+            <a:off x="4724400" y="304800"/>
             <a:ext cx="4572000" cy="4572000"/>
+          </a:xfrm>
+          <a:prstGeom prst="rect">
+            <a:avLst/>
+          </a:prstGeom>
+          <a:noFill/>
+        </p:spPr>
+      </p:pic>
+      <p:pic>
+        <p:nvPicPr>
+          <p:cNvPr id="14342" name="Picture 6" descr="yellow_submarine.png (256×256)"/>
+          <p:cNvPicPr>
+            <a:picLocks noChangeAspect="1" noChangeArrowheads="1"/>
+          </p:cNvPicPr>
+          <p:nvPr/>
+        </p:nvPicPr>
+        <p:blipFill>
+          <a:blip r:embed="rId5" cstate="print"/>
+          <a:srcRect/>
+          <a:stretch>
+            <a:fillRect/>
+          </a:stretch>
+        </p:blipFill>
+        <p:spPr bwMode="auto">
+          <a:xfrm>
+            <a:off x="1752600" y="2667000"/>
+            <a:ext cx="2438400" cy="2438400"/>
           </a:xfrm>
           <a:prstGeom prst="rect">
             <a:avLst/>
@@ -6449,6 +6446,14 @@
 <file path=ppt/slides/slide18.xml><?xml version="1.0" encoding="utf-8"?>
 <p:sld xmlns:a="http://schemas.openxmlformats.org/drawingml/2006/main" xmlns:r="http://schemas.openxmlformats.org/officeDocument/2006/relationships" xmlns:p="http://schemas.openxmlformats.org/presentationml/2006/main">
   <p:cSld>
+    <p:bg>
+      <p:bgPr>
+        <a:solidFill>
+          <a:schemeClr val="bg1"/>
+        </a:solidFill>
+        <a:effectLst/>
+      </p:bgPr>
+    </p:bg>
     <p:spTree>
       <p:nvGrpSpPr>
         <p:cNvPr id="1" name=""/>
@@ -6465,7 +6470,7 @@
       </p:grpSpPr>
       <p:pic>
         <p:nvPicPr>
-          <p:cNvPr id="64516" name="Picture 4" descr="russell-up.jpg (500×360)"/>
+          <p:cNvPr id="12292" name="Picture 4" descr="carl-up.png (448×337)"/>
           <p:cNvPicPr>
             <a:picLocks noChangeAspect="1" noChangeArrowheads="1"/>
           </p:cNvPicPr>
@@ -6480,8 +6485,8 @@
         </p:blipFill>
         <p:spPr bwMode="auto">
           <a:xfrm>
-            <a:off x="0" y="381000"/>
-            <a:ext cx="8995831" cy="6477000"/>
+            <a:off x="0" y="0"/>
+            <a:ext cx="9144000" cy="6858000"/>
           </a:xfrm>
           <a:prstGeom prst="rect">
             <a:avLst/>
@@ -6495,7 +6500,7 @@
     <a:masterClrMapping/>
   </p:clrMapOvr>
   <p:transition>
-    <p:zoom/>
+    <p:fade/>
   </p:transition>
   <p:timing>
     <p:tnLst>
@@ -6575,6 +6580,9 @@
   <p:clrMapOvr>
     <a:masterClrMapping/>
   </p:clrMapOvr>
+  <p:transition>
+    <p:fade/>
+  </p:transition>
   <p:timing>
     <p:tnLst>
       <p:par>
@@ -6654,7 +6662,7 @@
     <a:masterClrMapping/>
   </p:clrMapOvr>
   <p:transition>
-    <p:push dir="u"/>
+    <p:fade/>
   </p:transition>
   <p:timing>
     <p:tnLst>
@@ -6730,6 +6738,9 @@
   <p:clrMapOvr>
     <a:masterClrMapping/>
   </p:clrMapOvr>
+  <p:transition>
+    <p:fade/>
+  </p:transition>
   <p:timing>
     <p:tnLst>
       <p:par>
@@ -6804,6 +6815,9 @@
   <p:clrMapOvr>
     <a:masterClrMapping/>
   </p:clrMapOvr>
+  <p:transition>
+    <p:fade/>
+  </p:transition>
   <p:timing>
     <p:tnLst>
       <p:par>
@@ -6878,6 +6892,9 @@
   <p:clrMapOvr>
     <a:masterClrMapping/>
   </p:clrMapOvr>
+  <p:transition>
+    <p:fade/>
+  </p:transition>
   <p:timing>
     <p:tnLst>
       <p:par>
@@ -7293,13 +7310,7 @@
               <a:rPr lang="en-US" sz="6000" dirty="0" smtClean="0">
                 <a:latin typeface="Cambria" pitchFamily="18" charset="0"/>
               </a:rPr>
-              <a:t>couple of </a:t>
-            </a:r>
-            <a:r>
-              <a:rPr lang="en-US" sz="6000" dirty="0" smtClean="0">
-                <a:latin typeface="Cambria" pitchFamily="18" charset="0"/>
-              </a:rPr>
-              <a:t>hours!</a:t>
+              <a:t>couple of hours!</a:t>
             </a:r>
             <a:endParaRPr lang="en-US" sz="6000" dirty="0">
               <a:latin typeface="Cambria" pitchFamily="18" charset="0"/>
@@ -7455,7 +7466,7 @@
     <a:masterClrMapping/>
   </p:clrMapOvr>
   <p:transition>
-    <p:push dir="d"/>
+    <p:fade/>
   </p:transition>
   <p:timing>
     <p:tnLst>
@@ -7974,8 +7985,8 @@
         </p:blipFill>
         <p:spPr bwMode="auto">
           <a:xfrm>
-            <a:off x="4724400" y="990600"/>
-            <a:ext cx="3979326" cy="914400"/>
+            <a:off x="5334000" y="304800"/>
+            <a:ext cx="3369726" cy="774321"/>
           </a:xfrm>
           <a:prstGeom prst="rect">
             <a:avLst/>
@@ -8000,8 +8011,8 @@
         </p:blipFill>
         <p:spPr bwMode="auto">
           <a:xfrm>
-            <a:off x="5181600" y="3352800"/>
-            <a:ext cx="2819400" cy="2819400"/>
+            <a:off x="6400800" y="4191000"/>
+            <a:ext cx="2438400" cy="2438400"/>
           </a:xfrm>
           <a:prstGeom prst="rect">
             <a:avLst/>
@@ -8027,12 +8038,172 @@
         <p:spPr bwMode="auto">
           <a:xfrm>
             <a:off x="990600" y="533400"/>
-            <a:ext cx="2590798" cy="2590799"/>
+            <a:ext cx="2209800" cy="2209801"/>
           </a:xfrm>
           <a:prstGeom prst="rect">
             <a:avLst/>
           </a:prstGeom>
           <a:noFill/>
+        </p:spPr>
+      </p:pic>
+      <p:pic>
+        <p:nvPicPr>
+          <p:cNvPr id="30722" name="Picture 2" descr="CruiseControl"/>
+          <p:cNvPicPr>
+            <a:picLocks noChangeAspect="1" noChangeArrowheads="1"/>
+          </p:cNvPicPr>
+          <p:nvPr/>
+        </p:nvPicPr>
+        <p:blipFill>
+          <a:blip r:embed="rId7" cstate="print"/>
+          <a:srcRect/>
+          <a:stretch>
+            <a:fillRect/>
+          </a:stretch>
+        </p:blipFill>
+        <p:spPr bwMode="auto">
+          <a:xfrm>
+            <a:off x="3886200" y="1295400"/>
+            <a:ext cx="3434443" cy="739726"/>
+          </a:xfrm>
+          <a:prstGeom prst="rect">
+            <a:avLst/>
+          </a:prstGeom>
+          <a:noFill/>
+          <a:ln>
+            <a:solidFill>
+              <a:schemeClr val="tx1"/>
+            </a:solidFill>
+          </a:ln>
+        </p:spPr>
+      </p:pic>
+      <p:pic>
+        <p:nvPicPr>
+          <p:cNvPr id="30724" name="Picture 4" descr="http://continuum.apache.org/images/continuum_logo_75.gif"/>
+          <p:cNvPicPr>
+            <a:picLocks noChangeAspect="1" noChangeArrowheads="1"/>
+          </p:cNvPicPr>
+          <p:nvPr/>
+        </p:nvPicPr>
+        <p:blipFill>
+          <a:blip r:embed="rId8" cstate="print"/>
+          <a:srcRect/>
+          <a:stretch>
+            <a:fillRect/>
+          </a:stretch>
+        </p:blipFill>
+        <p:spPr bwMode="auto">
+          <a:xfrm>
+            <a:off x="3810000" y="5181600"/>
+            <a:ext cx="2019300" cy="628651"/>
+          </a:xfrm>
+          <a:prstGeom prst="rect">
+            <a:avLst/>
+          </a:prstGeom>
+          <a:noFill/>
+          <a:ln>
+            <a:solidFill>
+              <a:schemeClr val="tx1"/>
+            </a:solidFill>
+          </a:ln>
+        </p:spPr>
+      </p:pic>
+      <p:pic>
+        <p:nvPicPr>
+          <p:cNvPr id="30726" name="Picture 6" descr="Apache Gump™"/>
+          <p:cNvPicPr>
+            <a:picLocks noChangeAspect="1" noChangeArrowheads="1"/>
+          </p:cNvPicPr>
+          <p:nvPr/>
+        </p:nvPicPr>
+        <p:blipFill>
+          <a:blip r:embed="rId9" cstate="print"/>
+          <a:srcRect/>
+          <a:stretch>
+            <a:fillRect/>
+          </a:stretch>
+        </p:blipFill>
+        <p:spPr bwMode="auto">
+          <a:xfrm>
+            <a:off x="5943600" y="3200400"/>
+            <a:ext cx="2124075" cy="676276"/>
+          </a:xfrm>
+          <a:prstGeom prst="rect">
+            <a:avLst/>
+          </a:prstGeom>
+          <a:noFill/>
+          <a:ln>
+            <a:solidFill>
+              <a:schemeClr val="tx1"/>
+            </a:solidFill>
+          </a:ln>
+        </p:spPr>
+      </p:pic>
+      <p:pic>
+        <p:nvPicPr>
+          <p:cNvPr id="30728" name="Picture 8" descr="Cruise_logo_large"/>
+          <p:cNvPicPr>
+            <a:picLocks noChangeAspect="1" noChangeArrowheads="1"/>
+          </p:cNvPicPr>
+          <p:nvPr/>
+        </p:nvPicPr>
+        <p:blipFill>
+          <a:blip r:embed="rId10" cstate="print"/>
+          <a:srcRect/>
+          <a:stretch>
+            <a:fillRect/>
+          </a:stretch>
+        </p:blipFill>
+        <p:spPr bwMode="auto">
+          <a:xfrm>
+            <a:off x="5334000" y="2286000"/>
+            <a:ext cx="3448050" cy="583318"/>
+          </a:xfrm>
+          <a:prstGeom prst="rect">
+            <a:avLst/>
+          </a:prstGeom>
+          <a:solidFill>
+            <a:schemeClr val="bg1"/>
+          </a:solidFill>
+          <a:ln>
+            <a:solidFill>
+              <a:schemeClr val="tx1"/>
+            </a:solidFill>
+          </a:ln>
+        </p:spPr>
+      </p:pic>
+      <p:pic>
+        <p:nvPicPr>
+          <p:cNvPr id="30729" name="Picture 9"/>
+          <p:cNvPicPr>
+            <a:picLocks noChangeAspect="1" noChangeArrowheads="1"/>
+          </p:cNvPicPr>
+          <p:nvPr/>
+        </p:nvPicPr>
+        <p:blipFill>
+          <a:blip r:embed="rId11" cstate="print"/>
+          <a:srcRect/>
+          <a:stretch>
+            <a:fillRect/>
+          </a:stretch>
+        </p:blipFill>
+        <p:spPr bwMode="auto">
+          <a:xfrm>
+            <a:off x="2438400" y="3505200"/>
+            <a:ext cx="2495550" cy="971550"/>
+          </a:xfrm>
+          <a:prstGeom prst="rect">
+            <a:avLst/>
+          </a:prstGeom>
+          <a:noFill/>
+          <a:ln w="9525">
+            <a:solidFill>
+              <a:schemeClr val="tx1"/>
+            </a:solidFill>
+            <a:miter lim="800000"/>
+            <a:headEnd/>
+            <a:tailEnd/>
+          </a:ln>
         </p:spPr>
       </p:pic>
     </p:spTree>

--- a/Presentation.pptx
+++ b/Presentation.pptx
@@ -6515,6 +6515,14 @@
 <file path=ppt/slides/slide19.xml><?xml version="1.0" encoding="utf-8"?>
 <p:sld xmlns:a="http://schemas.openxmlformats.org/drawingml/2006/main" xmlns:r="http://schemas.openxmlformats.org/officeDocument/2006/relationships" xmlns:p="http://schemas.openxmlformats.org/presentationml/2006/main">
   <p:cSld>
+    <p:bg>
+      <p:bgPr>
+        <a:solidFill>
+          <a:schemeClr val="tx1"/>
+        </a:solidFill>
+        <a:effectLst/>
+      </p:bgPr>
+    </p:bg>
     <p:spTree>
       <p:nvGrpSpPr>
         <p:cNvPr id="1" name=""/>
@@ -6529,52 +6537,32 @@
           <a:chExt cx="0" cy="0"/>
         </a:xfrm>
       </p:grpSpPr>
-      <p:sp>
-        <p:nvSpPr>
-          <p:cNvPr id="2" name="Title 1"/>
-          <p:cNvSpPr>
-            <a:spLocks noGrp="1"/>
-          </p:cNvSpPr>
-          <p:nvPr>
-            <p:ph type="title"/>
-          </p:nvPr>
-        </p:nvSpPr>
-        <p:spPr/>
-        <p:txBody>
-          <a:bodyPr/>
-          <a:lstStyle/>
-          <a:p>
-            <a:r>
-              <a:rPr lang="pt-BR" dirty="0" err="1" smtClean="0"/>
-              <a:t>Automated</a:t>
-            </a:r>
-            <a:r>
-              <a:rPr lang="pt-BR" dirty="0" smtClean="0"/>
-              <a:t> Build</a:t>
-            </a:r>
-            <a:endParaRPr lang="en-US" dirty="0"/>
-          </a:p>
-        </p:txBody>
-      </p:sp>
-      <p:sp>
-        <p:nvSpPr>
-          <p:cNvPr id="3" name="Content Placeholder 2"/>
-          <p:cNvSpPr>
-            <a:spLocks noGrp="1"/>
-          </p:cNvSpPr>
-          <p:nvPr>
-            <p:ph idx="1"/>
-          </p:nvPr>
-        </p:nvSpPr>
-        <p:spPr/>
-        <p:txBody>
-          <a:bodyPr/>
-          <a:lstStyle/>
-          <a:p>
-            <a:endParaRPr lang="en-US"/>
-          </a:p>
-        </p:txBody>
-      </p:sp>
+      <p:pic>
+        <p:nvPicPr>
+          <p:cNvPr id="10244" name="Picture 4" descr="The_Domino_Effect_by_MadameFirebird.jpg (634×448)"/>
+          <p:cNvPicPr>
+            <a:picLocks noChangeAspect="1" noChangeArrowheads="1"/>
+          </p:cNvPicPr>
+          <p:nvPr/>
+        </p:nvPicPr>
+        <p:blipFill>
+          <a:blip r:embed="rId2" cstate="print"/>
+          <a:srcRect/>
+          <a:stretch>
+            <a:fillRect/>
+          </a:stretch>
+        </p:blipFill>
+        <p:spPr bwMode="auto">
+          <a:xfrm>
+            <a:off x="0" y="381000"/>
+            <a:ext cx="9166111" cy="6477000"/>
+          </a:xfrm>
+          <a:prstGeom prst="rect">
+            <a:avLst/>
+          </a:prstGeom>
+          <a:noFill/>
+        </p:spPr>
+      </p:pic>
     </p:spTree>
   </p:cSld>
   <p:clrMapOvr>

--- a/Presentation.pptx
+++ b/Presentation.pptx
@@ -5,7 +5,7 @@
     <p:sldMasterId id="2147483648" r:id="rId1"/>
   </p:sldMasterIdLst>
   <p:notesMasterIdLst>
-    <p:notesMasterId r:id="rId29"/>
+    <p:notesMasterId r:id="rId33"/>
   </p:notesMasterIdLst>
   <p:sldIdLst>
     <p:sldId id="257" r:id="rId2"/>
@@ -26,15 +26,19 @@
     <p:sldId id="282" r:id="rId17"/>
     <p:sldId id="284" r:id="rId18"/>
     <p:sldId id="285" r:id="rId19"/>
-    <p:sldId id="287" r:id="rId20"/>
-    <p:sldId id="288" r:id="rId21"/>
-    <p:sldId id="289" r:id="rId22"/>
-    <p:sldId id="286" r:id="rId23"/>
-    <p:sldId id="271" r:id="rId24"/>
-    <p:sldId id="274" r:id="rId25"/>
-    <p:sldId id="275" r:id="rId26"/>
-    <p:sldId id="276" r:id="rId27"/>
-    <p:sldId id="273" r:id="rId28"/>
+    <p:sldId id="293" r:id="rId20"/>
+    <p:sldId id="287" r:id="rId21"/>
+    <p:sldId id="290" r:id="rId22"/>
+    <p:sldId id="292" r:id="rId23"/>
+    <p:sldId id="294" r:id="rId24"/>
+    <p:sldId id="288" r:id="rId25"/>
+    <p:sldId id="289" r:id="rId26"/>
+    <p:sldId id="286" r:id="rId27"/>
+    <p:sldId id="271" r:id="rId28"/>
+    <p:sldId id="274" r:id="rId29"/>
+    <p:sldId id="275" r:id="rId30"/>
+    <p:sldId id="276" r:id="rId31"/>
+    <p:sldId id="273" r:id="rId32"/>
   </p:sldIdLst>
   <p:sldSz cx="9144000" cy="6858000" type="screen4x3"/>
   <p:notesSz cx="6858000" cy="9144000"/>
@@ -1428,7 +1432,46 @@
           <a:p>
             <a:r>
               <a:rPr lang="pt-BR" dirty="0" smtClean="0"/>
-              <a:t>Integração contínua tem a ver com agilidade</a:t>
+              <a:t>Mas o que é</a:t>
+            </a:r>
+            <a:r>
+              <a:rPr lang="pt-BR" baseline="0" dirty="0" smtClean="0"/>
+              <a:t> integração contínua?</a:t>
+            </a:r>
+          </a:p>
+          <a:p>
+            <a:r>
+              <a:rPr lang="pt-BR" baseline="0" dirty="0" smtClean="0"/>
+              <a:t>Martin Fowler diz isso.</a:t>
+            </a:r>
+          </a:p>
+          <a:p>
+            <a:r>
+              <a:rPr lang="pt-BR" baseline="0" dirty="0" smtClean="0"/>
+              <a:t>Normalmente as pessoas focam na parte do build automatizado.</a:t>
+            </a:r>
+          </a:p>
+          <a:p>
+            <a:endParaRPr lang="pt-BR" baseline="0" dirty="0" smtClean="0"/>
+          </a:p>
+          <a:p>
+            <a:r>
+              <a:rPr lang="pt-BR" baseline="0" dirty="0" smtClean="0"/>
+              <a:t>Eu gosto de focar na parte dos membros do time integrando software </a:t>
+            </a:r>
+            <a:r>
+              <a:rPr lang="pt-BR" baseline="0" dirty="0" err="1" smtClean="0"/>
+              <a:t>frequentemente</a:t>
+            </a:r>
+            <a:r>
+              <a:rPr lang="pt-BR" baseline="0" dirty="0" smtClean="0"/>
+              <a:t>.</a:t>
+            </a:r>
+          </a:p>
+          <a:p>
+            <a:r>
+              <a:rPr lang="pt-BR" baseline="0" dirty="0" smtClean="0"/>
+              <a:t>E mesmo no que diz sobre build automatizado, não fala nada sobre servidor.</a:t>
             </a:r>
             <a:endParaRPr lang="en-US" dirty="0"/>
           </a:p>
@@ -1453,6 +1496,92 @@
               <a:rPr lang="en-US" smtClean="0"/>
               <a:pPr/>
               <a:t>23</a:t>
+            </a:fld>
+            <a:endParaRPr lang="en-US"/>
+          </a:p>
+        </p:txBody>
+      </p:sp>
+    </p:spTree>
+  </p:cSld>
+  <p:clrMapOvr>
+    <a:masterClrMapping/>
+  </p:clrMapOvr>
+</p:notes>
+</file>
+
+<file path=ppt/notesSlides/notesSlide18.xml><?xml version="1.0" encoding="utf-8"?>
+<p:notes xmlns:a="http://schemas.openxmlformats.org/drawingml/2006/main" xmlns:r="http://schemas.openxmlformats.org/officeDocument/2006/relationships" xmlns:p="http://schemas.openxmlformats.org/presentationml/2006/main">
+  <p:cSld>
+    <p:spTree>
+      <p:nvGrpSpPr>
+        <p:cNvPr id="1" name=""/>
+        <p:cNvGrpSpPr/>
+        <p:nvPr/>
+      </p:nvGrpSpPr>
+      <p:grpSpPr>
+        <a:xfrm>
+          <a:off x="0" y="0"/>
+          <a:ext cx="0" cy="0"/>
+          <a:chOff x="0" y="0"/>
+          <a:chExt cx="0" cy="0"/>
+        </a:xfrm>
+      </p:grpSpPr>
+      <p:sp>
+        <p:nvSpPr>
+          <p:cNvPr id="2" name="Slide Image Placeholder 1"/>
+          <p:cNvSpPr>
+            <a:spLocks noGrp="1" noRot="1" noChangeAspect="1"/>
+          </p:cNvSpPr>
+          <p:nvPr>
+            <p:ph type="sldImg"/>
+          </p:nvPr>
+        </p:nvSpPr>
+        <p:spPr/>
+      </p:sp>
+      <p:sp>
+        <p:nvSpPr>
+          <p:cNvPr id="3" name="Notes Placeholder 2"/>
+          <p:cNvSpPr>
+            <a:spLocks noGrp="1"/>
+          </p:cNvSpPr>
+          <p:nvPr>
+            <p:ph type="body" idx="1"/>
+          </p:nvPr>
+        </p:nvSpPr>
+        <p:spPr/>
+        <p:txBody>
+          <a:bodyPr>
+            <a:normAutofit/>
+          </a:bodyPr>
+          <a:lstStyle/>
+          <a:p>
+            <a:r>
+              <a:rPr lang="pt-BR" dirty="0" smtClean="0"/>
+              <a:t>Integração contínua tem a ver com agilidade</a:t>
+            </a:r>
+            <a:endParaRPr lang="en-US" dirty="0"/>
+          </a:p>
+        </p:txBody>
+      </p:sp>
+      <p:sp>
+        <p:nvSpPr>
+          <p:cNvPr id="4" name="Slide Number Placeholder 3"/>
+          <p:cNvSpPr>
+            <a:spLocks noGrp="1"/>
+          </p:cNvSpPr>
+          <p:nvPr>
+            <p:ph type="sldNum" sz="quarter" idx="10"/>
+          </p:nvPr>
+        </p:nvSpPr>
+        <p:spPr/>
+        <p:txBody>
+          <a:bodyPr/>
+          <a:lstStyle/>
+          <a:p>
+            <a:fld id="{B26A75E8-9EC7-42DF-8FCD-4AF46A032700}" type="slidenum">
+              <a:rPr lang="en-US" smtClean="0"/>
+              <a:pPr/>
+              <a:t>27</a:t>
             </a:fld>
             <a:endParaRPr lang="en-US"/>
           </a:p>
@@ -6515,14 +6644,6 @@
 <file path=ppt/slides/slide19.xml><?xml version="1.0" encoding="utf-8"?>
 <p:sld xmlns:a="http://schemas.openxmlformats.org/drawingml/2006/main" xmlns:r="http://schemas.openxmlformats.org/officeDocument/2006/relationships" xmlns:p="http://schemas.openxmlformats.org/presentationml/2006/main">
   <p:cSld>
-    <p:bg>
-      <p:bgPr>
-        <a:solidFill>
-          <a:schemeClr val="tx1"/>
-        </a:solidFill>
-        <a:effectLst/>
-      </p:bgPr>
-    </p:bg>
     <p:spTree>
       <p:nvGrpSpPr>
         <p:cNvPr id="1" name=""/>
@@ -6539,7 +6660,7 @@
       </p:grpSpPr>
       <p:pic>
         <p:nvPicPr>
-          <p:cNvPr id="10244" name="Picture 4" descr="The_Domino_Effect_by_MadameFirebird.jpg (634×448)"/>
+          <p:cNvPr id="1026" name="Picture 2"/>
           <p:cNvPicPr>
             <a:picLocks noChangeAspect="1" noChangeArrowheads="1"/>
           </p:cNvPicPr>
@@ -6554,13 +6675,19 @@
         </p:blipFill>
         <p:spPr bwMode="auto">
           <a:xfrm>
-            <a:off x="0" y="381000"/>
-            <a:ext cx="9166111" cy="6477000"/>
+            <a:off x="172495" y="457200"/>
+            <a:ext cx="8686202" cy="5867399"/>
           </a:xfrm>
           <a:prstGeom prst="rect">
             <a:avLst/>
           </a:prstGeom>
           <a:noFill/>
+          <a:ln w="9525">
+            <a:noFill/>
+            <a:miter lim="800000"/>
+            <a:headEnd/>
+            <a:tailEnd/>
+          </a:ln>
         </p:spPr>
       </p:pic>
     </p:spTree>
@@ -6568,16 +6695,6 @@
   <p:clrMapOvr>
     <a:masterClrMapping/>
   </p:clrMapOvr>
-  <p:transition>
-    <p:fade/>
-  </p:transition>
-  <p:timing>
-    <p:tnLst>
-      <p:par>
-        <p:cTn id="1" dur="indefinite" restart="never" nodeType="tmRoot"/>
-      </p:par>
-    </p:tnLst>
-  </p:timing>
 </p:sld>
 </file>
 
@@ -6665,6 +6782,14 @@
 <file path=ppt/slides/slide20.xml><?xml version="1.0" encoding="utf-8"?>
 <p:sld xmlns:a="http://schemas.openxmlformats.org/drawingml/2006/main" xmlns:r="http://schemas.openxmlformats.org/officeDocument/2006/relationships" xmlns:p="http://schemas.openxmlformats.org/presentationml/2006/main">
   <p:cSld>
+    <p:bg>
+      <p:bgPr>
+        <a:solidFill>
+          <a:schemeClr val="tx1"/>
+        </a:solidFill>
+        <a:effectLst/>
+      </p:bgPr>
+    </p:bg>
     <p:spTree>
       <p:nvGrpSpPr>
         <p:cNvPr id="1" name=""/>
@@ -6679,48 +6804,32 @@
           <a:chExt cx="0" cy="0"/>
         </a:xfrm>
       </p:grpSpPr>
-      <p:sp>
-        <p:nvSpPr>
-          <p:cNvPr id="2" name="Title 1"/>
-          <p:cNvSpPr>
-            <a:spLocks noGrp="1"/>
-          </p:cNvSpPr>
-          <p:nvPr>
-            <p:ph type="title"/>
-          </p:nvPr>
-        </p:nvSpPr>
-        <p:spPr/>
-        <p:txBody>
-          <a:bodyPr/>
-          <a:lstStyle/>
-          <a:p>
-            <a:r>
-              <a:rPr lang="pt-BR" dirty="0" smtClean="0"/>
-              <a:t>TEST!!!</a:t>
-            </a:r>
-            <a:endParaRPr lang="en-US" dirty="0"/>
-          </a:p>
-        </p:txBody>
-      </p:sp>
-      <p:sp>
-        <p:nvSpPr>
-          <p:cNvPr id="3" name="Content Placeholder 2"/>
-          <p:cNvSpPr>
-            <a:spLocks noGrp="1"/>
-          </p:cNvSpPr>
-          <p:nvPr>
-            <p:ph idx="1"/>
-          </p:nvPr>
-        </p:nvSpPr>
-        <p:spPr/>
-        <p:txBody>
-          <a:bodyPr/>
-          <a:lstStyle/>
-          <a:p>
-            <a:endParaRPr lang="en-US"/>
-          </a:p>
-        </p:txBody>
-      </p:sp>
+      <p:pic>
+        <p:nvPicPr>
+          <p:cNvPr id="10244" name="Picture 4" descr="The_Domino_Effect_by_MadameFirebird.jpg (634×448)"/>
+          <p:cNvPicPr>
+            <a:picLocks noChangeAspect="1" noChangeArrowheads="1"/>
+          </p:cNvPicPr>
+          <p:nvPr/>
+        </p:nvPicPr>
+        <p:blipFill>
+          <a:blip r:embed="rId2" cstate="print"/>
+          <a:srcRect/>
+          <a:stretch>
+            <a:fillRect/>
+          </a:stretch>
+        </p:blipFill>
+        <p:spPr bwMode="auto">
+          <a:xfrm>
+            <a:off x="0" y="381000"/>
+            <a:ext cx="9166111" cy="6477000"/>
+          </a:xfrm>
+          <a:prstGeom prst="rect">
+            <a:avLst/>
+          </a:prstGeom>
+          <a:noFill/>
+        </p:spPr>
+      </p:pic>
     </p:spTree>
   </p:cSld>
   <p:clrMapOvr>
@@ -6742,6 +6851,14 @@
 <file path=ppt/slides/slide21.xml><?xml version="1.0" encoding="utf-8"?>
 <p:sld xmlns:a="http://schemas.openxmlformats.org/drawingml/2006/main" xmlns:r="http://schemas.openxmlformats.org/officeDocument/2006/relationships" xmlns:p="http://schemas.openxmlformats.org/presentationml/2006/main">
   <p:cSld>
+    <p:bg>
+      <p:bgPr>
+        <a:solidFill>
+          <a:schemeClr val="tx1"/>
+        </a:solidFill>
+        <a:effectLst/>
+      </p:bgPr>
+    </p:bg>
     <p:spTree>
       <p:nvGrpSpPr>
         <p:cNvPr id="1" name=""/>
@@ -6758,43 +6875,300 @@
       </p:grpSpPr>
       <p:sp>
         <p:nvSpPr>
-          <p:cNvPr id="2" name="Title 1"/>
-          <p:cNvSpPr>
-            <a:spLocks noGrp="1"/>
-          </p:cNvSpPr>
-          <p:nvPr>
-            <p:ph type="title"/>
-          </p:nvPr>
-        </p:nvSpPr>
-        <p:spPr/>
-        <p:txBody>
-          <a:bodyPr/>
-          <a:lstStyle/>
-          <a:p>
-            <a:r>
-              <a:rPr lang="pt-BR" dirty="0" err="1" smtClean="0"/>
-              <a:t>Sandboxing</a:t>
+          <p:cNvPr id="4" name="Rectangle 3"/>
+          <p:cNvSpPr/>
+          <p:nvPr/>
+        </p:nvSpPr>
+        <p:spPr>
+          <a:xfrm>
+            <a:off x="0" y="2133600"/>
+            <a:ext cx="9144000" cy="830997"/>
+          </a:xfrm>
+          <a:prstGeom prst="rect">
+            <a:avLst/>
+          </a:prstGeom>
+        </p:spPr>
+        <p:txBody>
+          <a:bodyPr wrap="square">
+            <a:spAutoFit/>
+          </a:bodyPr>
+          <a:lstStyle/>
+          <a:p>
+            <a:pPr algn="ctr"/>
+            <a:r>
+              <a:rPr lang="en-US" sz="4800" dirty="0" smtClean="0">
+                <a:solidFill>
+                  <a:schemeClr val="bg1"/>
+                </a:solidFill>
+                <a:latin typeface="Cambria" pitchFamily="18" charset="0"/>
+              </a:rPr>
+              <a:t>msbuildtasks.tigris.org</a:t>
+            </a:r>
+            <a:endParaRPr lang="en-US" sz="4800" dirty="0">
+              <a:solidFill>
+                <a:schemeClr val="bg1"/>
+              </a:solidFill>
+              <a:latin typeface="Cambria" pitchFamily="18" charset="0"/>
+            </a:endParaRPr>
+          </a:p>
+        </p:txBody>
+      </p:sp>
+    </p:spTree>
+  </p:cSld>
+  <p:clrMapOvr>
+    <a:masterClrMapping/>
+  </p:clrMapOvr>
+  <p:timing>
+    <p:tnLst>
+      <p:par>
+        <p:cTn id="1" dur="indefinite" restart="never" nodeType="tmRoot"/>
+      </p:par>
+    </p:tnLst>
+  </p:timing>
+</p:sld>
+</file>
+
+<file path=ppt/slides/slide22.xml><?xml version="1.0" encoding="utf-8"?>
+<p:sld xmlns:a="http://schemas.openxmlformats.org/drawingml/2006/main" xmlns:r="http://schemas.openxmlformats.org/officeDocument/2006/relationships" xmlns:p="http://schemas.openxmlformats.org/presentationml/2006/main">
+  <p:cSld>
+    <p:bg>
+      <p:bgPr>
+        <a:solidFill>
+          <a:schemeClr val="tx1"/>
+        </a:solidFill>
+        <a:effectLst/>
+      </p:bgPr>
+    </p:bg>
+    <p:spTree>
+      <p:nvGrpSpPr>
+        <p:cNvPr id="1" name=""/>
+        <p:cNvGrpSpPr/>
+        <p:nvPr/>
+      </p:nvGrpSpPr>
+      <p:grpSpPr>
+        <a:xfrm>
+          <a:off x="0" y="0"/>
+          <a:ext cx="0" cy="0"/>
+          <a:chOff x="0" y="0"/>
+          <a:chExt cx="0" cy="0"/>
+        </a:xfrm>
+      </p:grpSpPr>
+      <p:sp>
+        <p:nvSpPr>
+          <p:cNvPr id="4" name="Rectangle 3"/>
+          <p:cNvSpPr/>
+          <p:nvPr/>
+        </p:nvSpPr>
+        <p:spPr>
+          <a:xfrm>
+            <a:off x="0" y="2133600"/>
+            <a:ext cx="9144000" cy="2308324"/>
+          </a:xfrm>
+          <a:prstGeom prst="rect">
+            <a:avLst/>
+          </a:prstGeom>
+        </p:spPr>
+        <p:txBody>
+          <a:bodyPr wrap="square">
+            <a:spAutoFit/>
+          </a:bodyPr>
+          <a:lstStyle/>
+          <a:p>
+            <a:pPr algn="ctr"/>
+            <a:r>
+              <a:rPr lang="en-US" sz="4800" dirty="0" smtClean="0">
+                <a:solidFill>
+                  <a:schemeClr val="bg1"/>
+                </a:solidFill>
+                <a:latin typeface="Cambria" pitchFamily="18" charset="0"/>
+              </a:rPr>
+              <a:t>msbuildtasks.tigris.org</a:t>
+            </a:r>
+          </a:p>
+          <a:p>
+            <a:pPr algn="ctr"/>
+            <a:endParaRPr lang="pt-BR" sz="4800" dirty="0" smtClean="0">
+              <a:solidFill>
+                <a:schemeClr val="bg1"/>
+              </a:solidFill>
+              <a:latin typeface="Cambria" pitchFamily="18" charset="0"/>
+            </a:endParaRPr>
+          </a:p>
+          <a:p>
+            <a:pPr algn="ctr"/>
+            <a:r>
+              <a:rPr lang="en-US" sz="4800" dirty="0" smtClean="0">
+                <a:solidFill>
+                  <a:schemeClr val="bg1"/>
+                </a:solidFill>
+                <a:latin typeface="Cambria" pitchFamily="18" charset="0"/>
+              </a:rPr>
+              <a:t>albacorebuild.net</a:t>
+            </a:r>
+            <a:endParaRPr lang="en-US" sz="4800" dirty="0">
+              <a:solidFill>
+                <a:schemeClr val="bg1"/>
+              </a:solidFill>
+              <a:latin typeface="Cambria" pitchFamily="18" charset="0"/>
+            </a:endParaRPr>
+          </a:p>
+        </p:txBody>
+      </p:sp>
+    </p:spTree>
+  </p:cSld>
+  <p:clrMapOvr>
+    <a:masterClrMapping/>
+  </p:clrMapOvr>
+  <p:timing>
+    <p:tnLst>
+      <p:par>
+        <p:cTn id="1" dur="indefinite" restart="never" nodeType="tmRoot"/>
+      </p:par>
+    </p:tnLst>
+  </p:timing>
+</p:sld>
+</file>
+
+<file path=ppt/slides/slide23.xml><?xml version="1.0" encoding="utf-8"?>
+<p:sld xmlns:a="http://schemas.openxmlformats.org/drawingml/2006/main" xmlns:r="http://schemas.openxmlformats.org/officeDocument/2006/relationships" xmlns:p="http://schemas.openxmlformats.org/presentationml/2006/main">
+  <p:cSld>
+    <p:spTree>
+      <p:nvGrpSpPr>
+        <p:cNvPr id="1" name=""/>
+        <p:cNvGrpSpPr/>
+        <p:nvPr/>
+      </p:nvGrpSpPr>
+      <p:grpSpPr>
+        <a:xfrm>
+          <a:off x="0" y="0"/>
+          <a:ext cx="0" cy="0"/>
+          <a:chOff x="0" y="0"/>
+          <a:chExt cx="0" cy="0"/>
+        </a:xfrm>
+      </p:grpSpPr>
+      <p:sp>
+        <p:nvSpPr>
+          <p:cNvPr id="4" name="Rectangle 3"/>
+          <p:cNvSpPr/>
+          <p:nvPr/>
+        </p:nvSpPr>
+        <p:spPr>
+          <a:xfrm>
+            <a:off x="457200" y="2133600"/>
+            <a:ext cx="8229600" cy="1569660"/>
+          </a:xfrm>
+          <a:prstGeom prst="rect">
+            <a:avLst/>
+          </a:prstGeom>
+        </p:spPr>
+        <p:txBody>
+          <a:bodyPr wrap="square">
+            <a:spAutoFit/>
+          </a:bodyPr>
+          <a:lstStyle/>
+          <a:p>
+            <a:pPr algn="r"/>
+            <a:r>
+              <a:rPr lang="en-US" sz="4800" dirty="0" err="1" smtClean="0">
+                <a:latin typeface="Cambria" pitchFamily="18" charset="0"/>
+              </a:rPr>
+              <a:t>Compilou</a:t>
+            </a:r>
+            <a:r>
+              <a:rPr lang="en-US" sz="4800" dirty="0" smtClean="0">
+                <a:latin typeface="Cambria" pitchFamily="18" charset="0"/>
+              </a:rPr>
+              <a:t>, 0 errors e 0 warnings</a:t>
+            </a:r>
+            <a:r>
+              <a:rPr lang="en-US" sz="4800" dirty="0" smtClean="0">
+                <a:latin typeface="Cambria" pitchFamily="18" charset="0"/>
+              </a:rPr>
+              <a:t>, </a:t>
+            </a:r>
+            <a:r>
+              <a:rPr lang="en-US" sz="4800" dirty="0" err="1" smtClean="0">
+                <a:latin typeface="Cambria" pitchFamily="18" charset="0"/>
+              </a:rPr>
+              <a:t>tá</a:t>
+            </a:r>
+            <a:r>
+              <a:rPr lang="en-US" sz="4800" dirty="0" smtClean="0">
+                <a:latin typeface="Cambria" pitchFamily="18" charset="0"/>
+              </a:rPr>
+              <a:t> </a:t>
+            </a:r>
+            <a:r>
+              <a:rPr lang="en-US" sz="4800" dirty="0" err="1" smtClean="0">
+                <a:latin typeface="Cambria" pitchFamily="18" charset="0"/>
+              </a:rPr>
+              <a:t>tudo</a:t>
+            </a:r>
+            <a:r>
+              <a:rPr lang="en-US" sz="4800" dirty="0" smtClean="0">
+                <a:latin typeface="Cambria" pitchFamily="18" charset="0"/>
+              </a:rPr>
+              <a:t> ok.</a:t>
+            </a:r>
+            <a:endParaRPr lang="en-US" sz="4800" dirty="0">
+              <a:latin typeface="Cambria" pitchFamily="18" charset="0"/>
+            </a:endParaRPr>
+          </a:p>
+        </p:txBody>
+      </p:sp>
+      <p:pic>
+        <p:nvPicPr>
+          <p:cNvPr id="40962" name="Picture 2" descr="quotation marks.jpg (214×201)"/>
+          <p:cNvPicPr>
+            <a:picLocks noChangeAspect="1" noChangeArrowheads="1"/>
+          </p:cNvPicPr>
+          <p:nvPr/>
+        </p:nvPicPr>
+        <p:blipFill>
+          <a:blip r:embed="rId3" cstate="print"/>
+          <a:srcRect/>
+          <a:stretch>
+            <a:fillRect/>
+          </a:stretch>
+        </p:blipFill>
+        <p:spPr bwMode="auto">
+          <a:xfrm>
+            <a:off x="228600" y="0"/>
+            <a:ext cx="2038350" cy="1914525"/>
+          </a:xfrm>
+          <a:prstGeom prst="rect">
+            <a:avLst/>
+          </a:prstGeom>
+          <a:noFill/>
+        </p:spPr>
+      </p:pic>
+      <p:sp>
+        <p:nvSpPr>
+          <p:cNvPr id="6" name="Rectangle 5"/>
+          <p:cNvSpPr/>
+          <p:nvPr/>
+        </p:nvSpPr>
+        <p:spPr>
+          <a:xfrm>
+            <a:off x="1676400" y="5791200"/>
+            <a:ext cx="6858000" cy="369332"/>
+          </a:xfrm>
+          <a:prstGeom prst="rect">
+            <a:avLst/>
+          </a:prstGeom>
+        </p:spPr>
+        <p:txBody>
+          <a:bodyPr wrap="square">
+            <a:spAutoFit/>
+          </a:bodyPr>
+          <a:lstStyle/>
+          <a:p>
+            <a:pPr algn="r"/>
+            <a:r>
+              <a:rPr lang="pt-BR" dirty="0" smtClean="0"/>
+              <a:t>Anônimo</a:t>
             </a:r>
             <a:endParaRPr lang="en-US" dirty="0"/>
-          </a:p>
-        </p:txBody>
-      </p:sp>
-      <p:sp>
-        <p:nvSpPr>
-          <p:cNvPr id="3" name="Content Placeholder 2"/>
-          <p:cNvSpPr>
-            <a:spLocks noGrp="1"/>
-          </p:cNvSpPr>
-          <p:nvPr>
-            <p:ph idx="1"/>
-          </p:nvPr>
-        </p:nvSpPr>
-        <p:spPr/>
-        <p:txBody>
-          <a:bodyPr/>
-          <a:lstStyle/>
-          <a:p>
-            <a:endParaRPr lang="en-US"/>
           </a:p>
         </p:txBody>
       </p:sp>
@@ -6816,7 +7190,7 @@
 </p:sld>
 </file>
 
-<file path=ppt/slides/slide22.xml><?xml version="1.0" encoding="utf-8"?>
+<file path=ppt/slides/slide24.xml><?xml version="1.0" encoding="utf-8"?>
 <p:sld xmlns:a="http://schemas.openxmlformats.org/drawingml/2006/main" xmlns:r="http://schemas.openxmlformats.org/officeDocument/2006/relationships" xmlns:p="http://schemas.openxmlformats.org/presentationml/2006/main">
   <p:cSld>
     <p:spTree>
@@ -6850,7 +7224,7 @@
           <a:p>
             <a:r>
               <a:rPr lang="pt-BR" dirty="0" smtClean="0"/>
-              <a:t>Database management</a:t>
+              <a:t>TEST!!!</a:t>
             </a:r>
             <a:endParaRPr lang="en-US" dirty="0"/>
           </a:p>
@@ -6893,7 +7267,161 @@
 </p:sld>
 </file>
 
-<file path=ppt/slides/slide23.xml><?xml version="1.0" encoding="utf-8"?>
+<file path=ppt/slides/slide25.xml><?xml version="1.0" encoding="utf-8"?>
+<p:sld xmlns:a="http://schemas.openxmlformats.org/drawingml/2006/main" xmlns:r="http://schemas.openxmlformats.org/officeDocument/2006/relationships" xmlns:p="http://schemas.openxmlformats.org/presentationml/2006/main">
+  <p:cSld>
+    <p:spTree>
+      <p:nvGrpSpPr>
+        <p:cNvPr id="1" name=""/>
+        <p:cNvGrpSpPr/>
+        <p:nvPr/>
+      </p:nvGrpSpPr>
+      <p:grpSpPr>
+        <a:xfrm>
+          <a:off x="0" y="0"/>
+          <a:ext cx="0" cy="0"/>
+          <a:chOff x="0" y="0"/>
+          <a:chExt cx="0" cy="0"/>
+        </a:xfrm>
+      </p:grpSpPr>
+      <p:sp>
+        <p:nvSpPr>
+          <p:cNvPr id="2" name="Title 1"/>
+          <p:cNvSpPr>
+            <a:spLocks noGrp="1"/>
+          </p:cNvSpPr>
+          <p:nvPr>
+            <p:ph type="title"/>
+          </p:nvPr>
+        </p:nvSpPr>
+        <p:spPr/>
+        <p:txBody>
+          <a:bodyPr/>
+          <a:lstStyle/>
+          <a:p>
+            <a:r>
+              <a:rPr lang="pt-BR" dirty="0" err="1" smtClean="0"/>
+              <a:t>Sandboxing</a:t>
+            </a:r>
+            <a:endParaRPr lang="en-US" dirty="0"/>
+          </a:p>
+        </p:txBody>
+      </p:sp>
+      <p:sp>
+        <p:nvSpPr>
+          <p:cNvPr id="3" name="Content Placeholder 2"/>
+          <p:cNvSpPr>
+            <a:spLocks noGrp="1"/>
+          </p:cNvSpPr>
+          <p:nvPr>
+            <p:ph idx="1"/>
+          </p:nvPr>
+        </p:nvSpPr>
+        <p:spPr/>
+        <p:txBody>
+          <a:bodyPr/>
+          <a:lstStyle/>
+          <a:p>
+            <a:endParaRPr lang="en-US"/>
+          </a:p>
+        </p:txBody>
+      </p:sp>
+    </p:spTree>
+  </p:cSld>
+  <p:clrMapOvr>
+    <a:masterClrMapping/>
+  </p:clrMapOvr>
+  <p:transition>
+    <p:fade/>
+  </p:transition>
+  <p:timing>
+    <p:tnLst>
+      <p:par>
+        <p:cTn id="1" dur="indefinite" restart="never" nodeType="tmRoot"/>
+      </p:par>
+    </p:tnLst>
+  </p:timing>
+</p:sld>
+</file>
+
+<file path=ppt/slides/slide26.xml><?xml version="1.0" encoding="utf-8"?>
+<p:sld xmlns:a="http://schemas.openxmlformats.org/drawingml/2006/main" xmlns:r="http://schemas.openxmlformats.org/officeDocument/2006/relationships" xmlns:p="http://schemas.openxmlformats.org/presentationml/2006/main">
+  <p:cSld>
+    <p:spTree>
+      <p:nvGrpSpPr>
+        <p:cNvPr id="1" name=""/>
+        <p:cNvGrpSpPr/>
+        <p:nvPr/>
+      </p:nvGrpSpPr>
+      <p:grpSpPr>
+        <a:xfrm>
+          <a:off x="0" y="0"/>
+          <a:ext cx="0" cy="0"/>
+          <a:chOff x="0" y="0"/>
+          <a:chExt cx="0" cy="0"/>
+        </a:xfrm>
+      </p:grpSpPr>
+      <p:sp>
+        <p:nvSpPr>
+          <p:cNvPr id="2" name="Title 1"/>
+          <p:cNvSpPr>
+            <a:spLocks noGrp="1"/>
+          </p:cNvSpPr>
+          <p:nvPr>
+            <p:ph type="title"/>
+          </p:nvPr>
+        </p:nvSpPr>
+        <p:spPr/>
+        <p:txBody>
+          <a:bodyPr/>
+          <a:lstStyle/>
+          <a:p>
+            <a:r>
+              <a:rPr lang="pt-BR" dirty="0" smtClean="0"/>
+              <a:t>Database management</a:t>
+            </a:r>
+            <a:endParaRPr lang="en-US" dirty="0"/>
+          </a:p>
+        </p:txBody>
+      </p:sp>
+      <p:sp>
+        <p:nvSpPr>
+          <p:cNvPr id="3" name="Content Placeholder 2"/>
+          <p:cNvSpPr>
+            <a:spLocks noGrp="1"/>
+          </p:cNvSpPr>
+          <p:nvPr>
+            <p:ph idx="1"/>
+          </p:nvPr>
+        </p:nvSpPr>
+        <p:spPr/>
+        <p:txBody>
+          <a:bodyPr/>
+          <a:lstStyle/>
+          <a:p>
+            <a:endParaRPr lang="en-US"/>
+          </a:p>
+        </p:txBody>
+      </p:sp>
+    </p:spTree>
+  </p:cSld>
+  <p:clrMapOvr>
+    <a:masterClrMapping/>
+  </p:clrMapOvr>
+  <p:transition>
+    <p:fade/>
+  </p:transition>
+  <p:timing>
+    <p:tnLst>
+      <p:par>
+        <p:cTn id="1" dur="indefinite" restart="never" nodeType="tmRoot"/>
+      </p:par>
+    </p:tnLst>
+  </p:timing>
+</p:sld>
+</file>
+
+<file path=ppt/slides/slide27.xml><?xml version="1.0" encoding="utf-8"?>
 <p:sld xmlns:a="http://schemas.openxmlformats.org/drawingml/2006/main" xmlns:r="http://schemas.openxmlformats.org/officeDocument/2006/relationships" xmlns:p="http://schemas.openxmlformats.org/presentationml/2006/main">
   <p:cSld>
     <p:spTree>
@@ -6954,7 +7482,7 @@
 </p:sld>
 </file>
 
-<file path=ppt/slides/slide24.xml><?xml version="1.0" encoding="utf-8"?>
+<file path=ppt/slides/slide28.xml><?xml version="1.0" encoding="utf-8"?>
 <p:sld xmlns:a="http://schemas.openxmlformats.org/drawingml/2006/main" xmlns:r="http://schemas.openxmlformats.org/officeDocument/2006/relationships" xmlns:p="http://schemas.openxmlformats.org/presentationml/2006/main">
   <p:cSld>
     <p:spTree>
@@ -7134,7 +7662,7 @@
 </p:sld>
 </file>
 
-<file path=ppt/slides/slide25.xml><?xml version="1.0" encoding="utf-8"?>
+<file path=ppt/slides/slide29.xml><?xml version="1.0" encoding="utf-8"?>
 <p:sld xmlns:a="http://schemas.openxmlformats.org/drawingml/2006/main" xmlns:r="http://schemas.openxmlformats.org/officeDocument/2006/relationships" xmlns:p="http://schemas.openxmlformats.org/presentationml/2006/main">
   <p:cSld>
     <p:spTree>
@@ -7208,174 +7736,6 @@
             <a:endParaRPr lang="en-US" sz="3200" dirty="0">
               <a:latin typeface="Cambria" pitchFamily="18" charset="0"/>
             </a:endParaRPr>
-          </a:p>
-        </p:txBody>
-      </p:sp>
-    </p:spTree>
-  </p:cSld>
-  <p:clrMapOvr>
-    <a:masterClrMapping/>
-  </p:clrMapOvr>
-  <p:transition>
-    <p:fade/>
-  </p:transition>
-  <p:timing>
-    <p:tnLst>
-      <p:par>
-        <p:cTn id="1" dur="indefinite" restart="never" nodeType="tmRoot"/>
-      </p:par>
-    </p:tnLst>
-  </p:timing>
-</p:sld>
-</file>
-
-<file path=ppt/slides/slide26.xml><?xml version="1.0" encoding="utf-8"?>
-<p:sld xmlns:a="http://schemas.openxmlformats.org/drawingml/2006/main" xmlns:r="http://schemas.openxmlformats.org/officeDocument/2006/relationships" xmlns:p="http://schemas.openxmlformats.org/presentationml/2006/main">
-  <p:cSld>
-    <p:spTree>
-      <p:nvGrpSpPr>
-        <p:cNvPr id="1" name=""/>
-        <p:cNvGrpSpPr/>
-        <p:nvPr/>
-      </p:nvGrpSpPr>
-      <p:grpSpPr>
-        <a:xfrm>
-          <a:off x="0" y="0"/>
-          <a:ext cx="0" cy="0"/>
-          <a:chOff x="0" y="0"/>
-          <a:chExt cx="0" cy="0"/>
-        </a:xfrm>
-      </p:grpSpPr>
-      <p:pic>
-        <p:nvPicPr>
-          <p:cNvPr id="3074" name="Picture 2" descr="background.jpg (1280×960)"/>
-          <p:cNvPicPr>
-            <a:picLocks noChangeAspect="1" noChangeArrowheads="1"/>
-          </p:cNvPicPr>
-          <p:nvPr/>
-        </p:nvPicPr>
-        <p:blipFill>
-          <a:blip r:embed="rId2" cstate="print"/>
-          <a:srcRect/>
-          <a:stretch>
-            <a:fillRect/>
-          </a:stretch>
-        </p:blipFill>
-        <p:spPr bwMode="auto">
-          <a:xfrm>
-            <a:off x="0" y="0"/>
-            <a:ext cx="9143998" cy="6858000"/>
-          </a:xfrm>
-          <a:prstGeom prst="rect">
-            <a:avLst/>
-          </a:prstGeom>
-          <a:noFill/>
-        </p:spPr>
-      </p:pic>
-      <p:sp>
-        <p:nvSpPr>
-          <p:cNvPr id="3" name="Rectangle 2"/>
-          <p:cNvSpPr/>
-          <p:nvPr/>
-        </p:nvSpPr>
-        <p:spPr>
-          <a:xfrm>
-            <a:off x="2743200" y="3276600"/>
-            <a:ext cx="5562600" cy="1015663"/>
-          </a:xfrm>
-          <a:prstGeom prst="rect">
-            <a:avLst/>
-          </a:prstGeom>
-        </p:spPr>
-        <p:txBody>
-          <a:bodyPr wrap="square">
-            <a:spAutoFit/>
-          </a:bodyPr>
-          <a:lstStyle/>
-          <a:p>
-            <a:pPr algn="ctr"/>
-            <a:r>
-              <a:rPr lang="en-US" sz="6000" dirty="0" smtClean="0">
-                <a:latin typeface="Cambria" pitchFamily="18" charset="0"/>
-              </a:rPr>
-              <a:t>couple of hours!</a:t>
-            </a:r>
-            <a:endParaRPr lang="en-US" sz="6000" dirty="0">
-              <a:latin typeface="Cambria" pitchFamily="18" charset="0"/>
-            </a:endParaRPr>
-          </a:p>
-        </p:txBody>
-      </p:sp>
-    </p:spTree>
-  </p:cSld>
-  <p:clrMapOvr>
-    <a:masterClrMapping/>
-  </p:clrMapOvr>
-  <p:transition>
-    <p:fade/>
-  </p:transition>
-  <p:timing>
-    <p:tnLst>
-      <p:par>
-        <p:cTn id="1" dur="indefinite" restart="never" nodeType="tmRoot"/>
-      </p:par>
-    </p:tnLst>
-  </p:timing>
-</p:sld>
-</file>
-
-<file path=ppt/slides/slide27.xml><?xml version="1.0" encoding="utf-8"?>
-<p:sld xmlns:a="http://schemas.openxmlformats.org/drawingml/2006/main" xmlns:r="http://schemas.openxmlformats.org/officeDocument/2006/relationships" xmlns:p="http://schemas.openxmlformats.org/presentationml/2006/main">
-  <p:cSld>
-    <p:spTree>
-      <p:nvGrpSpPr>
-        <p:cNvPr id="1" name=""/>
-        <p:cNvGrpSpPr/>
-        <p:nvPr/>
-      </p:nvGrpSpPr>
-      <p:grpSpPr>
-        <a:xfrm>
-          <a:off x="0" y="0"/>
-          <a:ext cx="0" cy="0"/>
-          <a:chOff x="0" y="0"/>
-          <a:chExt cx="0" cy="0"/>
-        </a:xfrm>
-      </p:grpSpPr>
-      <p:sp>
-        <p:nvSpPr>
-          <p:cNvPr id="2" name="Title 1"/>
-          <p:cNvSpPr>
-            <a:spLocks noGrp="1"/>
-          </p:cNvSpPr>
-          <p:nvPr>
-            <p:ph type="title"/>
-          </p:nvPr>
-        </p:nvSpPr>
-        <p:spPr/>
-        <p:txBody>
-          <a:bodyPr/>
-          <a:lstStyle/>
-          <a:p>
-            <a:endParaRPr lang="en-US"/>
-          </a:p>
-        </p:txBody>
-      </p:sp>
-      <p:sp>
-        <p:nvSpPr>
-          <p:cNvPr id="3" name="Content Placeholder 2"/>
-          <p:cNvSpPr>
-            <a:spLocks noGrp="1"/>
-          </p:cNvSpPr>
-          <p:nvPr>
-            <p:ph idx="1"/>
-          </p:nvPr>
-        </p:nvSpPr>
-        <p:spPr/>
-        <p:txBody>
-          <a:bodyPr/>
-          <a:lstStyle/>
-          <a:p>
-            <a:endParaRPr lang="en-US"/>
           </a:p>
         </p:txBody>
       </p:sp>
@@ -7448,6 +7808,174 @@
           <a:noFill/>
         </p:spPr>
       </p:pic>
+    </p:spTree>
+  </p:cSld>
+  <p:clrMapOvr>
+    <a:masterClrMapping/>
+  </p:clrMapOvr>
+  <p:transition>
+    <p:fade/>
+  </p:transition>
+  <p:timing>
+    <p:tnLst>
+      <p:par>
+        <p:cTn id="1" dur="indefinite" restart="never" nodeType="tmRoot"/>
+      </p:par>
+    </p:tnLst>
+  </p:timing>
+</p:sld>
+</file>
+
+<file path=ppt/slides/slide30.xml><?xml version="1.0" encoding="utf-8"?>
+<p:sld xmlns:a="http://schemas.openxmlformats.org/drawingml/2006/main" xmlns:r="http://schemas.openxmlformats.org/officeDocument/2006/relationships" xmlns:p="http://schemas.openxmlformats.org/presentationml/2006/main">
+  <p:cSld>
+    <p:spTree>
+      <p:nvGrpSpPr>
+        <p:cNvPr id="1" name=""/>
+        <p:cNvGrpSpPr/>
+        <p:nvPr/>
+      </p:nvGrpSpPr>
+      <p:grpSpPr>
+        <a:xfrm>
+          <a:off x="0" y="0"/>
+          <a:ext cx="0" cy="0"/>
+          <a:chOff x="0" y="0"/>
+          <a:chExt cx="0" cy="0"/>
+        </a:xfrm>
+      </p:grpSpPr>
+      <p:pic>
+        <p:nvPicPr>
+          <p:cNvPr id="3074" name="Picture 2" descr="background.jpg (1280×960)"/>
+          <p:cNvPicPr>
+            <a:picLocks noChangeAspect="1" noChangeArrowheads="1"/>
+          </p:cNvPicPr>
+          <p:nvPr/>
+        </p:nvPicPr>
+        <p:blipFill>
+          <a:blip r:embed="rId2" cstate="print"/>
+          <a:srcRect/>
+          <a:stretch>
+            <a:fillRect/>
+          </a:stretch>
+        </p:blipFill>
+        <p:spPr bwMode="auto">
+          <a:xfrm>
+            <a:off x="0" y="0"/>
+            <a:ext cx="9143998" cy="6858000"/>
+          </a:xfrm>
+          <a:prstGeom prst="rect">
+            <a:avLst/>
+          </a:prstGeom>
+          <a:noFill/>
+        </p:spPr>
+      </p:pic>
+      <p:sp>
+        <p:nvSpPr>
+          <p:cNvPr id="3" name="Rectangle 2"/>
+          <p:cNvSpPr/>
+          <p:nvPr/>
+        </p:nvSpPr>
+        <p:spPr>
+          <a:xfrm>
+            <a:off x="2743200" y="3276600"/>
+            <a:ext cx="5562600" cy="1015663"/>
+          </a:xfrm>
+          <a:prstGeom prst="rect">
+            <a:avLst/>
+          </a:prstGeom>
+        </p:spPr>
+        <p:txBody>
+          <a:bodyPr wrap="square">
+            <a:spAutoFit/>
+          </a:bodyPr>
+          <a:lstStyle/>
+          <a:p>
+            <a:pPr algn="ctr"/>
+            <a:r>
+              <a:rPr lang="en-US" sz="6000" dirty="0" smtClean="0">
+                <a:latin typeface="Cambria" pitchFamily="18" charset="0"/>
+              </a:rPr>
+              <a:t>couple of hours!</a:t>
+            </a:r>
+            <a:endParaRPr lang="en-US" sz="6000" dirty="0">
+              <a:latin typeface="Cambria" pitchFamily="18" charset="0"/>
+            </a:endParaRPr>
+          </a:p>
+        </p:txBody>
+      </p:sp>
+    </p:spTree>
+  </p:cSld>
+  <p:clrMapOvr>
+    <a:masterClrMapping/>
+  </p:clrMapOvr>
+  <p:transition>
+    <p:fade/>
+  </p:transition>
+  <p:timing>
+    <p:tnLst>
+      <p:par>
+        <p:cTn id="1" dur="indefinite" restart="never" nodeType="tmRoot"/>
+      </p:par>
+    </p:tnLst>
+  </p:timing>
+</p:sld>
+</file>
+
+<file path=ppt/slides/slide31.xml><?xml version="1.0" encoding="utf-8"?>
+<p:sld xmlns:a="http://schemas.openxmlformats.org/drawingml/2006/main" xmlns:r="http://schemas.openxmlformats.org/officeDocument/2006/relationships" xmlns:p="http://schemas.openxmlformats.org/presentationml/2006/main">
+  <p:cSld>
+    <p:spTree>
+      <p:nvGrpSpPr>
+        <p:cNvPr id="1" name=""/>
+        <p:cNvGrpSpPr/>
+        <p:nvPr/>
+      </p:nvGrpSpPr>
+      <p:grpSpPr>
+        <a:xfrm>
+          <a:off x="0" y="0"/>
+          <a:ext cx="0" cy="0"/>
+          <a:chOff x="0" y="0"/>
+          <a:chExt cx="0" cy="0"/>
+        </a:xfrm>
+      </p:grpSpPr>
+      <p:sp>
+        <p:nvSpPr>
+          <p:cNvPr id="2" name="Title 1"/>
+          <p:cNvSpPr>
+            <a:spLocks noGrp="1"/>
+          </p:cNvSpPr>
+          <p:nvPr>
+            <p:ph type="title"/>
+          </p:nvPr>
+        </p:nvSpPr>
+        <p:spPr/>
+        <p:txBody>
+          <a:bodyPr/>
+          <a:lstStyle/>
+          <a:p>
+            <a:endParaRPr lang="en-US"/>
+          </a:p>
+        </p:txBody>
+      </p:sp>
+      <p:sp>
+        <p:nvSpPr>
+          <p:cNvPr id="3" name="Content Placeholder 2"/>
+          <p:cNvSpPr>
+            <a:spLocks noGrp="1"/>
+          </p:cNvSpPr>
+          <p:nvPr>
+            <p:ph idx="1"/>
+          </p:nvPr>
+        </p:nvSpPr>
+        <p:spPr/>
+        <p:txBody>
+          <a:bodyPr/>
+          <a:lstStyle/>
+          <a:p>
+            <a:endParaRPr lang="en-US"/>
+          </a:p>
+        </p:txBody>
+      </p:sp>
     </p:spTree>
   </p:cSld>
   <p:clrMapOvr>

--- a/Presentation.pptx
+++ b/Presentation.pptx
@@ -6547,6 +6547,32 @@
           <a:xfrm>
             <a:off x="1752600" y="2667000"/>
             <a:ext cx="2438400" cy="2438400"/>
+          </a:xfrm>
+          <a:prstGeom prst="rect">
+            <a:avLst/>
+          </a:prstGeom>
+          <a:noFill/>
+        </p:spPr>
+      </p:pic>
+      <p:pic>
+        <p:nvPicPr>
+          <p:cNvPr id="19458" name="Picture 2" descr="octopus-trlogo-full.png (1024×768)"/>
+          <p:cNvPicPr>
+            <a:picLocks noChangeAspect="1" noChangeArrowheads="1"/>
+          </p:cNvPicPr>
+          <p:nvPr/>
+        </p:nvPicPr>
+        <p:blipFill>
+          <a:blip r:embed="rId6" cstate="print"/>
+          <a:srcRect/>
+          <a:stretch>
+            <a:fillRect/>
+          </a:stretch>
+        </p:blipFill>
+        <p:spPr bwMode="auto">
+          <a:xfrm>
+            <a:off x="1143000" y="533400"/>
+            <a:ext cx="1930400" cy="1447800"/>
           </a:xfrm>
           <a:prstGeom prst="rect">
             <a:avLst/>
@@ -7078,13 +7104,7 @@
               <a:rPr lang="en-US" sz="4800" dirty="0" smtClean="0">
                 <a:latin typeface="Cambria" pitchFamily="18" charset="0"/>
               </a:rPr>
-              <a:t>, 0 errors e 0 warnings</a:t>
-            </a:r>
-            <a:r>
-              <a:rPr lang="en-US" sz="4800" dirty="0" smtClean="0">
-                <a:latin typeface="Cambria" pitchFamily="18" charset="0"/>
-              </a:rPr>
-              <a:t>, </a:t>
+              <a:t>, 0 errors e 0 warnings, </a:t>
             </a:r>
             <a:r>
               <a:rPr lang="en-US" sz="4800" dirty="0" err="1" smtClean="0">
@@ -8475,7 +8495,7 @@
         </p:blipFill>
         <p:spPr bwMode="auto">
           <a:xfrm>
-            <a:off x="381000" y="4305300"/>
+            <a:off x="533400" y="4305300"/>
             <a:ext cx="2381250" cy="2552700"/>
           </a:xfrm>
           <a:prstGeom prst="rect">
@@ -8501,7 +8521,7 @@
         </p:blipFill>
         <p:spPr bwMode="auto">
           <a:xfrm>
-            <a:off x="5334000" y="304800"/>
+            <a:off x="3124200" y="2590800"/>
             <a:ext cx="3369726" cy="774321"/>
           </a:xfrm>
           <a:prstGeom prst="rect">
@@ -8527,8 +8547,8 @@
         </p:blipFill>
         <p:spPr bwMode="auto">
           <a:xfrm>
-            <a:off x="6400800" y="4191000"/>
-            <a:ext cx="2438400" cy="2438400"/>
+            <a:off x="6781800" y="4191000"/>
+            <a:ext cx="2057400" cy="2057400"/>
           </a:xfrm>
           <a:prstGeom prst="rect">
             <a:avLst/>
@@ -8553,8 +8573,8 @@
         </p:blipFill>
         <p:spPr bwMode="auto">
           <a:xfrm>
-            <a:off x="990600" y="533400"/>
-            <a:ext cx="2209800" cy="2209801"/>
+            <a:off x="3657600" y="4191000"/>
+            <a:ext cx="1981200" cy="1981201"/>
           </a:xfrm>
           <a:prstGeom prst="rect">
             <a:avLst/>
@@ -8579,8 +8599,8 @@
         </p:blipFill>
         <p:spPr bwMode="auto">
           <a:xfrm>
-            <a:off x="3886200" y="1295400"/>
-            <a:ext cx="3434443" cy="739726"/>
+            <a:off x="228600" y="2667000"/>
+            <a:ext cx="2667000" cy="574431"/>
           </a:xfrm>
           <a:prstGeom prst="rect">
             <a:avLst/>
@@ -8610,7 +8630,7 @@
         </p:blipFill>
         <p:spPr bwMode="auto">
           <a:xfrm>
-            <a:off x="3810000" y="5181600"/>
+            <a:off x="6858000" y="2667000"/>
             <a:ext cx="2019300" cy="628651"/>
           </a:xfrm>
           <a:prstGeom prst="rect">
@@ -8641,7 +8661,7 @@
         </p:blipFill>
         <p:spPr bwMode="auto">
           <a:xfrm>
-            <a:off x="5943600" y="3200400"/>
+            <a:off x="6781800" y="762000"/>
             <a:ext cx="2124075" cy="676276"/>
           </a:xfrm>
           <a:prstGeom prst="rect">
@@ -8672,8 +8692,8 @@
         </p:blipFill>
         <p:spPr bwMode="auto">
           <a:xfrm>
-            <a:off x="5334000" y="2286000"/>
-            <a:ext cx="3448050" cy="583318"/>
+            <a:off x="3276600" y="838200"/>
+            <a:ext cx="3048000" cy="515640"/>
           </a:xfrm>
           <a:prstGeom prst="rect">
             <a:avLst/>
@@ -8705,7 +8725,7 @@
         </p:blipFill>
         <p:spPr bwMode="auto">
           <a:xfrm>
-            <a:off x="2438400" y="3505200"/>
+            <a:off x="381000" y="533400"/>
             <a:ext cx="2495550" cy="971550"/>
           </a:xfrm>
           <a:prstGeom prst="rect">

--- a/Presentation.pptx
+++ b/Presentation.pptx
@@ -5,40 +5,45 @@
     <p:sldMasterId id="2147483648" r:id="rId1"/>
   </p:sldMasterIdLst>
   <p:notesMasterIdLst>
-    <p:notesMasterId r:id="rId33"/>
+    <p:notesMasterId r:id="rId38"/>
   </p:notesMasterIdLst>
   <p:sldIdLst>
     <p:sldId id="257" r:id="rId2"/>
     <p:sldId id="256" r:id="rId3"/>
     <p:sldId id="272" r:id="rId4"/>
     <p:sldId id="259" r:id="rId5"/>
-    <p:sldId id="260" r:id="rId6"/>
-    <p:sldId id="262" r:id="rId7"/>
-    <p:sldId id="270" r:id="rId8"/>
-    <p:sldId id="268" r:id="rId9"/>
-    <p:sldId id="267" r:id="rId10"/>
-    <p:sldId id="269" r:id="rId11"/>
-    <p:sldId id="277" r:id="rId12"/>
-    <p:sldId id="278" r:id="rId13"/>
-    <p:sldId id="279" r:id="rId14"/>
-    <p:sldId id="280" r:id="rId15"/>
-    <p:sldId id="281" r:id="rId16"/>
-    <p:sldId id="282" r:id="rId17"/>
-    <p:sldId id="284" r:id="rId18"/>
-    <p:sldId id="285" r:id="rId19"/>
-    <p:sldId id="293" r:id="rId20"/>
-    <p:sldId id="287" r:id="rId21"/>
-    <p:sldId id="290" r:id="rId22"/>
-    <p:sldId id="292" r:id="rId23"/>
-    <p:sldId id="294" r:id="rId24"/>
-    <p:sldId id="288" r:id="rId25"/>
-    <p:sldId id="289" r:id="rId26"/>
-    <p:sldId id="286" r:id="rId27"/>
-    <p:sldId id="271" r:id="rId28"/>
-    <p:sldId id="274" r:id="rId29"/>
-    <p:sldId id="275" r:id="rId30"/>
-    <p:sldId id="276" r:id="rId31"/>
-    <p:sldId id="273" r:id="rId32"/>
+    <p:sldId id="268" r:id="rId6"/>
+    <p:sldId id="269" r:id="rId7"/>
+    <p:sldId id="278" r:id="rId8"/>
+    <p:sldId id="279" r:id="rId9"/>
+    <p:sldId id="280" r:id="rId10"/>
+    <p:sldId id="281" r:id="rId11"/>
+    <p:sldId id="282" r:id="rId12"/>
+    <p:sldId id="277" r:id="rId13"/>
+    <p:sldId id="284" r:id="rId14"/>
+    <p:sldId id="285" r:id="rId15"/>
+    <p:sldId id="293" r:id="rId16"/>
+    <p:sldId id="287" r:id="rId17"/>
+    <p:sldId id="290" r:id="rId18"/>
+    <p:sldId id="292" r:id="rId19"/>
+    <p:sldId id="294" r:id="rId20"/>
+    <p:sldId id="288" r:id="rId21"/>
+    <p:sldId id="296" r:id="rId22"/>
+    <p:sldId id="289" r:id="rId23"/>
+    <p:sldId id="295" r:id="rId24"/>
+    <p:sldId id="297" r:id="rId25"/>
+    <p:sldId id="286" r:id="rId26"/>
+    <p:sldId id="298" r:id="rId27"/>
+    <p:sldId id="299" r:id="rId28"/>
+    <p:sldId id="300" r:id="rId29"/>
+    <p:sldId id="302" r:id="rId30"/>
+    <p:sldId id="303" r:id="rId31"/>
+    <p:sldId id="305" r:id="rId32"/>
+    <p:sldId id="271" r:id="rId33"/>
+    <p:sldId id="274" r:id="rId34"/>
+    <p:sldId id="275" r:id="rId35"/>
+    <p:sldId id="276" r:id="rId36"/>
+    <p:sldId id="301" r:id="rId37"/>
   </p:sldIdLst>
   <p:sldSz cx="9144000" cy="6858000" type="screen4x3"/>
   <p:notesSz cx="6858000" cy="9144000"/>
@@ -664,17 +669,11 @@
           <a:p>
             <a:r>
               <a:rPr lang="pt-BR" dirty="0" smtClean="0"/>
-              <a:t>Tem a ver com unidade de trabalho</a:t>
-            </a:r>
-          </a:p>
-          <a:p>
-            <a:r>
-              <a:rPr lang="pt-BR" dirty="0" smtClean="0"/>
-              <a:t>Todo</a:t>
+              <a:t>Quando você começa</a:t>
             </a:r>
             <a:r>
               <a:rPr lang="pt-BR" baseline="0" dirty="0" smtClean="0"/>
-              <a:t> trabalho necessário para completar uma </a:t>
+              <a:t> o desenvolvimento de uma </a:t>
             </a:r>
             <a:r>
               <a:rPr lang="pt-BR" baseline="0" dirty="0" err="1" smtClean="0"/>
@@ -682,13 +681,44 @@
             </a:r>
             <a:r>
               <a:rPr lang="pt-BR" baseline="0" dirty="0" smtClean="0"/>
-              <a:t> deve poder ser empacotado num único </a:t>
+              <a:t> você sai da </a:t>
             </a:r>
             <a:r>
               <a:rPr lang="pt-BR" baseline="0" dirty="0" err="1" smtClean="0"/>
-              <a:t>changeset</a:t>
-            </a:r>
-            <a:endParaRPr lang="pt-BR" dirty="0" smtClean="0"/>
+              <a:t>mainline</a:t>
+            </a:r>
+            <a:r>
+              <a:rPr lang="pt-BR" baseline="0" dirty="0" smtClean="0"/>
+              <a:t>.</a:t>
+            </a:r>
+          </a:p>
+          <a:p>
+            <a:r>
+              <a:rPr lang="pt-BR" baseline="0" dirty="0" smtClean="0"/>
+              <a:t>E as operações que você efetua na </a:t>
+            </a:r>
+            <a:r>
+              <a:rPr lang="pt-BR" baseline="0" dirty="0" err="1" smtClean="0"/>
+              <a:t>mainline</a:t>
+            </a:r>
+            <a:r>
+              <a:rPr lang="pt-BR" baseline="0" dirty="0" smtClean="0"/>
+              <a:t> levam um certo tempo</a:t>
+            </a:r>
+          </a:p>
+          <a:p>
+            <a:r>
+              <a:rPr lang="pt-BR" baseline="0" dirty="0" smtClean="0"/>
+              <a:t>Quando você for voltar, o momento da </a:t>
+            </a:r>
+            <a:r>
+              <a:rPr lang="pt-BR" baseline="0" dirty="0" err="1" smtClean="0"/>
+              <a:t>mainline</a:t>
+            </a:r>
+            <a:r>
+              <a:rPr lang="pt-BR" baseline="0" dirty="0" smtClean="0"/>
+              <a:t> é outro</a:t>
+            </a:r>
           </a:p>
         </p:txBody>
       </p:sp>
@@ -710,7 +740,7 @@
             <a:fld id="{B26A75E8-9EC7-42DF-8FCD-4AF46A032700}" type="slidenum">
               <a:rPr lang="en-US" smtClean="0"/>
               <a:pPr/>
-              <a:t>12</a:t>
+              <a:t>10</a:t>
             </a:fld>
             <a:endParaRPr lang="en-US"/>
           </a:p>
@@ -772,31 +802,40 @@
           <a:p>
             <a:r>
               <a:rPr lang="pt-BR" dirty="0" smtClean="0"/>
-              <a:t>Toda</a:t>
+              <a:t>Muitas pessoas adotam o </a:t>
+            </a:r>
+            <a:r>
+              <a:rPr lang="pt-BR" dirty="0" err="1" smtClean="0"/>
+              <a:t>checkout</a:t>
+            </a:r>
+            <a:r>
+              <a:rPr lang="pt-BR" dirty="0" smtClean="0"/>
+              <a:t> exclusivo</a:t>
+            </a:r>
+          </a:p>
+          <a:p>
+            <a:r>
+              <a:rPr lang="pt-BR" dirty="0" smtClean="0"/>
+              <a:t>Mas</a:t>
             </a:r>
             <a:r>
               <a:rPr lang="pt-BR" baseline="0" dirty="0" smtClean="0"/>
-              <a:t> modificação deve ocorrer em cima de uma linha mestra.</a:t>
-            </a:r>
-          </a:p>
-          <a:p>
+              <a:t> é uma solução limitada. Os componentes se integram no software de maneira muito mais sutil que estando </a:t>
+            </a:r>
+            <a:r>
+              <a:rPr lang="pt-BR" baseline="0" dirty="0" err="1" smtClean="0"/>
+              <a:t>apeanas</a:t>
+            </a:r>
             <a:r>
               <a:rPr lang="pt-BR" baseline="0" dirty="0" smtClean="0"/>
-              <a:t>Pense como num trem, onde várias linhas secundárias podem surgir.</a:t>
+              <a:t> no mesmo arquivo.</a:t>
             </a:r>
           </a:p>
           <a:p>
             <a:r>
               <a:rPr lang="pt-BR" baseline="0" dirty="0" smtClean="0"/>
-              <a:t>Toda mudança deve poder ser aplicável a algum ponto da linha.</a:t>
-            </a:r>
-          </a:p>
-          <a:p>
-            <a:r>
-              <a:rPr lang="pt-BR" baseline="0" dirty="0" smtClean="0"/>
-              <a:t>Fazer analogia com SVN.</a:t>
-            </a:r>
-            <a:endParaRPr lang="pt-BR" dirty="0" smtClean="0"/>
+              <a:t>Arquivo de configuração.</a:t>
+            </a:r>
           </a:p>
         </p:txBody>
       </p:sp>
@@ -818,7 +857,7 @@
             <a:fld id="{B26A75E8-9EC7-42DF-8FCD-4AF46A032700}" type="slidenum">
               <a:rPr lang="en-US" smtClean="0"/>
               <a:pPr/>
-              <a:t>13</a:t>
+              <a:t>11</a:t>
             </a:fld>
             <a:endParaRPr lang="en-US"/>
           </a:p>
@@ -880,23 +919,46 @@
           <a:p>
             <a:r>
               <a:rPr lang="pt-BR" dirty="0" smtClean="0"/>
-              <a:t>Cria um</a:t>
+              <a:t>Mas o que é</a:t>
             </a:r>
             <a:r>
               <a:rPr lang="pt-BR" baseline="0" dirty="0" smtClean="0"/>
-              <a:t> problema</a:t>
+              <a:t> integração contínua?</a:t>
             </a:r>
           </a:p>
           <a:p>
             <a:r>
               <a:rPr lang="pt-BR" baseline="0" dirty="0" smtClean="0"/>
-              <a:t>Heisenberg, princípio da incerteza</a:t>
+              <a:t>Martin Fowler diz isso.</a:t>
             </a:r>
           </a:p>
           <a:p>
             <a:r>
               <a:rPr lang="pt-BR" baseline="0" dirty="0" smtClean="0"/>
-              <a:t>Nenhuma medição é exata, momento e posição</a:t>
+              <a:t>Normalmente as pessoas focam na parte do build automatizado.</a:t>
+            </a:r>
+          </a:p>
+          <a:p>
+            <a:endParaRPr lang="pt-BR" baseline="0" dirty="0" smtClean="0"/>
+          </a:p>
+          <a:p>
+            <a:r>
+              <a:rPr lang="pt-BR" baseline="0" dirty="0" smtClean="0"/>
+              <a:t>Eu gosto de focar na parte dos membros do time integrando software </a:t>
+            </a:r>
+            <a:r>
+              <a:rPr lang="pt-BR" baseline="0" dirty="0" err="1" smtClean="0"/>
+              <a:t>frequentemente</a:t>
+            </a:r>
+            <a:r>
+              <a:rPr lang="pt-BR" baseline="0" dirty="0" smtClean="0"/>
+              <a:t>.</a:t>
+            </a:r>
+          </a:p>
+          <a:p>
+            <a:r>
+              <a:rPr lang="pt-BR" baseline="0" dirty="0" smtClean="0"/>
+              <a:t>E mesmo no que diz sobre build automatizado, não fala nada sobre servidor.</a:t>
             </a:r>
             <a:endParaRPr lang="en-US" dirty="0"/>
           </a:p>
@@ -920,7 +982,7 @@
             <a:fld id="{B26A75E8-9EC7-42DF-8FCD-4AF46A032700}" type="slidenum">
               <a:rPr lang="en-US" smtClean="0"/>
               <a:pPr/>
-              <a:t>14</a:t>
+              <a:t>12</a:t>
             </a:fld>
             <a:endParaRPr lang="en-US"/>
           </a:p>
@@ -982,56 +1044,33 @@
           <a:p>
             <a:r>
               <a:rPr lang="pt-BR" dirty="0" smtClean="0"/>
-              <a:t>Quando você começa</a:t>
+              <a:t>Use um controle de versão decente</a:t>
+            </a:r>
+          </a:p>
+          <a:p>
+            <a:r>
+              <a:rPr lang="pt-BR" dirty="0" smtClean="0"/>
+              <a:t>Não precisa ser </a:t>
+            </a:r>
+            <a:r>
+              <a:rPr lang="pt-BR" dirty="0" err="1" smtClean="0"/>
+              <a:t>Git</a:t>
+            </a:r>
+            <a:endParaRPr lang="pt-BR" dirty="0" smtClean="0"/>
+          </a:p>
+          <a:p>
+            <a:r>
+              <a:rPr lang="pt-BR" dirty="0" smtClean="0"/>
+              <a:t>Cliente</a:t>
             </a:r>
             <a:r>
               <a:rPr lang="pt-BR" baseline="0" dirty="0" smtClean="0"/>
-              <a:t> o desenvolvimento de uma </a:t>
-            </a:r>
-            <a:r>
-              <a:rPr lang="pt-BR" baseline="0" dirty="0" err="1" smtClean="0"/>
-              <a:t>feature</a:t>
-            </a:r>
-            <a:r>
-              <a:rPr lang="pt-BR" baseline="0" dirty="0" smtClean="0"/>
-              <a:t> você sai da </a:t>
-            </a:r>
-            <a:r>
-              <a:rPr lang="pt-BR" baseline="0" dirty="0" err="1" smtClean="0"/>
-              <a:t>mainline</a:t>
-            </a:r>
-            <a:r>
-              <a:rPr lang="pt-BR" baseline="0" dirty="0" smtClean="0"/>
-              <a:t>.</a:t>
-            </a:r>
-          </a:p>
-          <a:p>
-            <a:r>
-              <a:rPr lang="pt-BR" baseline="0" dirty="0" smtClean="0"/>
-              <a:t>E as operações que você efetua na </a:t>
-            </a:r>
-            <a:r>
-              <a:rPr lang="pt-BR" baseline="0" dirty="0" err="1" smtClean="0"/>
-              <a:t>mainline</a:t>
-            </a:r>
-            <a:r>
-              <a:rPr lang="pt-BR" baseline="0" dirty="0" smtClean="0"/>
-              <a:t> levam um certo tempo</a:t>
-            </a:r>
-          </a:p>
-          <a:p>
-            <a:r>
-              <a:rPr lang="pt-BR" baseline="0" dirty="0" smtClean="0"/>
-              <a:t>Quando você for voltar, o momento da </a:t>
-            </a:r>
-            <a:r>
-              <a:rPr lang="pt-BR" baseline="0" dirty="0" err="1" smtClean="0"/>
-              <a:t>mainline</a:t>
-            </a:r>
-            <a:r>
-              <a:rPr lang="pt-BR" baseline="0" dirty="0" smtClean="0"/>
-              <a:t> é outro</a:t>
-            </a:r>
+              <a:t> que guardava em pasta de rede e anotava em Excel</a:t>
+            </a:r>
+            <a:endParaRPr lang="pt-BR" dirty="0" smtClean="0"/>
+          </a:p>
+          <a:p>
+            <a:endParaRPr lang="en-US" dirty="0"/>
           </a:p>
         </p:txBody>
       </p:sp>
@@ -1053,7 +1092,7 @@
             <a:fld id="{B26A75E8-9EC7-42DF-8FCD-4AF46A032700}" type="slidenum">
               <a:rPr lang="en-US" smtClean="0"/>
               <a:pPr/>
-              <a:t>15</a:t>
+              <a:t>13</a:t>
             </a:fld>
             <a:endParaRPr lang="en-US"/>
           </a:p>
@@ -1115,40 +1154,13 @@
           <a:p>
             <a:r>
               <a:rPr lang="pt-BR" dirty="0" smtClean="0"/>
-              <a:t>Muitas pessoas adotam o </a:t>
-            </a:r>
-            <a:r>
-              <a:rPr lang="pt-BR" dirty="0" err="1" smtClean="0"/>
-              <a:t>checkout</a:t>
-            </a:r>
-            <a:r>
-              <a:rPr lang="pt-BR" dirty="0" smtClean="0"/>
-              <a:t> exclusivo</a:t>
-            </a:r>
-          </a:p>
-          <a:p>
-            <a:r>
-              <a:rPr lang="pt-BR" dirty="0" smtClean="0"/>
-              <a:t>Mas</a:t>
+              <a:t>Seja bonzinho com seu controle</a:t>
             </a:r>
             <a:r>
               <a:rPr lang="pt-BR" baseline="0" dirty="0" smtClean="0"/>
-              <a:t> é uma solução limitada. Os componentes se integram no software de maneira muito mais sutil que estando </a:t>
-            </a:r>
-            <a:r>
-              <a:rPr lang="pt-BR" baseline="0" dirty="0" err="1" smtClean="0"/>
-              <a:t>apeanas</a:t>
-            </a:r>
-            <a:r>
-              <a:rPr lang="pt-BR" baseline="0" dirty="0" smtClean="0"/>
-              <a:t> no mesmo arquivo.</a:t>
-            </a:r>
-          </a:p>
-          <a:p>
-            <a:r>
-              <a:rPr lang="pt-BR" baseline="0" dirty="0" smtClean="0"/>
-              <a:t>Arquivo de configuração.</a:t>
-            </a:r>
+              <a:t> de versão. Ele é chamado controle de versão por um motivo.</a:t>
+            </a:r>
+            <a:endParaRPr lang="en-US" dirty="0"/>
           </a:p>
         </p:txBody>
       </p:sp>
@@ -1170,7 +1182,7 @@
             <a:fld id="{B26A75E8-9EC7-42DF-8FCD-4AF46A032700}" type="slidenum">
               <a:rPr lang="en-US" smtClean="0"/>
               <a:pPr/>
-              <a:t>16</a:t>
+              <a:t>14</a:t>
             </a:fld>
             <a:endParaRPr lang="en-US"/>
           </a:p>
@@ -1232,32 +1244,47 @@
           <a:p>
             <a:r>
               <a:rPr lang="pt-BR" dirty="0" smtClean="0"/>
-              <a:t>Use um controle de versão decente</a:t>
-            </a:r>
-          </a:p>
-          <a:p>
-            <a:r>
-              <a:rPr lang="pt-BR" dirty="0" smtClean="0"/>
-              <a:t>Não precisa ser </a:t>
-            </a:r>
-            <a:r>
-              <a:rPr lang="pt-BR" dirty="0" err="1" smtClean="0"/>
-              <a:t>Git</a:t>
-            </a:r>
-            <a:endParaRPr lang="pt-BR" dirty="0" smtClean="0"/>
-          </a:p>
-          <a:p>
-            <a:r>
-              <a:rPr lang="pt-BR" dirty="0" smtClean="0"/>
-              <a:t>Cliente</a:t>
+              <a:t>Mas o que é</a:t>
             </a:r>
             <a:r>
               <a:rPr lang="pt-BR" baseline="0" dirty="0" smtClean="0"/>
-              <a:t> que guardava em pasta de rede e anotava em Excel</a:t>
-            </a:r>
-            <a:endParaRPr lang="pt-BR" dirty="0" smtClean="0"/>
-          </a:p>
-          <a:p>
+              <a:t> integração contínua?</a:t>
+            </a:r>
+          </a:p>
+          <a:p>
+            <a:r>
+              <a:rPr lang="pt-BR" baseline="0" dirty="0" smtClean="0"/>
+              <a:t>Martin Fowler diz isso.</a:t>
+            </a:r>
+          </a:p>
+          <a:p>
+            <a:r>
+              <a:rPr lang="pt-BR" baseline="0" dirty="0" smtClean="0"/>
+              <a:t>Normalmente as pessoas focam na parte do build automatizado.</a:t>
+            </a:r>
+          </a:p>
+          <a:p>
+            <a:endParaRPr lang="pt-BR" baseline="0" dirty="0" smtClean="0"/>
+          </a:p>
+          <a:p>
+            <a:r>
+              <a:rPr lang="pt-BR" baseline="0" dirty="0" smtClean="0"/>
+              <a:t>Eu gosto de focar na parte dos membros do time integrando software </a:t>
+            </a:r>
+            <a:r>
+              <a:rPr lang="pt-BR" baseline="0" dirty="0" err="1" smtClean="0"/>
+              <a:t>frequentemente</a:t>
+            </a:r>
+            <a:r>
+              <a:rPr lang="pt-BR" baseline="0" dirty="0" smtClean="0"/>
+              <a:t>.</a:t>
+            </a:r>
+          </a:p>
+          <a:p>
+            <a:r>
+              <a:rPr lang="pt-BR" baseline="0" dirty="0" smtClean="0"/>
+              <a:t>E mesmo no que diz sobre build automatizado, não fala nada sobre servidor.</a:t>
+            </a:r>
             <a:endParaRPr lang="en-US" dirty="0"/>
           </a:p>
         </p:txBody>
@@ -1280,7 +1307,7 @@
             <a:fld id="{B26A75E8-9EC7-42DF-8FCD-4AF46A032700}" type="slidenum">
               <a:rPr lang="en-US" smtClean="0"/>
               <a:pPr/>
-              <a:t>17</a:t>
+              <a:t>19</a:t>
             </a:fld>
             <a:endParaRPr lang="en-US"/>
           </a:p>
@@ -1342,11 +1369,7 @@
           <a:p>
             <a:r>
               <a:rPr lang="pt-BR" dirty="0" smtClean="0"/>
-              <a:t>Seja bonzinho com seu controle</a:t>
-            </a:r>
-            <a:r>
-              <a:rPr lang="pt-BR" baseline="0" dirty="0" smtClean="0"/>
-              <a:t> de versão. Ele é chamado controle de versão por um motivo.</a:t>
+              <a:t>Integração contínua tem a ver com agilidade</a:t>
             </a:r>
             <a:endParaRPr lang="en-US" dirty="0"/>
           </a:p>
@@ -1370,7 +1393,7 @@
             <a:fld id="{B26A75E8-9EC7-42DF-8FCD-4AF46A032700}" type="slidenum">
               <a:rPr lang="en-US" smtClean="0"/>
               <a:pPr/>
-              <a:t>18</a:t>
+              <a:t>32</a:t>
             </a:fld>
             <a:endParaRPr lang="en-US"/>
           </a:p>
@@ -1495,93 +1518,7 @@
             <a:fld id="{B26A75E8-9EC7-42DF-8FCD-4AF46A032700}" type="slidenum">
               <a:rPr lang="en-US" smtClean="0"/>
               <a:pPr/>
-              <a:t>23</a:t>
-            </a:fld>
-            <a:endParaRPr lang="en-US"/>
-          </a:p>
-        </p:txBody>
-      </p:sp>
-    </p:spTree>
-  </p:cSld>
-  <p:clrMapOvr>
-    <a:masterClrMapping/>
-  </p:clrMapOvr>
-</p:notes>
-</file>
-
-<file path=ppt/notesSlides/notesSlide18.xml><?xml version="1.0" encoding="utf-8"?>
-<p:notes xmlns:a="http://schemas.openxmlformats.org/drawingml/2006/main" xmlns:r="http://schemas.openxmlformats.org/officeDocument/2006/relationships" xmlns:p="http://schemas.openxmlformats.org/presentationml/2006/main">
-  <p:cSld>
-    <p:spTree>
-      <p:nvGrpSpPr>
-        <p:cNvPr id="1" name=""/>
-        <p:cNvGrpSpPr/>
-        <p:nvPr/>
-      </p:nvGrpSpPr>
-      <p:grpSpPr>
-        <a:xfrm>
-          <a:off x="0" y="0"/>
-          <a:ext cx="0" cy="0"/>
-          <a:chOff x="0" y="0"/>
-          <a:chExt cx="0" cy="0"/>
-        </a:xfrm>
-      </p:grpSpPr>
-      <p:sp>
-        <p:nvSpPr>
-          <p:cNvPr id="2" name="Slide Image Placeholder 1"/>
-          <p:cNvSpPr>
-            <a:spLocks noGrp="1" noRot="1" noChangeAspect="1"/>
-          </p:cNvSpPr>
-          <p:nvPr>
-            <p:ph type="sldImg"/>
-          </p:nvPr>
-        </p:nvSpPr>
-        <p:spPr/>
-      </p:sp>
-      <p:sp>
-        <p:nvSpPr>
-          <p:cNvPr id="3" name="Notes Placeholder 2"/>
-          <p:cNvSpPr>
-            <a:spLocks noGrp="1"/>
-          </p:cNvSpPr>
-          <p:nvPr>
-            <p:ph type="body" idx="1"/>
-          </p:nvPr>
-        </p:nvSpPr>
-        <p:spPr/>
-        <p:txBody>
-          <a:bodyPr>
-            <a:normAutofit/>
-          </a:bodyPr>
-          <a:lstStyle/>
-          <a:p>
-            <a:r>
-              <a:rPr lang="pt-BR" dirty="0" smtClean="0"/>
-              <a:t>Integração contínua tem a ver com agilidade</a:t>
-            </a:r>
-            <a:endParaRPr lang="en-US" dirty="0"/>
-          </a:p>
-        </p:txBody>
-      </p:sp>
-      <p:sp>
-        <p:nvSpPr>
-          <p:cNvPr id="4" name="Slide Number Placeholder 3"/>
-          <p:cNvSpPr>
-            <a:spLocks noGrp="1"/>
-          </p:cNvSpPr>
-          <p:nvPr>
-            <p:ph type="sldNum" sz="quarter" idx="10"/>
-          </p:nvPr>
-        </p:nvSpPr>
-        <p:spPr/>
-        <p:txBody>
-          <a:bodyPr/>
-          <a:lstStyle/>
-          <a:p>
-            <a:fld id="{B26A75E8-9EC7-42DF-8FCD-4AF46A032700}" type="slidenum">
-              <a:rPr lang="en-US" smtClean="0"/>
-              <a:pPr/>
-              <a:t>27</a:t>
+              <a:t>36</a:t>
             </a:fld>
             <a:endParaRPr lang="en-US"/>
           </a:p>
@@ -1962,15 +1899,11 @@
           <a:p>
             <a:r>
               <a:rPr lang="pt-BR" dirty="0" smtClean="0"/>
-              <a:t>Essa palestra não é sobre </a:t>
-            </a:r>
-            <a:r>
-              <a:rPr lang="pt-BR" dirty="0" err="1" smtClean="0"/>
-              <a:t>CruiseControl</a:t>
-            </a:r>
-            <a:r>
-              <a:rPr lang="pt-BR" dirty="0" smtClean="0"/>
-              <a:t>, nem se dispõe a ser</a:t>
+              <a:t>Muitas ferramentas</a:t>
+            </a:r>
+            <a:r>
+              <a:rPr lang="pt-BR" baseline="0" dirty="0" smtClean="0"/>
+              <a:t> no mercado</a:t>
             </a:r>
             <a:endParaRPr lang="en-US" dirty="0"/>
           </a:p>
@@ -1994,7 +1927,7 @@
             <a:fld id="{B26A75E8-9EC7-42DF-8FCD-4AF46A032700}" type="slidenum">
               <a:rPr lang="en-US" smtClean="0"/>
               <a:pPr/>
-              <a:t>7</a:t>
+              <a:t>5</a:t>
             </a:fld>
             <a:endParaRPr lang="en-US"/>
           </a:p>
@@ -2056,11 +1989,17 @@
           <a:p>
             <a:r>
               <a:rPr lang="pt-BR" dirty="0" smtClean="0"/>
-              <a:t>Muitas ferramentas</a:t>
+              <a:t>Mas o ciclo de um software</a:t>
             </a:r>
             <a:r>
               <a:rPr lang="pt-BR" baseline="0" dirty="0" smtClean="0"/>
-              <a:t> no mercado</a:t>
+              <a:t> de integração contínua continua o mesmo</a:t>
+            </a:r>
+          </a:p>
+          <a:p>
+            <a:r>
+              <a:rPr lang="pt-BR" baseline="0" dirty="0" smtClean="0"/>
+              <a:t>Imagem muito legal</a:t>
             </a:r>
             <a:endParaRPr lang="en-US" dirty="0"/>
           </a:p>
@@ -2084,7 +2023,7 @@
             <a:fld id="{B26A75E8-9EC7-42DF-8FCD-4AF46A032700}" type="slidenum">
               <a:rPr lang="en-US" smtClean="0"/>
               <a:pPr/>
-              <a:t>8</a:t>
+              <a:t>6</a:t>
             </a:fld>
             <a:endParaRPr lang="en-US"/>
           </a:p>
@@ -2145,53 +2084,33 @@
           <a:lstStyle/>
           <a:p>
             <a:r>
-              <a:rPr lang="pt-BR" dirty="0" err="1" smtClean="0"/>
-              <a:t>TeamCity</a:t>
+              <a:rPr lang="pt-BR" dirty="0" smtClean="0"/>
+              <a:t>Tem a ver com unidade de trabalho</a:t>
+            </a:r>
+          </a:p>
+          <a:p>
+            <a:r>
+              <a:rPr lang="pt-BR" dirty="0" smtClean="0"/>
+              <a:t>Todo</a:t>
+            </a:r>
+            <a:r>
+              <a:rPr lang="pt-BR" baseline="0" dirty="0" smtClean="0"/>
+              <a:t> trabalho necessário para completar uma </a:t>
+            </a:r>
+            <a:r>
+              <a:rPr lang="pt-BR" baseline="0" dirty="0" err="1" smtClean="0"/>
+              <a:t>feature</a:t>
+            </a:r>
+            <a:r>
+              <a:rPr lang="pt-BR" baseline="0" dirty="0" smtClean="0"/>
+              <a:t> deve poder ser empacotado num único </a:t>
+            </a:r>
+            <a:r>
+              <a:rPr lang="pt-BR" baseline="0" dirty="0" err="1" smtClean="0"/>
+              <a:t>changeset</a:t>
             </a:r>
             <a:endParaRPr lang="pt-BR" dirty="0" smtClean="0"/>
           </a:p>
-          <a:p>
-            <a:r>
-              <a:rPr lang="pt-BR" dirty="0" err="1" smtClean="0"/>
-              <a:t>CruiseControl</a:t>
-            </a:r>
-            <a:endParaRPr lang="pt-BR" dirty="0" smtClean="0"/>
-          </a:p>
-          <a:p>
-            <a:r>
-              <a:rPr lang="pt-BR" dirty="0" smtClean="0"/>
-              <a:t>Hudson</a:t>
-            </a:r>
-          </a:p>
-          <a:p>
-            <a:r>
-              <a:rPr lang="pt-BR" dirty="0" err="1" smtClean="0"/>
-              <a:t>Team</a:t>
-            </a:r>
-            <a:r>
-              <a:rPr lang="pt-BR" dirty="0" smtClean="0"/>
-              <a:t> </a:t>
-            </a:r>
-            <a:r>
-              <a:rPr lang="pt-BR" dirty="0" err="1" smtClean="0"/>
-              <a:t>Foundation</a:t>
-            </a:r>
-            <a:r>
-              <a:rPr lang="pt-BR" dirty="0" smtClean="0"/>
-              <a:t> Build</a:t>
-            </a:r>
-          </a:p>
-          <a:p>
-            <a:r>
-              <a:rPr lang="pt-BR" dirty="0" smtClean="0"/>
-              <a:t>(Lembrar de perguntar quantos</a:t>
-            </a:r>
-            <a:r>
-              <a:rPr lang="pt-BR" baseline="0" dirty="0" smtClean="0"/>
-              <a:t> usam alguma dessas)</a:t>
-            </a:r>
-            <a:endParaRPr lang="en-US" dirty="0"/>
-          </a:p>
         </p:txBody>
       </p:sp>
       <p:sp>
@@ -2212,7 +2131,7 @@
             <a:fld id="{B26A75E8-9EC7-42DF-8FCD-4AF46A032700}" type="slidenum">
               <a:rPr lang="en-US" smtClean="0"/>
               <a:pPr/>
-              <a:t>9</a:t>
+              <a:t>7</a:t>
             </a:fld>
             <a:endParaRPr lang="en-US"/>
           </a:p>
@@ -2274,19 +2193,31 @@
           <a:p>
             <a:r>
               <a:rPr lang="pt-BR" dirty="0" smtClean="0"/>
-              <a:t>Mas o ciclo de um software</a:t>
+              <a:t>Toda</a:t>
             </a:r>
             <a:r>
               <a:rPr lang="pt-BR" baseline="0" dirty="0" smtClean="0"/>
-              <a:t> de integração contínua continua o mesmo</a:t>
+              <a:t> modificação deve ocorrer em cima de uma linha mestra.</a:t>
             </a:r>
           </a:p>
           <a:p>
             <a:r>
               <a:rPr lang="pt-BR" baseline="0" dirty="0" smtClean="0"/>
-              <a:t>Imagem muito legal</a:t>
-            </a:r>
-            <a:endParaRPr lang="en-US" dirty="0"/>
+              <a:t>Pense como num trem, onde várias linhas secundárias podem surgir.</a:t>
+            </a:r>
+          </a:p>
+          <a:p>
+            <a:r>
+              <a:rPr lang="pt-BR" baseline="0" dirty="0" smtClean="0"/>
+              <a:t>Toda mudança deve poder ser aplicável a algum ponto da linha.</a:t>
+            </a:r>
+          </a:p>
+          <a:p>
+            <a:r>
+              <a:rPr lang="pt-BR" baseline="0" dirty="0" smtClean="0"/>
+              <a:t>Fazer analogia com SVN.</a:t>
+            </a:r>
+            <a:endParaRPr lang="pt-BR" dirty="0" smtClean="0"/>
           </a:p>
         </p:txBody>
       </p:sp>
@@ -2308,7 +2239,7 @@
             <a:fld id="{B26A75E8-9EC7-42DF-8FCD-4AF46A032700}" type="slidenum">
               <a:rPr lang="en-US" smtClean="0"/>
               <a:pPr/>
-              <a:t>10</a:t>
+              <a:t>8</a:t>
             </a:fld>
             <a:endParaRPr lang="en-US"/>
           </a:p>
@@ -2370,46 +2301,23 @@
           <a:p>
             <a:r>
               <a:rPr lang="pt-BR" dirty="0" smtClean="0"/>
-              <a:t>Mas o que é</a:t>
+              <a:t>Cria um</a:t>
             </a:r>
             <a:r>
               <a:rPr lang="pt-BR" baseline="0" dirty="0" smtClean="0"/>
-              <a:t> integração contínua?</a:t>
+              <a:t> problema</a:t>
             </a:r>
           </a:p>
           <a:p>
             <a:r>
               <a:rPr lang="pt-BR" baseline="0" dirty="0" smtClean="0"/>
-              <a:t>Martin Fowler diz isso.</a:t>
+              <a:t>Heisenberg, princípio da incerteza</a:t>
             </a:r>
           </a:p>
           <a:p>
             <a:r>
               <a:rPr lang="pt-BR" baseline="0" dirty="0" smtClean="0"/>
-              <a:t>Normalmente as pessoas focam na parte do build automatizado.</a:t>
-            </a:r>
-          </a:p>
-          <a:p>
-            <a:endParaRPr lang="pt-BR" baseline="0" dirty="0" smtClean="0"/>
-          </a:p>
-          <a:p>
-            <a:r>
-              <a:rPr lang="pt-BR" baseline="0" dirty="0" smtClean="0"/>
-              <a:t>Eu gosto de focar na parte dos membros do time integrando software </a:t>
-            </a:r>
-            <a:r>
-              <a:rPr lang="pt-BR" baseline="0" dirty="0" err="1" smtClean="0"/>
-              <a:t>frequentemente</a:t>
-            </a:r>
-            <a:r>
-              <a:rPr lang="pt-BR" baseline="0" dirty="0" smtClean="0"/>
-              <a:t>.</a:t>
-            </a:r>
-          </a:p>
-          <a:p>
-            <a:r>
-              <a:rPr lang="pt-BR" baseline="0" dirty="0" smtClean="0"/>
-              <a:t>E mesmo no que diz sobre build automatizado, não fala nada sobre servidor.</a:t>
+              <a:t>Nenhuma medição é exata, momento e posição</a:t>
             </a:r>
             <a:endParaRPr lang="en-US" dirty="0"/>
           </a:p>
@@ -2433,7 +2341,7 @@
             <a:fld id="{B26A75E8-9EC7-42DF-8FCD-4AF46A032700}" type="slidenum">
               <a:rPr lang="en-US" smtClean="0"/>
               <a:pPr/>
-              <a:t>11</a:t>
+              <a:t>9</a:t>
             </a:fld>
             <a:endParaRPr lang="en-US"/>
           </a:p>
@@ -5746,591 +5654,6 @@
     <p:bg>
       <p:bgPr>
         <a:solidFill>
-          <a:schemeClr val="tx2">
-            <a:lumMod val="50000"/>
-          </a:schemeClr>
-        </a:solidFill>
-        <a:effectLst/>
-      </p:bgPr>
-    </p:bg>
-    <p:spTree>
-      <p:nvGrpSpPr>
-        <p:cNvPr id="1" name=""/>
-        <p:cNvGrpSpPr/>
-        <p:nvPr/>
-      </p:nvGrpSpPr>
-      <p:grpSpPr>
-        <a:xfrm>
-          <a:off x="0" y="0"/>
-          <a:ext cx="0" cy="0"/>
-          <a:chOff x="0" y="0"/>
-          <a:chExt cx="0" cy="0"/>
-        </a:xfrm>
-      </p:grpSpPr>
-      <p:pic>
-        <p:nvPicPr>
-          <p:cNvPr id="35848" name="Picture 8" descr="landscape-cruise-diagram.jpg (400×283)"/>
-          <p:cNvPicPr>
-            <a:picLocks noChangeAspect="1" noChangeArrowheads="1"/>
-          </p:cNvPicPr>
-          <p:nvPr/>
-        </p:nvPicPr>
-        <p:blipFill>
-          <a:blip r:embed="rId3" cstate="print"/>
-          <a:srcRect/>
-          <a:stretch>
-            <a:fillRect/>
-          </a:stretch>
-        </p:blipFill>
-        <p:spPr bwMode="auto">
-          <a:xfrm>
-            <a:off x="-10767" y="0"/>
-            <a:ext cx="9154767" cy="6858000"/>
-          </a:xfrm>
-          <a:prstGeom prst="rect">
-            <a:avLst/>
-          </a:prstGeom>
-          <a:noFill/>
-        </p:spPr>
-      </p:pic>
-    </p:spTree>
-  </p:cSld>
-  <p:clrMapOvr>
-    <a:masterClrMapping/>
-  </p:clrMapOvr>
-  <p:transition>
-    <p:fade/>
-  </p:transition>
-  <p:timing>
-    <p:tnLst>
-      <p:par>
-        <p:cTn id="1" dur="indefinite" restart="never" nodeType="tmRoot"/>
-      </p:par>
-    </p:tnLst>
-  </p:timing>
-</p:sld>
-</file>
-
-<file path=ppt/slides/slide11.xml><?xml version="1.0" encoding="utf-8"?>
-<p:sld xmlns:a="http://schemas.openxmlformats.org/drawingml/2006/main" xmlns:r="http://schemas.openxmlformats.org/officeDocument/2006/relationships" xmlns:p="http://schemas.openxmlformats.org/presentationml/2006/main">
-  <p:cSld>
-    <p:spTree>
-      <p:nvGrpSpPr>
-        <p:cNvPr id="1" name=""/>
-        <p:cNvGrpSpPr/>
-        <p:nvPr/>
-      </p:nvGrpSpPr>
-      <p:grpSpPr>
-        <a:xfrm>
-          <a:off x="0" y="0"/>
-          <a:ext cx="0" cy="0"/>
-          <a:chOff x="0" y="0"/>
-          <a:chExt cx="0" cy="0"/>
-        </a:xfrm>
-      </p:grpSpPr>
-      <p:sp>
-        <p:nvSpPr>
-          <p:cNvPr id="4" name="Rectangle 3"/>
-          <p:cNvSpPr/>
-          <p:nvPr/>
-        </p:nvSpPr>
-        <p:spPr>
-          <a:xfrm>
-            <a:off x="457200" y="2133600"/>
-            <a:ext cx="8229600" cy="3108543"/>
-          </a:xfrm>
-          <a:prstGeom prst="rect">
-            <a:avLst/>
-          </a:prstGeom>
-        </p:spPr>
-        <p:txBody>
-          <a:bodyPr wrap="square">
-            <a:spAutoFit/>
-          </a:bodyPr>
-          <a:lstStyle/>
-          <a:p>
-            <a:pPr algn="r"/>
-            <a:r>
-              <a:rPr lang="en-US" sz="2800" b="1" dirty="0" smtClean="0">
-                <a:latin typeface="Cambria" pitchFamily="18" charset="0"/>
-              </a:rPr>
-              <a:t>Continuous Integration </a:t>
-            </a:r>
-            <a:r>
-              <a:rPr lang="en-US" sz="2800" dirty="0" smtClean="0">
-                <a:latin typeface="Cambria" pitchFamily="18" charset="0"/>
-              </a:rPr>
-              <a:t>is a software development </a:t>
-            </a:r>
-            <a:r>
-              <a:rPr lang="en-US" sz="2800" b="1" dirty="0" smtClean="0">
-                <a:latin typeface="Cambria" pitchFamily="18" charset="0"/>
-              </a:rPr>
-              <a:t>practice</a:t>
-            </a:r>
-            <a:r>
-              <a:rPr lang="en-US" sz="2800" dirty="0" smtClean="0">
-                <a:latin typeface="Cambria" pitchFamily="18" charset="0"/>
-              </a:rPr>
-              <a:t> where </a:t>
-            </a:r>
-            <a:r>
-              <a:rPr lang="en-US" sz="2800" b="1" dirty="0" smtClean="0">
-                <a:latin typeface="Cambria" pitchFamily="18" charset="0"/>
-              </a:rPr>
-              <a:t>members of a team</a:t>
-            </a:r>
-            <a:r>
-              <a:rPr lang="en-US" sz="2800" dirty="0" smtClean="0">
-                <a:latin typeface="Cambria" pitchFamily="18" charset="0"/>
-              </a:rPr>
-              <a:t> integrate their work frequently, usually each person integrates at least daily - leading to multiple integrations per day. Each integration is verified by an automated build (including test) to </a:t>
-            </a:r>
-            <a:r>
-              <a:rPr lang="en-US" sz="2800" b="1" dirty="0" smtClean="0">
-                <a:latin typeface="Cambria" pitchFamily="18" charset="0"/>
-              </a:rPr>
-              <a:t>detect integration errors as quickly as possible</a:t>
-            </a:r>
-            <a:r>
-              <a:rPr lang="en-US" sz="2800" dirty="0" smtClean="0">
-                <a:latin typeface="Cambria" pitchFamily="18" charset="0"/>
-              </a:rPr>
-              <a:t>.</a:t>
-            </a:r>
-            <a:endParaRPr lang="en-US" sz="2800" dirty="0">
-              <a:latin typeface="Cambria" pitchFamily="18" charset="0"/>
-            </a:endParaRPr>
-          </a:p>
-        </p:txBody>
-      </p:sp>
-      <p:pic>
-        <p:nvPicPr>
-          <p:cNvPr id="40962" name="Picture 2" descr="quotation marks.jpg (214×201)"/>
-          <p:cNvPicPr>
-            <a:picLocks noChangeAspect="1" noChangeArrowheads="1"/>
-          </p:cNvPicPr>
-          <p:nvPr/>
-        </p:nvPicPr>
-        <p:blipFill>
-          <a:blip r:embed="rId3" cstate="print"/>
-          <a:srcRect/>
-          <a:stretch>
-            <a:fillRect/>
-          </a:stretch>
-        </p:blipFill>
-        <p:spPr bwMode="auto">
-          <a:xfrm>
-            <a:off x="228600" y="0"/>
-            <a:ext cx="2038350" cy="1914525"/>
-          </a:xfrm>
-          <a:prstGeom prst="rect">
-            <a:avLst/>
-          </a:prstGeom>
-          <a:noFill/>
-        </p:spPr>
-      </p:pic>
-      <p:sp>
-        <p:nvSpPr>
-          <p:cNvPr id="6" name="Rectangle 5"/>
-          <p:cNvSpPr/>
-          <p:nvPr/>
-        </p:nvSpPr>
-        <p:spPr>
-          <a:xfrm>
-            <a:off x="1676400" y="5791200"/>
-            <a:ext cx="6858000" cy="646331"/>
-          </a:xfrm>
-          <a:prstGeom prst="rect">
-            <a:avLst/>
-          </a:prstGeom>
-        </p:spPr>
-        <p:txBody>
-          <a:bodyPr wrap="square">
-            <a:spAutoFit/>
-          </a:bodyPr>
-          <a:lstStyle/>
-          <a:p>
-            <a:pPr algn="r"/>
-            <a:r>
-              <a:rPr lang="pt-BR" dirty="0" smtClean="0"/>
-              <a:t>Martin </a:t>
-            </a:r>
-            <a:r>
-              <a:rPr lang="pt-BR" dirty="0" err="1" smtClean="0"/>
-              <a:t>Folwer</a:t>
-            </a:r>
-            <a:endParaRPr lang="en-US" dirty="0" smtClean="0"/>
-          </a:p>
-          <a:p>
-            <a:pPr algn="r"/>
-            <a:r>
-              <a:rPr lang="en-US" dirty="0" smtClean="0"/>
-              <a:t>(http://www.martinfowler.com/articles/continuousIntegration.html)</a:t>
-            </a:r>
-            <a:endParaRPr lang="en-US" dirty="0"/>
-          </a:p>
-        </p:txBody>
-      </p:sp>
-    </p:spTree>
-  </p:cSld>
-  <p:clrMapOvr>
-    <a:masterClrMapping/>
-  </p:clrMapOvr>
-  <p:transition>
-    <p:fade/>
-  </p:transition>
-  <p:timing>
-    <p:tnLst>
-      <p:par>
-        <p:cTn id="1" dur="indefinite" restart="never" nodeType="tmRoot"/>
-      </p:par>
-    </p:tnLst>
-  </p:timing>
-</p:sld>
-</file>
-
-<file path=ppt/slides/slide12.xml><?xml version="1.0" encoding="utf-8"?>
-<p:sld xmlns:a="http://schemas.openxmlformats.org/drawingml/2006/main" xmlns:r="http://schemas.openxmlformats.org/officeDocument/2006/relationships" xmlns:p="http://schemas.openxmlformats.org/presentationml/2006/main">
-  <p:cSld>
-    <p:bg>
-      <p:bgPr>
-        <a:solidFill>
-          <a:schemeClr val="tx2">
-            <a:lumMod val="50000"/>
-          </a:schemeClr>
-        </a:solidFill>
-        <a:effectLst/>
-      </p:bgPr>
-    </p:bg>
-    <p:spTree>
-      <p:nvGrpSpPr>
-        <p:cNvPr id="1" name=""/>
-        <p:cNvGrpSpPr/>
-        <p:nvPr/>
-      </p:nvGrpSpPr>
-      <p:grpSpPr>
-        <a:xfrm>
-          <a:off x="0" y="0"/>
-          <a:ext cx="0" cy="0"/>
-          <a:chOff x="0" y="0"/>
-          <a:chExt cx="0" cy="0"/>
-        </a:xfrm>
-      </p:grpSpPr>
-      <p:pic>
-        <p:nvPicPr>
-          <p:cNvPr id="1026" name="Picture 2" descr="package1.jpg (1121×750)"/>
-          <p:cNvPicPr>
-            <a:picLocks noChangeAspect="1" noChangeArrowheads="1"/>
-          </p:cNvPicPr>
-          <p:nvPr/>
-        </p:nvPicPr>
-        <p:blipFill>
-          <a:blip r:embed="rId3" cstate="print"/>
-          <a:srcRect/>
-          <a:stretch>
-            <a:fillRect/>
-          </a:stretch>
-        </p:blipFill>
-        <p:spPr bwMode="auto">
-          <a:xfrm>
-            <a:off x="0" y="304800"/>
-            <a:ext cx="9143999" cy="6117751"/>
-          </a:xfrm>
-          <a:prstGeom prst="rect">
-            <a:avLst/>
-          </a:prstGeom>
-          <a:noFill/>
-        </p:spPr>
-      </p:pic>
-      <p:sp>
-        <p:nvSpPr>
-          <p:cNvPr id="6" name="Rectangle 5"/>
-          <p:cNvSpPr/>
-          <p:nvPr/>
-        </p:nvSpPr>
-        <p:spPr>
-          <a:xfrm>
-            <a:off x="2971800" y="5486400"/>
-            <a:ext cx="6019800" cy="707886"/>
-          </a:xfrm>
-          <a:prstGeom prst="rect">
-            <a:avLst/>
-          </a:prstGeom>
-        </p:spPr>
-        <p:txBody>
-          <a:bodyPr wrap="square">
-            <a:spAutoFit/>
-          </a:bodyPr>
-          <a:lstStyle/>
-          <a:p>
-            <a:pPr algn="r"/>
-            <a:r>
-              <a:rPr lang="en-US" sz="4000" dirty="0" err="1" smtClean="0">
-                <a:latin typeface="Cambria" pitchFamily="18" charset="0"/>
-              </a:rPr>
-              <a:t>Unidade</a:t>
-            </a:r>
-            <a:r>
-              <a:rPr lang="en-US" sz="4000" dirty="0" smtClean="0">
-                <a:latin typeface="Cambria" pitchFamily="18" charset="0"/>
-              </a:rPr>
-              <a:t> de </a:t>
-            </a:r>
-            <a:r>
-              <a:rPr lang="en-US" sz="4000" dirty="0" err="1" smtClean="0">
-                <a:latin typeface="Cambria" pitchFamily="18" charset="0"/>
-              </a:rPr>
-              <a:t>Trabalho</a:t>
-            </a:r>
-            <a:endParaRPr lang="en-US" sz="4000" dirty="0">
-              <a:latin typeface="Cambria" pitchFamily="18" charset="0"/>
-            </a:endParaRPr>
-          </a:p>
-        </p:txBody>
-      </p:sp>
-    </p:spTree>
-  </p:cSld>
-  <p:clrMapOvr>
-    <a:masterClrMapping/>
-  </p:clrMapOvr>
-  <p:transition>
-    <p:fade/>
-  </p:transition>
-  <p:timing>
-    <p:tnLst>
-      <p:par>
-        <p:cTn id="1" dur="indefinite" restart="never" nodeType="tmRoot"/>
-      </p:par>
-    </p:tnLst>
-  </p:timing>
-</p:sld>
-</file>
-
-<file path=ppt/slides/slide13.xml><?xml version="1.0" encoding="utf-8"?>
-<p:sld xmlns:a="http://schemas.openxmlformats.org/drawingml/2006/main" xmlns:r="http://schemas.openxmlformats.org/officeDocument/2006/relationships" xmlns:p="http://schemas.openxmlformats.org/presentationml/2006/main">
-  <p:cSld>
-    <p:bg>
-      <p:bgPr>
-        <a:solidFill>
-          <a:schemeClr val="tx2">
-            <a:lumMod val="50000"/>
-          </a:schemeClr>
-        </a:solidFill>
-        <a:effectLst/>
-      </p:bgPr>
-    </p:bg>
-    <p:spTree>
-      <p:nvGrpSpPr>
-        <p:cNvPr id="1" name=""/>
-        <p:cNvGrpSpPr/>
-        <p:nvPr/>
-      </p:nvGrpSpPr>
-      <p:grpSpPr>
-        <a:xfrm>
-          <a:off x="0" y="0"/>
-          <a:ext cx="0" cy="0"/>
-          <a:chOff x="0" y="0"/>
-          <a:chExt cx="0" cy="0"/>
-        </a:xfrm>
-      </p:grpSpPr>
-      <p:pic>
-        <p:nvPicPr>
-          <p:cNvPr id="48130" name="Picture 2" descr="20100515-mainline.jpg (500×333)"/>
-          <p:cNvPicPr>
-            <a:picLocks noChangeAspect="1" noChangeArrowheads="1"/>
-          </p:cNvPicPr>
-          <p:nvPr/>
-        </p:nvPicPr>
-        <p:blipFill>
-          <a:blip r:embed="rId3" cstate="print"/>
-          <a:srcRect/>
-          <a:stretch>
-            <a:fillRect/>
-          </a:stretch>
-        </p:blipFill>
-        <p:spPr bwMode="auto">
-          <a:xfrm>
-            <a:off x="-9150" y="381000"/>
-            <a:ext cx="9153150" cy="6096000"/>
-          </a:xfrm>
-          <a:prstGeom prst="rect">
-            <a:avLst/>
-          </a:prstGeom>
-          <a:noFill/>
-        </p:spPr>
-      </p:pic>
-      <p:sp>
-        <p:nvSpPr>
-          <p:cNvPr id="4" name="Rectangle 3"/>
-          <p:cNvSpPr/>
-          <p:nvPr/>
-        </p:nvSpPr>
-        <p:spPr>
-          <a:xfrm>
-            <a:off x="228600" y="533400"/>
-            <a:ext cx="6019800" cy="707886"/>
-          </a:xfrm>
-          <a:prstGeom prst="rect">
-            <a:avLst/>
-          </a:prstGeom>
-        </p:spPr>
-        <p:txBody>
-          <a:bodyPr wrap="square">
-            <a:spAutoFit/>
-          </a:bodyPr>
-          <a:lstStyle/>
-          <a:p>
-            <a:r>
-              <a:rPr lang="en-US" sz="4000" dirty="0" smtClean="0">
-                <a:latin typeface="Cambria" pitchFamily="18" charset="0"/>
-              </a:rPr>
-              <a:t>Mainline</a:t>
-            </a:r>
-            <a:endParaRPr lang="en-US" sz="4000" dirty="0">
-              <a:latin typeface="Cambria" pitchFamily="18" charset="0"/>
-            </a:endParaRPr>
-          </a:p>
-        </p:txBody>
-      </p:sp>
-    </p:spTree>
-  </p:cSld>
-  <p:clrMapOvr>
-    <a:masterClrMapping/>
-  </p:clrMapOvr>
-  <p:transition>
-    <p:fade/>
-  </p:transition>
-  <p:timing>
-    <p:tnLst>
-      <p:par>
-        <p:cTn id="1" dur="indefinite" restart="never" nodeType="tmRoot"/>
-      </p:par>
-    </p:tnLst>
-  </p:timing>
-</p:sld>
-</file>
-
-<file path=ppt/slides/slide14.xml><?xml version="1.0" encoding="utf-8"?>
-<p:sld xmlns:a="http://schemas.openxmlformats.org/drawingml/2006/main" xmlns:r="http://schemas.openxmlformats.org/officeDocument/2006/relationships" xmlns:p="http://schemas.openxmlformats.org/presentationml/2006/main">
-  <p:cSld>
-    <p:bg>
-      <p:bgPr>
-        <a:solidFill>
-          <a:schemeClr val="tx1"/>
-        </a:solidFill>
-        <a:effectLst/>
-      </p:bgPr>
-    </p:bg>
-    <p:spTree>
-      <p:nvGrpSpPr>
-        <p:cNvPr id="1" name=""/>
-        <p:cNvGrpSpPr/>
-        <p:nvPr/>
-      </p:nvGrpSpPr>
-      <p:grpSpPr>
-        <a:xfrm>
-          <a:off x="0" y="0"/>
-          <a:ext cx="0" cy="0"/>
-          <a:chOff x="0" y="0"/>
-          <a:chExt cx="0" cy="0"/>
-        </a:xfrm>
-      </p:grpSpPr>
-      <p:pic>
-        <p:nvPicPr>
-          <p:cNvPr id="50178" name="Picture 2" descr="heisenberg-lg.jpg (285×346)"/>
-          <p:cNvPicPr>
-            <a:picLocks noChangeAspect="1" noChangeArrowheads="1"/>
-          </p:cNvPicPr>
-          <p:nvPr/>
-        </p:nvPicPr>
-        <p:blipFill>
-          <a:blip r:embed="rId3" cstate="print"/>
-          <a:srcRect/>
-          <a:stretch>
-            <a:fillRect/>
-          </a:stretch>
-        </p:blipFill>
-        <p:spPr bwMode="auto">
-          <a:xfrm>
-            <a:off x="2895600" y="533400"/>
-            <a:ext cx="3657600" cy="4440456"/>
-          </a:xfrm>
-          <a:prstGeom prst="rect">
-            <a:avLst/>
-          </a:prstGeom>
-          <a:noFill/>
-          <a:ln>
-            <a:solidFill>
-              <a:schemeClr val="bg1"/>
-            </a:solidFill>
-          </a:ln>
-        </p:spPr>
-      </p:pic>
-      <p:sp>
-        <p:nvSpPr>
-          <p:cNvPr id="6" name="Rectangle 5"/>
-          <p:cNvSpPr/>
-          <p:nvPr/>
-        </p:nvSpPr>
-        <p:spPr>
-          <a:xfrm>
-            <a:off x="0" y="5334000"/>
-            <a:ext cx="9144000" cy="830997"/>
-          </a:xfrm>
-          <a:prstGeom prst="rect">
-            <a:avLst/>
-          </a:prstGeom>
-        </p:spPr>
-        <p:txBody>
-          <a:bodyPr wrap="square">
-            <a:spAutoFit/>
-          </a:bodyPr>
-          <a:lstStyle/>
-          <a:p>
-            <a:pPr algn="ctr"/>
-            <a:r>
-              <a:rPr lang="en-US" sz="4800" dirty="0" smtClean="0">
-                <a:solidFill>
-                  <a:schemeClr val="bg1"/>
-                </a:solidFill>
-                <a:latin typeface="Cambria" pitchFamily="18" charset="0"/>
-              </a:rPr>
-              <a:t>Werner Heisenberg </a:t>
-            </a:r>
-            <a:endParaRPr lang="en-US" sz="4800" dirty="0">
-              <a:solidFill>
-                <a:schemeClr val="bg1"/>
-              </a:solidFill>
-              <a:latin typeface="Cambria" pitchFamily="18" charset="0"/>
-            </a:endParaRPr>
-          </a:p>
-        </p:txBody>
-      </p:sp>
-    </p:spTree>
-  </p:cSld>
-  <p:clrMapOvr>
-    <a:masterClrMapping/>
-  </p:clrMapOvr>
-  <p:transition>
-    <p:fade/>
-  </p:transition>
-  <p:timing>
-    <p:tnLst>
-      <p:par>
-        <p:cTn id="1" dur="indefinite" restart="never" nodeType="tmRoot"/>
-      </p:par>
-    </p:tnLst>
-  </p:timing>
-</p:sld>
-</file>
-
-<file path=ppt/slides/slide15.xml><?xml version="1.0" encoding="utf-8"?>
-<p:sld xmlns:a="http://schemas.openxmlformats.org/drawingml/2006/main" xmlns:r="http://schemas.openxmlformats.org/officeDocument/2006/relationships" xmlns:p="http://schemas.openxmlformats.org/presentationml/2006/main">
-  <p:cSld>
-    <p:bg>
-      <p:bgPr>
-        <a:solidFill>
           <a:schemeClr val="accent1">
             <a:lumMod val="60000"/>
             <a:lumOff val="40000"/>
@@ -6377,6 +5700,724 @@
             <a:avLst/>
           </a:prstGeom>
           <a:noFill/>
+        </p:spPr>
+      </p:pic>
+      <p:sp>
+        <p:nvSpPr>
+          <p:cNvPr id="3" name="Rectangle 2"/>
+          <p:cNvSpPr/>
+          <p:nvPr/>
+        </p:nvSpPr>
+        <p:spPr>
+          <a:xfrm>
+            <a:off x="228600" y="6150114"/>
+            <a:ext cx="6019800" cy="707886"/>
+          </a:xfrm>
+          <a:prstGeom prst="rect">
+            <a:avLst/>
+          </a:prstGeom>
+        </p:spPr>
+        <p:txBody>
+          <a:bodyPr wrap="square">
+            <a:spAutoFit/>
+          </a:bodyPr>
+          <a:lstStyle/>
+          <a:p>
+            <a:r>
+              <a:rPr lang="en-US" sz="4000" b="1" dirty="0" err="1" smtClean="0">
+                <a:latin typeface="+mj-lt"/>
+              </a:rPr>
+              <a:t>Operações</a:t>
+            </a:r>
+            <a:r>
+              <a:rPr lang="en-US" sz="4000" b="1" dirty="0" smtClean="0">
+                <a:latin typeface="+mj-lt"/>
+              </a:rPr>
+              <a:t> </a:t>
+            </a:r>
+            <a:r>
+              <a:rPr lang="en-US" sz="4000" b="1" dirty="0" err="1" smtClean="0">
+                <a:latin typeface="+mj-lt"/>
+              </a:rPr>
+              <a:t>Atômicas</a:t>
+            </a:r>
+            <a:endParaRPr lang="en-US" sz="4000" b="1" dirty="0">
+              <a:latin typeface="+mj-lt"/>
+            </a:endParaRPr>
+          </a:p>
+        </p:txBody>
+      </p:sp>
+    </p:spTree>
+  </p:cSld>
+  <p:clrMapOvr>
+    <a:masterClrMapping/>
+  </p:clrMapOvr>
+  <p:transition>
+    <p:fade/>
+  </p:transition>
+  <p:timing>
+    <p:tnLst>
+      <p:par>
+        <p:cTn id="1" dur="indefinite" restart="never" nodeType="tmRoot"/>
+      </p:par>
+    </p:tnLst>
+  </p:timing>
+</p:sld>
+</file>
+
+<file path=ppt/slides/slide11.xml><?xml version="1.0" encoding="utf-8"?>
+<p:sld xmlns:a="http://schemas.openxmlformats.org/drawingml/2006/main" xmlns:r="http://schemas.openxmlformats.org/officeDocument/2006/relationships" xmlns:p="http://schemas.openxmlformats.org/presentationml/2006/main">
+  <p:cSld>
+    <p:bg>
+      <p:bgPr>
+        <a:solidFill>
+          <a:schemeClr val="tx1"/>
+        </a:solidFill>
+        <a:effectLst/>
+      </p:bgPr>
+    </p:bg>
+    <p:spTree>
+      <p:nvGrpSpPr>
+        <p:cNvPr id="1" name=""/>
+        <p:cNvGrpSpPr/>
+        <p:nvPr/>
+      </p:nvGrpSpPr>
+      <p:grpSpPr>
+        <a:xfrm>
+          <a:off x="0" y="0"/>
+          <a:ext cx="0" cy="0"/>
+          <a:chOff x="0" y="0"/>
+          <a:chExt cx="0" cy="0"/>
+        </a:xfrm>
+      </p:grpSpPr>
+      <p:pic>
+        <p:nvPicPr>
+          <p:cNvPr id="54274" name="Picture 2" descr="lock.jpg (347×261)"/>
+          <p:cNvPicPr>
+            <a:picLocks noChangeAspect="1" noChangeArrowheads="1"/>
+          </p:cNvPicPr>
+          <p:nvPr/>
+        </p:nvPicPr>
+        <p:blipFill>
+          <a:blip r:embed="rId3" cstate="print"/>
+          <a:srcRect/>
+          <a:stretch>
+            <a:fillRect/>
+          </a:stretch>
+        </p:blipFill>
+        <p:spPr bwMode="auto">
+          <a:xfrm>
+            <a:off x="0" y="0"/>
+            <a:ext cx="9144000" cy="6877766"/>
+          </a:xfrm>
+          <a:prstGeom prst="rect">
+            <a:avLst/>
+          </a:prstGeom>
+          <a:noFill/>
+          <a:ln>
+            <a:solidFill>
+              <a:schemeClr val="bg1"/>
+            </a:solidFill>
+          </a:ln>
+        </p:spPr>
+      </p:pic>
+      <p:sp>
+        <p:nvSpPr>
+          <p:cNvPr id="3" name="Rectangle 2"/>
+          <p:cNvSpPr/>
+          <p:nvPr/>
+        </p:nvSpPr>
+        <p:spPr>
+          <a:xfrm>
+            <a:off x="228600" y="228600"/>
+            <a:ext cx="6019800" cy="707886"/>
+          </a:xfrm>
+          <a:prstGeom prst="rect">
+            <a:avLst/>
+          </a:prstGeom>
+        </p:spPr>
+        <p:txBody>
+          <a:bodyPr wrap="square">
+            <a:spAutoFit/>
+          </a:bodyPr>
+          <a:lstStyle/>
+          <a:p>
+            <a:r>
+              <a:rPr lang="en-US" sz="4000" b="1" dirty="0" smtClean="0">
+                <a:solidFill>
+                  <a:schemeClr val="bg1"/>
+                </a:solidFill>
+                <a:latin typeface="+mj-lt"/>
+              </a:rPr>
+              <a:t>Checkout </a:t>
+            </a:r>
+            <a:r>
+              <a:rPr lang="en-US" sz="4000" b="1" dirty="0" err="1" smtClean="0">
+                <a:solidFill>
+                  <a:schemeClr val="bg1"/>
+                </a:solidFill>
+                <a:latin typeface="+mj-lt"/>
+              </a:rPr>
+              <a:t>Exclusivo</a:t>
+            </a:r>
+            <a:endParaRPr lang="en-US" sz="4000" b="1" dirty="0">
+              <a:solidFill>
+                <a:schemeClr val="bg1"/>
+              </a:solidFill>
+              <a:latin typeface="+mj-lt"/>
+            </a:endParaRPr>
+          </a:p>
+        </p:txBody>
+      </p:sp>
+    </p:spTree>
+  </p:cSld>
+  <p:clrMapOvr>
+    <a:masterClrMapping/>
+  </p:clrMapOvr>
+  <p:transition>
+    <p:fade/>
+  </p:transition>
+  <p:timing>
+    <p:tnLst>
+      <p:par>
+        <p:cTn id="1" dur="indefinite" restart="never" nodeType="tmRoot"/>
+      </p:par>
+    </p:tnLst>
+  </p:timing>
+</p:sld>
+</file>
+
+<file path=ppt/slides/slide12.xml><?xml version="1.0" encoding="utf-8"?>
+<p:sld xmlns:a="http://schemas.openxmlformats.org/drawingml/2006/main" xmlns:r="http://schemas.openxmlformats.org/officeDocument/2006/relationships" xmlns:p="http://schemas.openxmlformats.org/presentationml/2006/main">
+  <p:cSld>
+    <p:spTree>
+      <p:nvGrpSpPr>
+        <p:cNvPr id="1" name=""/>
+        <p:cNvGrpSpPr/>
+        <p:nvPr/>
+      </p:nvGrpSpPr>
+      <p:grpSpPr>
+        <a:xfrm>
+          <a:off x="0" y="0"/>
+          <a:ext cx="0" cy="0"/>
+          <a:chOff x="0" y="0"/>
+          <a:chExt cx="0" cy="0"/>
+        </a:xfrm>
+      </p:grpSpPr>
+      <p:sp>
+        <p:nvSpPr>
+          <p:cNvPr id="4" name="Rectangle 3"/>
+          <p:cNvSpPr/>
+          <p:nvPr/>
+        </p:nvSpPr>
+        <p:spPr>
+          <a:xfrm>
+            <a:off x="457200" y="2133600"/>
+            <a:ext cx="8229600" cy="3108543"/>
+          </a:xfrm>
+          <a:prstGeom prst="rect">
+            <a:avLst/>
+          </a:prstGeom>
+        </p:spPr>
+        <p:txBody>
+          <a:bodyPr wrap="square">
+            <a:spAutoFit/>
+          </a:bodyPr>
+          <a:lstStyle/>
+          <a:p>
+            <a:pPr algn="r"/>
+            <a:r>
+              <a:rPr lang="en-US" sz="2800" b="1" dirty="0" smtClean="0">
+                <a:latin typeface="Cambria" pitchFamily="18" charset="0"/>
+              </a:rPr>
+              <a:t>Continuous Integration </a:t>
+            </a:r>
+            <a:r>
+              <a:rPr lang="en-US" sz="2800" dirty="0" smtClean="0">
+                <a:latin typeface="Cambria" pitchFamily="18" charset="0"/>
+              </a:rPr>
+              <a:t>is a software development </a:t>
+            </a:r>
+            <a:r>
+              <a:rPr lang="en-US" sz="2800" b="1" dirty="0" smtClean="0">
+                <a:latin typeface="Cambria" pitchFamily="18" charset="0"/>
+              </a:rPr>
+              <a:t>practice</a:t>
+            </a:r>
+            <a:r>
+              <a:rPr lang="en-US" sz="2800" dirty="0" smtClean="0">
+                <a:latin typeface="Cambria" pitchFamily="18" charset="0"/>
+              </a:rPr>
+              <a:t> where </a:t>
+            </a:r>
+            <a:r>
+              <a:rPr lang="en-US" sz="2800" b="1" dirty="0" smtClean="0">
+                <a:latin typeface="Cambria" pitchFamily="18" charset="0"/>
+              </a:rPr>
+              <a:t>members of a team</a:t>
+            </a:r>
+            <a:r>
+              <a:rPr lang="en-US" sz="2800" dirty="0" smtClean="0">
+                <a:latin typeface="Cambria" pitchFamily="18" charset="0"/>
+              </a:rPr>
+              <a:t> integrate their work frequently, usually each person integrates at least daily - leading to multiple integrations per day. Each integration is verified by an automated build (including test) to </a:t>
+            </a:r>
+            <a:r>
+              <a:rPr lang="en-US" sz="2800" b="1" dirty="0" smtClean="0">
+                <a:latin typeface="Cambria" pitchFamily="18" charset="0"/>
+              </a:rPr>
+              <a:t>detect integration errors as quickly as possible</a:t>
+            </a:r>
+            <a:r>
+              <a:rPr lang="en-US" sz="2800" dirty="0" smtClean="0">
+                <a:latin typeface="Cambria" pitchFamily="18" charset="0"/>
+              </a:rPr>
+              <a:t>.</a:t>
+            </a:r>
+            <a:endParaRPr lang="en-US" sz="2800" dirty="0">
+              <a:latin typeface="Cambria" pitchFamily="18" charset="0"/>
+            </a:endParaRPr>
+          </a:p>
+        </p:txBody>
+      </p:sp>
+      <p:sp>
+        <p:nvSpPr>
+          <p:cNvPr id="6" name="Rectangle 5"/>
+          <p:cNvSpPr/>
+          <p:nvPr/>
+        </p:nvSpPr>
+        <p:spPr>
+          <a:xfrm>
+            <a:off x="1676400" y="5791200"/>
+            <a:ext cx="6858000" cy="646331"/>
+          </a:xfrm>
+          <a:prstGeom prst="rect">
+            <a:avLst/>
+          </a:prstGeom>
+        </p:spPr>
+        <p:txBody>
+          <a:bodyPr wrap="square">
+            <a:spAutoFit/>
+          </a:bodyPr>
+          <a:lstStyle/>
+          <a:p>
+            <a:pPr algn="r"/>
+            <a:r>
+              <a:rPr lang="pt-BR" dirty="0" smtClean="0"/>
+              <a:t>Martin Fowler</a:t>
+            </a:r>
+            <a:endParaRPr lang="en-US" dirty="0" smtClean="0"/>
+          </a:p>
+          <a:p>
+            <a:pPr algn="r"/>
+            <a:r>
+              <a:rPr lang="en-US" dirty="0" smtClean="0"/>
+              <a:t>(http://www.martinfowler.com/articles/continuousIntegration.html)</a:t>
+            </a:r>
+            <a:endParaRPr lang="en-US" dirty="0"/>
+          </a:p>
+        </p:txBody>
+      </p:sp>
+      <p:sp>
+        <p:nvSpPr>
+          <p:cNvPr id="7" name="TextBox 6"/>
+          <p:cNvSpPr txBox="1"/>
+          <p:nvPr/>
+        </p:nvSpPr>
+        <p:spPr>
+          <a:xfrm>
+            <a:off x="228600" y="-609600"/>
+            <a:ext cx="2667000" cy="4324261"/>
+          </a:xfrm>
+          <a:prstGeom prst="rect">
+            <a:avLst/>
+          </a:prstGeom>
+          <a:noFill/>
+          <a:scene3d>
+            <a:camera prst="orthographicFront">
+              <a:rot lat="0" lon="10800000" rev="10800000"/>
+            </a:camera>
+            <a:lightRig rig="threePt" dir="t"/>
+          </a:scene3d>
+        </p:spPr>
+        <p:txBody>
+          <a:bodyPr wrap="square" rtlCol="0">
+            <a:spAutoFit/>
+          </a:bodyPr>
+          <a:lstStyle/>
+          <a:p>
+            <a:r>
+              <a:rPr lang="pt-BR" sz="27500" b="1" dirty="0" smtClean="0">
+                <a:latin typeface="Times New Roman" pitchFamily="18" charset="0"/>
+                <a:cs typeface="Times New Roman" pitchFamily="18" charset="0"/>
+              </a:rPr>
+              <a:t>“</a:t>
+            </a:r>
+            <a:endParaRPr lang="en-US" sz="27500" b="1" dirty="0">
+              <a:latin typeface="Times New Roman" pitchFamily="18" charset="0"/>
+              <a:cs typeface="Times New Roman" pitchFamily="18" charset="0"/>
+            </a:endParaRPr>
+          </a:p>
+        </p:txBody>
+      </p:sp>
+    </p:spTree>
+  </p:cSld>
+  <p:clrMapOvr>
+    <a:masterClrMapping/>
+  </p:clrMapOvr>
+  <p:transition>
+    <p:fade/>
+  </p:transition>
+  <p:timing>
+    <p:tnLst>
+      <p:par>
+        <p:cTn id="1" dur="indefinite" restart="never" nodeType="tmRoot"/>
+      </p:par>
+    </p:tnLst>
+  </p:timing>
+</p:sld>
+</file>
+
+<file path=ppt/slides/slide13.xml><?xml version="1.0" encoding="utf-8"?>
+<p:sld xmlns:a="http://schemas.openxmlformats.org/drawingml/2006/main" xmlns:r="http://schemas.openxmlformats.org/officeDocument/2006/relationships" xmlns:p="http://schemas.openxmlformats.org/presentationml/2006/main">
+  <p:cSld>
+    <p:bg>
+      <p:bgPr>
+        <a:blipFill dpi="0" rotWithShape="1">
+          <a:blip r:embed="rId3" cstate="print">
+            <a:lum/>
+          </a:blip>
+          <a:srcRect/>
+          <a:stretch>
+            <a:fillRect/>
+          </a:stretch>
+        </a:blipFill>
+        <a:effectLst/>
+      </p:bgPr>
+    </p:bg>
+    <p:spTree>
+      <p:nvGrpSpPr>
+        <p:cNvPr id="1" name=""/>
+        <p:cNvGrpSpPr/>
+        <p:nvPr/>
+      </p:nvGrpSpPr>
+      <p:grpSpPr>
+        <a:xfrm>
+          <a:off x="0" y="0"/>
+          <a:ext cx="0" cy="0"/>
+          <a:chOff x="0" y="0"/>
+          <a:chExt cx="0" cy="0"/>
+        </a:xfrm>
+      </p:grpSpPr>
+      <p:pic>
+        <p:nvPicPr>
+          <p:cNvPr id="59394" name="Picture 2" descr="octocat.png (480×480)"/>
+          <p:cNvPicPr>
+            <a:picLocks noChangeAspect="1" noChangeArrowheads="1"/>
+          </p:cNvPicPr>
+          <p:nvPr/>
+        </p:nvPicPr>
+        <p:blipFill>
+          <a:blip r:embed="rId4" cstate="print"/>
+          <a:srcRect/>
+          <a:stretch>
+            <a:fillRect/>
+          </a:stretch>
+        </p:blipFill>
+        <p:spPr bwMode="auto">
+          <a:xfrm>
+            <a:off x="4724400" y="304800"/>
+            <a:ext cx="4572000" cy="4572000"/>
+          </a:xfrm>
+          <a:prstGeom prst="rect">
+            <a:avLst/>
+          </a:prstGeom>
+          <a:noFill/>
+        </p:spPr>
+      </p:pic>
+      <p:pic>
+        <p:nvPicPr>
+          <p:cNvPr id="14342" name="Picture 6" descr="yellow_submarine.png (256×256)"/>
+          <p:cNvPicPr>
+            <a:picLocks noChangeAspect="1" noChangeArrowheads="1"/>
+          </p:cNvPicPr>
+          <p:nvPr/>
+        </p:nvPicPr>
+        <p:blipFill>
+          <a:blip r:embed="rId5" cstate="print"/>
+          <a:srcRect/>
+          <a:stretch>
+            <a:fillRect/>
+          </a:stretch>
+        </p:blipFill>
+        <p:spPr bwMode="auto">
+          <a:xfrm>
+            <a:off x="1752600" y="2667000"/>
+            <a:ext cx="2438400" cy="2438400"/>
+          </a:xfrm>
+          <a:prstGeom prst="rect">
+            <a:avLst/>
+          </a:prstGeom>
+          <a:noFill/>
+        </p:spPr>
+      </p:pic>
+      <p:pic>
+        <p:nvPicPr>
+          <p:cNvPr id="19458" name="Picture 2" descr="octopus-trlogo-full.png (1024×768)"/>
+          <p:cNvPicPr>
+            <a:picLocks noChangeAspect="1" noChangeArrowheads="1"/>
+          </p:cNvPicPr>
+          <p:nvPr/>
+        </p:nvPicPr>
+        <p:blipFill>
+          <a:blip r:embed="rId6" cstate="print"/>
+          <a:srcRect/>
+          <a:stretch>
+            <a:fillRect/>
+          </a:stretch>
+        </p:blipFill>
+        <p:spPr bwMode="auto">
+          <a:xfrm>
+            <a:off x="1143000" y="533400"/>
+            <a:ext cx="1930400" cy="1447800"/>
+          </a:xfrm>
+          <a:prstGeom prst="rect">
+            <a:avLst/>
+          </a:prstGeom>
+          <a:noFill/>
+        </p:spPr>
+      </p:pic>
+      <p:sp>
+        <p:nvSpPr>
+          <p:cNvPr id="5" name="Rectangle 4"/>
+          <p:cNvSpPr/>
+          <p:nvPr/>
+        </p:nvSpPr>
+        <p:spPr>
+          <a:xfrm>
+            <a:off x="2895600" y="6019800"/>
+            <a:ext cx="6019800" cy="707886"/>
+          </a:xfrm>
+          <a:prstGeom prst="rect">
+            <a:avLst/>
+          </a:prstGeom>
+        </p:spPr>
+        <p:txBody>
+          <a:bodyPr wrap="square">
+            <a:spAutoFit/>
+          </a:bodyPr>
+          <a:lstStyle/>
+          <a:p>
+            <a:pPr algn="r"/>
+            <a:r>
+              <a:rPr lang="en-US" sz="4000" b="1" dirty="0" smtClean="0">
+                <a:solidFill>
+                  <a:schemeClr val="bg1"/>
+                </a:solidFill>
+                <a:latin typeface="+mj-lt"/>
+              </a:rPr>
+              <a:t>Version Control</a:t>
+            </a:r>
+            <a:endParaRPr lang="en-US" sz="4000" b="1" dirty="0">
+              <a:solidFill>
+                <a:schemeClr val="bg1"/>
+              </a:solidFill>
+              <a:latin typeface="+mj-lt"/>
+            </a:endParaRPr>
+          </a:p>
+        </p:txBody>
+      </p:sp>
+    </p:spTree>
+  </p:cSld>
+  <p:clrMapOvr>
+    <a:masterClrMapping/>
+  </p:clrMapOvr>
+  <p:transition>
+    <p:fade/>
+  </p:transition>
+  <p:timing>
+    <p:tnLst>
+      <p:par>
+        <p:cTn id="1" dur="indefinite" restart="never" nodeType="tmRoot"/>
+      </p:par>
+    </p:tnLst>
+  </p:timing>
+</p:sld>
+</file>
+
+<file path=ppt/slides/slide14.xml><?xml version="1.0" encoding="utf-8"?>
+<p:sld xmlns:a="http://schemas.openxmlformats.org/drawingml/2006/main" xmlns:r="http://schemas.openxmlformats.org/officeDocument/2006/relationships" xmlns:p="http://schemas.openxmlformats.org/presentationml/2006/main">
+  <p:cSld>
+    <p:bg>
+      <p:bgPr>
+        <a:solidFill>
+          <a:schemeClr val="bg1"/>
+        </a:solidFill>
+        <a:effectLst/>
+      </p:bgPr>
+    </p:bg>
+    <p:spTree>
+      <p:nvGrpSpPr>
+        <p:cNvPr id="1" name=""/>
+        <p:cNvGrpSpPr/>
+        <p:nvPr/>
+      </p:nvGrpSpPr>
+      <p:grpSpPr>
+        <a:xfrm>
+          <a:off x="0" y="0"/>
+          <a:ext cx="0" cy="0"/>
+          <a:chOff x="0" y="0"/>
+          <a:chExt cx="0" cy="0"/>
+        </a:xfrm>
+      </p:grpSpPr>
+      <p:pic>
+        <p:nvPicPr>
+          <p:cNvPr id="12292" name="Picture 4" descr="carl-up.png (448×337)"/>
+          <p:cNvPicPr>
+            <a:picLocks noChangeAspect="1" noChangeArrowheads="1"/>
+          </p:cNvPicPr>
+          <p:nvPr/>
+        </p:nvPicPr>
+        <p:blipFill>
+          <a:blip r:embed="rId3" cstate="print"/>
+          <a:srcRect/>
+          <a:stretch>
+            <a:fillRect/>
+          </a:stretch>
+        </p:blipFill>
+        <p:spPr bwMode="auto">
+          <a:xfrm>
+            <a:off x="0" y="0"/>
+            <a:ext cx="9144000" cy="6858000"/>
+          </a:xfrm>
+          <a:prstGeom prst="rect">
+            <a:avLst/>
+          </a:prstGeom>
+          <a:noFill/>
+        </p:spPr>
+      </p:pic>
+      <p:sp>
+        <p:nvSpPr>
+          <p:cNvPr id="3" name="Rectangle 2"/>
+          <p:cNvSpPr/>
+          <p:nvPr/>
+        </p:nvSpPr>
+        <p:spPr>
+          <a:xfrm>
+            <a:off x="152400" y="228600"/>
+            <a:ext cx="6019800" cy="707886"/>
+          </a:xfrm>
+          <a:prstGeom prst="rect">
+            <a:avLst/>
+          </a:prstGeom>
+        </p:spPr>
+        <p:txBody>
+          <a:bodyPr wrap="square">
+            <a:spAutoFit/>
+          </a:bodyPr>
+          <a:lstStyle/>
+          <a:p>
+            <a:r>
+              <a:rPr lang="en-US" sz="4000" b="1" dirty="0" err="1" smtClean="0">
+                <a:solidFill>
+                  <a:schemeClr val="bg1"/>
+                </a:solidFill>
+                <a:latin typeface="+mj-lt"/>
+              </a:rPr>
+              <a:t>Seja</a:t>
+            </a:r>
+            <a:r>
+              <a:rPr lang="en-US" sz="4000" b="1" dirty="0" smtClean="0">
+                <a:solidFill>
+                  <a:schemeClr val="bg1"/>
+                </a:solidFill>
+                <a:latin typeface="+mj-lt"/>
+              </a:rPr>
+              <a:t> um </a:t>
+            </a:r>
+            <a:r>
+              <a:rPr lang="en-US" sz="4000" b="1" dirty="0" err="1" smtClean="0">
+                <a:solidFill>
+                  <a:schemeClr val="bg1"/>
+                </a:solidFill>
+                <a:latin typeface="+mj-lt"/>
+              </a:rPr>
+              <a:t>Escoteiro</a:t>
+            </a:r>
+            <a:endParaRPr lang="en-US" sz="4000" b="1" dirty="0">
+              <a:solidFill>
+                <a:schemeClr val="bg1"/>
+              </a:solidFill>
+              <a:latin typeface="+mj-lt"/>
+            </a:endParaRPr>
+          </a:p>
+        </p:txBody>
+      </p:sp>
+    </p:spTree>
+  </p:cSld>
+  <p:clrMapOvr>
+    <a:masterClrMapping/>
+  </p:clrMapOvr>
+  <p:transition>
+    <p:fade/>
+  </p:transition>
+  <p:timing>
+    <p:tnLst>
+      <p:par>
+        <p:cTn id="1" dur="indefinite" restart="never" nodeType="tmRoot"/>
+      </p:par>
+    </p:tnLst>
+  </p:timing>
+</p:sld>
+</file>
+
+<file path=ppt/slides/slide15.xml><?xml version="1.0" encoding="utf-8"?>
+<p:sld xmlns:a="http://schemas.openxmlformats.org/drawingml/2006/main" xmlns:r="http://schemas.openxmlformats.org/officeDocument/2006/relationships" xmlns:p="http://schemas.openxmlformats.org/presentationml/2006/main">
+  <p:cSld>
+    <p:spTree>
+      <p:nvGrpSpPr>
+        <p:cNvPr id="1" name=""/>
+        <p:cNvGrpSpPr/>
+        <p:nvPr/>
+      </p:nvGrpSpPr>
+      <p:grpSpPr>
+        <a:xfrm>
+          <a:off x="0" y="0"/>
+          <a:ext cx="0" cy="0"/>
+          <a:chOff x="0" y="0"/>
+          <a:chExt cx="0" cy="0"/>
+        </a:xfrm>
+      </p:grpSpPr>
+      <p:pic>
+        <p:nvPicPr>
+          <p:cNvPr id="1026" name="Picture 2"/>
+          <p:cNvPicPr>
+            <a:picLocks noChangeAspect="1" noChangeArrowheads="1"/>
+          </p:cNvPicPr>
+          <p:nvPr/>
+        </p:nvPicPr>
+        <p:blipFill>
+          <a:blip r:embed="rId2" cstate="print"/>
+          <a:srcRect/>
+          <a:stretch>
+            <a:fillRect/>
+          </a:stretch>
+        </p:blipFill>
+        <p:spPr bwMode="auto">
+          <a:xfrm>
+            <a:off x="172495" y="457200"/>
+            <a:ext cx="8686202" cy="5867399"/>
+          </a:xfrm>
+          <a:prstGeom prst="rect">
+            <a:avLst/>
+          </a:prstGeom>
+          <a:noFill/>
+          <a:ln w="9525">
+            <a:noFill/>
+            <a:miter lim="800000"/>
+            <a:headEnd/>
+            <a:tailEnd/>
+          </a:ln>
         </p:spPr>
       </p:pic>
     </p:spTree>
@@ -6424,14 +6465,14 @@
       </p:grpSpPr>
       <p:pic>
         <p:nvPicPr>
-          <p:cNvPr id="54274" name="Picture 2" descr="lock.jpg (347×261)"/>
+          <p:cNvPr id="10244" name="Picture 4" descr="The_Domino_Effect_by_MadameFirebird.jpg (634×448)"/>
           <p:cNvPicPr>
             <a:picLocks noChangeAspect="1" noChangeArrowheads="1"/>
           </p:cNvPicPr>
           <p:nvPr/>
         </p:nvPicPr>
         <p:blipFill>
-          <a:blip r:embed="rId3" cstate="print"/>
+          <a:blip r:embed="rId2" cstate="print"/>
           <a:srcRect/>
           <a:stretch>
             <a:fillRect/>
@@ -6439,20 +6480,64 @@
         </p:blipFill>
         <p:spPr bwMode="auto">
           <a:xfrm>
-            <a:off x="0" y="0"/>
-            <a:ext cx="9144000" cy="6877766"/>
+            <a:off x="0" y="381000"/>
+            <a:ext cx="9166111" cy="6477000"/>
           </a:xfrm>
           <a:prstGeom prst="rect">
             <a:avLst/>
           </a:prstGeom>
           <a:noFill/>
-          <a:ln>
-            <a:solidFill>
-              <a:schemeClr val="bg1"/>
-            </a:solidFill>
-          </a:ln>
         </p:spPr>
       </p:pic>
+      <p:sp>
+        <p:nvSpPr>
+          <p:cNvPr id="3" name="Rectangle 2"/>
+          <p:cNvSpPr/>
+          <p:nvPr/>
+        </p:nvSpPr>
+        <p:spPr>
+          <a:xfrm>
+            <a:off x="2971800" y="228600"/>
+            <a:ext cx="6019800" cy="707886"/>
+          </a:xfrm>
+          <a:prstGeom prst="rect">
+            <a:avLst/>
+          </a:prstGeom>
+        </p:spPr>
+        <p:txBody>
+          <a:bodyPr wrap="square">
+            <a:spAutoFit/>
+          </a:bodyPr>
+          <a:lstStyle/>
+          <a:p>
+            <a:pPr algn="r"/>
+            <a:r>
+              <a:rPr lang="en-US" sz="4000" b="1" dirty="0" smtClean="0">
+                <a:solidFill>
+                  <a:schemeClr val="bg1"/>
+                </a:solidFill>
+                <a:latin typeface="+mj-lt"/>
+              </a:rPr>
+              <a:t>Build </a:t>
+            </a:r>
+            <a:r>
+              <a:rPr lang="en-US" sz="4000" b="1" dirty="0" err="1" smtClean="0">
+                <a:solidFill>
+                  <a:schemeClr val="bg1"/>
+                </a:solidFill>
+                <a:latin typeface="+mj-lt"/>
+              </a:rPr>
+              <a:t>Automatizado</a:t>
+            </a:r>
+            <a:endParaRPr lang="en-US" sz="4000" b="1" dirty="0">
+              <a:solidFill>
+                <a:schemeClr val="bg1"/>
+              </a:solidFill>
+              <a:latin typeface="+mj-lt"/>
+            </a:endParaRPr>
+          </a:p>
+        </p:txBody>
+      </p:sp>
     </p:spTree>
   </p:cSld>
   <p:clrMapOvr>
@@ -6476,15 +6561,9 @@
   <p:cSld>
     <p:bg>
       <p:bgPr>
-        <a:blipFill dpi="0" rotWithShape="1">
-          <a:blip r:embed="rId3" cstate="print">
-            <a:lum/>
-          </a:blip>
-          <a:srcRect/>
-          <a:stretch>
-            <a:fillRect/>
-          </a:stretch>
-        </a:blipFill>
+        <a:solidFill>
+          <a:schemeClr val="tx1"/>
+        </a:solidFill>
         <a:effectLst/>
       </p:bgPr>
     </p:bg>
@@ -6502,84 +6581,44 @@
           <a:chExt cx="0" cy="0"/>
         </a:xfrm>
       </p:grpSpPr>
-      <p:pic>
-        <p:nvPicPr>
-          <p:cNvPr id="59394" name="Picture 2" descr="octocat.png (480×480)"/>
-          <p:cNvPicPr>
-            <a:picLocks noChangeAspect="1" noChangeArrowheads="1"/>
-          </p:cNvPicPr>
+      <p:sp>
+        <p:nvSpPr>
+          <p:cNvPr id="4" name="Rectangle 3"/>
+          <p:cNvSpPr/>
           <p:nvPr/>
-        </p:nvPicPr>
-        <p:blipFill>
-          <a:blip r:embed="rId4" cstate="print"/>
-          <a:srcRect/>
-          <a:stretch>
-            <a:fillRect/>
-          </a:stretch>
-        </p:blipFill>
-        <p:spPr bwMode="auto">
-          <a:xfrm>
-            <a:off x="4724400" y="304800"/>
-            <a:ext cx="4572000" cy="4572000"/>
+        </p:nvSpPr>
+        <p:spPr>
+          <a:xfrm>
+            <a:off x="0" y="2133600"/>
+            <a:ext cx="9144000" cy="830997"/>
           </a:xfrm>
           <a:prstGeom prst="rect">
             <a:avLst/>
           </a:prstGeom>
-          <a:noFill/>
-        </p:spPr>
-      </p:pic>
-      <p:pic>
-        <p:nvPicPr>
-          <p:cNvPr id="14342" name="Picture 6" descr="yellow_submarine.png (256×256)"/>
-          <p:cNvPicPr>
-            <a:picLocks noChangeAspect="1" noChangeArrowheads="1"/>
-          </p:cNvPicPr>
-          <p:nvPr/>
-        </p:nvPicPr>
-        <p:blipFill>
-          <a:blip r:embed="rId5" cstate="print"/>
-          <a:srcRect/>
-          <a:stretch>
-            <a:fillRect/>
-          </a:stretch>
-        </p:blipFill>
-        <p:spPr bwMode="auto">
-          <a:xfrm>
-            <a:off x="1752600" y="2667000"/>
-            <a:ext cx="2438400" cy="2438400"/>
-          </a:xfrm>
-          <a:prstGeom prst="rect">
-            <a:avLst/>
-          </a:prstGeom>
-          <a:noFill/>
-        </p:spPr>
-      </p:pic>
-      <p:pic>
-        <p:nvPicPr>
-          <p:cNvPr id="19458" name="Picture 2" descr="octopus-trlogo-full.png (1024×768)"/>
-          <p:cNvPicPr>
-            <a:picLocks noChangeAspect="1" noChangeArrowheads="1"/>
-          </p:cNvPicPr>
-          <p:nvPr/>
-        </p:nvPicPr>
-        <p:blipFill>
-          <a:blip r:embed="rId6" cstate="print"/>
-          <a:srcRect/>
-          <a:stretch>
-            <a:fillRect/>
-          </a:stretch>
-        </p:blipFill>
-        <p:spPr bwMode="auto">
-          <a:xfrm>
-            <a:off x="1143000" y="533400"/>
-            <a:ext cx="1930400" cy="1447800"/>
-          </a:xfrm>
-          <a:prstGeom prst="rect">
-            <a:avLst/>
-          </a:prstGeom>
-          <a:noFill/>
-        </p:spPr>
-      </p:pic>
+        </p:spPr>
+        <p:txBody>
+          <a:bodyPr wrap="square">
+            <a:spAutoFit/>
+          </a:bodyPr>
+          <a:lstStyle/>
+          <a:p>
+            <a:pPr algn="ctr"/>
+            <a:r>
+              <a:rPr lang="en-US" sz="4800" b="1" dirty="0" smtClean="0">
+                <a:solidFill>
+                  <a:schemeClr val="bg1"/>
+                </a:solidFill>
+              </a:rPr>
+              <a:t>msbuildtasks.tigris.org</a:t>
+            </a:r>
+            <a:endParaRPr lang="en-US" sz="4800" b="1" dirty="0">
+              <a:solidFill>
+                <a:schemeClr val="bg1"/>
+              </a:solidFill>
+            </a:endParaRPr>
+          </a:p>
+        </p:txBody>
+      </p:sp>
     </p:spTree>
   </p:cSld>
   <p:clrMapOvr>
@@ -6604,7 +6643,7 @@
     <p:bg>
       <p:bgPr>
         <a:solidFill>
-          <a:schemeClr val="bg1"/>
+          <a:schemeClr val="tx1"/>
         </a:solidFill>
         <a:effectLst/>
       </p:bgPr>
@@ -6623,32 +6662,67 @@
           <a:chExt cx="0" cy="0"/>
         </a:xfrm>
       </p:grpSpPr>
-      <p:pic>
-        <p:nvPicPr>
-          <p:cNvPr id="12292" name="Picture 4" descr="carl-up.png (448×337)"/>
-          <p:cNvPicPr>
-            <a:picLocks noChangeAspect="1" noChangeArrowheads="1"/>
-          </p:cNvPicPr>
+      <p:sp>
+        <p:nvSpPr>
+          <p:cNvPr id="4" name="Rectangle 3"/>
+          <p:cNvSpPr/>
           <p:nvPr/>
-        </p:nvPicPr>
-        <p:blipFill>
-          <a:blip r:embed="rId3" cstate="print"/>
-          <a:srcRect/>
-          <a:stretch>
-            <a:fillRect/>
-          </a:stretch>
-        </p:blipFill>
-        <p:spPr bwMode="auto">
-          <a:xfrm>
-            <a:off x="0" y="0"/>
-            <a:ext cx="9144000" cy="6858000"/>
+        </p:nvSpPr>
+        <p:spPr>
+          <a:xfrm>
+            <a:off x="0" y="2133600"/>
+            <a:ext cx="9144000" cy="2308324"/>
           </a:xfrm>
           <a:prstGeom prst="rect">
             <a:avLst/>
           </a:prstGeom>
-          <a:noFill/>
-        </p:spPr>
-      </p:pic>
+        </p:spPr>
+        <p:txBody>
+          <a:bodyPr wrap="square">
+            <a:spAutoFit/>
+          </a:bodyPr>
+          <a:lstStyle/>
+          <a:p>
+            <a:pPr algn="ctr"/>
+            <a:r>
+              <a:rPr lang="en-US" sz="4800" b="1" dirty="0" smtClean="0">
+                <a:solidFill>
+                  <a:schemeClr val="bg1"/>
+                </a:solidFill>
+                <a:latin typeface="+mj-lt"/>
+              </a:rPr>
+              <a:t>msbuildtasks.tigris.org</a:t>
+            </a:r>
+          </a:p>
+          <a:p>
+            <a:pPr algn="ctr"/>
+            <a:endParaRPr lang="pt-BR" sz="4800" b="1" dirty="0" smtClean="0">
+              <a:solidFill>
+                <a:schemeClr val="bg1"/>
+              </a:solidFill>
+              <a:latin typeface="+mj-lt"/>
+            </a:endParaRPr>
+          </a:p>
+          <a:p>
+            <a:pPr algn="ctr"/>
+            <a:r>
+              <a:rPr lang="en-US" sz="4800" b="1" dirty="0" smtClean="0">
+                <a:solidFill>
+                  <a:schemeClr val="bg1"/>
+                </a:solidFill>
+                <a:latin typeface="+mj-lt"/>
+              </a:rPr>
+              <a:t>albacorebuild.net</a:t>
+            </a:r>
+            <a:endParaRPr lang="en-US" sz="4800" b="1" dirty="0">
+              <a:solidFill>
+                <a:schemeClr val="bg1"/>
+              </a:solidFill>
+              <a:latin typeface="+mj-lt"/>
+            </a:endParaRPr>
+          </a:p>
+        </p:txBody>
+      </p:sp>
     </p:spTree>
   </p:cSld>
   <p:clrMapOvr>
@@ -6684,43 +6758,181 @@
           <a:chExt cx="0" cy="0"/>
         </a:xfrm>
       </p:grpSpPr>
-      <p:pic>
-        <p:nvPicPr>
-          <p:cNvPr id="1026" name="Picture 2"/>
-          <p:cNvPicPr>
-            <a:picLocks noChangeAspect="1" noChangeArrowheads="1"/>
-          </p:cNvPicPr>
+      <p:sp>
+        <p:nvSpPr>
+          <p:cNvPr id="4" name="Rectangle 3"/>
+          <p:cNvSpPr/>
           <p:nvPr/>
-        </p:nvPicPr>
-        <p:blipFill>
-          <a:blip r:embed="rId2" cstate="print"/>
-          <a:srcRect/>
-          <a:stretch>
-            <a:fillRect/>
-          </a:stretch>
-        </p:blipFill>
-        <p:spPr bwMode="auto">
-          <a:xfrm>
-            <a:off x="172495" y="457200"/>
-            <a:ext cx="8686202" cy="5867399"/>
+        </p:nvSpPr>
+        <p:spPr>
+          <a:xfrm>
+            <a:off x="533400" y="2133600"/>
+            <a:ext cx="8229600" cy="2308324"/>
+          </a:xfrm>
+          <a:prstGeom prst="rect">
+            <a:avLst/>
+          </a:prstGeom>
+        </p:spPr>
+        <p:txBody>
+          <a:bodyPr wrap="square">
+            <a:spAutoFit/>
+          </a:bodyPr>
+          <a:lstStyle/>
+          <a:p>
+            <a:pPr algn="r"/>
+            <a:r>
+              <a:rPr lang="en-US" sz="4800" dirty="0" err="1" smtClean="0">
+                <a:latin typeface="Cambria" pitchFamily="18" charset="0"/>
+              </a:rPr>
+              <a:t>Compilou</a:t>
+            </a:r>
+            <a:r>
+              <a:rPr lang="en-US" sz="4800" dirty="0" smtClean="0">
+                <a:latin typeface="Cambria" pitchFamily="18" charset="0"/>
+              </a:rPr>
+              <a:t>, </a:t>
+            </a:r>
+            <a:endParaRPr lang="en-US" sz="4800" dirty="0" smtClean="0">
+              <a:latin typeface="Cambria" pitchFamily="18" charset="0"/>
+            </a:endParaRPr>
+          </a:p>
+          <a:p>
+            <a:pPr algn="r"/>
+            <a:r>
+              <a:rPr lang="en-US" sz="4800" b="1" dirty="0" smtClean="0">
+                <a:latin typeface="Cambria" pitchFamily="18" charset="0"/>
+              </a:rPr>
+              <a:t>0 errors, 0 </a:t>
+            </a:r>
+            <a:r>
+              <a:rPr lang="en-US" sz="4800" b="1" dirty="0" smtClean="0">
+                <a:latin typeface="Cambria" pitchFamily="18" charset="0"/>
+              </a:rPr>
+              <a:t>warnings, </a:t>
+            </a:r>
+            <a:endParaRPr lang="en-US" sz="4800" b="1" dirty="0" smtClean="0">
+              <a:latin typeface="Cambria" pitchFamily="18" charset="0"/>
+            </a:endParaRPr>
+          </a:p>
+          <a:p>
+            <a:pPr algn="r"/>
+            <a:r>
+              <a:rPr lang="en-US" sz="4800" dirty="0" err="1" smtClean="0">
+                <a:latin typeface="Cambria" pitchFamily="18" charset="0"/>
+              </a:rPr>
+              <a:t>tá</a:t>
+            </a:r>
+            <a:r>
+              <a:rPr lang="en-US" sz="4800" b="1" dirty="0" smtClean="0">
+                <a:latin typeface="Cambria" pitchFamily="18" charset="0"/>
+              </a:rPr>
+              <a:t> </a:t>
+            </a:r>
+            <a:r>
+              <a:rPr lang="en-US" sz="4800" dirty="0" err="1" smtClean="0">
+                <a:latin typeface="Cambria" pitchFamily="18" charset="0"/>
+              </a:rPr>
+              <a:t>tudo</a:t>
+            </a:r>
+            <a:r>
+              <a:rPr lang="en-US" sz="4800" dirty="0" smtClean="0">
+                <a:latin typeface="Cambria" pitchFamily="18" charset="0"/>
+              </a:rPr>
+              <a:t> ok.</a:t>
+            </a:r>
+            <a:endParaRPr lang="en-US" sz="4800" dirty="0">
+              <a:latin typeface="Cambria" pitchFamily="18" charset="0"/>
+            </a:endParaRPr>
+          </a:p>
+        </p:txBody>
+      </p:sp>
+      <p:sp>
+        <p:nvSpPr>
+          <p:cNvPr id="6" name="Rectangle 5"/>
+          <p:cNvSpPr/>
+          <p:nvPr/>
+        </p:nvSpPr>
+        <p:spPr>
+          <a:xfrm>
+            <a:off x="1676400" y="5791200"/>
+            <a:ext cx="6858000" cy="369332"/>
+          </a:xfrm>
+          <a:prstGeom prst="rect">
+            <a:avLst/>
+          </a:prstGeom>
+        </p:spPr>
+        <p:txBody>
+          <a:bodyPr wrap="square">
+            <a:spAutoFit/>
+          </a:bodyPr>
+          <a:lstStyle/>
+          <a:p>
+            <a:pPr algn="r"/>
+            <a:r>
+              <a:rPr lang="pt-BR" dirty="0" smtClean="0"/>
+              <a:t>Lincoln Júnior</a:t>
+            </a:r>
+            <a:endParaRPr lang="en-US" dirty="0"/>
+          </a:p>
+        </p:txBody>
+      </p:sp>
+      <p:sp>
+        <p:nvSpPr>
+          <p:cNvPr id="8" name="TextBox 7"/>
+          <p:cNvSpPr txBox="1"/>
+          <p:nvPr/>
+        </p:nvSpPr>
+        <p:spPr>
+          <a:xfrm>
+            <a:off x="228600" y="-609600"/>
+            <a:ext cx="2667000" cy="4324261"/>
           </a:xfrm>
           <a:prstGeom prst="rect">
             <a:avLst/>
           </a:prstGeom>
           <a:noFill/>
-          <a:ln w="9525">
-            <a:noFill/>
-            <a:miter lim="800000"/>
-            <a:headEnd/>
-            <a:tailEnd/>
-          </a:ln>
-        </p:spPr>
-      </p:pic>
+          <a:scene3d>
+            <a:camera prst="orthographicFront">
+              <a:rot lat="0" lon="10800000" rev="10800000"/>
+            </a:camera>
+            <a:lightRig rig="threePt" dir="t"/>
+          </a:scene3d>
+        </p:spPr>
+        <p:txBody>
+          <a:bodyPr wrap="square" rtlCol="0">
+            <a:spAutoFit/>
+          </a:bodyPr>
+          <a:lstStyle/>
+          <a:p>
+            <a:r>
+              <a:rPr lang="pt-BR" sz="27500" b="1" dirty="0" smtClean="0">
+                <a:latin typeface="Times New Roman" pitchFamily="18" charset="0"/>
+                <a:cs typeface="Times New Roman" pitchFamily="18" charset="0"/>
+              </a:rPr>
+              <a:t>“</a:t>
+            </a:r>
+            <a:endParaRPr lang="en-US" sz="27500" b="1" dirty="0">
+              <a:latin typeface="Times New Roman" pitchFamily="18" charset="0"/>
+              <a:cs typeface="Times New Roman" pitchFamily="18" charset="0"/>
+            </a:endParaRPr>
+          </a:p>
+        </p:txBody>
+      </p:sp>
     </p:spTree>
   </p:cSld>
   <p:clrMapOvr>
     <a:masterClrMapping/>
   </p:clrMapOvr>
+  <p:transition>
+    <p:fade/>
+  </p:transition>
+  <p:timing>
+    <p:tnLst>
+      <p:par>
+        <p:cTn id="1" dur="indefinite" restart="never" nodeType="tmRoot"/>
+      </p:par>
+    </p:tnLst>
+  </p:timing>
 </p:sld>
 </file>
 
@@ -6810,9 +7022,15 @@
   <p:cSld>
     <p:bg>
       <p:bgPr>
-        <a:solidFill>
-          <a:schemeClr val="tx1"/>
-        </a:solidFill>
+        <a:blipFill dpi="0" rotWithShape="1">
+          <a:blip r:embed="rId2" cstate="print">
+            <a:lum/>
+          </a:blip>
+          <a:srcRect/>
+          <a:stretch>
+            <a:fillRect/>
+          </a:stretch>
+        </a:blipFill>
         <a:effectLst/>
       </p:bgPr>
     </p:bg>
@@ -6830,32 +7048,132 @@
           <a:chExt cx="0" cy="0"/>
         </a:xfrm>
       </p:grpSpPr>
-      <p:pic>
-        <p:nvPicPr>
-          <p:cNvPr id="10244" name="Picture 4" descr="The_Domino_Effect_by_MadameFirebird.jpg (634×448)"/>
-          <p:cNvPicPr>
-            <a:picLocks noChangeAspect="1" noChangeArrowheads="1"/>
-          </p:cNvPicPr>
+      <p:sp>
+        <p:nvSpPr>
+          <p:cNvPr id="6" name="Rectangle 5"/>
+          <p:cNvSpPr/>
           <p:nvPr/>
-        </p:nvPicPr>
-        <p:blipFill>
-          <a:blip r:embed="rId2" cstate="print"/>
-          <a:srcRect/>
-          <a:stretch>
-            <a:fillRect/>
-          </a:stretch>
-        </p:blipFill>
-        <p:spPr bwMode="auto">
-          <a:xfrm>
-            <a:off x="0" y="381000"/>
-            <a:ext cx="9166111" cy="6477000"/>
+        </p:nvSpPr>
+        <p:spPr>
+          <a:xfrm>
+            <a:off x="1905000" y="2209800"/>
+            <a:ext cx="7010400" cy="1446550"/>
+          </a:xfrm>
+          <a:prstGeom prst="rect">
+            <a:avLst/>
+          </a:prstGeom>
+        </p:spPr>
+        <p:txBody>
+          <a:bodyPr wrap="square">
+            <a:spAutoFit/>
+          </a:bodyPr>
+          <a:lstStyle/>
+          <a:p>
+            <a:pPr algn="r"/>
+            <a:r>
+              <a:rPr lang="pt-BR" sz="4400" dirty="0" smtClean="0">
+                <a:solidFill>
+                  <a:schemeClr val="bg1"/>
+                </a:solidFill>
+                <a:latin typeface="Cambria" pitchFamily="18" charset="0"/>
+              </a:rPr>
+              <a:t>I find your lack of tests disturbing.</a:t>
+            </a:r>
+            <a:endParaRPr lang="en-US" sz="4400" dirty="0">
+              <a:solidFill>
+                <a:schemeClr val="bg1"/>
+              </a:solidFill>
+              <a:latin typeface="Cambria" pitchFamily="18" charset="0"/>
+            </a:endParaRPr>
+          </a:p>
+        </p:txBody>
+      </p:sp>
+      <p:sp>
+        <p:nvSpPr>
+          <p:cNvPr id="10" name="TextBox 9"/>
+          <p:cNvSpPr txBox="1"/>
+          <p:nvPr/>
+        </p:nvSpPr>
+        <p:spPr>
+          <a:xfrm>
+            <a:off x="228600" y="-609600"/>
+            <a:ext cx="2667000" cy="4324261"/>
           </a:xfrm>
           <a:prstGeom prst="rect">
             <a:avLst/>
           </a:prstGeom>
           <a:noFill/>
-        </p:spPr>
-      </p:pic>
+          <a:scene3d>
+            <a:camera prst="orthographicFront">
+              <a:rot lat="0" lon="10800000" rev="10800000"/>
+            </a:camera>
+            <a:lightRig rig="threePt" dir="t"/>
+          </a:scene3d>
+        </p:spPr>
+        <p:txBody>
+          <a:bodyPr wrap="square" rtlCol="0">
+            <a:spAutoFit/>
+          </a:bodyPr>
+          <a:lstStyle/>
+          <a:p>
+            <a:r>
+              <a:rPr lang="pt-BR" sz="27500" b="1" dirty="0" smtClean="0">
+                <a:solidFill>
+                  <a:schemeClr val="bg1"/>
+                </a:solidFill>
+                <a:latin typeface="Times New Roman" pitchFamily="18" charset="0"/>
+                <a:cs typeface="Times New Roman" pitchFamily="18" charset="0"/>
+              </a:rPr>
+              <a:t>“</a:t>
+            </a:r>
+            <a:endParaRPr lang="en-US" sz="27500" b="1" dirty="0">
+              <a:solidFill>
+                <a:schemeClr val="bg1"/>
+              </a:solidFill>
+              <a:latin typeface="Times New Roman" pitchFamily="18" charset="0"/>
+              <a:cs typeface="Times New Roman" pitchFamily="18" charset="0"/>
+            </a:endParaRPr>
+          </a:p>
+        </p:txBody>
+      </p:sp>
+      <p:sp>
+        <p:nvSpPr>
+          <p:cNvPr id="4" name="Rectangle 3"/>
+          <p:cNvSpPr/>
+          <p:nvPr/>
+        </p:nvSpPr>
+        <p:spPr>
+          <a:xfrm>
+            <a:off x="1676400" y="5791200"/>
+            <a:ext cx="6858000" cy="369332"/>
+          </a:xfrm>
+          <a:prstGeom prst="rect">
+            <a:avLst/>
+          </a:prstGeom>
+        </p:spPr>
+        <p:txBody>
+          <a:bodyPr wrap="square">
+            <a:spAutoFit/>
+          </a:bodyPr>
+          <a:lstStyle/>
+          <a:p>
+            <a:pPr algn="r"/>
+            <a:r>
+              <a:rPr lang="en-US" dirty="0" smtClean="0">
+                <a:solidFill>
+                  <a:schemeClr val="bg1"/>
+                </a:solidFill>
+              </a:rPr>
+              <a:t>Sebastian Bergmann</a:t>
+            </a:r>
+            <a:endParaRPr lang="en-US" dirty="0">
+              <a:solidFill>
+                <a:schemeClr val="bg1"/>
+              </a:solidFill>
+            </a:endParaRPr>
+          </a:p>
+        </p:txBody>
+      </p:sp>
     </p:spTree>
   </p:cSld>
   <p:clrMapOvr>
@@ -6899,20 +7217,51 @@
           <a:chExt cx="0" cy="0"/>
         </a:xfrm>
       </p:grpSpPr>
-      <p:sp>
-        <p:nvSpPr>
-          <p:cNvPr id="4" name="Rectangle 3"/>
-          <p:cNvSpPr/>
+      <p:pic>
+        <p:nvPicPr>
+          <p:cNvPr id="66562" name="Picture 2" descr="monkey-on-computer.jpg (250×187)"/>
+          <p:cNvPicPr>
+            <a:picLocks noChangeAspect="1" noChangeArrowheads="1"/>
+          </p:cNvPicPr>
           <p:nvPr/>
-        </p:nvSpPr>
-        <p:spPr>
-          <a:xfrm>
-            <a:off x="0" y="2133600"/>
-            <a:ext cx="9144000" cy="830997"/>
+        </p:nvPicPr>
+        <p:blipFill>
+          <a:blip r:embed="rId2" cstate="print"/>
+          <a:srcRect/>
+          <a:stretch>
+            <a:fillRect/>
+          </a:stretch>
+        </p:blipFill>
+        <p:spPr bwMode="auto">
+          <a:xfrm>
+            <a:off x="1905000" y="533400"/>
+            <a:ext cx="5373524" cy="3962400"/>
           </a:xfrm>
           <a:prstGeom prst="rect">
             <a:avLst/>
           </a:prstGeom>
+          <a:noFill/>
+          <a:ln>
+            <a:solidFill>
+              <a:schemeClr val="bg1"/>
+            </a:solidFill>
+          </a:ln>
+        </p:spPr>
+      </p:pic>
+      <p:sp>
+        <p:nvSpPr>
+          <p:cNvPr id="6" name="Rectangle 5"/>
+          <p:cNvSpPr/>
+          <p:nvPr/>
+        </p:nvSpPr>
+        <p:spPr>
+          <a:xfrm>
+            <a:off x="0" y="4876800"/>
+            <a:ext cx="9144000" cy="1323439"/>
+          </a:xfrm>
+          <a:prstGeom prst="rect">
+            <a:avLst/>
+          </a:prstGeom>
         </p:spPr>
         <p:txBody>
           <a:bodyPr wrap="square">
@@ -6922,15 +7271,27 @@
           <a:p>
             <a:pPr algn="ctr"/>
             <a:r>
-              <a:rPr lang="en-US" sz="4800" dirty="0" smtClean="0">
+              <a:rPr lang="pt-BR" sz="4000" dirty="0" smtClean="0">
                 <a:solidFill>
                   <a:schemeClr val="bg1"/>
                 </a:solidFill>
                 <a:latin typeface="Cambria" pitchFamily="18" charset="0"/>
               </a:rPr>
-              <a:t>msbuildtasks.tigris.org</a:t>
-            </a:r>
-            <a:endParaRPr lang="en-US" sz="4800" dirty="0">
+              <a:t>Testando o sistema antes </a:t>
+            </a:r>
+          </a:p>
+          <a:p>
+            <a:pPr algn="ctr"/>
+            <a:r>
+              <a:rPr lang="pt-BR" sz="4000" dirty="0" smtClean="0">
+                <a:solidFill>
+                  <a:schemeClr val="bg1"/>
+                </a:solidFill>
+                <a:latin typeface="Cambria" pitchFamily="18" charset="0"/>
+              </a:rPr>
+              <a:t>de mandar para o cliente</a:t>
+            </a:r>
+            <a:endParaRPr lang="en-US" sz="4000" dirty="0">
               <a:solidFill>
                 <a:schemeClr val="bg1"/>
               </a:solidFill>
@@ -6944,6 +7305,9 @@
   <p:clrMapOvr>
     <a:masterClrMapping/>
   </p:clrMapOvr>
+  <p:transition>
+    <p:fade/>
+  </p:transition>
   <p:timing>
     <p:tnLst>
       <p:par>
@@ -6957,14 +7321,6 @@
 <file path=ppt/slides/slide22.xml><?xml version="1.0" encoding="utf-8"?>
 <p:sld xmlns:a="http://schemas.openxmlformats.org/drawingml/2006/main" xmlns:r="http://schemas.openxmlformats.org/officeDocument/2006/relationships" xmlns:p="http://schemas.openxmlformats.org/presentationml/2006/main">
   <p:cSld>
-    <p:bg>
-      <p:bgPr>
-        <a:solidFill>
-          <a:schemeClr val="tx1"/>
-        </a:solidFill>
-        <a:effectLst/>
-      </p:bgPr>
-    </p:bg>
     <p:spTree>
       <p:nvGrpSpPr>
         <p:cNvPr id="1" name=""/>
@@ -6981,18 +7337,63 @@
       </p:grpSpPr>
       <p:sp>
         <p:nvSpPr>
-          <p:cNvPr id="4" name="Rectangle 3"/>
-          <p:cNvSpPr/>
+          <p:cNvPr id="4" name="Title 3"/>
+          <p:cNvSpPr>
+            <a:spLocks noGrp="1"/>
+          </p:cNvSpPr>
+          <p:nvPr>
+            <p:ph type="title"/>
+          </p:nvPr>
+        </p:nvSpPr>
+        <p:spPr/>
+        <p:txBody>
+          <a:bodyPr/>
+          <a:lstStyle/>
+          <a:p>
+            <a:endParaRPr lang="en-US"/>
+          </a:p>
+        </p:txBody>
+      </p:sp>
+      <p:pic>
+        <p:nvPicPr>
+          <p:cNvPr id="8196" name="Picture 4" descr="sandbox_rules2.jpg (800×546)"/>
+          <p:cNvPicPr>
+            <a:picLocks noChangeAspect="1" noChangeArrowheads="1"/>
+          </p:cNvPicPr>
           <p:nvPr/>
-        </p:nvSpPr>
-        <p:spPr>
-          <a:xfrm>
-            <a:off x="0" y="2133600"/>
-            <a:ext cx="9144000" cy="2308324"/>
+        </p:nvPicPr>
+        <p:blipFill>
+          <a:blip r:embed="rId2" cstate="print"/>
+          <a:srcRect/>
+          <a:stretch>
+            <a:fillRect/>
+          </a:stretch>
+        </p:blipFill>
+        <p:spPr bwMode="auto">
+          <a:xfrm>
+            <a:off x="-1" y="0"/>
+            <a:ext cx="9155163" cy="6858000"/>
           </a:xfrm>
           <a:prstGeom prst="rect">
             <a:avLst/>
           </a:prstGeom>
+          <a:noFill/>
+        </p:spPr>
+      </p:pic>
+      <p:sp>
+        <p:nvSpPr>
+          <p:cNvPr id="5" name="Rectangle 4"/>
+          <p:cNvSpPr/>
+          <p:nvPr/>
+        </p:nvSpPr>
+        <p:spPr>
+          <a:xfrm>
+            <a:off x="2971800" y="152400"/>
+            <a:ext cx="6019800" cy="707886"/>
+          </a:xfrm>
+          <a:prstGeom prst="rect">
+            <a:avLst/>
+          </a:prstGeom>
         </p:spPr>
         <p:txBody>
           <a:bodyPr wrap="square">
@@ -7000,42 +7401,21 @@
           </a:bodyPr>
           <a:lstStyle/>
           <a:p>
-            <a:pPr algn="ctr"/>
-            <a:r>
-              <a:rPr lang="en-US" sz="4800" dirty="0" smtClean="0">
+            <a:pPr algn="r"/>
+            <a:r>
+              <a:rPr lang="en-US" sz="4000" b="1" dirty="0" smtClean="0">
                 <a:solidFill>
                   <a:schemeClr val="bg1"/>
                 </a:solidFill>
-                <a:latin typeface="Cambria" pitchFamily="18" charset="0"/>
+                <a:latin typeface="+mj-lt"/>
               </a:rPr>
-              <a:t>msbuildtasks.tigris.org</a:t>
-            </a:r>
-          </a:p>
-          <a:p>
-            <a:pPr algn="ctr"/>
-            <a:endParaRPr lang="pt-BR" sz="4800" dirty="0" smtClean="0">
+              <a:t>Sandbox</a:t>
+            </a:r>
+            <a:endParaRPr lang="en-US" sz="4000" b="1" dirty="0">
               <a:solidFill>
                 <a:schemeClr val="bg1"/>
               </a:solidFill>
-              <a:latin typeface="Cambria" pitchFamily="18" charset="0"/>
-            </a:endParaRPr>
-          </a:p>
-          <a:p>
-            <a:pPr algn="ctr"/>
-            <a:r>
-              <a:rPr lang="en-US" sz="4800" dirty="0" smtClean="0">
-                <a:solidFill>
-                  <a:schemeClr val="bg1"/>
-                </a:solidFill>
-                <a:latin typeface="Cambria" pitchFamily="18" charset="0"/>
-              </a:rPr>
-              <a:t>albacorebuild.net</a:t>
-            </a:r>
-            <a:endParaRPr lang="en-US" sz="4800" dirty="0">
-              <a:solidFill>
-                <a:schemeClr val="bg1"/>
-              </a:solidFill>
-              <a:latin typeface="Cambria" pitchFamily="18" charset="0"/>
+              <a:latin typeface="+mj-lt"/>
             </a:endParaRPr>
           </a:p>
         </p:txBody>
@@ -7045,6 +7425,9 @@
   <p:clrMapOvr>
     <a:masterClrMapping/>
   </p:clrMapOvr>
+  <p:transition>
+    <p:fade/>
+  </p:transition>
   <p:timing>
     <p:tnLst>
       <p:par>
@@ -7072,80 +7455,16 @@
           <a:chExt cx="0" cy="0"/>
         </a:xfrm>
       </p:grpSpPr>
-      <p:sp>
-        <p:nvSpPr>
-          <p:cNvPr id="4" name="Rectangle 3"/>
-          <p:cNvSpPr/>
-          <p:nvPr/>
-        </p:nvSpPr>
-        <p:spPr>
-          <a:xfrm>
-            <a:off x="457200" y="2133600"/>
-            <a:ext cx="8229600" cy="1569660"/>
-          </a:xfrm>
-          <a:prstGeom prst="rect">
-            <a:avLst/>
-          </a:prstGeom>
-        </p:spPr>
-        <p:txBody>
-          <a:bodyPr wrap="square">
-            <a:spAutoFit/>
-          </a:bodyPr>
-          <a:lstStyle/>
-          <a:p>
-            <a:pPr algn="r"/>
-            <a:r>
-              <a:rPr lang="en-US" sz="4800" dirty="0" err="1" smtClean="0">
-                <a:latin typeface="Cambria" pitchFamily="18" charset="0"/>
-              </a:rPr>
-              <a:t>Compilou</a:t>
-            </a:r>
-            <a:r>
-              <a:rPr lang="en-US" sz="4800" dirty="0" smtClean="0">
-                <a:latin typeface="Cambria" pitchFamily="18" charset="0"/>
-              </a:rPr>
-              <a:t>, 0 errors e 0 warnings, </a:t>
-            </a:r>
-            <a:r>
-              <a:rPr lang="en-US" sz="4800" dirty="0" err="1" smtClean="0">
-                <a:latin typeface="Cambria" pitchFamily="18" charset="0"/>
-              </a:rPr>
-              <a:t>tá</a:t>
-            </a:r>
-            <a:r>
-              <a:rPr lang="en-US" sz="4800" dirty="0" smtClean="0">
-                <a:latin typeface="Cambria" pitchFamily="18" charset="0"/>
-              </a:rPr>
-              <a:t> </a:t>
-            </a:r>
-            <a:r>
-              <a:rPr lang="en-US" sz="4800" dirty="0" err="1" smtClean="0">
-                <a:latin typeface="Cambria" pitchFamily="18" charset="0"/>
-              </a:rPr>
-              <a:t>tudo</a:t>
-            </a:r>
-            <a:r>
-              <a:rPr lang="en-US" sz="4800" dirty="0" smtClean="0">
-                <a:latin typeface="Cambria" pitchFamily="18" charset="0"/>
-              </a:rPr>
-              <a:t> ok.</a:t>
-            </a:r>
-            <a:endParaRPr lang="en-US" sz="4800" dirty="0">
-              <a:latin typeface="Cambria" pitchFamily="18" charset="0"/>
-            </a:endParaRPr>
-          </a:p>
-        </p:txBody>
-      </p:sp>
       <p:pic>
         <p:nvPicPr>
-          <p:cNvPr id="40962" name="Picture 2" descr="quotation marks.jpg (214×201)"/>
+          <p:cNvPr id="65539" name="Picture 3"/>
           <p:cNvPicPr>
             <a:picLocks noChangeAspect="1" noChangeArrowheads="1"/>
           </p:cNvPicPr>
           <p:nvPr/>
         </p:nvPicPr>
         <p:blipFill>
-          <a:blip r:embed="rId3" cstate="print"/>
+          <a:blip r:embed="rId2" cstate="print"/>
           <a:srcRect/>
           <a:stretch>
             <a:fillRect/>
@@ -7153,25 +7472,31 @@
         </p:blipFill>
         <p:spPr bwMode="auto">
           <a:xfrm>
-            <a:off x="228600" y="0"/>
-            <a:ext cx="2038350" cy="1914525"/>
+            <a:off x="0" y="0"/>
+            <a:ext cx="9144000" cy="6858000"/>
           </a:xfrm>
           <a:prstGeom prst="rect">
             <a:avLst/>
           </a:prstGeom>
           <a:noFill/>
+          <a:ln w="9525">
+            <a:noFill/>
+            <a:miter lim="800000"/>
+            <a:headEnd/>
+            <a:tailEnd/>
+          </a:ln>
         </p:spPr>
       </p:pic>
       <p:sp>
         <p:nvSpPr>
-          <p:cNvPr id="6" name="Rectangle 5"/>
+          <p:cNvPr id="3" name="Rectangle 2"/>
           <p:cNvSpPr/>
           <p:nvPr/>
         </p:nvSpPr>
         <p:spPr>
           <a:xfrm>
-            <a:off x="1676400" y="5791200"/>
-            <a:ext cx="6858000" cy="369332"/>
+            <a:off x="2971800" y="152400"/>
+            <a:ext cx="6019800" cy="707886"/>
           </a:xfrm>
           <a:prstGeom prst="rect">
             <a:avLst/>
@@ -7185,10 +7510,14 @@
           <a:p>
             <a:pPr algn="r"/>
             <a:r>
-              <a:rPr lang="pt-BR" dirty="0" smtClean="0"/>
-              <a:t>Anônimo</a:t>
-            </a:r>
-            <a:endParaRPr lang="en-US" dirty="0"/>
+              <a:rPr lang="en-US" sz="4000" b="1" dirty="0" smtClean="0">
+                <a:latin typeface="+mj-lt"/>
+              </a:rPr>
+              <a:t>Litter Box</a:t>
+            </a:r>
+            <a:endParaRPr lang="en-US" sz="4000" b="1" dirty="0">
+              <a:latin typeface="+mj-lt"/>
+            </a:endParaRPr>
           </a:p>
         </p:txBody>
       </p:sp>
@@ -7213,6 +7542,17 @@
 <file path=ppt/slides/slide24.xml><?xml version="1.0" encoding="utf-8"?>
 <p:sld xmlns:a="http://schemas.openxmlformats.org/drawingml/2006/main" xmlns:r="http://schemas.openxmlformats.org/officeDocument/2006/relationships" xmlns:p="http://schemas.openxmlformats.org/presentationml/2006/main">
   <p:cSld>
+    <p:bg>
+      <p:bgPr>
+        <a:solidFill>
+          <a:schemeClr val="tx2">
+            <a:lumMod val="20000"/>
+            <a:lumOff val="80000"/>
+          </a:schemeClr>
+        </a:solidFill>
+        <a:effectLst/>
+      </p:bgPr>
+    </p:bg>
     <p:spTree>
       <p:nvGrpSpPr>
         <p:cNvPr id="1" name=""/>
@@ -7227,48 +7567,38 @@
           <a:chExt cx="0" cy="0"/>
         </a:xfrm>
       </p:grpSpPr>
-      <p:sp>
-        <p:nvSpPr>
-          <p:cNvPr id="2" name="Title 1"/>
-          <p:cNvSpPr>
-            <a:spLocks noGrp="1"/>
-          </p:cNvSpPr>
-          <p:nvPr>
-            <p:ph type="title"/>
-          </p:nvPr>
-        </p:nvSpPr>
-        <p:spPr/>
-        <p:txBody>
-          <a:bodyPr/>
-          <a:lstStyle/>
-          <a:p>
-            <a:r>
-              <a:rPr lang="pt-BR" dirty="0" smtClean="0"/>
-              <a:t>TEST!!!</a:t>
-            </a:r>
-            <a:endParaRPr lang="en-US" dirty="0"/>
-          </a:p>
-        </p:txBody>
-      </p:sp>
-      <p:sp>
-        <p:nvSpPr>
-          <p:cNvPr id="3" name="Content Placeholder 2"/>
-          <p:cNvSpPr>
-            <a:spLocks noGrp="1"/>
-          </p:cNvSpPr>
-          <p:nvPr>
-            <p:ph idx="1"/>
-          </p:nvPr>
-        </p:nvSpPr>
-        <p:spPr/>
-        <p:txBody>
-          <a:bodyPr/>
-          <a:lstStyle/>
-          <a:p>
-            <a:endParaRPr lang="en-US"/>
-          </a:p>
-        </p:txBody>
-      </p:sp>
+      <p:pic>
+        <p:nvPicPr>
+          <p:cNvPr id="67589" name="Picture 5"/>
+          <p:cNvPicPr>
+            <a:picLocks noChangeAspect="1" noChangeArrowheads="1"/>
+          </p:cNvPicPr>
+          <p:nvPr/>
+        </p:nvPicPr>
+        <p:blipFill>
+          <a:blip r:embed="rId2" cstate="print"/>
+          <a:srcRect/>
+          <a:stretch>
+            <a:fillRect/>
+          </a:stretch>
+        </p:blipFill>
+        <p:spPr bwMode="auto">
+          <a:xfrm>
+            <a:off x="0" y="-1"/>
+            <a:ext cx="9144000" cy="6858001"/>
+          </a:xfrm>
+          <a:prstGeom prst="rect">
+            <a:avLst/>
+          </a:prstGeom>
+          <a:noFill/>
+          <a:ln w="9525">
+            <a:noFill/>
+            <a:miter lim="800000"/>
+            <a:headEnd/>
+            <a:tailEnd/>
+          </a:ln>
+        </p:spPr>
+      </p:pic>
     </p:spTree>
   </p:cSld>
   <p:clrMapOvr>
@@ -7306,43 +7636,222 @@
       </p:grpSpPr>
       <p:sp>
         <p:nvSpPr>
-          <p:cNvPr id="2" name="Title 1"/>
-          <p:cNvSpPr>
-            <a:spLocks noGrp="1"/>
-          </p:cNvSpPr>
-          <p:nvPr>
-            <p:ph type="title"/>
-          </p:nvPr>
-        </p:nvSpPr>
-        <p:spPr/>
-        <p:txBody>
-          <a:bodyPr/>
-          <a:lstStyle/>
-          <a:p>
-            <a:r>
-              <a:rPr lang="pt-BR" dirty="0" err="1" smtClean="0"/>
-              <a:t>Sandboxing</a:t>
-            </a:r>
-            <a:endParaRPr lang="en-US" dirty="0"/>
-          </a:p>
-        </p:txBody>
-      </p:sp>
-      <p:sp>
-        <p:nvSpPr>
-          <p:cNvPr id="3" name="Content Placeholder 2"/>
-          <p:cNvSpPr>
-            <a:spLocks noGrp="1"/>
-          </p:cNvSpPr>
-          <p:nvPr>
-            <p:ph idx="1"/>
-          </p:nvPr>
-        </p:nvSpPr>
-        <p:spPr/>
-        <p:txBody>
-          <a:bodyPr/>
+          <p:cNvPr id="7170" name="AutoShape 2" descr="mail (640×480)"/>
+          <p:cNvSpPr>
+            <a:spLocks noChangeAspect="1" noChangeArrowheads="1"/>
+          </p:cNvSpPr>
+          <p:nvPr/>
+        </p:nvSpPr>
+        <p:spPr bwMode="auto">
+          <a:xfrm>
+            <a:off x="155575" y="-144463"/>
+            <a:ext cx="304800" cy="304801"/>
+          </a:xfrm>
+          <a:prstGeom prst="rect">
+            <a:avLst/>
+          </a:prstGeom>
+          <a:noFill/>
+        </p:spPr>
+        <p:txBody>
+          <a:bodyPr vert="horz" wrap="square" lIns="91440" tIns="45720" rIns="91440" bIns="45720" numCol="1" anchor="t" anchorCtr="0" compatLnSpc="1">
+            <a:prstTxWarp prst="textNoShape">
+              <a:avLst/>
+            </a:prstTxWarp>
+          </a:bodyPr>
           <a:lstStyle/>
           <a:p>
             <a:endParaRPr lang="en-US"/>
+          </a:p>
+        </p:txBody>
+      </p:sp>
+      <p:sp>
+        <p:nvSpPr>
+          <p:cNvPr id="7172" name="AutoShape 4" descr="mail (640×480)"/>
+          <p:cNvSpPr>
+            <a:spLocks noChangeAspect="1" noChangeArrowheads="1"/>
+          </p:cNvSpPr>
+          <p:nvPr/>
+        </p:nvSpPr>
+        <p:spPr bwMode="auto">
+          <a:xfrm>
+            <a:off x="155575" y="-144463"/>
+            <a:ext cx="304800" cy="304801"/>
+          </a:xfrm>
+          <a:prstGeom prst="rect">
+            <a:avLst/>
+          </a:prstGeom>
+          <a:noFill/>
+        </p:spPr>
+        <p:txBody>
+          <a:bodyPr vert="horz" wrap="square" lIns="91440" tIns="45720" rIns="91440" bIns="45720" numCol="1" anchor="t" anchorCtr="0" compatLnSpc="1">
+            <a:prstTxWarp prst="textNoShape">
+              <a:avLst/>
+            </a:prstTxWarp>
+          </a:bodyPr>
+          <a:lstStyle/>
+          <a:p>
+            <a:endParaRPr lang="en-US"/>
+          </a:p>
+        </p:txBody>
+      </p:sp>
+      <p:sp>
+        <p:nvSpPr>
+          <p:cNvPr id="7174" name="AutoShape 6" descr="mail (640×480)"/>
+          <p:cNvSpPr>
+            <a:spLocks noChangeAspect="1" noChangeArrowheads="1"/>
+          </p:cNvSpPr>
+          <p:nvPr/>
+        </p:nvSpPr>
+        <p:spPr bwMode="auto">
+          <a:xfrm>
+            <a:off x="155575" y="-144463"/>
+            <a:ext cx="304800" cy="304801"/>
+          </a:xfrm>
+          <a:prstGeom prst="rect">
+            <a:avLst/>
+          </a:prstGeom>
+          <a:noFill/>
+        </p:spPr>
+        <p:txBody>
+          <a:bodyPr vert="horz" wrap="square" lIns="91440" tIns="45720" rIns="91440" bIns="45720" numCol="1" anchor="t" anchorCtr="0" compatLnSpc="1">
+            <a:prstTxWarp prst="textNoShape">
+              <a:avLst/>
+            </a:prstTxWarp>
+          </a:bodyPr>
+          <a:lstStyle/>
+          <a:p>
+            <a:endParaRPr lang="en-US"/>
+          </a:p>
+        </p:txBody>
+      </p:sp>
+      <p:sp>
+        <p:nvSpPr>
+          <p:cNvPr id="7176" name="AutoShape 8" descr="https://mail.google.com/mail/?ui=2&amp;ik=d6f70a751c&amp;view=att&amp;th=11c908c44a3547af&amp;attid=0.1&amp;disp=inline&amp;realattid=f_flgvp8k10&amp;zw"/>
+          <p:cNvSpPr>
+            <a:spLocks noChangeAspect="1" noChangeArrowheads="1"/>
+          </p:cNvSpPr>
+          <p:nvPr/>
+        </p:nvSpPr>
+        <p:spPr bwMode="auto">
+          <a:xfrm>
+            <a:off x="155575" y="-144463"/>
+            <a:ext cx="304800" cy="304801"/>
+          </a:xfrm>
+          <a:prstGeom prst="rect">
+            <a:avLst/>
+          </a:prstGeom>
+          <a:noFill/>
+        </p:spPr>
+        <p:txBody>
+          <a:bodyPr vert="horz" wrap="square" lIns="91440" tIns="45720" rIns="91440" bIns="45720" numCol="1" anchor="t" anchorCtr="0" compatLnSpc="1">
+            <a:prstTxWarp prst="textNoShape">
+              <a:avLst/>
+            </a:prstTxWarp>
+          </a:bodyPr>
+          <a:lstStyle/>
+          <a:p>
+            <a:endParaRPr lang="en-US"/>
+          </a:p>
+        </p:txBody>
+      </p:sp>
+      <p:sp>
+        <p:nvSpPr>
+          <p:cNvPr id="8194" name="AutoShape 2" descr="https://mail.google.com/mail/?ui=2&amp;ik=d6f70a751c&amp;view=att&amp;th=11c908c44a3547af&amp;attid=0.1&amp;disp=inline&amp;realattid=f_flgvp8k10&amp;zw"/>
+          <p:cNvSpPr>
+            <a:spLocks noChangeAspect="1" noChangeArrowheads="1"/>
+          </p:cNvSpPr>
+          <p:nvPr/>
+        </p:nvSpPr>
+        <p:spPr bwMode="auto">
+          <a:xfrm>
+            <a:off x="155575" y="-144463"/>
+            <a:ext cx="304800" cy="304801"/>
+          </a:xfrm>
+          <a:prstGeom prst="rect">
+            <a:avLst/>
+          </a:prstGeom>
+          <a:noFill/>
+        </p:spPr>
+        <p:txBody>
+          <a:bodyPr vert="horz" wrap="square" lIns="91440" tIns="45720" rIns="91440" bIns="45720" numCol="1" anchor="t" anchorCtr="0" compatLnSpc="1">
+            <a:prstTxWarp prst="textNoShape">
+              <a:avLst/>
+            </a:prstTxWarp>
+          </a:bodyPr>
+          <a:lstStyle/>
+          <a:p>
+            <a:endParaRPr lang="en-US"/>
+          </a:p>
+        </p:txBody>
+      </p:sp>
+      <p:pic>
+        <p:nvPicPr>
+          <p:cNvPr id="8195" name="Picture 3"/>
+          <p:cNvPicPr>
+            <a:picLocks noChangeAspect="1" noChangeArrowheads="1"/>
+          </p:cNvPicPr>
+          <p:nvPr/>
+        </p:nvPicPr>
+        <p:blipFill>
+          <a:blip r:embed="rId2" cstate="print"/>
+          <a:srcRect/>
+          <a:stretch>
+            <a:fillRect/>
+          </a:stretch>
+        </p:blipFill>
+        <p:spPr bwMode="auto">
+          <a:xfrm>
+            <a:off x="0" y="0"/>
+            <a:ext cx="9144000" cy="6858000"/>
+          </a:xfrm>
+          <a:prstGeom prst="rect">
+            <a:avLst/>
+          </a:prstGeom>
+          <a:noFill/>
+          <a:ln w="9525">
+            <a:noFill/>
+            <a:miter lim="800000"/>
+            <a:headEnd/>
+            <a:tailEnd/>
+          </a:ln>
+        </p:spPr>
+      </p:pic>
+      <p:sp>
+        <p:nvSpPr>
+          <p:cNvPr id="9" name="Rectangle 8"/>
+          <p:cNvSpPr/>
+          <p:nvPr/>
+        </p:nvSpPr>
+        <p:spPr>
+          <a:xfrm>
+            <a:off x="228600" y="5943600"/>
+            <a:ext cx="6019800" cy="707886"/>
+          </a:xfrm>
+          <a:prstGeom prst="rect">
+            <a:avLst/>
+          </a:prstGeom>
+        </p:spPr>
+        <p:txBody>
+          <a:bodyPr wrap="square">
+            <a:spAutoFit/>
+          </a:bodyPr>
+          <a:lstStyle/>
+          <a:p>
+            <a:r>
+              <a:rPr lang="en-US" sz="4000" b="1" dirty="0" err="1" smtClean="0">
+                <a:latin typeface="+mj-lt"/>
+              </a:rPr>
+              <a:t>Banco</a:t>
+            </a:r>
+            <a:r>
+              <a:rPr lang="en-US" sz="4000" b="1" dirty="0" smtClean="0">
+                <a:latin typeface="+mj-lt"/>
+              </a:rPr>
+              <a:t> de Dados</a:t>
+            </a:r>
+            <a:endParaRPr lang="en-US" sz="4000" b="1" dirty="0">
+              <a:latin typeface="+mj-lt"/>
+            </a:endParaRPr>
           </a:p>
         </p:txBody>
       </p:sp>
@@ -7381,45 +7890,63 @@
           <a:chExt cx="0" cy="0"/>
         </a:xfrm>
       </p:grpSpPr>
-      <p:sp>
-        <p:nvSpPr>
-          <p:cNvPr id="2" name="Title 1"/>
-          <p:cNvSpPr>
-            <a:spLocks noGrp="1"/>
-          </p:cNvSpPr>
-          <p:nvPr>
-            <p:ph type="title"/>
-          </p:nvPr>
-        </p:nvSpPr>
-        <p:spPr/>
-        <p:txBody>
-          <a:bodyPr/>
-          <a:lstStyle/>
-          <a:p>
-            <a:r>
-              <a:rPr lang="pt-BR" dirty="0" smtClean="0"/>
-              <a:t>Database management</a:t>
-            </a:r>
-            <a:endParaRPr lang="en-US" dirty="0"/>
-          </a:p>
-        </p:txBody>
-      </p:sp>
-      <p:sp>
-        <p:nvSpPr>
-          <p:cNvPr id="3" name="Content Placeholder 2"/>
-          <p:cNvSpPr>
-            <a:spLocks noGrp="1"/>
-          </p:cNvSpPr>
-          <p:nvPr>
-            <p:ph idx="1"/>
-          </p:nvPr>
-        </p:nvSpPr>
-        <p:spPr/>
-        <p:txBody>
-          <a:bodyPr/>
-          <a:lstStyle/>
-          <a:p>
-            <a:endParaRPr lang="en-US"/>
+      <p:pic>
+        <p:nvPicPr>
+          <p:cNvPr id="68612" name="Picture 4" descr="DAT-72-Tape-angle.gif (295×266)"/>
+          <p:cNvPicPr>
+            <a:picLocks noChangeAspect="1" noChangeArrowheads="1"/>
+          </p:cNvPicPr>
+          <p:nvPr/>
+        </p:nvPicPr>
+        <p:blipFill>
+          <a:blip r:embed="rId2" cstate="print"/>
+          <a:srcRect/>
+          <a:stretch>
+            <a:fillRect/>
+          </a:stretch>
+        </p:blipFill>
+        <p:spPr bwMode="auto">
+          <a:xfrm>
+            <a:off x="1752600" y="533400"/>
+            <a:ext cx="6096000" cy="5496734"/>
+          </a:xfrm>
+          <a:prstGeom prst="rect">
+            <a:avLst/>
+          </a:prstGeom>
+          <a:noFill/>
+        </p:spPr>
+      </p:pic>
+      <p:sp>
+        <p:nvSpPr>
+          <p:cNvPr id="3" name="Rectangle 2"/>
+          <p:cNvSpPr/>
+          <p:nvPr/>
+        </p:nvSpPr>
+        <p:spPr>
+          <a:xfrm>
+            <a:off x="2971800" y="5943600"/>
+            <a:ext cx="6019800" cy="707886"/>
+          </a:xfrm>
+          <a:prstGeom prst="rect">
+            <a:avLst/>
+          </a:prstGeom>
+        </p:spPr>
+        <p:txBody>
+          <a:bodyPr wrap="square">
+            <a:spAutoFit/>
+          </a:bodyPr>
+          <a:lstStyle/>
+          <a:p>
+            <a:pPr algn="r"/>
+            <a:r>
+              <a:rPr lang="en-US" sz="4000" b="1" dirty="0" smtClean="0">
+                <a:latin typeface="+mj-lt"/>
+              </a:rPr>
+              <a:t>Backup/Restore</a:t>
+            </a:r>
+            <a:endParaRPr lang="en-US" sz="4000" b="1" dirty="0">
+              <a:latin typeface="+mj-lt"/>
+            </a:endParaRPr>
           </a:p>
         </p:txBody>
       </p:sp>
@@ -7428,9 +7955,6 @@
   <p:clrMapOvr>
     <a:masterClrMapping/>
   </p:clrMapOvr>
-  <p:transition>
-    <p:fade/>
-  </p:transition>
   <p:timing>
     <p:tnLst>
       <p:par>
@@ -7460,14 +7984,14 @@
       </p:grpSpPr>
       <p:pic>
         <p:nvPicPr>
-          <p:cNvPr id="3074" name="Picture 2" descr="background.jpg (1280×960)"/>
+          <p:cNvPr id="68610" name="Picture 2" descr="flok-of-birds-v-formation.jpg (849×565)"/>
           <p:cNvPicPr>
             <a:picLocks noChangeAspect="1" noChangeArrowheads="1"/>
           </p:cNvPicPr>
           <p:nvPr/>
         </p:nvPicPr>
         <p:blipFill>
-          <a:blip r:embed="rId3" cstate="print"/>
+          <a:blip r:embed="rId2" cstate="print"/>
           <a:srcRect/>
           <a:stretch>
             <a:fillRect/>
@@ -7476,7 +8000,7 @@
         <p:spPr bwMode="auto">
           <a:xfrm>
             <a:off x="0" y="0"/>
-            <a:ext cx="9143998" cy="6858000"/>
+            <a:ext cx="9144000" cy="6858000"/>
           </a:xfrm>
           <a:prstGeom prst="rect">
             <a:avLst/>
@@ -7484,14 +8008,50 @@
           <a:noFill/>
         </p:spPr>
       </p:pic>
+      <p:sp>
+        <p:nvSpPr>
+          <p:cNvPr id="5" name="Rectangle 4"/>
+          <p:cNvSpPr/>
+          <p:nvPr/>
+        </p:nvSpPr>
+        <p:spPr>
+          <a:xfrm>
+            <a:off x="152400" y="304800"/>
+            <a:ext cx="6019800" cy="707886"/>
+          </a:xfrm>
+          <a:prstGeom prst="rect">
+            <a:avLst/>
+          </a:prstGeom>
+        </p:spPr>
+        <p:txBody>
+          <a:bodyPr wrap="square">
+            <a:spAutoFit/>
+          </a:bodyPr>
+          <a:lstStyle/>
+          <a:p>
+            <a:r>
+              <a:rPr lang="en-US" sz="4000" b="1" dirty="0" smtClean="0">
+                <a:solidFill>
+                  <a:schemeClr val="bg1"/>
+                </a:solidFill>
+                <a:latin typeface="+mj-lt"/>
+              </a:rPr>
+              <a:t>Migrations</a:t>
+            </a:r>
+            <a:endParaRPr lang="en-US" sz="4000" b="1" dirty="0">
+              <a:solidFill>
+                <a:schemeClr val="bg1"/>
+              </a:solidFill>
+              <a:latin typeface="+mj-lt"/>
+            </a:endParaRPr>
+          </a:p>
+        </p:txBody>
+      </p:sp>
     </p:spTree>
   </p:cSld>
   <p:clrMapOvr>
     <a:masterClrMapping/>
   </p:clrMapOvr>
-  <p:transition>
-    <p:fade/>
-  </p:transition>
   <p:timing>
     <p:tnLst>
       <p:par>
@@ -7521,7 +8081,7 @@
       </p:grpSpPr>
       <p:pic>
         <p:nvPicPr>
-          <p:cNvPr id="3074" name="Picture 2" descr="background.jpg (1280×960)"/>
+          <p:cNvPr id="69634" name="Picture 2" descr="marvin.jpg (500×375)"/>
           <p:cNvPicPr>
             <a:picLocks noChangeAspect="1" noChangeArrowheads="1"/>
           </p:cNvPicPr>
@@ -7537,7 +8097,7 @@
         <p:spPr bwMode="auto">
           <a:xfrm>
             <a:off x="0" y="0"/>
-            <a:ext cx="9143998" cy="6858000"/>
+            <a:ext cx="9144000" cy="6858000"/>
           </a:xfrm>
           <a:prstGeom prst="rect">
             <a:avLst/>
@@ -7547,14 +8107,14 @@
       </p:pic>
       <p:sp>
         <p:nvSpPr>
-          <p:cNvPr id="3" name="Rectangle 2"/>
+          <p:cNvPr id="5" name="Rectangle 4"/>
           <p:cNvSpPr/>
           <p:nvPr/>
         </p:nvSpPr>
         <p:spPr>
           <a:xfrm>
-            <a:off x="0" y="2057400"/>
-            <a:ext cx="9144000" cy="3539430"/>
+            <a:off x="2209800" y="152400"/>
+            <a:ext cx="6781800" cy="707886"/>
           </a:xfrm>
           <a:prstGeom prst="rect">
             <a:avLst/>
@@ -7566,80 +8126,29 @@
           </a:bodyPr>
           <a:lstStyle/>
           <a:p>
-            <a:pPr algn="ctr"/>
-            <a:r>
-              <a:rPr lang="pt-BR" sz="3200" dirty="0" smtClean="0">
-                <a:latin typeface="Cambria" pitchFamily="18" charset="0"/>
+            <a:pPr algn="r"/>
+            <a:r>
+              <a:rPr lang="pt-BR" sz="4000" b="1" dirty="0" smtClean="0">
+                <a:latin typeface="+mj-lt"/>
               </a:rPr>
-              <a:t>(...)</a:t>
-            </a:r>
-            <a:endParaRPr lang="en-US" sz="3200" dirty="0" smtClean="0">
-              <a:latin typeface="Cambria" pitchFamily="18" charset="0"/>
+              <a:t>Integração Machine-friendly</a:t>
+            </a:r>
+            <a:endParaRPr lang="en-US" sz="4000" b="1" dirty="0">
+              <a:latin typeface="+mj-lt"/>
             </a:endParaRPr>
           </a:p>
-          <a:p>
-            <a:pPr algn="ctr"/>
-            <a:endParaRPr lang="en-US" sz="3200" dirty="0" smtClean="0">
-              <a:latin typeface="Cambria" pitchFamily="18" charset="0"/>
-            </a:endParaRPr>
-          </a:p>
-          <a:p>
-            <a:pPr algn="ctr"/>
-            <a:r>
-              <a:rPr lang="en-US" sz="3200" dirty="0" smtClean="0">
-                <a:latin typeface="Cambria" pitchFamily="18" charset="0"/>
-              </a:rPr>
-              <a:t>Deliver working software frequently, from a</a:t>
-            </a:r>
-          </a:p>
-          <a:p>
-            <a:pPr algn="ctr"/>
-            <a:r>
-              <a:rPr lang="en-US" sz="3200" dirty="0" smtClean="0">
-                <a:latin typeface="Cambria" pitchFamily="18" charset="0"/>
-              </a:rPr>
-              <a:t>couple of weeks to a couple of months, with a </a:t>
-            </a:r>
-          </a:p>
-          <a:p>
-            <a:pPr algn="ctr"/>
-            <a:r>
-              <a:rPr lang="en-US" sz="3200" dirty="0" smtClean="0">
-                <a:latin typeface="Cambria" pitchFamily="18" charset="0"/>
-              </a:rPr>
-              <a:t>preference to the shorter timescale.</a:t>
-            </a:r>
-          </a:p>
-          <a:p>
-            <a:pPr algn="ctr"/>
-            <a:endParaRPr lang="pt-BR" sz="3200" dirty="0" smtClean="0">
-              <a:latin typeface="Cambria" pitchFamily="18" charset="0"/>
-            </a:endParaRPr>
-          </a:p>
-          <a:p>
-            <a:pPr algn="ctr"/>
-            <a:r>
-              <a:rPr lang="pt-BR" sz="3200" dirty="0" smtClean="0">
-                <a:latin typeface="Cambria" pitchFamily="18" charset="0"/>
-              </a:rPr>
-              <a:t>(...)</a:t>
-            </a:r>
-            <a:endParaRPr lang="en-US" sz="3200" dirty="0">
-              <a:latin typeface="Cambria" pitchFamily="18" charset="0"/>
-            </a:endParaRPr>
-          </a:p>
-        </p:txBody>
-      </p:sp>
-      <p:sp>
-        <p:nvSpPr>
-          <p:cNvPr id="4" name="Rectangle 3"/>
+        </p:txBody>
+      </p:sp>
+      <p:sp>
+        <p:nvSpPr>
+          <p:cNvPr id="6" name="Rectangle 5"/>
           <p:cNvSpPr/>
           <p:nvPr/>
         </p:nvSpPr>
         <p:spPr>
           <a:xfrm>
-            <a:off x="0" y="762000"/>
-            <a:ext cx="9144000" cy="523220"/>
+            <a:off x="2057400" y="4876800"/>
+            <a:ext cx="6781800" cy="1077218"/>
           </a:xfrm>
           <a:prstGeom prst="rect">
             <a:avLst/>
@@ -7651,15 +8160,30 @@
           </a:bodyPr>
           <a:lstStyle/>
           <a:p>
-            <a:pPr algn="ctr"/>
-            <a:r>
-              <a:rPr lang="en-US" sz="2800" b="1" dirty="0" smtClean="0">
-                <a:latin typeface="Cambria" pitchFamily="18" charset="0"/>
+            <a:pPr algn="r"/>
+            <a:r>
+              <a:rPr lang="pt-BR" sz="3200" b="1" dirty="0" smtClean="0">
+                <a:latin typeface="+mj-lt"/>
               </a:rPr>
-              <a:t>Principles behind the Agile Manifesto</a:t>
-            </a:r>
-            <a:endParaRPr lang="en-US" sz="2800" b="1" dirty="0">
-              <a:latin typeface="Cambria" pitchFamily="18" charset="0"/>
+              <a:t>Ok, </a:t>
+            </a:r>
+            <a:r>
+              <a:rPr lang="pt-BR" sz="3200" b="1" dirty="0" smtClean="0">
+                <a:latin typeface="+mj-lt"/>
+              </a:rPr>
+              <a:t>não tão </a:t>
+            </a:r>
+          </a:p>
+          <a:p>
+            <a:pPr algn="r"/>
+            <a:r>
+              <a:rPr lang="pt-BR" sz="3200" b="1" dirty="0" smtClean="0">
+                <a:latin typeface="+mj-lt"/>
+              </a:rPr>
+              <a:t>friendly.</a:t>
+            </a:r>
+            <a:endParaRPr lang="en-US" sz="3200" b="1" dirty="0">
+              <a:latin typeface="+mj-lt"/>
             </a:endParaRPr>
           </a:p>
         </p:txBody>
@@ -7669,9 +8193,6 @@
   <p:clrMapOvr>
     <a:masterClrMapping/>
   </p:clrMapOvr>
-  <p:transition>
-    <p:fade/>
-  </p:transition>
   <p:timing>
     <p:tnLst>
       <p:par>
@@ -7701,7 +8222,7 @@
       </p:grpSpPr>
       <p:pic>
         <p:nvPicPr>
-          <p:cNvPr id="3074" name="Picture 2" descr="background.jpg (1280×960)"/>
+          <p:cNvPr id="70658" name="Picture 2" descr="chucknorris_badass.jpg (380×285)"/>
           <p:cNvPicPr>
             <a:picLocks noChangeAspect="1" noChangeArrowheads="1"/>
           </p:cNvPicPr>
@@ -7717,7 +8238,7 @@
         <p:spPr bwMode="auto">
           <a:xfrm>
             <a:off x="0" y="0"/>
-            <a:ext cx="9143998" cy="6858000"/>
+            <a:ext cx="9143997" cy="6858000"/>
           </a:xfrm>
           <a:prstGeom prst="rect">
             <a:avLst/>
@@ -7727,14 +8248,14 @@
       </p:pic>
       <p:sp>
         <p:nvSpPr>
-          <p:cNvPr id="3" name="Rectangle 2"/>
+          <p:cNvPr id="5" name="Rectangle 4"/>
           <p:cNvSpPr/>
           <p:nvPr/>
         </p:nvSpPr>
         <p:spPr>
           <a:xfrm>
-            <a:off x="3795409" y="3511686"/>
-            <a:ext cx="3276600" cy="584775"/>
+            <a:off x="228600" y="5943600"/>
+            <a:ext cx="6781800" cy="707886"/>
           </a:xfrm>
           <a:prstGeom prst="rect">
             <a:avLst/>
@@ -7746,15 +8267,14 @@
           </a:bodyPr>
           <a:lstStyle/>
           <a:p>
-            <a:pPr algn="ctr"/>
-            <a:r>
-              <a:rPr lang="en-US" sz="3200" dirty="0" smtClean="0">
-                <a:latin typeface="Cambria" pitchFamily="18" charset="0"/>
+            <a:r>
+              <a:rPr lang="pt-BR" sz="4000" b="1" dirty="0" smtClean="0">
+                <a:latin typeface="+mj-lt"/>
               </a:rPr>
-              <a:t>couple of days</a:t>
-            </a:r>
-            <a:endParaRPr lang="en-US" sz="3200" dirty="0">
-              <a:latin typeface="Cambria" pitchFamily="18" charset="0"/>
+              <a:t>Ai sim, um servidor.</a:t>
+            </a:r>
+            <a:endParaRPr lang="en-US" sz="4000" b="1" dirty="0">
+              <a:latin typeface="+mj-lt"/>
             </a:endParaRPr>
           </a:p>
         </p:txBody>
@@ -7764,16 +8284,6 @@
   <p:clrMapOvr>
     <a:masterClrMapping/>
   </p:clrMapOvr>
-  <p:transition>
-    <p:fade/>
-  </p:transition>
-  <p:timing>
-    <p:tnLst>
-      <p:par>
-        <p:cTn id="1" dur="indefinite" restart="never" nodeType="tmRoot"/>
-      </p:par>
-    </p:tnLst>
-  </p:timing>
 </p:sld>
 </file>
 
@@ -7865,7 +8375,7 @@
       </p:grpSpPr>
       <p:pic>
         <p:nvPicPr>
-          <p:cNvPr id="3074" name="Picture 2" descr="background.jpg (1280×960)"/>
+          <p:cNvPr id="73731" name="Picture 3" descr="E:\DCIM\Camera\2010-11-17 19.56.37.jpg"/>
           <p:cNvPicPr>
             <a:picLocks noChangeAspect="1" noChangeArrowheads="1"/>
           </p:cNvPicPr>
@@ -7881,7 +8391,7 @@
         <p:spPr bwMode="auto">
           <a:xfrm>
             <a:off x="0" y="0"/>
-            <a:ext cx="9143998" cy="6858000"/>
+            <a:ext cx="9144000" cy="6858000"/>
           </a:xfrm>
           <a:prstGeom prst="rect">
             <a:avLst/>
@@ -7891,14 +8401,14 @@
       </p:pic>
       <p:sp>
         <p:nvSpPr>
-          <p:cNvPr id="3" name="Rectangle 2"/>
+          <p:cNvPr id="6" name="Rectangle 5"/>
           <p:cNvSpPr/>
           <p:nvPr/>
         </p:nvSpPr>
         <p:spPr>
           <a:xfrm>
-            <a:off x="2743200" y="3276600"/>
-            <a:ext cx="5562600" cy="1015663"/>
+            <a:off x="152400" y="228600"/>
+            <a:ext cx="6781800" cy="707886"/>
           </a:xfrm>
           <a:prstGeom prst="rect">
             <a:avLst/>
@@ -7910,15 +8420,14 @@
           </a:bodyPr>
           <a:lstStyle/>
           <a:p>
-            <a:pPr algn="ctr"/>
-            <a:r>
-              <a:rPr lang="en-US" sz="6000" dirty="0" smtClean="0">
-                <a:latin typeface="Cambria" pitchFamily="18" charset="0"/>
+            <a:r>
+              <a:rPr lang="pt-BR" sz="4000" b="1" dirty="0" smtClean="0">
+                <a:latin typeface="+mj-lt"/>
               </a:rPr>
-              <a:t>couple of hours!</a:t>
-            </a:r>
-            <a:endParaRPr lang="en-US" sz="6000" dirty="0">
-              <a:latin typeface="Cambria" pitchFamily="18" charset="0"/>
+              <a:t>Radiators! :-D</a:t>
+            </a:r>
+            <a:endParaRPr lang="en-US" sz="4000" b="1" dirty="0">
+              <a:latin typeface="+mj-lt"/>
             </a:endParaRPr>
           </a:p>
         </p:txBody>
@@ -7928,16 +8437,6 @@
   <p:clrMapOvr>
     <a:masterClrMapping/>
   </p:clrMapOvr>
-  <p:transition>
-    <p:fade/>
-  </p:transition>
-  <p:timing>
-    <p:tnLst>
-      <p:par>
-        <p:cTn id="1" dur="indefinite" restart="never" nodeType="tmRoot"/>
-      </p:par>
-    </p:tnLst>
-  </p:timing>
 </p:sld>
 </file>
 
@@ -7958,41 +8457,633 @@
           <a:chExt cx="0" cy="0"/>
         </a:xfrm>
       </p:grpSpPr>
-      <p:sp>
-        <p:nvSpPr>
-          <p:cNvPr id="2" name="Title 1"/>
-          <p:cNvSpPr>
-            <a:spLocks noGrp="1"/>
-          </p:cNvSpPr>
-          <p:nvPr>
-            <p:ph type="title"/>
-          </p:nvPr>
-        </p:nvSpPr>
-        <p:spPr/>
-        <p:txBody>
-          <a:bodyPr/>
-          <a:lstStyle/>
-          <a:p>
-            <a:endParaRPr lang="en-US"/>
-          </a:p>
-        </p:txBody>
-      </p:sp>
-      <p:sp>
-        <p:nvSpPr>
-          <p:cNvPr id="3" name="Content Placeholder 2"/>
-          <p:cNvSpPr>
-            <a:spLocks noGrp="1"/>
-          </p:cNvSpPr>
-          <p:nvPr>
-            <p:ph idx="1"/>
-          </p:nvPr>
-        </p:nvSpPr>
-        <p:spPr/>
-        <p:txBody>
-          <a:bodyPr/>
-          <a:lstStyle/>
-          <a:p>
-            <a:endParaRPr lang="en-US"/>
+      <p:pic>
+        <p:nvPicPr>
+          <p:cNvPr id="74754" name="Picture 2" descr="E:\DCIM\Camera\2010-11-17 20.04.17.jpg"/>
+          <p:cNvPicPr>
+            <a:picLocks noChangeAspect="1" noChangeArrowheads="1"/>
+          </p:cNvPicPr>
+          <p:nvPr/>
+        </p:nvPicPr>
+        <p:blipFill>
+          <a:blip r:embed="rId2" cstate="print"/>
+          <a:srcRect/>
+          <a:stretch>
+            <a:fillRect/>
+          </a:stretch>
+        </p:blipFill>
+        <p:spPr bwMode="auto">
+          <a:xfrm>
+            <a:off x="0" y="0"/>
+            <a:ext cx="9144000" cy="6858000"/>
+          </a:xfrm>
+          <a:prstGeom prst="rect">
+            <a:avLst/>
+          </a:prstGeom>
+          <a:noFill/>
+        </p:spPr>
+      </p:pic>
+      <p:sp>
+        <p:nvSpPr>
+          <p:cNvPr id="6" name="Rectangle 5"/>
+          <p:cNvSpPr/>
+          <p:nvPr/>
+        </p:nvSpPr>
+        <p:spPr>
+          <a:xfrm>
+            <a:off x="152400" y="228600"/>
+            <a:ext cx="6781800" cy="707886"/>
+          </a:xfrm>
+          <a:prstGeom prst="rect">
+            <a:avLst/>
+          </a:prstGeom>
+        </p:spPr>
+        <p:txBody>
+          <a:bodyPr wrap="square">
+            <a:spAutoFit/>
+          </a:bodyPr>
+          <a:lstStyle/>
+          <a:p>
+            <a:r>
+              <a:rPr lang="pt-BR" sz="4000" b="1" dirty="0" smtClean="0">
+                <a:latin typeface="+mj-lt"/>
+              </a:rPr>
+              <a:t>Radiators! :-(</a:t>
+            </a:r>
+            <a:endParaRPr lang="en-US" sz="4000" b="1" dirty="0">
+              <a:latin typeface="+mj-lt"/>
+            </a:endParaRPr>
+          </a:p>
+        </p:txBody>
+      </p:sp>
+    </p:spTree>
+  </p:cSld>
+  <p:clrMapOvr>
+    <a:masterClrMapping/>
+  </p:clrMapOvr>
+</p:sld>
+</file>
+
+<file path=ppt/slides/slide32.xml><?xml version="1.0" encoding="utf-8"?>
+<p:sld xmlns:a="http://schemas.openxmlformats.org/drawingml/2006/main" xmlns:r="http://schemas.openxmlformats.org/officeDocument/2006/relationships" xmlns:p="http://schemas.openxmlformats.org/presentationml/2006/main">
+  <p:cSld>
+    <p:spTree>
+      <p:nvGrpSpPr>
+        <p:cNvPr id="1" name=""/>
+        <p:cNvGrpSpPr/>
+        <p:nvPr/>
+      </p:nvGrpSpPr>
+      <p:grpSpPr>
+        <a:xfrm>
+          <a:off x="0" y="0"/>
+          <a:ext cx="0" cy="0"/>
+          <a:chOff x="0" y="0"/>
+          <a:chExt cx="0" cy="0"/>
+        </a:xfrm>
+      </p:grpSpPr>
+      <p:pic>
+        <p:nvPicPr>
+          <p:cNvPr id="3074" name="Picture 2" descr="background.jpg (1280×960)"/>
+          <p:cNvPicPr>
+            <a:picLocks noChangeAspect="1" noChangeArrowheads="1"/>
+          </p:cNvPicPr>
+          <p:nvPr/>
+        </p:nvPicPr>
+        <p:blipFill>
+          <a:blip r:embed="rId3" cstate="print"/>
+          <a:srcRect/>
+          <a:stretch>
+            <a:fillRect/>
+          </a:stretch>
+        </p:blipFill>
+        <p:spPr bwMode="auto">
+          <a:xfrm>
+            <a:off x="0" y="0"/>
+            <a:ext cx="9143998" cy="6858000"/>
+          </a:xfrm>
+          <a:prstGeom prst="rect">
+            <a:avLst/>
+          </a:prstGeom>
+          <a:noFill/>
+        </p:spPr>
+      </p:pic>
+    </p:spTree>
+  </p:cSld>
+  <p:clrMapOvr>
+    <a:masterClrMapping/>
+  </p:clrMapOvr>
+  <p:transition>
+    <p:fade/>
+  </p:transition>
+  <p:timing>
+    <p:tnLst>
+      <p:par>
+        <p:cTn id="1" dur="indefinite" restart="never" nodeType="tmRoot"/>
+      </p:par>
+    </p:tnLst>
+  </p:timing>
+</p:sld>
+</file>
+
+<file path=ppt/slides/slide33.xml><?xml version="1.0" encoding="utf-8"?>
+<p:sld xmlns:a="http://schemas.openxmlformats.org/drawingml/2006/main" xmlns:r="http://schemas.openxmlformats.org/officeDocument/2006/relationships" xmlns:p="http://schemas.openxmlformats.org/presentationml/2006/main">
+  <p:cSld>
+    <p:spTree>
+      <p:nvGrpSpPr>
+        <p:cNvPr id="1" name=""/>
+        <p:cNvGrpSpPr/>
+        <p:nvPr/>
+      </p:nvGrpSpPr>
+      <p:grpSpPr>
+        <a:xfrm>
+          <a:off x="0" y="0"/>
+          <a:ext cx="0" cy="0"/>
+          <a:chOff x="0" y="0"/>
+          <a:chExt cx="0" cy="0"/>
+        </a:xfrm>
+      </p:grpSpPr>
+      <p:pic>
+        <p:nvPicPr>
+          <p:cNvPr id="3074" name="Picture 2" descr="background.jpg (1280×960)"/>
+          <p:cNvPicPr>
+            <a:picLocks noChangeAspect="1" noChangeArrowheads="1"/>
+          </p:cNvPicPr>
+          <p:nvPr/>
+        </p:nvPicPr>
+        <p:blipFill>
+          <a:blip r:embed="rId2" cstate="print"/>
+          <a:srcRect/>
+          <a:stretch>
+            <a:fillRect/>
+          </a:stretch>
+        </p:blipFill>
+        <p:spPr bwMode="auto">
+          <a:xfrm>
+            <a:off x="0" y="0"/>
+            <a:ext cx="9143998" cy="6858000"/>
+          </a:xfrm>
+          <a:prstGeom prst="rect">
+            <a:avLst/>
+          </a:prstGeom>
+          <a:noFill/>
+        </p:spPr>
+      </p:pic>
+      <p:sp>
+        <p:nvSpPr>
+          <p:cNvPr id="3" name="Rectangle 2"/>
+          <p:cNvSpPr/>
+          <p:nvPr/>
+        </p:nvSpPr>
+        <p:spPr>
+          <a:xfrm>
+            <a:off x="0" y="2057400"/>
+            <a:ext cx="9144000" cy="3539430"/>
+          </a:xfrm>
+          <a:prstGeom prst="rect">
+            <a:avLst/>
+          </a:prstGeom>
+        </p:spPr>
+        <p:txBody>
+          <a:bodyPr wrap="square">
+            <a:spAutoFit/>
+          </a:bodyPr>
+          <a:lstStyle/>
+          <a:p>
+            <a:pPr algn="ctr"/>
+            <a:r>
+              <a:rPr lang="pt-BR" sz="3200" dirty="0" smtClean="0">
+                <a:latin typeface="Cambria" pitchFamily="18" charset="0"/>
+              </a:rPr>
+              <a:t>(...)</a:t>
+            </a:r>
+            <a:endParaRPr lang="en-US" sz="3200" dirty="0" smtClean="0">
+              <a:latin typeface="Cambria" pitchFamily="18" charset="0"/>
+            </a:endParaRPr>
+          </a:p>
+          <a:p>
+            <a:pPr algn="ctr"/>
+            <a:endParaRPr lang="en-US" sz="3200" dirty="0" smtClean="0">
+              <a:latin typeface="Cambria" pitchFamily="18" charset="0"/>
+            </a:endParaRPr>
+          </a:p>
+          <a:p>
+            <a:pPr algn="ctr"/>
+            <a:r>
+              <a:rPr lang="en-US" sz="3200" dirty="0" smtClean="0">
+                <a:latin typeface="Cambria" pitchFamily="18" charset="0"/>
+              </a:rPr>
+              <a:t>Deliver working software frequently, from a</a:t>
+            </a:r>
+          </a:p>
+          <a:p>
+            <a:pPr algn="ctr"/>
+            <a:r>
+              <a:rPr lang="en-US" sz="3200" dirty="0" smtClean="0">
+                <a:latin typeface="Cambria" pitchFamily="18" charset="0"/>
+              </a:rPr>
+              <a:t>couple of weeks to a couple of months, with a </a:t>
+            </a:r>
+          </a:p>
+          <a:p>
+            <a:pPr algn="ctr"/>
+            <a:r>
+              <a:rPr lang="en-US" sz="3200" dirty="0" smtClean="0">
+                <a:latin typeface="Cambria" pitchFamily="18" charset="0"/>
+              </a:rPr>
+              <a:t>preference to the shorter timescale.</a:t>
+            </a:r>
+          </a:p>
+          <a:p>
+            <a:pPr algn="ctr"/>
+            <a:endParaRPr lang="pt-BR" sz="3200" dirty="0" smtClean="0">
+              <a:latin typeface="Cambria" pitchFamily="18" charset="0"/>
+            </a:endParaRPr>
+          </a:p>
+          <a:p>
+            <a:pPr algn="ctr"/>
+            <a:r>
+              <a:rPr lang="pt-BR" sz="3200" dirty="0" smtClean="0">
+                <a:latin typeface="Cambria" pitchFamily="18" charset="0"/>
+              </a:rPr>
+              <a:t>(...)</a:t>
+            </a:r>
+            <a:endParaRPr lang="en-US" sz="3200" dirty="0">
+              <a:latin typeface="Cambria" pitchFamily="18" charset="0"/>
+            </a:endParaRPr>
+          </a:p>
+        </p:txBody>
+      </p:sp>
+      <p:sp>
+        <p:nvSpPr>
+          <p:cNvPr id="4" name="Rectangle 3"/>
+          <p:cNvSpPr/>
+          <p:nvPr/>
+        </p:nvSpPr>
+        <p:spPr>
+          <a:xfrm>
+            <a:off x="0" y="762000"/>
+            <a:ext cx="9144000" cy="523220"/>
+          </a:xfrm>
+          <a:prstGeom prst="rect">
+            <a:avLst/>
+          </a:prstGeom>
+        </p:spPr>
+        <p:txBody>
+          <a:bodyPr wrap="square">
+            <a:spAutoFit/>
+          </a:bodyPr>
+          <a:lstStyle/>
+          <a:p>
+            <a:pPr algn="ctr"/>
+            <a:r>
+              <a:rPr lang="en-US" sz="2800" b="1" dirty="0" smtClean="0">
+                <a:latin typeface="Cambria" pitchFamily="18" charset="0"/>
+              </a:rPr>
+              <a:t>Principles behind the Agile Manifesto</a:t>
+            </a:r>
+            <a:endParaRPr lang="en-US" sz="2800" b="1" dirty="0">
+              <a:latin typeface="Cambria" pitchFamily="18" charset="0"/>
+            </a:endParaRPr>
+          </a:p>
+        </p:txBody>
+      </p:sp>
+    </p:spTree>
+  </p:cSld>
+  <p:clrMapOvr>
+    <a:masterClrMapping/>
+  </p:clrMapOvr>
+  <p:transition>
+    <p:fade/>
+  </p:transition>
+  <p:timing>
+    <p:tnLst>
+      <p:par>
+        <p:cTn id="1" dur="indefinite" restart="never" nodeType="tmRoot"/>
+      </p:par>
+    </p:tnLst>
+  </p:timing>
+</p:sld>
+</file>
+
+<file path=ppt/slides/slide34.xml><?xml version="1.0" encoding="utf-8"?>
+<p:sld xmlns:a="http://schemas.openxmlformats.org/drawingml/2006/main" xmlns:r="http://schemas.openxmlformats.org/officeDocument/2006/relationships" xmlns:p="http://schemas.openxmlformats.org/presentationml/2006/main">
+  <p:cSld>
+    <p:spTree>
+      <p:nvGrpSpPr>
+        <p:cNvPr id="1" name=""/>
+        <p:cNvGrpSpPr/>
+        <p:nvPr/>
+      </p:nvGrpSpPr>
+      <p:grpSpPr>
+        <a:xfrm>
+          <a:off x="0" y="0"/>
+          <a:ext cx="0" cy="0"/>
+          <a:chOff x="0" y="0"/>
+          <a:chExt cx="0" cy="0"/>
+        </a:xfrm>
+      </p:grpSpPr>
+      <p:pic>
+        <p:nvPicPr>
+          <p:cNvPr id="3074" name="Picture 2" descr="background.jpg (1280×960)"/>
+          <p:cNvPicPr>
+            <a:picLocks noChangeAspect="1" noChangeArrowheads="1"/>
+          </p:cNvPicPr>
+          <p:nvPr/>
+        </p:nvPicPr>
+        <p:blipFill>
+          <a:blip r:embed="rId2" cstate="print"/>
+          <a:srcRect/>
+          <a:stretch>
+            <a:fillRect/>
+          </a:stretch>
+        </p:blipFill>
+        <p:spPr bwMode="auto">
+          <a:xfrm>
+            <a:off x="0" y="0"/>
+            <a:ext cx="9143998" cy="6858000"/>
+          </a:xfrm>
+          <a:prstGeom prst="rect">
+            <a:avLst/>
+          </a:prstGeom>
+          <a:noFill/>
+        </p:spPr>
+      </p:pic>
+      <p:sp>
+        <p:nvSpPr>
+          <p:cNvPr id="3" name="Rectangle 2"/>
+          <p:cNvSpPr/>
+          <p:nvPr/>
+        </p:nvSpPr>
+        <p:spPr>
+          <a:xfrm>
+            <a:off x="3795409" y="3511686"/>
+            <a:ext cx="3276600" cy="584775"/>
+          </a:xfrm>
+          <a:prstGeom prst="rect">
+            <a:avLst/>
+          </a:prstGeom>
+        </p:spPr>
+        <p:txBody>
+          <a:bodyPr wrap="square">
+            <a:spAutoFit/>
+          </a:bodyPr>
+          <a:lstStyle/>
+          <a:p>
+            <a:pPr algn="ctr"/>
+            <a:r>
+              <a:rPr lang="en-US" sz="3200" dirty="0" smtClean="0">
+                <a:latin typeface="Cambria" pitchFamily="18" charset="0"/>
+              </a:rPr>
+              <a:t>couple of days</a:t>
+            </a:r>
+            <a:endParaRPr lang="en-US" sz="3200" dirty="0">
+              <a:latin typeface="Cambria" pitchFamily="18" charset="0"/>
+            </a:endParaRPr>
+          </a:p>
+        </p:txBody>
+      </p:sp>
+    </p:spTree>
+  </p:cSld>
+  <p:clrMapOvr>
+    <a:masterClrMapping/>
+  </p:clrMapOvr>
+  <p:transition>
+    <p:fade/>
+  </p:transition>
+  <p:timing>
+    <p:tnLst>
+      <p:par>
+        <p:cTn id="1" dur="indefinite" restart="never" nodeType="tmRoot"/>
+      </p:par>
+    </p:tnLst>
+  </p:timing>
+</p:sld>
+</file>
+
+<file path=ppt/slides/slide35.xml><?xml version="1.0" encoding="utf-8"?>
+<p:sld xmlns:a="http://schemas.openxmlformats.org/drawingml/2006/main" xmlns:r="http://schemas.openxmlformats.org/officeDocument/2006/relationships" xmlns:p="http://schemas.openxmlformats.org/presentationml/2006/main">
+  <p:cSld>
+    <p:spTree>
+      <p:nvGrpSpPr>
+        <p:cNvPr id="1" name=""/>
+        <p:cNvGrpSpPr/>
+        <p:nvPr/>
+      </p:nvGrpSpPr>
+      <p:grpSpPr>
+        <a:xfrm>
+          <a:off x="0" y="0"/>
+          <a:ext cx="0" cy="0"/>
+          <a:chOff x="0" y="0"/>
+          <a:chExt cx="0" cy="0"/>
+        </a:xfrm>
+      </p:grpSpPr>
+      <p:pic>
+        <p:nvPicPr>
+          <p:cNvPr id="3074" name="Picture 2" descr="background.jpg (1280×960)"/>
+          <p:cNvPicPr>
+            <a:picLocks noChangeAspect="1" noChangeArrowheads="1"/>
+          </p:cNvPicPr>
+          <p:nvPr/>
+        </p:nvPicPr>
+        <p:blipFill>
+          <a:blip r:embed="rId2" cstate="print"/>
+          <a:srcRect/>
+          <a:stretch>
+            <a:fillRect/>
+          </a:stretch>
+        </p:blipFill>
+        <p:spPr bwMode="auto">
+          <a:xfrm>
+            <a:off x="0" y="0"/>
+            <a:ext cx="9143998" cy="6858000"/>
+          </a:xfrm>
+          <a:prstGeom prst="rect">
+            <a:avLst/>
+          </a:prstGeom>
+          <a:noFill/>
+        </p:spPr>
+      </p:pic>
+      <p:sp>
+        <p:nvSpPr>
+          <p:cNvPr id="3" name="Rectangle 2"/>
+          <p:cNvSpPr/>
+          <p:nvPr/>
+        </p:nvSpPr>
+        <p:spPr>
+          <a:xfrm>
+            <a:off x="2743200" y="3276600"/>
+            <a:ext cx="5562600" cy="1015663"/>
+          </a:xfrm>
+          <a:prstGeom prst="rect">
+            <a:avLst/>
+          </a:prstGeom>
+        </p:spPr>
+        <p:txBody>
+          <a:bodyPr wrap="square">
+            <a:spAutoFit/>
+          </a:bodyPr>
+          <a:lstStyle/>
+          <a:p>
+            <a:pPr algn="ctr"/>
+            <a:r>
+              <a:rPr lang="en-US" sz="6000" dirty="0" smtClean="0">
+                <a:latin typeface="Cambria" pitchFamily="18" charset="0"/>
+              </a:rPr>
+              <a:t>couple of hours!</a:t>
+            </a:r>
+            <a:endParaRPr lang="en-US" sz="6000" dirty="0">
+              <a:latin typeface="Cambria" pitchFamily="18" charset="0"/>
+            </a:endParaRPr>
+          </a:p>
+        </p:txBody>
+      </p:sp>
+    </p:spTree>
+  </p:cSld>
+  <p:clrMapOvr>
+    <a:masterClrMapping/>
+  </p:clrMapOvr>
+  <p:transition>
+    <p:fade/>
+  </p:transition>
+  <p:timing>
+    <p:tnLst>
+      <p:par>
+        <p:cTn id="1" dur="indefinite" restart="never" nodeType="tmRoot"/>
+      </p:par>
+    </p:tnLst>
+  </p:timing>
+</p:sld>
+</file>
+
+<file path=ppt/slides/slide36.xml><?xml version="1.0" encoding="utf-8"?>
+<p:sld xmlns:a="http://schemas.openxmlformats.org/drawingml/2006/main" xmlns:r="http://schemas.openxmlformats.org/officeDocument/2006/relationships" xmlns:p="http://schemas.openxmlformats.org/presentationml/2006/main">
+  <p:cSld>
+    <p:spTree>
+      <p:nvGrpSpPr>
+        <p:cNvPr id="1" name=""/>
+        <p:cNvGrpSpPr/>
+        <p:nvPr/>
+      </p:nvGrpSpPr>
+      <p:grpSpPr>
+        <a:xfrm>
+          <a:off x="0" y="0"/>
+          <a:ext cx="0" cy="0"/>
+          <a:chOff x="0" y="0"/>
+          <a:chExt cx="0" cy="0"/>
+        </a:xfrm>
+      </p:grpSpPr>
+      <p:sp>
+        <p:nvSpPr>
+          <p:cNvPr id="4" name="Rectangle 3"/>
+          <p:cNvSpPr/>
+          <p:nvPr/>
+        </p:nvSpPr>
+        <p:spPr>
+          <a:xfrm>
+            <a:off x="457200" y="2514600"/>
+            <a:ext cx="8229600" cy="1569660"/>
+          </a:xfrm>
+          <a:prstGeom prst="rect">
+            <a:avLst/>
+          </a:prstGeom>
+        </p:spPr>
+        <p:txBody>
+          <a:bodyPr wrap="square">
+            <a:spAutoFit/>
+          </a:bodyPr>
+          <a:lstStyle/>
+          <a:p>
+            <a:pPr algn="r"/>
+            <a:r>
+              <a:rPr lang="en-US" sz="4800" dirty="0" smtClean="0">
+                <a:latin typeface="Cambria" pitchFamily="18" charset="0"/>
+              </a:rPr>
+              <a:t>Release Early. Release Often. </a:t>
+            </a:r>
+          </a:p>
+          <a:p>
+            <a:pPr algn="r"/>
+            <a:r>
+              <a:rPr lang="en-US" sz="4800" dirty="0" smtClean="0">
+                <a:latin typeface="Cambria" pitchFamily="18" charset="0"/>
+              </a:rPr>
+              <a:t>And listen to your customers.</a:t>
+            </a:r>
+            <a:endParaRPr lang="en-US" sz="4800" dirty="0">
+              <a:latin typeface="Cambria" pitchFamily="18" charset="0"/>
+            </a:endParaRPr>
+          </a:p>
+        </p:txBody>
+      </p:sp>
+      <p:sp>
+        <p:nvSpPr>
+          <p:cNvPr id="6" name="Rectangle 5"/>
+          <p:cNvSpPr/>
+          <p:nvPr/>
+        </p:nvSpPr>
+        <p:spPr>
+          <a:xfrm>
+            <a:off x="1676400" y="5791200"/>
+            <a:ext cx="6858000" cy="369332"/>
+          </a:xfrm>
+          <a:prstGeom prst="rect">
+            <a:avLst/>
+          </a:prstGeom>
+        </p:spPr>
+        <p:txBody>
+          <a:bodyPr wrap="square">
+            <a:spAutoFit/>
+          </a:bodyPr>
+          <a:lstStyle/>
+          <a:p>
+            <a:pPr algn="r"/>
+            <a:r>
+              <a:rPr lang="pt-BR" dirty="0" smtClean="0"/>
+              <a:t>Eric S. Raymond (who credits Linus Torvalds)</a:t>
+            </a:r>
+            <a:endParaRPr lang="en-US" dirty="0" smtClean="0"/>
+          </a:p>
+        </p:txBody>
+      </p:sp>
+      <p:sp>
+        <p:nvSpPr>
+          <p:cNvPr id="7" name="TextBox 6"/>
+          <p:cNvSpPr txBox="1"/>
+          <p:nvPr/>
+        </p:nvSpPr>
+        <p:spPr>
+          <a:xfrm>
+            <a:off x="228600" y="-609600"/>
+            <a:ext cx="2667000" cy="4324261"/>
+          </a:xfrm>
+          <a:prstGeom prst="rect">
+            <a:avLst/>
+          </a:prstGeom>
+          <a:noFill/>
+          <a:scene3d>
+            <a:camera prst="orthographicFront">
+              <a:rot lat="0" lon="10800000" rev="10800000"/>
+            </a:camera>
+            <a:lightRig rig="threePt" dir="t"/>
+          </a:scene3d>
+        </p:spPr>
+        <p:txBody>
+          <a:bodyPr wrap="square" rtlCol="0">
+            <a:spAutoFit/>
+          </a:bodyPr>
+          <a:lstStyle/>
+          <a:p>
+            <a:r>
+              <a:rPr lang="pt-BR" sz="27500" b="1" dirty="0" smtClean="0">
+                <a:latin typeface="Times New Roman" pitchFamily="18" charset="0"/>
+                <a:cs typeface="Times New Roman" pitchFamily="18" charset="0"/>
+              </a:rPr>
+              <a:t>“</a:t>
+            </a:r>
+            <a:endParaRPr lang="en-US" sz="27500" b="1" dirty="0">
+              <a:latin typeface="Times New Roman" pitchFamily="18" charset="0"/>
+              <a:cs typeface="Times New Roman" pitchFamily="18" charset="0"/>
+            </a:endParaRPr>
           </a:p>
         </p:txBody>
       </p:sp>
@@ -8078,305 +9169,6 @@
   <p:cSld>
     <p:bg>
       <p:bgPr>
-        <a:gradFill>
-          <a:gsLst>
-            <a:gs pos="0">
-              <a:schemeClr val="tx2">
-                <a:lumMod val="20000"/>
-                <a:lumOff val="80000"/>
-              </a:schemeClr>
-            </a:gs>
-            <a:gs pos="100000">
-              <a:schemeClr val="tx2">
-                <a:lumMod val="60000"/>
-                <a:lumOff val="40000"/>
-              </a:schemeClr>
-            </a:gs>
-          </a:gsLst>
-          <a:lin ang="5400000" scaled="0"/>
-        </a:gradFill>
-        <a:effectLst/>
-      </p:bgPr>
-    </p:bg>
-    <p:spTree>
-      <p:nvGrpSpPr>
-        <p:cNvPr id="1" name=""/>
-        <p:cNvGrpSpPr/>
-        <p:nvPr/>
-      </p:nvGrpSpPr>
-      <p:grpSpPr>
-        <a:xfrm>
-          <a:off x="0" y="0"/>
-          <a:ext cx="0" cy="0"/>
-          <a:chOff x="0" y="0"/>
-          <a:chExt cx="0" cy="0"/>
-        </a:xfrm>
-      </p:grpSpPr>
-      <p:pic>
-        <p:nvPicPr>
-          <p:cNvPr id="1026" name="Picture 2"/>
-          <p:cNvPicPr>
-            <a:picLocks noChangeAspect="1" noChangeArrowheads="1"/>
-          </p:cNvPicPr>
-          <p:nvPr/>
-        </p:nvPicPr>
-        <p:blipFill>
-          <a:blip r:embed="rId2" cstate="print"/>
-          <a:srcRect/>
-          <a:stretch>
-            <a:fillRect/>
-          </a:stretch>
-        </p:blipFill>
-        <p:spPr bwMode="auto">
-          <a:xfrm>
-            <a:off x="0" y="457200"/>
-            <a:ext cx="9143999" cy="5140989"/>
-          </a:xfrm>
-          <a:prstGeom prst="rect">
-            <a:avLst/>
-          </a:prstGeom>
-          <a:noFill/>
-          <a:ln w="9525">
-            <a:noFill/>
-            <a:miter lim="800000"/>
-            <a:headEnd/>
-            <a:tailEnd/>
-          </a:ln>
-        </p:spPr>
-      </p:pic>
-    </p:spTree>
-  </p:cSld>
-  <p:clrMapOvr>
-    <a:masterClrMapping/>
-  </p:clrMapOvr>
-  <p:transition>
-    <p:fade/>
-  </p:transition>
-  <p:timing>
-    <p:tnLst>
-      <p:par>
-        <p:cTn id="1" dur="indefinite" restart="never" nodeType="tmRoot"/>
-      </p:par>
-    </p:tnLst>
-  </p:timing>
-</p:sld>
-</file>
-
-<file path=ppt/slides/slide6.xml><?xml version="1.0" encoding="utf-8"?>
-<p:sld xmlns:a="http://schemas.openxmlformats.org/drawingml/2006/main" xmlns:r="http://schemas.openxmlformats.org/officeDocument/2006/relationships" xmlns:p="http://schemas.openxmlformats.org/presentationml/2006/main">
-  <p:cSld>
-    <p:bg>
-      <p:bgPr>
-        <a:gradFill>
-          <a:gsLst>
-            <a:gs pos="0">
-              <a:schemeClr val="tx2">
-                <a:lumMod val="60000"/>
-                <a:lumOff val="40000"/>
-              </a:schemeClr>
-            </a:gs>
-            <a:gs pos="100000">
-              <a:schemeClr val="accent1">
-                <a:lumMod val="75000"/>
-              </a:schemeClr>
-            </a:gs>
-          </a:gsLst>
-          <a:lin ang="5400000" scaled="0"/>
-        </a:gradFill>
-        <a:effectLst/>
-      </p:bgPr>
-    </p:bg>
-    <p:spTree>
-      <p:nvGrpSpPr>
-        <p:cNvPr id="1" name=""/>
-        <p:cNvGrpSpPr/>
-        <p:nvPr/>
-      </p:nvGrpSpPr>
-      <p:grpSpPr>
-        <a:xfrm>
-          <a:off x="0" y="0"/>
-          <a:ext cx="0" cy="0"/>
-          <a:chOff x="0" y="0"/>
-          <a:chExt cx="0" cy="0"/>
-        </a:xfrm>
-      </p:grpSpPr>
-      <p:pic>
-        <p:nvPicPr>
-          <p:cNvPr id="3074" name="Picture 2"/>
-          <p:cNvPicPr>
-            <a:picLocks noChangeAspect="1" noChangeArrowheads="1"/>
-          </p:cNvPicPr>
-          <p:nvPr/>
-        </p:nvPicPr>
-        <p:blipFill>
-          <a:blip r:embed="rId2" cstate="print"/>
-          <a:srcRect/>
-          <a:stretch>
-            <a:fillRect/>
-          </a:stretch>
-        </p:blipFill>
-        <p:spPr bwMode="auto">
-          <a:xfrm>
-            <a:off x="2128838" y="1528763"/>
-            <a:ext cx="4886325" cy="3800475"/>
-          </a:xfrm>
-          <a:prstGeom prst="rect">
-            <a:avLst/>
-          </a:prstGeom>
-          <a:noFill/>
-          <a:ln w="9525">
-            <a:noFill/>
-            <a:miter lim="800000"/>
-            <a:headEnd/>
-            <a:tailEnd/>
-          </a:ln>
-        </p:spPr>
-      </p:pic>
-    </p:spTree>
-  </p:cSld>
-  <p:clrMapOvr>
-    <a:masterClrMapping/>
-  </p:clrMapOvr>
-  <p:transition>
-    <p:push dir="u"/>
-  </p:transition>
-  <p:timing>
-    <p:tnLst>
-      <p:par>
-        <p:cTn id="1" dur="indefinite" restart="never" nodeType="tmRoot"/>
-      </p:par>
-    </p:tnLst>
-  </p:timing>
-</p:sld>
-</file>
-
-<file path=ppt/slides/slide7.xml><?xml version="1.0" encoding="utf-8"?>
-<p:sld xmlns:a="http://schemas.openxmlformats.org/drawingml/2006/main" xmlns:r="http://schemas.openxmlformats.org/officeDocument/2006/relationships" xmlns:p="http://schemas.openxmlformats.org/presentationml/2006/main">
-  <p:cSld>
-    <p:bg>
-      <p:bgPr>
-        <a:gradFill>
-          <a:gsLst>
-            <a:gs pos="0">
-              <a:schemeClr val="accent1">
-                <a:lumMod val="75000"/>
-              </a:schemeClr>
-            </a:gs>
-            <a:gs pos="100000">
-              <a:schemeClr val="tx2">
-                <a:lumMod val="50000"/>
-              </a:schemeClr>
-            </a:gs>
-          </a:gsLst>
-          <a:lin ang="5400000" scaled="0"/>
-        </a:gradFill>
-        <a:effectLst/>
-      </p:bgPr>
-    </p:bg>
-    <p:spTree>
-      <p:nvGrpSpPr>
-        <p:cNvPr id="1" name=""/>
-        <p:cNvGrpSpPr/>
-        <p:nvPr/>
-      </p:nvGrpSpPr>
-      <p:grpSpPr>
-        <a:xfrm>
-          <a:off x="0" y="0"/>
-          <a:ext cx="0" cy="0"/>
-          <a:chOff x="0" y="0"/>
-          <a:chExt cx="0" cy="0"/>
-        </a:xfrm>
-      </p:grpSpPr>
-      <p:pic>
-        <p:nvPicPr>
-          <p:cNvPr id="4" name="Picture 4" descr="ccnet_logo.gif (235×54)"/>
-          <p:cNvPicPr>
-            <a:picLocks noChangeAspect="1" noChangeArrowheads="1"/>
-          </p:cNvPicPr>
-          <p:nvPr/>
-        </p:nvPicPr>
-        <p:blipFill>
-          <a:blip r:embed="rId3" cstate="print"/>
-          <a:srcRect/>
-          <a:stretch>
-            <a:fillRect/>
-          </a:stretch>
-        </p:blipFill>
-        <p:spPr bwMode="auto">
-          <a:xfrm>
-            <a:off x="2514600" y="3200400"/>
-            <a:ext cx="3979326" cy="914400"/>
-          </a:xfrm>
-          <a:prstGeom prst="rect">
-            <a:avLst/>
-          </a:prstGeom>
-          <a:noFill/>
-        </p:spPr>
-      </p:pic>
-      <p:sp>
-        <p:nvSpPr>
-          <p:cNvPr id="5" name="TextBox 4"/>
-          <p:cNvSpPr txBox="1"/>
-          <p:nvPr/>
-        </p:nvSpPr>
-        <p:spPr>
-          <a:xfrm>
-            <a:off x="0" y="1752600"/>
-            <a:ext cx="9144000" cy="1323439"/>
-          </a:xfrm>
-          <a:prstGeom prst="rect">
-            <a:avLst/>
-          </a:prstGeom>
-          <a:noFill/>
-        </p:spPr>
-        <p:txBody>
-          <a:bodyPr wrap="square" rtlCol="0">
-            <a:spAutoFit/>
-          </a:bodyPr>
-          <a:lstStyle/>
-          <a:p>
-            <a:pPr algn="ctr"/>
-            <a:r>
-              <a:rPr lang="pt-BR" sz="8000" dirty="0" smtClean="0">
-                <a:solidFill>
-                  <a:schemeClr val="bg1"/>
-                </a:solidFill>
-                <a:cs typeface="Consolas" pitchFamily="49" charset="0"/>
-              </a:rPr>
-              <a:t>Não é sobre</a:t>
-            </a:r>
-            <a:endParaRPr lang="en-US" sz="8000" dirty="0">
-              <a:solidFill>
-                <a:schemeClr val="bg1"/>
-              </a:solidFill>
-              <a:cs typeface="Consolas" pitchFamily="49" charset="0"/>
-            </a:endParaRPr>
-          </a:p>
-        </p:txBody>
-      </p:sp>
-    </p:spTree>
-  </p:cSld>
-  <p:clrMapOvr>
-    <a:masterClrMapping/>
-  </p:clrMapOvr>
-  <p:transition>
-    <p:push dir="u"/>
-  </p:transition>
-  <p:timing>
-    <p:tnLst>
-      <p:par>
-        <p:cTn id="1" dur="indefinite" restart="never" nodeType="tmRoot"/>
-      </p:par>
-    </p:tnLst>
-  </p:timing>
-</p:sld>
-</file>
-
-<file path=ppt/slides/slide8.xml><?xml version="1.0" encoding="utf-8"?>
-<p:sld xmlns:a="http://schemas.openxmlformats.org/drawingml/2006/main" xmlns:r="http://schemas.openxmlformats.org/officeDocument/2006/relationships" xmlns:p="http://schemas.openxmlformats.org/presentationml/2006/main">
-  <p:cSld>
-    <p:bg>
-      <p:bgPr>
         <a:solidFill>
           <a:schemeClr val="tx1"/>
         </a:solidFill>
@@ -8423,6 +9215,368 @@
           <a:noFill/>
         </p:spPr>
       </p:pic>
+      <p:sp>
+        <p:nvSpPr>
+          <p:cNvPr id="3" name="Rectangle 2"/>
+          <p:cNvSpPr/>
+          <p:nvPr/>
+        </p:nvSpPr>
+        <p:spPr>
+          <a:xfrm>
+            <a:off x="3124200" y="762000"/>
+            <a:ext cx="6019800" cy="707886"/>
+          </a:xfrm>
+          <a:prstGeom prst="rect">
+            <a:avLst/>
+          </a:prstGeom>
+        </p:spPr>
+        <p:txBody>
+          <a:bodyPr wrap="square">
+            <a:spAutoFit/>
+          </a:bodyPr>
+          <a:lstStyle/>
+          <a:p>
+            <a:pPr algn="r"/>
+            <a:r>
+              <a:rPr lang="en-US" sz="4000" b="1" dirty="0" err="1" smtClean="0">
+                <a:ln w="28575">
+                  <a:solidFill>
+                    <a:schemeClr val="tx1"/>
+                  </a:solidFill>
+                </a:ln>
+                <a:solidFill>
+                  <a:srgbClr val="FFFF00"/>
+                </a:solidFill>
+                <a:latin typeface="+mj-lt"/>
+              </a:rPr>
+              <a:t>Muitas</a:t>
+            </a:r>
+            <a:r>
+              <a:rPr lang="en-US" sz="4000" b="1" dirty="0" smtClean="0">
+                <a:ln w="28575">
+                  <a:solidFill>
+                    <a:schemeClr val="tx1"/>
+                  </a:solidFill>
+                </a:ln>
+                <a:solidFill>
+                  <a:srgbClr val="FFFF00"/>
+                </a:solidFill>
+                <a:latin typeface="+mj-lt"/>
+              </a:rPr>
+              <a:t> </a:t>
+            </a:r>
+            <a:r>
+              <a:rPr lang="en-US" sz="4000" b="1" dirty="0" err="1" smtClean="0">
+                <a:ln w="28575">
+                  <a:solidFill>
+                    <a:schemeClr val="tx1"/>
+                  </a:solidFill>
+                </a:ln>
+                <a:solidFill>
+                  <a:srgbClr val="FFFF00"/>
+                </a:solidFill>
+                <a:latin typeface="+mj-lt"/>
+              </a:rPr>
+              <a:t>Ferramentas</a:t>
+            </a:r>
+            <a:endParaRPr lang="en-US" sz="4000" b="1" dirty="0">
+              <a:ln w="28575">
+                <a:solidFill>
+                  <a:schemeClr val="tx1"/>
+                </a:solidFill>
+              </a:ln>
+              <a:solidFill>
+                <a:srgbClr val="FFFF00"/>
+              </a:solidFill>
+              <a:latin typeface="+mj-lt"/>
+            </a:endParaRPr>
+          </a:p>
+        </p:txBody>
+      </p:sp>
+    </p:spTree>
+  </p:cSld>
+  <p:clrMapOvr>
+    <a:masterClrMapping/>
+  </p:clrMapOvr>
+  <p:transition>
+    <p:fade/>
+  </p:transition>
+  <p:timing>
+    <p:tnLst>
+      <p:par>
+        <p:cTn id="1" dur="indefinite" restart="never" nodeType="tmRoot"/>
+      </p:par>
+    </p:tnLst>
+  </p:timing>
+</p:sld>
+</file>
+
+<file path=ppt/slides/slide6.xml><?xml version="1.0" encoding="utf-8"?>
+<p:sld xmlns:a="http://schemas.openxmlformats.org/drawingml/2006/main" xmlns:r="http://schemas.openxmlformats.org/officeDocument/2006/relationships" xmlns:p="http://schemas.openxmlformats.org/presentationml/2006/main">
+  <p:cSld>
+    <p:bg>
+      <p:bgPr>
+        <a:solidFill>
+          <a:schemeClr val="tx2">
+            <a:lumMod val="50000"/>
+          </a:schemeClr>
+        </a:solidFill>
+        <a:effectLst/>
+      </p:bgPr>
+    </p:bg>
+    <p:spTree>
+      <p:nvGrpSpPr>
+        <p:cNvPr id="1" name=""/>
+        <p:cNvGrpSpPr/>
+        <p:nvPr/>
+      </p:nvGrpSpPr>
+      <p:grpSpPr>
+        <a:xfrm>
+          <a:off x="0" y="0"/>
+          <a:ext cx="0" cy="0"/>
+          <a:chOff x="0" y="0"/>
+          <a:chExt cx="0" cy="0"/>
+        </a:xfrm>
+      </p:grpSpPr>
+      <p:pic>
+        <p:nvPicPr>
+          <p:cNvPr id="35848" name="Picture 8" descr="landscape-cruise-diagram.jpg (400×283)"/>
+          <p:cNvPicPr>
+            <a:picLocks noChangeAspect="1" noChangeArrowheads="1"/>
+          </p:cNvPicPr>
+          <p:nvPr/>
+        </p:nvPicPr>
+        <p:blipFill>
+          <a:blip r:embed="rId3" cstate="print"/>
+          <a:srcRect/>
+          <a:stretch>
+            <a:fillRect/>
+          </a:stretch>
+        </p:blipFill>
+        <p:spPr bwMode="auto">
+          <a:xfrm>
+            <a:off x="-10767" y="0"/>
+            <a:ext cx="9154767" cy="6858000"/>
+          </a:xfrm>
+          <a:prstGeom prst="rect">
+            <a:avLst/>
+          </a:prstGeom>
+          <a:noFill/>
+        </p:spPr>
+      </p:pic>
+    </p:spTree>
+  </p:cSld>
+  <p:clrMapOvr>
+    <a:masterClrMapping/>
+  </p:clrMapOvr>
+  <p:transition>
+    <p:fade/>
+  </p:transition>
+  <p:timing>
+    <p:tnLst>
+      <p:par>
+        <p:cTn id="1" dur="indefinite" restart="never" nodeType="tmRoot"/>
+      </p:par>
+    </p:tnLst>
+  </p:timing>
+</p:sld>
+</file>
+
+<file path=ppt/slides/slide7.xml><?xml version="1.0" encoding="utf-8"?>
+<p:sld xmlns:a="http://schemas.openxmlformats.org/drawingml/2006/main" xmlns:r="http://schemas.openxmlformats.org/officeDocument/2006/relationships" xmlns:p="http://schemas.openxmlformats.org/presentationml/2006/main">
+  <p:cSld>
+    <p:bg>
+      <p:bgPr>
+        <a:solidFill>
+          <a:schemeClr val="tx2">
+            <a:lumMod val="50000"/>
+          </a:schemeClr>
+        </a:solidFill>
+        <a:effectLst/>
+      </p:bgPr>
+    </p:bg>
+    <p:spTree>
+      <p:nvGrpSpPr>
+        <p:cNvPr id="1" name=""/>
+        <p:cNvGrpSpPr/>
+        <p:nvPr/>
+      </p:nvGrpSpPr>
+      <p:grpSpPr>
+        <a:xfrm>
+          <a:off x="0" y="0"/>
+          <a:ext cx="0" cy="0"/>
+          <a:chOff x="0" y="0"/>
+          <a:chExt cx="0" cy="0"/>
+        </a:xfrm>
+      </p:grpSpPr>
+      <p:pic>
+        <p:nvPicPr>
+          <p:cNvPr id="1026" name="Picture 2" descr="package1.jpg (1121×750)"/>
+          <p:cNvPicPr>
+            <a:picLocks noChangeAspect="1" noChangeArrowheads="1"/>
+          </p:cNvPicPr>
+          <p:nvPr/>
+        </p:nvPicPr>
+        <p:blipFill>
+          <a:blip r:embed="rId3" cstate="print"/>
+          <a:srcRect/>
+          <a:stretch>
+            <a:fillRect/>
+          </a:stretch>
+        </p:blipFill>
+        <p:spPr bwMode="auto">
+          <a:xfrm>
+            <a:off x="0" y="304800"/>
+            <a:ext cx="9143999" cy="6117751"/>
+          </a:xfrm>
+          <a:prstGeom prst="rect">
+            <a:avLst/>
+          </a:prstGeom>
+          <a:noFill/>
+        </p:spPr>
+      </p:pic>
+      <p:sp>
+        <p:nvSpPr>
+          <p:cNvPr id="6" name="Rectangle 5"/>
+          <p:cNvSpPr/>
+          <p:nvPr/>
+        </p:nvSpPr>
+        <p:spPr>
+          <a:xfrm>
+            <a:off x="2971800" y="5486400"/>
+            <a:ext cx="6019800" cy="707886"/>
+          </a:xfrm>
+          <a:prstGeom prst="rect">
+            <a:avLst/>
+          </a:prstGeom>
+        </p:spPr>
+        <p:txBody>
+          <a:bodyPr wrap="square">
+            <a:spAutoFit/>
+          </a:bodyPr>
+          <a:lstStyle/>
+          <a:p>
+            <a:pPr algn="r"/>
+            <a:r>
+              <a:rPr lang="en-US" sz="4000" b="1" dirty="0" err="1" smtClean="0"/>
+              <a:t>Unidade</a:t>
+            </a:r>
+            <a:r>
+              <a:rPr lang="en-US" sz="4000" b="1" dirty="0" smtClean="0"/>
+              <a:t> de </a:t>
+            </a:r>
+            <a:r>
+              <a:rPr lang="en-US" sz="4000" b="1" dirty="0" err="1" smtClean="0"/>
+              <a:t>Trabalho</a:t>
+            </a:r>
+            <a:endParaRPr lang="en-US" sz="4000" b="1" dirty="0"/>
+          </a:p>
+        </p:txBody>
+      </p:sp>
+    </p:spTree>
+  </p:cSld>
+  <p:clrMapOvr>
+    <a:masterClrMapping/>
+  </p:clrMapOvr>
+  <p:transition>
+    <p:fade/>
+  </p:transition>
+  <p:timing>
+    <p:tnLst>
+      <p:par>
+        <p:cTn id="1" dur="indefinite" restart="never" nodeType="tmRoot"/>
+      </p:par>
+    </p:tnLst>
+  </p:timing>
+</p:sld>
+</file>
+
+<file path=ppt/slides/slide8.xml><?xml version="1.0" encoding="utf-8"?>
+<p:sld xmlns:a="http://schemas.openxmlformats.org/drawingml/2006/main" xmlns:r="http://schemas.openxmlformats.org/officeDocument/2006/relationships" xmlns:p="http://schemas.openxmlformats.org/presentationml/2006/main">
+  <p:cSld>
+    <p:bg>
+      <p:bgPr>
+        <a:solidFill>
+          <a:schemeClr val="tx2">
+            <a:lumMod val="50000"/>
+          </a:schemeClr>
+        </a:solidFill>
+        <a:effectLst/>
+      </p:bgPr>
+    </p:bg>
+    <p:spTree>
+      <p:nvGrpSpPr>
+        <p:cNvPr id="1" name=""/>
+        <p:cNvGrpSpPr/>
+        <p:nvPr/>
+      </p:nvGrpSpPr>
+      <p:grpSpPr>
+        <a:xfrm>
+          <a:off x="0" y="0"/>
+          <a:ext cx="0" cy="0"/>
+          <a:chOff x="0" y="0"/>
+          <a:chExt cx="0" cy="0"/>
+        </a:xfrm>
+      </p:grpSpPr>
+      <p:pic>
+        <p:nvPicPr>
+          <p:cNvPr id="48130" name="Picture 2" descr="20100515-mainline.jpg (500×333)"/>
+          <p:cNvPicPr>
+            <a:picLocks noChangeAspect="1" noChangeArrowheads="1"/>
+          </p:cNvPicPr>
+          <p:nvPr/>
+        </p:nvPicPr>
+        <p:blipFill>
+          <a:blip r:embed="rId3" cstate="print"/>
+          <a:srcRect/>
+          <a:stretch>
+            <a:fillRect/>
+          </a:stretch>
+        </p:blipFill>
+        <p:spPr bwMode="auto">
+          <a:xfrm>
+            <a:off x="-9150" y="381000"/>
+            <a:ext cx="9153150" cy="6096000"/>
+          </a:xfrm>
+          <a:prstGeom prst="rect">
+            <a:avLst/>
+          </a:prstGeom>
+          <a:noFill/>
+        </p:spPr>
+      </p:pic>
+      <p:sp>
+        <p:nvSpPr>
+          <p:cNvPr id="4" name="Rectangle 3"/>
+          <p:cNvSpPr/>
+          <p:nvPr/>
+        </p:nvSpPr>
+        <p:spPr>
+          <a:xfrm>
+            <a:off x="228600" y="533400"/>
+            <a:ext cx="6019800" cy="707886"/>
+          </a:xfrm>
+          <a:prstGeom prst="rect">
+            <a:avLst/>
+          </a:prstGeom>
+        </p:spPr>
+        <p:txBody>
+          <a:bodyPr wrap="square">
+            <a:spAutoFit/>
+          </a:bodyPr>
+          <a:lstStyle/>
+          <a:p>
+            <a:r>
+              <a:rPr lang="en-US" sz="4000" b="1" dirty="0" smtClean="0">
+                <a:latin typeface="+mj-lt"/>
+              </a:rPr>
+              <a:t>Mainline</a:t>
+            </a:r>
+            <a:endParaRPr lang="en-US" sz="4000" b="1" dirty="0">
+              <a:latin typeface="+mj-lt"/>
+            </a:endParaRPr>
+          </a:p>
+        </p:txBody>
+      </p:sp>
     </p:spTree>
   </p:cSld>
   <p:clrMapOvr>
@@ -8446,21 +9600,9 @@
   <p:cSld>
     <p:bg>
       <p:bgPr>
-        <a:gradFill>
-          <a:gsLst>
-            <a:gs pos="0">
-              <a:schemeClr val="tx2">
-                <a:lumMod val="50000"/>
-              </a:schemeClr>
-            </a:gs>
-            <a:gs pos="100000">
-              <a:schemeClr val="accent1">
-                <a:lumMod val="75000"/>
-              </a:schemeClr>
-            </a:gs>
-          </a:gsLst>
-          <a:lin ang="5400000" scaled="0"/>
-        </a:gradFill>
+        <a:solidFill>
+          <a:schemeClr val="tx1"/>
+        </a:solidFill>
         <a:effectLst/>
       </p:bgPr>
     </p:bg>
@@ -8480,7 +9622,7 @@
       </p:grpSpPr>
       <p:pic>
         <p:nvPicPr>
-          <p:cNvPr id="31746" name="Picture 2" descr="3384877145_97b7b495e1_o.png (250×268)"/>
+          <p:cNvPr id="50178" name="Picture 2" descr="heisenberg-lg.jpg (285×346)"/>
           <p:cNvPicPr>
             <a:picLocks noChangeAspect="1" noChangeArrowheads="1"/>
           </p:cNvPicPr>
@@ -8495,112 +9637,8 @@
         </p:blipFill>
         <p:spPr bwMode="auto">
           <a:xfrm>
-            <a:off x="533400" y="4305300"/>
-            <a:ext cx="2381250" cy="2552700"/>
-          </a:xfrm>
-          <a:prstGeom prst="rect">
-            <a:avLst/>
-          </a:prstGeom>
-          <a:noFill/>
-        </p:spPr>
-      </p:pic>
-      <p:pic>
-        <p:nvPicPr>
-          <p:cNvPr id="31748" name="Picture 4" descr="ccnet_logo.gif (235×54)"/>
-          <p:cNvPicPr>
-            <a:picLocks noChangeAspect="1" noChangeArrowheads="1"/>
-          </p:cNvPicPr>
-          <p:nvPr/>
-        </p:nvPicPr>
-        <p:blipFill>
-          <a:blip r:embed="rId4" cstate="print"/>
-          <a:srcRect/>
-          <a:stretch>
-            <a:fillRect/>
-          </a:stretch>
-        </p:blipFill>
-        <p:spPr bwMode="auto">
-          <a:xfrm>
-            <a:off x="3124200" y="2590800"/>
-            <a:ext cx="3369726" cy="774321"/>
-          </a:xfrm>
-          <a:prstGeom prst="rect">
-            <a:avLst/>
-          </a:prstGeom>
-          <a:noFill/>
-        </p:spPr>
-      </p:pic>
-      <p:pic>
-        <p:nvPicPr>
-          <p:cNvPr id="31750" name="Picture 6" descr="resize (500×500)"/>
-          <p:cNvPicPr>
-            <a:picLocks noChangeAspect="1" noChangeArrowheads="1"/>
-          </p:cNvPicPr>
-          <p:nvPr/>
-        </p:nvPicPr>
-        <p:blipFill>
-          <a:blip r:embed="rId5" cstate="print"/>
-          <a:srcRect/>
-          <a:stretch>
-            <a:fillRect/>
-          </a:stretch>
-        </p:blipFill>
-        <p:spPr bwMode="auto">
-          <a:xfrm>
-            <a:off x="6781800" y="4191000"/>
-            <a:ext cx="2057400" cy="2057400"/>
-          </a:xfrm>
-          <a:prstGeom prst="rect">
-            <a:avLst/>
-          </a:prstGeom>
-          <a:noFill/>
-        </p:spPr>
-      </p:pic>
-      <p:pic>
-        <p:nvPicPr>
-          <p:cNvPr id="31752" name="Picture 8" descr="teamcity512.png (512×512)"/>
-          <p:cNvPicPr>
-            <a:picLocks noChangeAspect="1" noChangeArrowheads="1"/>
-          </p:cNvPicPr>
-          <p:nvPr/>
-        </p:nvPicPr>
-        <p:blipFill>
-          <a:blip r:embed="rId6" cstate="print"/>
-          <a:srcRect/>
-          <a:stretch>
-            <a:fillRect/>
-          </a:stretch>
-        </p:blipFill>
-        <p:spPr bwMode="auto">
-          <a:xfrm>
-            <a:off x="3657600" y="4191000"/>
-            <a:ext cx="1981200" cy="1981201"/>
-          </a:xfrm>
-          <a:prstGeom prst="rect">
-            <a:avLst/>
-          </a:prstGeom>
-          <a:noFill/>
-        </p:spPr>
-      </p:pic>
-      <p:pic>
-        <p:nvPicPr>
-          <p:cNvPr id="30722" name="Picture 2" descr="CruiseControl"/>
-          <p:cNvPicPr>
-            <a:picLocks noChangeAspect="1" noChangeArrowheads="1"/>
-          </p:cNvPicPr>
-          <p:nvPr/>
-        </p:nvPicPr>
-        <p:blipFill>
-          <a:blip r:embed="rId7" cstate="print"/>
-          <a:srcRect/>
-          <a:stretch>
-            <a:fillRect/>
-          </a:stretch>
-        </p:blipFill>
-        <p:spPr bwMode="auto">
-          <a:xfrm>
-            <a:off x="228600" y="2667000"/>
-            <a:ext cx="2667000" cy="574431"/>
+            <a:off x="2895600" y="533400"/>
+            <a:ext cx="3657600" cy="4440456"/>
           </a:xfrm>
           <a:prstGeom prst="rect">
             <a:avLst/>
@@ -8608,140 +9646,51 @@
           <a:noFill/>
           <a:ln>
             <a:solidFill>
-              <a:schemeClr val="tx1"/>
+              <a:schemeClr val="bg1"/>
             </a:solidFill>
           </a:ln>
         </p:spPr>
       </p:pic>
-      <p:pic>
-        <p:nvPicPr>
-          <p:cNvPr id="30724" name="Picture 4" descr="http://continuum.apache.org/images/continuum_logo_75.gif"/>
-          <p:cNvPicPr>
-            <a:picLocks noChangeAspect="1" noChangeArrowheads="1"/>
-          </p:cNvPicPr>
+      <p:sp>
+        <p:nvSpPr>
+          <p:cNvPr id="6" name="Rectangle 5"/>
+          <p:cNvSpPr/>
           <p:nvPr/>
-        </p:nvPicPr>
-        <p:blipFill>
-          <a:blip r:embed="rId8" cstate="print"/>
-          <a:srcRect/>
-          <a:stretch>
-            <a:fillRect/>
-          </a:stretch>
-        </p:blipFill>
-        <p:spPr bwMode="auto">
-          <a:xfrm>
-            <a:off x="6858000" y="2667000"/>
-            <a:ext cx="2019300" cy="628651"/>
+        </p:nvSpPr>
+        <p:spPr>
+          <a:xfrm>
+            <a:off x="0" y="5334000"/>
+            <a:ext cx="9144000" cy="830997"/>
           </a:xfrm>
           <a:prstGeom prst="rect">
             <a:avLst/>
           </a:prstGeom>
-          <a:noFill/>
-          <a:ln>
-            <a:solidFill>
-              <a:schemeClr val="tx1"/>
-            </a:solidFill>
-          </a:ln>
-        </p:spPr>
-      </p:pic>
-      <p:pic>
-        <p:nvPicPr>
-          <p:cNvPr id="30726" name="Picture 6" descr="Apache Gump™"/>
-          <p:cNvPicPr>
-            <a:picLocks noChangeAspect="1" noChangeArrowheads="1"/>
-          </p:cNvPicPr>
-          <p:nvPr/>
-        </p:nvPicPr>
-        <p:blipFill>
-          <a:blip r:embed="rId9" cstate="print"/>
-          <a:srcRect/>
-          <a:stretch>
-            <a:fillRect/>
-          </a:stretch>
-        </p:blipFill>
-        <p:spPr bwMode="auto">
-          <a:xfrm>
-            <a:off x="6781800" y="762000"/>
-            <a:ext cx="2124075" cy="676276"/>
-          </a:xfrm>
-          <a:prstGeom prst="rect">
-            <a:avLst/>
-          </a:prstGeom>
-          <a:noFill/>
-          <a:ln>
-            <a:solidFill>
-              <a:schemeClr val="tx1"/>
-            </a:solidFill>
-          </a:ln>
-        </p:spPr>
-      </p:pic>
-      <p:pic>
-        <p:nvPicPr>
-          <p:cNvPr id="30728" name="Picture 8" descr="Cruise_logo_large"/>
-          <p:cNvPicPr>
-            <a:picLocks noChangeAspect="1" noChangeArrowheads="1"/>
-          </p:cNvPicPr>
-          <p:nvPr/>
-        </p:nvPicPr>
-        <p:blipFill>
-          <a:blip r:embed="rId10" cstate="print"/>
-          <a:srcRect/>
-          <a:stretch>
-            <a:fillRect/>
-          </a:stretch>
-        </p:blipFill>
-        <p:spPr bwMode="auto">
-          <a:xfrm>
-            <a:off x="3276600" y="838200"/>
-            <a:ext cx="3048000" cy="515640"/>
-          </a:xfrm>
-          <a:prstGeom prst="rect">
-            <a:avLst/>
-          </a:prstGeom>
-          <a:solidFill>
-            <a:schemeClr val="bg1"/>
-          </a:solidFill>
-          <a:ln>
-            <a:solidFill>
-              <a:schemeClr val="tx1"/>
-            </a:solidFill>
-          </a:ln>
-        </p:spPr>
-      </p:pic>
-      <p:pic>
-        <p:nvPicPr>
-          <p:cNvPr id="30729" name="Picture 9"/>
-          <p:cNvPicPr>
-            <a:picLocks noChangeAspect="1" noChangeArrowheads="1"/>
-          </p:cNvPicPr>
-          <p:nvPr/>
-        </p:nvPicPr>
-        <p:blipFill>
-          <a:blip r:embed="rId11" cstate="print"/>
-          <a:srcRect/>
-          <a:stretch>
-            <a:fillRect/>
-          </a:stretch>
-        </p:blipFill>
-        <p:spPr bwMode="auto">
-          <a:xfrm>
-            <a:off x="381000" y="533400"/>
-            <a:ext cx="2495550" cy="971550"/>
-          </a:xfrm>
-          <a:prstGeom prst="rect">
-            <a:avLst/>
-          </a:prstGeom>
-          <a:noFill/>
-          <a:ln w="9525">
-            <a:solidFill>
-              <a:schemeClr val="tx1"/>
-            </a:solidFill>
-            <a:miter lim="800000"/>
-            <a:headEnd/>
-            <a:tailEnd/>
-          </a:ln>
-        </p:spPr>
-      </p:pic>
+        </p:spPr>
+        <p:txBody>
+          <a:bodyPr wrap="square">
+            <a:spAutoFit/>
+          </a:bodyPr>
+          <a:lstStyle/>
+          <a:p>
+            <a:pPr algn="ctr"/>
+            <a:r>
+              <a:rPr lang="en-US" sz="4800" dirty="0" smtClean="0">
+                <a:solidFill>
+                  <a:schemeClr val="bg1"/>
+                </a:solidFill>
+                <a:latin typeface="Cambria" pitchFamily="18" charset="0"/>
+              </a:rPr>
+              <a:t>Werner Heisenberg </a:t>
+            </a:r>
+            <a:endParaRPr lang="en-US" sz="4800" dirty="0">
+              <a:solidFill>
+                <a:schemeClr val="bg1"/>
+              </a:solidFill>
+              <a:latin typeface="Cambria" pitchFamily="18" charset="0"/>
+            </a:endParaRPr>
+          </a:p>
+        </p:txBody>
+      </p:sp>
     </p:spTree>
   </p:cSld>
   <p:clrMapOvr>
